--- a/lession1/kubernetes第一课.pptx
+++ b/lession1/kubernetes第一课.pptx
@@ -16,12 +16,13 @@
     <p:sldId id="260" r:id="rId9"/>
     <p:sldId id="312" r:id="rId10"/>
     <p:sldId id="337" r:id="rId11"/>
-    <p:sldId id="263" r:id="rId12"/>
-    <p:sldId id="339" r:id="rId13"/>
-    <p:sldId id="340" r:id="rId14"/>
-    <p:sldId id="265" r:id="rId15"/>
-    <p:sldId id="266" r:id="rId16"/>
-    <p:sldId id="267" r:id="rId17"/>
+    <p:sldId id="344" r:id="rId12"/>
+    <p:sldId id="263" r:id="rId13"/>
+    <p:sldId id="339" r:id="rId14"/>
+    <p:sldId id="340" r:id="rId15"/>
+    <p:sldId id="265" r:id="rId16"/>
+    <p:sldId id="266" r:id="rId17"/>
+    <p:sldId id="267" r:id="rId18"/>
   </p:sldIdLst>
   <p:sldSz cx="9144000" cy="6858000"/>
   <p:notesSz cx="6858000" cy="9144000"/>
@@ -1425,6 +1426,111 @@
 </file>
 
 <file path=ppt/notesSlides/notesSlide6.xml><?xml version="1.0" encoding="utf-8"?>
+<p:notes xmlns:a="http://schemas.openxmlformats.org/drawingml/2006/main" xmlns:r="http://schemas.openxmlformats.org/officeDocument/2006/relationships" xmlns:p="http://schemas.openxmlformats.org/presentationml/2006/main" showMasterSp="0">
+  <p:cSld>
+    <p:bg>
+      <p:bgPr>
+        <a:solidFill>
+          <a:srgbClr val="FFFFFF"/>
+        </a:solidFill>
+        <a:effectLst/>
+      </p:bgPr>
+    </p:bg>
+    <p:spTree>
+      <p:nvGrpSpPr>
+        <p:cNvPr id="1" name=""/>
+        <p:cNvGrpSpPr/>
+        <p:nvPr/>
+      </p:nvGrpSpPr>
+      <p:grpSpPr/>
+      <p:sp>
+        <p:nvSpPr>
+          <p:cNvPr id="23554" name="幻灯片图像占位符 23553"/>
+          <p:cNvSpPr>
+            <a:spLocks noGrp="1"/>
+          </p:cNvSpPr>
+          <p:nvPr>
+            <p:ph type="sldImg"/>
+          </p:nvPr>
+        </p:nvSpPr>
+        <p:spPr>
+          <a:ln w="1"/>
+        </p:spPr>
+      </p:sp>
+      <p:sp>
+        <p:nvSpPr>
+          <p:cNvPr id="23555" name="文本占位符 23554"/>
+          <p:cNvSpPr>
+            <a:spLocks noGrp="1"/>
+          </p:cNvSpPr>
+          <p:nvPr>
+            <p:ph type="body"/>
+          </p:nvPr>
+        </p:nvSpPr>
+        <p:spPr>
+          <a:ln w="1"/>
+        </p:spPr>
+        <p:txBody>
+          <a:bodyPr anchor="ctr" anchorCtr="0"/>
+          <a:p>
+            <a:pPr lvl="0"/>
+            <a:endParaRPr lang="zh-CN" altLang="en-US" dirty="0">
+              <a:ea typeface="宋体" pitchFamily="2" charset="-122"/>
+            </a:endParaRPr>
+          </a:p>
+          <a:p>
+            <a:pPr lvl="0"/>
+            <a:endParaRPr lang="zh-CN" altLang="en-US" dirty="0">
+              <a:ea typeface="宋体" pitchFamily="2" charset="-122"/>
+            </a:endParaRPr>
+          </a:p>
+          <a:p>
+            <a:pPr lvl="0"/>
+            <a:endParaRPr lang="zh-CN" altLang="en-US" dirty="0">
+              <a:ea typeface="宋体" pitchFamily="2" charset="-122"/>
+            </a:endParaRPr>
+          </a:p>
+          <a:p>
+            <a:pPr lvl="0"/>
+            <a:endParaRPr lang="zh-CN" altLang="en-US" dirty="0">
+              <a:ea typeface="宋体" pitchFamily="2" charset="-122"/>
+            </a:endParaRPr>
+          </a:p>
+          <a:p>
+            <a:pPr lvl="0"/>
+            <a:endParaRPr lang="zh-CN" altLang="en-US" dirty="0">
+              <a:ea typeface="宋体" pitchFamily="2" charset="-122"/>
+            </a:endParaRPr>
+          </a:p>
+          <a:p>
+            <a:pPr lvl="0"/>
+            <a:endParaRPr lang="zh-CN" altLang="en-US" dirty="0">
+              <a:cs typeface="Arial" panose="020B0704020202020204" pitchFamily="34" charset="0"/>
+            </a:endParaRPr>
+          </a:p>
+          <a:p>
+            <a:pPr lvl="0"/>
+            <a:endParaRPr lang="zh-CN" altLang="en-US" dirty="0">
+              <a:cs typeface="Arial" panose="020B0704020202020204" pitchFamily="34" charset="0"/>
+            </a:endParaRPr>
+          </a:p>
+          <a:p>
+            <a:pPr lvl="0"/>
+            <a:endParaRPr lang="zh-CN" altLang="en-US" dirty="0">
+              <a:ea typeface="Arial" panose="020B0704020202020204" pitchFamily="34" charset="0"/>
+            </a:endParaRPr>
+          </a:p>
+        </p:txBody>
+      </p:sp>
+    </p:spTree>
+  </p:cSld>
+  <p:clrMapOvr>
+    <a:overrideClrMapping bg1="lt1" tx1="dk1" bg2="lt2" tx2="dk2" accent1="accent1" accent2="accent2" accent3="accent3" accent4="accent4" accent5="accent5" accent6="accent6" hlink="hlink" folHlink="folHlink"/>
+  </p:clrMapOvr>
+</p:notes>
+</file>
+
+<file path=ppt/notesSlides/notesSlide7.xml><?xml version="1.0" encoding="utf-8"?>
 <p:notes xmlns:a="http://schemas.openxmlformats.org/drawingml/2006/main" xmlns:r="http://schemas.openxmlformats.org/officeDocument/2006/relationships" xmlns:p="http://schemas.openxmlformats.org/presentationml/2006/main" showMasterSp="0">
   <p:cSld>
     <p:bg>
@@ -7139,7 +7245,7 @@
       </p:pic>
       <p:pic>
         <p:nvPicPr>
-          <p:cNvPr id="3" name="图片 2" descr="image-1"/>
+          <p:cNvPr id="2" name="图片 1" descr="image"/>
           <p:cNvPicPr>
             <a:picLocks noChangeAspect="1"/>
           </p:cNvPicPr>
@@ -7153,8 +7259,8 @@
         </p:blipFill>
         <p:spPr>
           <a:xfrm>
-            <a:off x="899795" y="1052830"/>
-            <a:ext cx="7141845" cy="2884805"/>
+            <a:off x="755650" y="1485900"/>
+            <a:ext cx="7470140" cy="2936875"/>
           </a:xfrm>
           <a:prstGeom prst="rect">
             <a:avLst/>
@@ -7163,14 +7269,14 @@
       </p:pic>
       <p:sp>
         <p:nvSpPr>
-          <p:cNvPr id="4" name="文本框 3"/>
+          <p:cNvPr id="3" name="文本框 2"/>
           <p:cNvSpPr txBox="1"/>
           <p:nvPr/>
         </p:nvSpPr>
         <p:spPr>
           <a:xfrm>
-            <a:off x="1043305" y="4653280"/>
-            <a:ext cx="3048000" cy="1753235"/>
+            <a:off x="1331595" y="5229225"/>
+            <a:ext cx="6275705" cy="645160"/>
           </a:xfrm>
           <a:prstGeom prst="rect">
             <a:avLst/>
@@ -7183,153 +7289,48 @@
           </a:bodyPr>
           <a:p>
             <a:r>
+              <a:rPr lang="en-US" altLang="zh-CN"/>
+              <a:t>Dev：</a:t>
+            </a:r>
+            <a:r>
               <a:rPr lang="zh-CN" altLang="en-US"/>
-              <a:t>控制面板</a:t>
+              <a:t>描述应用需要哪些资源</a:t>
             </a:r>
             <a:r>
               <a:rPr lang="en-US" altLang="zh-CN"/>
-              <a:t>：</a:t>
+              <a:t>，</a:t>
+            </a:r>
+            <a:r>
+              <a:rPr lang="zh-CN" altLang="en-US"/>
+              <a:t>部署位置</a:t>
+            </a:r>
+            <a:r>
+              <a:rPr lang="en-US" altLang="zh-CN"/>
+              <a:t>，</a:t>
+            </a:r>
+            <a:r>
+              <a:rPr lang="zh-CN" altLang="en-US"/>
+              <a:t>以及依赖关系</a:t>
+            </a:r>
+            <a:r>
+              <a:rPr lang="en-US" altLang="zh-CN"/>
+              <a:t>  </a:t>
             </a:r>
             <a:endParaRPr lang="en-US" altLang="zh-CN"/>
           </a:p>
           <a:p>
-            <a:pPr marL="285750" indent="-285750">
-              <a:buFont typeface="Arial" panose="020B0704020202020204" pitchFamily="34" charset="0"/>
-              <a:buChar char="•"/>
-            </a:pPr>
             <a:r>
               <a:rPr lang="en-US" altLang="zh-CN"/>
-              <a:t>API</a:t>
+              <a:t>Ops：</a:t>
             </a:r>
             <a:r>
               <a:rPr lang="zh-CN" altLang="en-US"/>
-              <a:t>服务器</a:t>
-            </a:r>
-            <a:endParaRPr lang="zh-CN" altLang="en-US"/>
-          </a:p>
-          <a:p>
-            <a:pPr marL="285750" indent="-285750">
-              <a:buFont typeface="Arial" panose="020B0704020202020204" pitchFamily="34" charset="0"/>
-              <a:buChar char="•"/>
-            </a:pPr>
-            <a:r>
-              <a:rPr lang="en-US" altLang="zh-CN"/>
-              <a:t>Controller </a:t>
-            </a:r>
-            <a:r>
-              <a:rPr lang="en-US" altLang="zh-CN"/>
-              <a:t>Manager</a:t>
-            </a:r>
-            <a:endParaRPr lang="en-US" altLang="zh-CN"/>
-          </a:p>
-          <a:p>
-            <a:pPr marL="285750" indent="-285750">
-              <a:buFont typeface="Arial" panose="020B0704020202020204" pitchFamily="34" charset="0"/>
-              <a:buChar char="•"/>
-            </a:pPr>
-            <a:r>
-              <a:rPr lang="en-US" altLang="zh-CN"/>
-              <a:t>Scheduler</a:t>
-            </a:r>
-            <a:endParaRPr lang="en-US" altLang="zh-CN"/>
-          </a:p>
-          <a:p>
-            <a:pPr marL="285750" indent="-285750">
-              <a:buFont typeface="Arial" panose="020B0704020202020204" pitchFamily="34" charset="0"/>
-              <a:buChar char="•"/>
-            </a:pPr>
-            <a:r>
-              <a:rPr lang="en-US" altLang="zh-CN"/>
-              <a:t>Etcd</a:t>
-            </a:r>
-            <a:endParaRPr lang="en-US" altLang="zh-CN"/>
-          </a:p>
-          <a:p>
-            <a:pPr>
-              <a:buFont typeface="Arial" panose="020B0704020202020204" pitchFamily="34" charset="0"/>
-            </a:pPr>
-            <a:endParaRPr lang="zh-CN" altLang="en-US"/>
-          </a:p>
-        </p:txBody>
-      </p:sp>
-      <p:sp>
-        <p:nvSpPr>
-          <p:cNvPr id="5" name="文本框 4"/>
-          <p:cNvSpPr txBox="1"/>
-          <p:nvPr/>
-        </p:nvSpPr>
-        <p:spPr>
-          <a:xfrm>
-            <a:off x="4860290" y="4653280"/>
-            <a:ext cx="3048000" cy="1476375"/>
-          </a:xfrm>
-          <a:prstGeom prst="rect">
-            <a:avLst/>
-          </a:prstGeom>
-          <a:noFill/>
-        </p:spPr>
-        <p:txBody>
-          <a:bodyPr wrap="square" rtlCol="0">
-            <a:spAutoFit/>
-          </a:bodyPr>
-          <a:p>
-            <a:pPr>
-              <a:buFont typeface="Arial" panose="020B0704020202020204" pitchFamily="34" charset="0"/>
-            </a:pPr>
-            <a:r>
-              <a:rPr lang="zh-CN" altLang="en-US">
-                <a:sym typeface="+mn-ea"/>
-              </a:rPr>
-              <a:t>工作节点</a:t>
-            </a:r>
-            <a:r>
-              <a:rPr lang="en-US" altLang="zh-CN">
-                <a:sym typeface="+mn-ea"/>
-              </a:rPr>
-              <a:t>：</a:t>
-            </a:r>
-            <a:endParaRPr lang="en-US" altLang="zh-CN"/>
-          </a:p>
-          <a:p>
-            <a:pPr marL="285750" indent="-285750">
-              <a:buFont typeface="Arial" panose="020B0704020202020204" pitchFamily="34" charset="0"/>
-              <a:buChar char="•"/>
-            </a:pPr>
-            <a:r>
-              <a:rPr lang="en-US" altLang="zh-CN">
-                <a:sym typeface="+mn-ea"/>
-              </a:rPr>
-              <a:t>Kubelet</a:t>
-            </a:r>
-            <a:endParaRPr lang="en-US" altLang="zh-CN"/>
-          </a:p>
-          <a:p>
-            <a:pPr marL="285750" indent="-285750">
-              <a:buFont typeface="Arial" panose="020B0704020202020204" pitchFamily="34" charset="0"/>
-              <a:buChar char="•"/>
-            </a:pPr>
-            <a:r>
-              <a:rPr lang="en-US" altLang="zh-CN">
-                <a:sym typeface="+mn-ea"/>
-              </a:rPr>
-              <a:t>Kube-proxy</a:t>
-            </a:r>
-            <a:endParaRPr lang="en-US" altLang="zh-CN"/>
-          </a:p>
-          <a:p>
-            <a:pPr marL="285750" indent="-285750">
-              <a:buFont typeface="Arial" panose="020B0704020202020204" pitchFamily="34" charset="0"/>
-              <a:buChar char="•"/>
-            </a:pPr>
-            <a:r>
-              <a:rPr lang="zh-CN" altLang="en-US">
-                <a:sym typeface="+mn-ea"/>
-              </a:rPr>
-              <a:t>容器运行时</a:t>
-            </a:r>
-            <a:endParaRPr lang="zh-CN" altLang="en-US"/>
-          </a:p>
-          <a:p>
+              <a:t>维护集群给开发者提供一个</a:t>
+            </a:r>
+            <a:r>
+              <a:rPr lang="zh-CN" altLang="en-US"/>
+              <a:t>资源平台</a:t>
+            </a:r>
             <a:endParaRPr lang="zh-CN" altLang="en-US"/>
           </a:p>
         </p:txBody>
@@ -7354,7 +7355,7 @@
       <p:grpSpPr/>
       <p:sp>
         <p:nvSpPr>
-          <p:cNvPr id="36865" name="标题 1"/>
+          <p:cNvPr id="22529" name="标题 1"/>
           <p:cNvSpPr/>
           <p:nvPr/>
         </p:nvSpPr>
@@ -7388,14 +7389,14 @@
       </p:sp>
       <p:sp>
         <p:nvSpPr>
-          <p:cNvPr id="36866" name="文本框 6"/>
+          <p:cNvPr id="22530" name="TextBox 1"/>
           <p:cNvSpPr/>
           <p:nvPr/>
         </p:nvSpPr>
         <p:spPr>
           <a:xfrm>
-            <a:off x="7258050" y="6488113"/>
-            <a:ext cx="1825625" cy="277812"/>
+            <a:off x="247650" y="323850"/>
+            <a:ext cx="3600450" cy="460375"/>
           </a:xfrm>
           <a:prstGeom prst="rect">
             <a:avLst/>
@@ -7406,36 +7407,36 @@
           </a:ln>
         </p:spPr>
         <p:txBody>
-          <a:bodyPr wrap="none" anchor="t" anchorCtr="0">
+          <a:bodyPr wrap="square" anchor="t" anchorCtr="0">
             <a:spAutoFit/>
           </a:bodyPr>
           <a:p>
             <a:pPr eaLnBrk="0" hangingPunct="0"/>
             <a:r>
-              <a:rPr lang="zh-CN" altLang="en-US" sz="1100">
+              <a:rPr lang="en-US" altLang="zh-CN" sz="2400" b="1" dirty="0">
                 <a:solidFill>
-                  <a:srgbClr val="000000"/>
+                  <a:srgbClr val="0070C0"/>
                 </a:solidFill>
-                <a:latin typeface="微软雅黑 Light" pitchFamily="2" charset="-122"/>
-                <a:ea typeface="微软雅黑 Light" pitchFamily="2" charset="-122"/>
-                <a:sym typeface="微软雅黑 Light" pitchFamily="2" charset="-122"/>
-              </a:rPr>
-              <a:t>深信服科技培训发展中心系列课程</a:t>
-            </a:r>
-            <a:endParaRPr lang="zh-CN" altLang="en-US" sz="1100">
+                <a:latin typeface="微软雅黑" charset="-108"/>
+                <a:ea typeface="微软雅黑" charset="-108"/>
+                <a:sym typeface="微软雅黑" charset="-108"/>
+              </a:rPr>
+              <a:t>Kubernetes </a:t>
+            </a:r>
+            <a:endParaRPr lang="en-US" altLang="zh-CN" sz="2400" b="1" dirty="0">
               <a:solidFill>
-                <a:srgbClr val="000000"/>
+                <a:srgbClr val="0070C0"/>
               </a:solidFill>
-              <a:latin typeface="微软雅黑 Light" pitchFamily="2" charset="-122"/>
-              <a:ea typeface="微软雅黑 Light" pitchFamily="2" charset="-122"/>
-              <a:sym typeface="微软雅黑 Light" pitchFamily="2" charset="-122"/>
+              <a:latin typeface="微软雅黑" charset="-108"/>
+              <a:ea typeface="微软雅黑" charset="-108"/>
+              <a:sym typeface="微软雅黑" charset="-108"/>
             </a:endParaRPr>
           </a:p>
         </p:txBody>
       </p:sp>
       <p:pic>
         <p:nvPicPr>
-          <p:cNvPr id="36867" name="图片 7"/>
+          <p:cNvPr id="22532" name="图片 22532" descr="sangfor_logo"/>
           <p:cNvPicPr>
             <a:picLocks noChangeAspect="1"/>
           </p:cNvPicPr>
@@ -7449,8 +7450,8 @@
         </p:blipFill>
         <p:spPr>
           <a:xfrm>
-            <a:off x="0" y="0"/>
-            <a:ext cx="9144000" cy="6858000"/>
+            <a:off x="7343775" y="473075"/>
+            <a:ext cx="1320800" cy="606425"/>
           </a:xfrm>
           <a:prstGeom prst="rect">
             <a:avLst/>
@@ -7461,56 +7462,9 @@
           </a:ln>
         </p:spPr>
       </p:pic>
-      <p:sp>
-        <p:nvSpPr>
-          <p:cNvPr id="36868" name="文本框 9"/>
-          <p:cNvSpPr/>
-          <p:nvPr/>
-        </p:nvSpPr>
-        <p:spPr>
-          <a:xfrm>
-            <a:off x="6896100" y="6305550"/>
-            <a:ext cx="1506538" cy="265113"/>
-          </a:xfrm>
-          <a:prstGeom prst="rect">
-            <a:avLst/>
-          </a:prstGeom>
-          <a:noFill/>
-          <a:ln w="9525">
-            <a:noFill/>
-          </a:ln>
-        </p:spPr>
-        <p:txBody>
-          <a:bodyPr wrap="none" anchor="t" anchorCtr="0">
-            <a:spAutoFit/>
-          </a:bodyPr>
-          <a:p>
-            <a:pPr eaLnBrk="0" hangingPunct="0"/>
-            <a:r>
-              <a:rPr lang="zh-CN" altLang="en-US" sz="1000">
-                <a:solidFill>
-                  <a:srgbClr val="000000"/>
-                </a:solidFill>
-                <a:latin typeface="微软雅黑 Light" pitchFamily="2" charset="-122"/>
-                <a:ea typeface="微软雅黑 Light" pitchFamily="2" charset="-122"/>
-                <a:sym typeface="微软雅黑 Light" pitchFamily="2" charset="-122"/>
-              </a:rPr>
-              <a:t>信锐测试部专业能力精品课程</a:t>
-            </a:r>
-            <a:endParaRPr lang="zh-CN" altLang="en-US" sz="1000">
-              <a:solidFill>
-                <a:srgbClr val="000000"/>
-              </a:solidFill>
-              <a:latin typeface="微软雅黑 Light" pitchFamily="2" charset="-122"/>
-              <a:ea typeface="微软雅黑 Light" pitchFamily="2" charset="-122"/>
-              <a:sym typeface="微软雅黑 Light" pitchFamily="2" charset="-122"/>
-            </a:endParaRPr>
-          </a:p>
-        </p:txBody>
-      </p:sp>
       <p:pic>
         <p:nvPicPr>
-          <p:cNvPr id="36869" name="图片 1"/>
+          <p:cNvPr id="3" name="图片 2" descr="image-1"/>
           <p:cNvPicPr>
             <a:picLocks noChangeAspect="1"/>
           </p:cNvPicPr>
@@ -7524,155 +7478,187 @@
         </p:blipFill>
         <p:spPr>
           <a:xfrm>
-            <a:off x="7208838" y="495300"/>
-            <a:ext cx="1390650" cy="806450"/>
+            <a:off x="899795" y="1052830"/>
+            <a:ext cx="7141845" cy="2884805"/>
+          </a:xfrm>
+          <a:prstGeom prst="rect">
+            <a:avLst/>
+          </a:prstGeom>
+        </p:spPr>
+      </p:pic>
+      <p:sp>
+        <p:nvSpPr>
+          <p:cNvPr id="4" name="文本框 3"/>
+          <p:cNvSpPr txBox="1"/>
+          <p:nvPr/>
+        </p:nvSpPr>
+        <p:spPr>
+          <a:xfrm>
+            <a:off x="1043305" y="4653280"/>
+            <a:ext cx="3048000" cy="1753235"/>
           </a:xfrm>
           <a:prstGeom prst="rect">
             <a:avLst/>
           </a:prstGeom>
           <a:noFill/>
-          <a:ln w="9525">
-            <a:noFill/>
-          </a:ln>
-        </p:spPr>
-      </p:pic>
-      <p:pic>
-        <p:nvPicPr>
-          <p:cNvPr id="36870" name="图片 2"/>
-          <p:cNvPicPr>
-            <a:picLocks noChangeAspect="1"/>
-          </p:cNvPicPr>
+        </p:spPr>
+        <p:txBody>
+          <a:bodyPr wrap="square" rtlCol="0">
+            <a:spAutoFit/>
+          </a:bodyPr>
+          <a:p>
+            <a:r>
+              <a:rPr lang="zh-CN" altLang="en-US"/>
+              <a:t>控制面板</a:t>
+            </a:r>
+            <a:r>
+              <a:rPr lang="en-US" altLang="zh-CN"/>
+              <a:t>：</a:t>
+            </a:r>
+            <a:endParaRPr lang="en-US" altLang="zh-CN"/>
+          </a:p>
+          <a:p>
+            <a:pPr marL="285750" indent="-285750">
+              <a:buFont typeface="Arial" panose="020B0704020202020204" pitchFamily="34" charset="0"/>
+              <a:buChar char="•"/>
+            </a:pPr>
+            <a:r>
+              <a:rPr lang="en-US" altLang="zh-CN"/>
+              <a:t>API</a:t>
+            </a:r>
+            <a:r>
+              <a:rPr lang="zh-CN" altLang="en-US"/>
+              <a:t>服务器</a:t>
+            </a:r>
+            <a:endParaRPr lang="zh-CN" altLang="en-US"/>
+          </a:p>
+          <a:p>
+            <a:pPr marL="285750" indent="-285750">
+              <a:buFont typeface="Arial" panose="020B0704020202020204" pitchFamily="34" charset="0"/>
+              <a:buChar char="•"/>
+            </a:pPr>
+            <a:r>
+              <a:rPr lang="en-US" altLang="zh-CN"/>
+              <a:t>Controller </a:t>
+            </a:r>
+            <a:r>
+              <a:rPr lang="en-US" altLang="zh-CN"/>
+              <a:t>Manager</a:t>
+            </a:r>
+            <a:endParaRPr lang="en-US" altLang="zh-CN"/>
+          </a:p>
+          <a:p>
+            <a:pPr marL="285750" indent="-285750">
+              <a:buFont typeface="Arial" panose="020B0704020202020204" pitchFamily="34" charset="0"/>
+              <a:buChar char="•"/>
+            </a:pPr>
+            <a:r>
+              <a:rPr lang="en-US" altLang="zh-CN"/>
+              <a:t>Scheduler</a:t>
+            </a:r>
+            <a:endParaRPr lang="en-US" altLang="zh-CN"/>
+          </a:p>
+          <a:p>
+            <a:pPr marL="285750" indent="-285750">
+              <a:buFont typeface="Arial" panose="020B0704020202020204" pitchFamily="34" charset="0"/>
+              <a:buChar char="•"/>
+            </a:pPr>
+            <a:r>
+              <a:rPr lang="en-US" altLang="zh-CN"/>
+              <a:t>Etcd</a:t>
+            </a:r>
+            <a:endParaRPr lang="en-US" altLang="zh-CN"/>
+          </a:p>
+          <a:p>
+            <a:pPr>
+              <a:buFont typeface="Arial" panose="020B0704020202020204" pitchFamily="34" charset="0"/>
+            </a:pPr>
+            <a:endParaRPr lang="zh-CN" altLang="en-US"/>
+          </a:p>
+        </p:txBody>
+      </p:sp>
+      <p:sp>
+        <p:nvSpPr>
+          <p:cNvPr id="5" name="文本框 4"/>
+          <p:cNvSpPr txBox="1"/>
           <p:nvPr/>
-        </p:nvPicPr>
-        <p:blipFill>
-          <a:blip r:embed="rId3"/>
-          <a:stretch>
-            <a:fillRect/>
-          </a:stretch>
-        </p:blipFill>
-        <p:spPr>
-          <a:xfrm>
-            <a:off x="0" y="0"/>
-            <a:ext cx="9144000" cy="6858000"/>
+        </p:nvSpPr>
+        <p:spPr>
+          <a:xfrm>
+            <a:off x="4860290" y="4653280"/>
+            <a:ext cx="3048000" cy="1476375"/>
           </a:xfrm>
           <a:prstGeom prst="rect">
             <a:avLst/>
           </a:prstGeom>
           <a:noFill/>
-          <a:ln w="9525">
-            <a:noFill/>
-          </a:ln>
-        </p:spPr>
-      </p:pic>
-      <p:sp>
-        <p:nvSpPr>
-          <p:cNvPr id="36871" name="TextBox 23"/>
-          <p:cNvSpPr/>
-          <p:nvPr/>
-        </p:nvSpPr>
-        <p:spPr>
-          <a:xfrm>
-            <a:off x="4351338" y="2778125"/>
-            <a:ext cx="2628900" cy="680085"/>
-          </a:xfrm>
-          <a:prstGeom prst="rect">
-            <a:avLst/>
-          </a:prstGeom>
-          <a:noFill/>
-          <a:ln w="9525">
-            <a:noFill/>
-          </a:ln>
-        </p:spPr>
-        <p:txBody>
-          <a:bodyPr wrap="none" lIns="64802" tIns="32401" rIns="64802" bIns="32401" anchor="t" anchorCtr="0">
+        </p:spPr>
+        <p:txBody>
+          <a:bodyPr wrap="square" rtlCol="0">
             <a:spAutoFit/>
           </a:bodyPr>
           <a:p>
-            <a:r>
-              <a:rPr lang="zh-CN" altLang="en-US" sz="4000" b="1" dirty="0">
-                <a:latin typeface="微软雅黑" charset="-108"/>
-                <a:ea typeface="微软雅黑" charset="-108"/>
-                <a:sym typeface="微软雅黑" charset="-108"/>
-              </a:rPr>
-              <a:t>4</a:t>
-            </a:r>
-            <a:r>
-              <a:rPr lang="en-US" altLang="zh-CN" sz="4000" b="1" dirty="0">
-                <a:latin typeface="微软雅黑" charset="-108"/>
-                <a:ea typeface="微软雅黑" charset="-108"/>
-                <a:sym typeface="微软雅黑" charset="-108"/>
-              </a:rPr>
-              <a:t> K8S</a:t>
-            </a:r>
-            <a:r>
-              <a:rPr lang="zh-CN" altLang="en-US" sz="4000" b="1" dirty="0">
-                <a:latin typeface="微软雅黑" charset="-108"/>
-                <a:ea typeface="微软雅黑" charset="-108"/>
-                <a:sym typeface="微软雅黑" charset="-108"/>
-              </a:rPr>
-              <a:t>安装</a:t>
-            </a:r>
-            <a:endParaRPr lang="zh-CN" altLang="en-US" sz="4000" b="1" dirty="0">
-              <a:latin typeface="微软雅黑" charset="-108"/>
-              <a:ea typeface="微软雅黑" charset="-108"/>
-              <a:sym typeface="微软雅黑" charset="-108"/>
-            </a:endParaRPr>
-          </a:p>
-        </p:txBody>
-      </p:sp>
-      <p:sp>
-        <p:nvSpPr>
-          <p:cNvPr id="36872" name="直线连接符 6"/>
-          <p:cNvSpPr/>
-          <p:nvPr/>
-        </p:nvSpPr>
-        <p:spPr>
-          <a:xfrm flipV="1">
-            <a:off x="4513263" y="3594100"/>
-            <a:ext cx="3876675" cy="1588"/>
-          </a:xfrm>
-          <a:prstGeom prst="line">
-            <a:avLst/>
-          </a:prstGeom>
-          <a:ln w="19050" cap="flat" cmpd="sng">
-            <a:solidFill>
-              <a:srgbClr val="7F7F7F"/>
-            </a:solidFill>
-            <a:prstDash val="solid"/>
-            <a:round/>
-            <a:headEnd type="none" w="med" len="med"/>
-            <a:tailEnd type="none" w="med" len="med"/>
-          </a:ln>
-        </p:spPr>
-      </p:sp>
-      <p:pic>
-        <p:nvPicPr>
-          <p:cNvPr id="36873" name="图片 36873" descr="sangfor_logo"/>
-          <p:cNvPicPr>
-            <a:picLocks noChangeAspect="1"/>
-          </p:cNvPicPr>
-          <p:nvPr/>
-        </p:nvPicPr>
-        <p:blipFill>
-          <a:blip r:embed="rId4"/>
-          <a:stretch>
-            <a:fillRect/>
-          </a:stretch>
-        </p:blipFill>
-        <p:spPr>
-          <a:xfrm>
-            <a:off x="7343775" y="473075"/>
-            <a:ext cx="1320800" cy="606425"/>
-          </a:xfrm>
-          <a:prstGeom prst="rect">
-            <a:avLst/>
-          </a:prstGeom>
-          <a:noFill/>
-          <a:ln w="9525">
-            <a:noFill/>
-          </a:ln>
-        </p:spPr>
-      </p:pic>
+            <a:pPr>
+              <a:buFont typeface="Arial" panose="020B0704020202020204" pitchFamily="34" charset="0"/>
+            </a:pPr>
+            <a:r>
+              <a:rPr lang="zh-CN" altLang="en-US">
+                <a:sym typeface="+mn-ea"/>
+              </a:rPr>
+              <a:t>工作节点</a:t>
+            </a:r>
+            <a:r>
+              <a:rPr lang="en-US" altLang="zh-CN">
+                <a:sym typeface="+mn-ea"/>
+              </a:rPr>
+              <a:t>：</a:t>
+            </a:r>
+            <a:endParaRPr lang="en-US" altLang="zh-CN"/>
+          </a:p>
+          <a:p>
+            <a:pPr marL="285750" indent="-285750">
+              <a:buFont typeface="Arial" panose="020B0704020202020204" pitchFamily="34" charset="0"/>
+              <a:buChar char="•"/>
+            </a:pPr>
+            <a:r>
+              <a:rPr lang="en-US" altLang="zh-CN">
+                <a:sym typeface="+mn-ea"/>
+              </a:rPr>
+              <a:t>Kubelet</a:t>
+            </a:r>
+            <a:endParaRPr lang="en-US" altLang="zh-CN"/>
+          </a:p>
+          <a:p>
+            <a:pPr marL="285750" indent="-285750">
+              <a:buFont typeface="Arial" panose="020B0704020202020204" pitchFamily="34" charset="0"/>
+              <a:buChar char="•"/>
+            </a:pPr>
+            <a:r>
+              <a:rPr lang="en-US" altLang="zh-CN">
+                <a:sym typeface="+mn-ea"/>
+              </a:rPr>
+              <a:t>Kube-proxy</a:t>
+            </a:r>
+            <a:endParaRPr lang="en-US" altLang="zh-CN"/>
+          </a:p>
+          <a:p>
+            <a:pPr marL="285750" indent="-285750">
+              <a:buFont typeface="Arial" panose="020B0704020202020204" pitchFamily="34" charset="0"/>
+              <a:buChar char="•"/>
+            </a:pPr>
+            <a:r>
+              <a:rPr lang="zh-CN" altLang="en-US">
+                <a:sym typeface="+mn-ea"/>
+              </a:rPr>
+              <a:t>容器运行时</a:t>
+            </a:r>
+            <a:endParaRPr lang="zh-CN" altLang="en-US"/>
+          </a:p>
+          <a:p>
+            <a:endParaRPr lang="zh-CN" altLang="en-US"/>
+          </a:p>
+        </p:txBody>
+      </p:sp>
     </p:spTree>
   </p:cSld>
   <p:clrMapOvr>
@@ -7693,6 +7679,345 @@
       <p:grpSpPr/>
       <p:sp>
         <p:nvSpPr>
+          <p:cNvPr id="36865" name="标题 1"/>
+          <p:cNvSpPr/>
+          <p:nvPr/>
+        </p:nvSpPr>
+        <p:spPr>
+          <a:xfrm>
+            <a:off x="7308850" y="6337300"/>
+            <a:ext cx="1552575" cy="301625"/>
+          </a:xfrm>
+          <a:prstGeom prst="rect">
+            <a:avLst/>
+          </a:prstGeom>
+          <a:noFill/>
+          <a:ln w="9525">
+            <a:noFill/>
+          </a:ln>
+        </p:spPr>
+        <p:txBody>
+          <a:bodyPr anchor="ctr" anchorCtr="0"/>
+          <a:p>
+            <a:pPr eaLnBrk="0" hangingPunct="0"/>
+            <a:endParaRPr lang="zh-CN" sz="1100" i="1">
+              <a:solidFill>
+                <a:srgbClr val="7F7F7F"/>
+              </a:solidFill>
+              <a:latin typeface="微软雅黑" charset="-108"/>
+              <a:ea typeface="微软雅黑" charset="-108"/>
+              <a:sym typeface="宋体" pitchFamily="2" charset="-122"/>
+            </a:endParaRPr>
+          </a:p>
+        </p:txBody>
+      </p:sp>
+      <p:sp>
+        <p:nvSpPr>
+          <p:cNvPr id="36866" name="文本框 6"/>
+          <p:cNvSpPr/>
+          <p:nvPr/>
+        </p:nvSpPr>
+        <p:spPr>
+          <a:xfrm>
+            <a:off x="7258050" y="6488113"/>
+            <a:ext cx="1825625" cy="277812"/>
+          </a:xfrm>
+          <a:prstGeom prst="rect">
+            <a:avLst/>
+          </a:prstGeom>
+          <a:noFill/>
+          <a:ln w="9525">
+            <a:noFill/>
+          </a:ln>
+        </p:spPr>
+        <p:txBody>
+          <a:bodyPr wrap="none" anchor="t" anchorCtr="0">
+            <a:spAutoFit/>
+          </a:bodyPr>
+          <a:p>
+            <a:pPr eaLnBrk="0" hangingPunct="0"/>
+            <a:r>
+              <a:rPr lang="zh-CN" altLang="en-US" sz="1100">
+                <a:solidFill>
+                  <a:srgbClr val="000000"/>
+                </a:solidFill>
+                <a:latin typeface="微软雅黑 Light" pitchFamily="2" charset="-122"/>
+                <a:ea typeface="微软雅黑 Light" pitchFamily="2" charset="-122"/>
+                <a:sym typeface="微软雅黑 Light" pitchFamily="2" charset="-122"/>
+              </a:rPr>
+              <a:t>深信服科技培训发展中心系列课程</a:t>
+            </a:r>
+            <a:endParaRPr lang="zh-CN" altLang="en-US" sz="1100">
+              <a:solidFill>
+                <a:srgbClr val="000000"/>
+              </a:solidFill>
+              <a:latin typeface="微软雅黑 Light" pitchFamily="2" charset="-122"/>
+              <a:ea typeface="微软雅黑 Light" pitchFamily="2" charset="-122"/>
+              <a:sym typeface="微软雅黑 Light" pitchFamily="2" charset="-122"/>
+            </a:endParaRPr>
+          </a:p>
+        </p:txBody>
+      </p:sp>
+      <p:pic>
+        <p:nvPicPr>
+          <p:cNvPr id="36867" name="图片 7"/>
+          <p:cNvPicPr>
+            <a:picLocks noChangeAspect="1"/>
+          </p:cNvPicPr>
+          <p:nvPr/>
+        </p:nvPicPr>
+        <p:blipFill>
+          <a:blip r:embed="rId1"/>
+          <a:stretch>
+            <a:fillRect/>
+          </a:stretch>
+        </p:blipFill>
+        <p:spPr>
+          <a:xfrm>
+            <a:off x="0" y="0"/>
+            <a:ext cx="9144000" cy="6858000"/>
+          </a:xfrm>
+          <a:prstGeom prst="rect">
+            <a:avLst/>
+          </a:prstGeom>
+          <a:noFill/>
+          <a:ln w="9525">
+            <a:noFill/>
+          </a:ln>
+        </p:spPr>
+      </p:pic>
+      <p:sp>
+        <p:nvSpPr>
+          <p:cNvPr id="36868" name="文本框 9"/>
+          <p:cNvSpPr/>
+          <p:nvPr/>
+        </p:nvSpPr>
+        <p:spPr>
+          <a:xfrm>
+            <a:off x="6896100" y="6305550"/>
+            <a:ext cx="1506538" cy="265113"/>
+          </a:xfrm>
+          <a:prstGeom prst="rect">
+            <a:avLst/>
+          </a:prstGeom>
+          <a:noFill/>
+          <a:ln w="9525">
+            <a:noFill/>
+          </a:ln>
+        </p:spPr>
+        <p:txBody>
+          <a:bodyPr wrap="none" anchor="t" anchorCtr="0">
+            <a:spAutoFit/>
+          </a:bodyPr>
+          <a:p>
+            <a:pPr eaLnBrk="0" hangingPunct="0"/>
+            <a:r>
+              <a:rPr lang="zh-CN" altLang="en-US" sz="1000">
+                <a:solidFill>
+                  <a:srgbClr val="000000"/>
+                </a:solidFill>
+                <a:latin typeface="微软雅黑 Light" pitchFamily="2" charset="-122"/>
+                <a:ea typeface="微软雅黑 Light" pitchFamily="2" charset="-122"/>
+                <a:sym typeface="微软雅黑 Light" pitchFamily="2" charset="-122"/>
+              </a:rPr>
+              <a:t>信锐测试部专业能力精品课程</a:t>
+            </a:r>
+            <a:endParaRPr lang="zh-CN" altLang="en-US" sz="1000">
+              <a:solidFill>
+                <a:srgbClr val="000000"/>
+              </a:solidFill>
+              <a:latin typeface="微软雅黑 Light" pitchFamily="2" charset="-122"/>
+              <a:ea typeface="微软雅黑 Light" pitchFamily="2" charset="-122"/>
+              <a:sym typeface="微软雅黑 Light" pitchFamily="2" charset="-122"/>
+            </a:endParaRPr>
+          </a:p>
+        </p:txBody>
+      </p:sp>
+      <p:pic>
+        <p:nvPicPr>
+          <p:cNvPr id="36869" name="图片 1"/>
+          <p:cNvPicPr>
+            <a:picLocks noChangeAspect="1"/>
+          </p:cNvPicPr>
+          <p:nvPr/>
+        </p:nvPicPr>
+        <p:blipFill>
+          <a:blip r:embed="rId2"/>
+          <a:stretch>
+            <a:fillRect/>
+          </a:stretch>
+        </p:blipFill>
+        <p:spPr>
+          <a:xfrm>
+            <a:off x="7208838" y="495300"/>
+            <a:ext cx="1390650" cy="806450"/>
+          </a:xfrm>
+          <a:prstGeom prst="rect">
+            <a:avLst/>
+          </a:prstGeom>
+          <a:noFill/>
+          <a:ln w="9525">
+            <a:noFill/>
+          </a:ln>
+        </p:spPr>
+      </p:pic>
+      <p:pic>
+        <p:nvPicPr>
+          <p:cNvPr id="36870" name="图片 2"/>
+          <p:cNvPicPr>
+            <a:picLocks noChangeAspect="1"/>
+          </p:cNvPicPr>
+          <p:nvPr/>
+        </p:nvPicPr>
+        <p:blipFill>
+          <a:blip r:embed="rId3"/>
+          <a:stretch>
+            <a:fillRect/>
+          </a:stretch>
+        </p:blipFill>
+        <p:spPr>
+          <a:xfrm>
+            <a:off x="0" y="0"/>
+            <a:ext cx="9144000" cy="6858000"/>
+          </a:xfrm>
+          <a:prstGeom prst="rect">
+            <a:avLst/>
+          </a:prstGeom>
+          <a:noFill/>
+          <a:ln w="9525">
+            <a:noFill/>
+          </a:ln>
+        </p:spPr>
+      </p:pic>
+      <p:sp>
+        <p:nvSpPr>
+          <p:cNvPr id="36871" name="TextBox 23"/>
+          <p:cNvSpPr/>
+          <p:nvPr/>
+        </p:nvSpPr>
+        <p:spPr>
+          <a:xfrm>
+            <a:off x="4351338" y="2778125"/>
+            <a:ext cx="2628900" cy="680085"/>
+          </a:xfrm>
+          <a:prstGeom prst="rect">
+            <a:avLst/>
+          </a:prstGeom>
+          <a:noFill/>
+          <a:ln w="9525">
+            <a:noFill/>
+          </a:ln>
+        </p:spPr>
+        <p:txBody>
+          <a:bodyPr wrap="none" lIns="64802" tIns="32401" rIns="64802" bIns="32401" anchor="t" anchorCtr="0">
+            <a:spAutoFit/>
+          </a:bodyPr>
+          <a:p>
+            <a:r>
+              <a:rPr lang="zh-CN" altLang="en-US" sz="4000" b="1" dirty="0">
+                <a:latin typeface="微软雅黑" charset="-108"/>
+                <a:ea typeface="微软雅黑" charset="-108"/>
+                <a:sym typeface="微软雅黑" charset="-108"/>
+              </a:rPr>
+              <a:t>4</a:t>
+            </a:r>
+            <a:r>
+              <a:rPr lang="en-US" altLang="zh-CN" sz="4000" b="1" dirty="0">
+                <a:latin typeface="微软雅黑" charset="-108"/>
+                <a:ea typeface="微软雅黑" charset="-108"/>
+                <a:sym typeface="微软雅黑" charset="-108"/>
+              </a:rPr>
+              <a:t> K8S</a:t>
+            </a:r>
+            <a:r>
+              <a:rPr lang="zh-CN" altLang="en-US" sz="4000" b="1" dirty="0">
+                <a:latin typeface="微软雅黑" charset="-108"/>
+                <a:ea typeface="微软雅黑" charset="-108"/>
+                <a:sym typeface="微软雅黑" charset="-108"/>
+              </a:rPr>
+              <a:t>安装</a:t>
+            </a:r>
+            <a:endParaRPr lang="zh-CN" altLang="en-US" sz="4000" b="1" dirty="0">
+              <a:latin typeface="微软雅黑" charset="-108"/>
+              <a:ea typeface="微软雅黑" charset="-108"/>
+              <a:sym typeface="微软雅黑" charset="-108"/>
+            </a:endParaRPr>
+          </a:p>
+        </p:txBody>
+      </p:sp>
+      <p:sp>
+        <p:nvSpPr>
+          <p:cNvPr id="36872" name="直线连接符 6"/>
+          <p:cNvSpPr/>
+          <p:nvPr/>
+        </p:nvSpPr>
+        <p:spPr>
+          <a:xfrm flipV="1">
+            <a:off x="4513263" y="3594100"/>
+            <a:ext cx="3876675" cy="1588"/>
+          </a:xfrm>
+          <a:prstGeom prst="line">
+            <a:avLst/>
+          </a:prstGeom>
+          <a:ln w="19050" cap="flat" cmpd="sng">
+            <a:solidFill>
+              <a:srgbClr val="7F7F7F"/>
+            </a:solidFill>
+            <a:prstDash val="solid"/>
+            <a:round/>
+            <a:headEnd type="none" w="med" len="med"/>
+            <a:tailEnd type="none" w="med" len="med"/>
+          </a:ln>
+        </p:spPr>
+      </p:sp>
+      <p:pic>
+        <p:nvPicPr>
+          <p:cNvPr id="36873" name="图片 36873" descr="sangfor_logo"/>
+          <p:cNvPicPr>
+            <a:picLocks noChangeAspect="1"/>
+          </p:cNvPicPr>
+          <p:nvPr/>
+        </p:nvPicPr>
+        <p:blipFill>
+          <a:blip r:embed="rId4"/>
+          <a:stretch>
+            <a:fillRect/>
+          </a:stretch>
+        </p:blipFill>
+        <p:spPr>
+          <a:xfrm>
+            <a:off x="7343775" y="473075"/>
+            <a:ext cx="1320800" cy="606425"/>
+          </a:xfrm>
+          <a:prstGeom prst="rect">
+            <a:avLst/>
+          </a:prstGeom>
+          <a:noFill/>
+          <a:ln w="9525">
+            <a:noFill/>
+          </a:ln>
+        </p:spPr>
+      </p:pic>
+    </p:spTree>
+  </p:cSld>
+  <p:clrMapOvr>
+    <a:masterClrMapping/>
+  </p:clrMapOvr>
+</p:sld>
+</file>
+
+<file path=ppt/slides/slide13.xml><?xml version="1.0" encoding="utf-8"?>
+<p:sld xmlns:a="http://schemas.openxmlformats.org/drawingml/2006/main" xmlns:r="http://schemas.openxmlformats.org/officeDocument/2006/relationships" xmlns:p="http://schemas.openxmlformats.org/presentationml/2006/main">
+  <p:cSld>
+    <p:spTree>
+      <p:nvGrpSpPr>
+        <p:cNvPr id="1" name=""/>
+        <p:cNvGrpSpPr/>
+        <p:nvPr/>
+      </p:nvGrpSpPr>
+      <p:grpSpPr/>
+      <p:sp>
+        <p:nvSpPr>
           <p:cNvPr id="37889" name="TextBox 1"/>
           <p:cNvSpPr/>
           <p:nvPr/>
@@ -7945,7 +8270,7 @@
 </p:sld>
 </file>
 
-<file path=ppt/slides/slide13.xml><?xml version="1.0" encoding="utf-8"?>
+<file path=ppt/slides/slide14.xml><?xml version="1.0" encoding="utf-8"?>
 <p:sld xmlns:a="http://schemas.openxmlformats.org/drawingml/2006/main" xmlns:r="http://schemas.openxmlformats.org/officeDocument/2006/relationships" xmlns:p="http://schemas.openxmlformats.org/presentationml/2006/main">
   <p:cSld>
     <p:spTree>
@@ -10246,8 +10571,8 @@
         </p:nvSpPr>
         <p:spPr>
           <a:xfrm>
-            <a:off x="1501775" y="1484630"/>
-            <a:ext cx="5807075" cy="3446145"/>
+            <a:off x="755650" y="1196975"/>
+            <a:ext cx="5807075" cy="398780"/>
           </a:xfrm>
           <a:prstGeom prst="rect">
             <a:avLst/>
@@ -10275,7 +10600,7 @@
                 <a:ea typeface="微软雅黑" charset="-108"/>
                 <a:sym typeface="微软雅黑" charset="-108"/>
               </a:rPr>
-              <a:t> </a:t>
+              <a:t> 隔离资源</a:t>
             </a:r>
             <a:r>
               <a:rPr lang="en-US" altLang="zh-CN" sz="2000" dirty="0">
@@ -10286,7 +10611,29 @@
                 <a:ea typeface="微软雅黑" charset="-108"/>
                 <a:sym typeface="微软雅黑" charset="-108"/>
               </a:rPr>
-              <a:t>Image &amp;&amp; Container</a:t>
+              <a:t>  &amp;&amp;  </a:t>
+            </a:r>
+            <a:r>
+              <a:rPr lang="zh-CN" altLang="en-US" sz="2000" dirty="0">
+                <a:solidFill>
+                  <a:srgbClr val="184199"/>
+                </a:solidFill>
+                <a:latin typeface="微软雅黑" charset="-108"/>
+                <a:ea typeface="微软雅黑" charset="-108"/>
+                <a:sym typeface="微软雅黑" charset="-108"/>
+              </a:rPr>
+              <a:t>限制</a:t>
+            </a:r>
+            <a:r>
+              <a:rPr lang="zh-CN" altLang="en-US" sz="2000" dirty="0">
+                <a:solidFill>
+                  <a:srgbClr val="184199"/>
+                </a:solidFill>
+                <a:latin typeface="微软雅黑" charset="-108"/>
+                <a:ea typeface="微软雅黑" charset="-108"/>
+                <a:sym typeface="微软雅黑" charset="-108"/>
+              </a:rPr>
+              <a:t>资源</a:t>
             </a:r>
             <a:endParaRPr lang="zh-CN" altLang="en-US" sz="2000" dirty="0">
               <a:solidFill>
@@ -10295,291 +10642,6 @@
               <a:latin typeface="微软雅黑" charset="-108"/>
               <a:ea typeface="微软雅黑" charset="-108"/>
               <a:sym typeface="微软雅黑" charset="-108"/>
-            </a:endParaRPr>
-          </a:p>
-          <a:p>
-            <a:pPr eaLnBrk="0" hangingPunct="0">
-              <a:buFont typeface="Wingdings" panose="05000000000000000000" pitchFamily="2" charset="2"/>
-            </a:pPr>
-            <a:endParaRPr lang="zh-CN" altLang="en-US" sz="2000" dirty="0">
-              <a:solidFill>
-                <a:srgbClr val="184199"/>
-              </a:solidFill>
-              <a:latin typeface="微软雅黑" charset="-108"/>
-              <a:ea typeface="微软雅黑" charset="-108"/>
-              <a:sym typeface="微软雅黑" charset="-108"/>
-            </a:endParaRPr>
-          </a:p>
-          <a:p>
-            <a:pPr eaLnBrk="0" hangingPunct="0">
-              <a:buFont typeface="Wingdings" panose="05000000000000000000" pitchFamily="2" charset="2"/>
-            </a:pPr>
-            <a:endParaRPr lang="zh-CN" altLang="en-US" sz="2000" dirty="0">
-              <a:solidFill>
-                <a:srgbClr val="184199"/>
-              </a:solidFill>
-              <a:latin typeface="微软雅黑" charset="-108"/>
-              <a:ea typeface="微软雅黑" charset="-108"/>
-              <a:sym typeface="微软雅黑" charset="-108"/>
-            </a:endParaRPr>
-          </a:p>
-          <a:p>
-            <a:pPr eaLnBrk="0" hangingPunct="0">
-              <a:buFont typeface="Wingdings" panose="05000000000000000000" pitchFamily="2" charset="2"/>
-              <a:buChar char="Ø"/>
-            </a:pPr>
-            <a:r>
-              <a:rPr lang="zh-CN" altLang="en-US" sz="2000" dirty="0">
-                <a:solidFill>
-                  <a:srgbClr val="184199"/>
-                </a:solidFill>
-                <a:latin typeface="微软雅黑" charset="-108"/>
-                <a:ea typeface="微软雅黑" charset="-108"/>
-                <a:sym typeface="微软雅黑" charset="-108"/>
-              </a:rPr>
-              <a:t> </a:t>
-            </a:r>
-            <a:r>
-              <a:rPr lang="en-US" altLang="zh-CN" sz="2000" dirty="0">
-                <a:solidFill>
-                  <a:srgbClr val="184199"/>
-                </a:solidFill>
-                <a:latin typeface="微软雅黑" charset="-108"/>
-                <a:ea typeface="微软雅黑" charset="-108"/>
-                <a:sym typeface="微软雅黑" charset="-108"/>
-              </a:rPr>
-              <a:t>Cgroup &amp;&amp; Namespace</a:t>
-            </a:r>
-            <a:endParaRPr lang="zh-CN" altLang="en-US" sz="2000" dirty="0">
-              <a:solidFill>
-                <a:srgbClr val="184199"/>
-              </a:solidFill>
-              <a:latin typeface="微软雅黑" charset="-108"/>
-              <a:ea typeface="微软雅黑" charset="-108"/>
-              <a:sym typeface="微软雅黑" charset="-108"/>
-            </a:endParaRPr>
-          </a:p>
-          <a:p>
-            <a:pPr eaLnBrk="0" hangingPunct="0">
-              <a:buFont typeface="Wingdings" panose="05000000000000000000" pitchFamily="2" charset="2"/>
-            </a:pPr>
-            <a:endParaRPr lang="zh-CN" altLang="en-US" sz="2000" dirty="0">
-              <a:solidFill>
-                <a:srgbClr val="184199"/>
-              </a:solidFill>
-              <a:latin typeface="微软雅黑" charset="-108"/>
-              <a:ea typeface="微软雅黑" charset="-108"/>
-              <a:sym typeface="微软雅黑" charset="-108"/>
-            </a:endParaRPr>
-          </a:p>
-          <a:p>
-            <a:pPr eaLnBrk="0" hangingPunct="0">
-              <a:buFont typeface="Wingdings" panose="05000000000000000000" pitchFamily="2" charset="2"/>
-            </a:pPr>
-            <a:endParaRPr lang="zh-CN" altLang="en-US" sz="2000" dirty="0">
-              <a:solidFill>
-                <a:srgbClr val="184199"/>
-              </a:solidFill>
-              <a:latin typeface="微软雅黑" charset="-108"/>
-              <a:ea typeface="微软雅黑" charset="-108"/>
-              <a:sym typeface="微软雅黑" charset="-108"/>
-            </a:endParaRPr>
-          </a:p>
-          <a:p>
-            <a:pPr eaLnBrk="0" hangingPunct="0">
-              <a:buFont typeface="Wingdings" panose="05000000000000000000" pitchFamily="2" charset="2"/>
-              <a:buChar char="Ø"/>
-            </a:pPr>
-            <a:r>
-              <a:rPr lang="zh-CN" altLang="en-US" sz="2000" dirty="0">
-                <a:solidFill>
-                  <a:srgbClr val="184199"/>
-                </a:solidFill>
-                <a:latin typeface="微软雅黑" charset="-108"/>
-                <a:ea typeface="微软雅黑" charset="-108"/>
-                <a:sym typeface="微软雅黑" charset="-108"/>
-              </a:rPr>
-              <a:t> 日常</a:t>
-            </a:r>
-            <a:r>
-              <a:rPr lang="zh-CN" altLang="en-US" sz="2000" dirty="0">
-                <a:solidFill>
-                  <a:srgbClr val="184199"/>
-                </a:solidFill>
-                <a:latin typeface="微软雅黑" charset="-108"/>
-                <a:ea typeface="微软雅黑" charset="-108"/>
-                <a:sym typeface="微软雅黑" charset="-108"/>
-              </a:rPr>
-              <a:t>排障</a:t>
-            </a:r>
-            <a:endParaRPr lang="zh-CN" altLang="en-US" sz="2000" dirty="0">
-              <a:solidFill>
-                <a:srgbClr val="184199"/>
-              </a:solidFill>
-              <a:latin typeface="微软雅黑" charset="-108"/>
-              <a:ea typeface="微软雅黑" charset="-108"/>
-              <a:sym typeface="微软雅黑" charset="-108"/>
-            </a:endParaRPr>
-          </a:p>
-          <a:p>
-            <a:pPr lvl="1" eaLnBrk="0" hangingPunct="0">
-              <a:buFont typeface="Wingdings" panose="05000000000000000000" pitchFamily="2" charset="2"/>
-              <a:buChar char="Ø"/>
-            </a:pPr>
-            <a:r>
-              <a:rPr lang="en-US" altLang="zh-CN" sz="2000" dirty="0">
-                <a:solidFill>
-                  <a:srgbClr val="184199"/>
-                </a:solidFill>
-                <a:latin typeface="微软雅黑" charset="-108"/>
-                <a:ea typeface="微软雅黑" charset="-108"/>
-                <a:sym typeface="微软雅黑" charset="-108"/>
-              </a:rPr>
-              <a:t>  </a:t>
-            </a:r>
-            <a:r>
-              <a:rPr lang="zh-CN" altLang="en-US" sz="2000" dirty="0">
-                <a:solidFill>
-                  <a:srgbClr val="184199"/>
-                </a:solidFill>
-                <a:latin typeface="微软雅黑" charset="-108"/>
-                <a:ea typeface="微软雅黑" charset="-108"/>
-                <a:sym typeface="微软雅黑" charset="-108"/>
-              </a:rPr>
-              <a:t>容器</a:t>
-            </a:r>
-            <a:r>
-              <a:rPr lang="zh-CN" altLang="en-US" sz="2000" dirty="0">
-                <a:solidFill>
-                  <a:srgbClr val="184199"/>
-                </a:solidFill>
-                <a:latin typeface="微软雅黑" charset="-108"/>
-                <a:ea typeface="微软雅黑" charset="-108"/>
-                <a:sym typeface="微软雅黑" charset="-108"/>
-              </a:rPr>
-              <a:t>查看</a:t>
-            </a:r>
-            <a:endParaRPr lang="zh-CN" altLang="en-US" sz="2000" dirty="0">
-              <a:solidFill>
-                <a:srgbClr val="184199"/>
-              </a:solidFill>
-              <a:latin typeface="微软雅黑" charset="-108"/>
-              <a:ea typeface="微软雅黑" charset="-108"/>
-              <a:sym typeface="微软雅黑" charset="-108"/>
-            </a:endParaRPr>
-          </a:p>
-          <a:p>
-            <a:pPr lvl="1" eaLnBrk="0" hangingPunct="0">
-              <a:buFont typeface="Wingdings" panose="05000000000000000000" pitchFamily="2" charset="2"/>
-              <a:buChar char="Ø"/>
-            </a:pPr>
-            <a:r>
-              <a:rPr lang="zh-CN" altLang="en-US" sz="2000" dirty="0">
-                <a:solidFill>
-                  <a:srgbClr val="184199"/>
-                </a:solidFill>
-                <a:latin typeface="微软雅黑" charset="-108"/>
-                <a:ea typeface="微软雅黑" charset="-108"/>
-                <a:sym typeface="微软雅黑" charset="-108"/>
-              </a:rPr>
-              <a:t> </a:t>
-            </a:r>
-            <a:r>
-              <a:rPr lang="en-US" altLang="zh-CN" sz="2000" dirty="0">
-                <a:solidFill>
-                  <a:srgbClr val="184199"/>
-                </a:solidFill>
-                <a:latin typeface="微软雅黑" charset="-108"/>
-                <a:ea typeface="微软雅黑" charset="-108"/>
-                <a:sym typeface="微软雅黑" charset="-108"/>
-              </a:rPr>
-              <a:t> </a:t>
-            </a:r>
-            <a:r>
-              <a:rPr lang="zh-CN" altLang="en-US" sz="2000" dirty="0">
-                <a:solidFill>
-                  <a:srgbClr val="184199"/>
-                </a:solidFill>
-                <a:latin typeface="微软雅黑" charset="-108"/>
-                <a:ea typeface="微软雅黑" charset="-108"/>
-                <a:sym typeface="微软雅黑" charset="-108"/>
-              </a:rPr>
-              <a:t>配置</a:t>
-            </a:r>
-            <a:r>
-              <a:rPr lang="zh-CN" altLang="en-US" sz="2000" dirty="0">
-                <a:solidFill>
-                  <a:srgbClr val="184199"/>
-                </a:solidFill>
-                <a:latin typeface="微软雅黑" charset="-108"/>
-                <a:ea typeface="微软雅黑" charset="-108"/>
-                <a:sym typeface="微软雅黑" charset="-108"/>
-              </a:rPr>
-              <a:t>查看</a:t>
-            </a:r>
-            <a:endParaRPr lang="zh-CN" altLang="en-US" sz="2000" dirty="0">
-              <a:solidFill>
-                <a:srgbClr val="184199"/>
-              </a:solidFill>
-              <a:latin typeface="微软雅黑" charset="-108"/>
-              <a:ea typeface="微软雅黑" charset="-108"/>
-              <a:sym typeface="微软雅黑" charset="-108"/>
-            </a:endParaRPr>
-          </a:p>
-          <a:p>
-            <a:pPr lvl="1" eaLnBrk="0" hangingPunct="0">
-              <a:buFont typeface="Wingdings" panose="05000000000000000000" pitchFamily="2" charset="2"/>
-              <a:buChar char="Ø"/>
-            </a:pPr>
-            <a:r>
-              <a:rPr lang="en-US" altLang="zh-CN" sz="2000" dirty="0">
-                <a:solidFill>
-                  <a:srgbClr val="184199"/>
-                </a:solidFill>
-                <a:latin typeface="微软雅黑" charset="-108"/>
-                <a:ea typeface="微软雅黑" charset="-108"/>
-                <a:sym typeface="微软雅黑" charset="-108"/>
-              </a:rPr>
-              <a:t>  </a:t>
-            </a:r>
-            <a:r>
-              <a:rPr lang="zh-CN" altLang="en-US" sz="2000" dirty="0">
-                <a:solidFill>
-                  <a:srgbClr val="184199"/>
-                </a:solidFill>
-                <a:latin typeface="微软雅黑" charset="-108"/>
-                <a:ea typeface="微软雅黑" charset="-108"/>
-                <a:sym typeface="微软雅黑" charset="-108"/>
-              </a:rPr>
-              <a:t>日志</a:t>
-            </a:r>
-            <a:r>
-              <a:rPr lang="zh-CN" altLang="en-US" sz="2000" dirty="0">
-                <a:solidFill>
-                  <a:srgbClr val="184199"/>
-                </a:solidFill>
-                <a:latin typeface="微软雅黑" charset="-108"/>
-                <a:ea typeface="微软雅黑" charset="-108"/>
-                <a:sym typeface="微软雅黑" charset="-108"/>
-              </a:rPr>
-              <a:t>查看</a:t>
-            </a:r>
-            <a:endParaRPr lang="zh-CN" altLang="en-US" sz="2000" dirty="0">
-              <a:solidFill>
-                <a:srgbClr val="184199"/>
-              </a:solidFill>
-              <a:latin typeface="微软雅黑" charset="-108"/>
-              <a:ea typeface="微软雅黑" charset="-108"/>
-              <a:sym typeface="微软雅黑" charset="-108"/>
-            </a:endParaRPr>
-          </a:p>
-          <a:p>
-            <a:pPr eaLnBrk="0" hangingPunct="0">
-              <a:buFont typeface="Arial" panose="020B0704020202020204" pitchFamily="34" charset="0"/>
-            </a:pPr>
-            <a:endParaRPr lang="zh-CN" altLang="en-US" dirty="0">
-              <a:latin typeface="Arial" panose="020B0704020202020204" pitchFamily="34" charset="0"/>
-              <a:ea typeface="宋体" pitchFamily="2" charset="-122"/>
             </a:endParaRPr>
           </a:p>
         </p:txBody>
@@ -10604,7 +10666,7 @@
       <p:grpSpPr/>
       <p:sp>
         <p:nvSpPr>
-          <p:cNvPr id="34817" name="标题 1"/>
+          <p:cNvPr id="22529" name="标题 1"/>
           <p:cNvSpPr/>
           <p:nvPr/>
         </p:nvSpPr>
@@ -10638,14 +10700,14 @@
       </p:sp>
       <p:sp>
         <p:nvSpPr>
-          <p:cNvPr id="34818" name="文本框 6"/>
+          <p:cNvPr id="22530" name="TextBox 1"/>
           <p:cNvSpPr/>
           <p:nvPr/>
         </p:nvSpPr>
         <p:spPr>
           <a:xfrm>
-            <a:off x="7258050" y="6488113"/>
-            <a:ext cx="1825625" cy="277812"/>
+            <a:off x="247650" y="323850"/>
+            <a:ext cx="3600450" cy="460375"/>
           </a:xfrm>
           <a:prstGeom prst="rect">
             <a:avLst/>
@@ -10656,36 +10718,47 @@
           </a:ln>
         </p:spPr>
         <p:txBody>
-          <a:bodyPr wrap="none" anchor="t" anchorCtr="0">
+          <a:bodyPr wrap="square" anchor="t" anchorCtr="0">
             <a:spAutoFit/>
           </a:bodyPr>
           <a:p>
             <a:pPr eaLnBrk="0" hangingPunct="0"/>
             <a:r>
-              <a:rPr lang="zh-CN" altLang="en-US" sz="1100">
+              <a:rPr lang="zh-CN" altLang="en-US" sz="2400" b="1" dirty="0">
                 <a:solidFill>
-                  <a:srgbClr val="000000"/>
+                  <a:srgbClr val="0070C0"/>
                 </a:solidFill>
-                <a:latin typeface="微软雅黑 Light" pitchFamily="2" charset="-122"/>
-                <a:ea typeface="微软雅黑 Light" pitchFamily="2" charset="-122"/>
-                <a:sym typeface="微软雅黑 Light" pitchFamily="2" charset="-122"/>
-              </a:rPr>
-              <a:t>深信服科技培训发展中心系列课程</a:t>
-            </a:r>
-            <a:endParaRPr lang="zh-CN" altLang="en-US" sz="1100">
+                <a:latin typeface="微软雅黑" charset="-108"/>
+                <a:ea typeface="微软雅黑" charset="-108"/>
+                <a:sym typeface="微软雅黑" charset="-108"/>
+              </a:rPr>
+              <a:t>容器</a:t>
+            </a:r>
+            <a:r>
+              <a:rPr lang="en-US" altLang="zh-CN" sz="2400" b="1" dirty="0">
+                <a:solidFill>
+                  <a:srgbClr val="0070C0"/>
+                </a:solidFill>
+                <a:latin typeface="微软雅黑" charset="-108"/>
+                <a:ea typeface="微软雅黑" charset="-108"/>
+                <a:sym typeface="微软雅黑" charset="-108"/>
+              </a:rPr>
+              <a:t> </a:t>
+            </a:r>
+            <a:endParaRPr lang="en-US" altLang="zh-CN" sz="2400" b="1" dirty="0">
               <a:solidFill>
-                <a:srgbClr val="000000"/>
+                <a:srgbClr val="0070C0"/>
               </a:solidFill>
-              <a:latin typeface="微软雅黑 Light" pitchFamily="2" charset="-122"/>
-              <a:ea typeface="微软雅黑 Light" pitchFamily="2" charset="-122"/>
-              <a:sym typeface="微软雅黑 Light" pitchFamily="2" charset="-122"/>
+              <a:latin typeface="微软雅黑" charset="-108"/>
+              <a:ea typeface="微软雅黑" charset="-108"/>
+              <a:sym typeface="微软雅黑" charset="-108"/>
             </a:endParaRPr>
           </a:p>
         </p:txBody>
       </p:sp>
       <p:pic>
         <p:nvPicPr>
-          <p:cNvPr id="34819" name="图片 7"/>
+          <p:cNvPr id="22532" name="图片 22532" descr="sangfor_logo"/>
           <p:cNvPicPr>
             <a:picLocks noChangeAspect="1"/>
           </p:cNvPicPr>
@@ -10699,8 +10772,8 @@
         </p:blipFill>
         <p:spPr>
           <a:xfrm>
-            <a:off x="0" y="0"/>
-            <a:ext cx="9144000" cy="6858000"/>
+            <a:off x="7343775" y="473075"/>
+            <a:ext cx="1320800" cy="606425"/>
           </a:xfrm>
           <a:prstGeom prst="rect">
             <a:avLst/>
@@ -10713,14 +10786,14 @@
       </p:pic>
       <p:sp>
         <p:nvSpPr>
-          <p:cNvPr id="34820" name="文本框 9"/>
-          <p:cNvSpPr/>
+          <p:cNvPr id="35841" name="文本框 35841"/>
+          <p:cNvSpPr txBox="1"/>
           <p:nvPr/>
         </p:nvSpPr>
         <p:spPr>
           <a:xfrm>
-            <a:off x="6896100" y="6305550"/>
-            <a:ext cx="1506538" cy="265113"/>
+            <a:off x="1501775" y="1484630"/>
+            <a:ext cx="5807075" cy="3446145"/>
           </a:xfrm>
           <a:prstGeom prst="rect">
             <a:avLst/>
@@ -10731,190 +10804,343 @@
           </a:ln>
         </p:spPr>
         <p:txBody>
-          <a:bodyPr wrap="none" anchor="t" anchorCtr="0">
+          <a:bodyPr wrap="square" anchor="t" anchorCtr="0">
             <a:spAutoFit/>
           </a:bodyPr>
           <a:p>
-            <a:pPr eaLnBrk="0" hangingPunct="0"/>
-            <a:r>
-              <a:rPr lang="zh-CN" altLang="en-US" sz="1000">
+            <a:pPr eaLnBrk="0" hangingPunct="0">
+              <a:buFont typeface="Wingdings" panose="05000000000000000000" pitchFamily="2" charset="2"/>
+              <a:buChar char="Ø"/>
+            </a:pPr>
+            <a:r>
+              <a:rPr lang="zh-CN" altLang="en-US" sz="2000" dirty="0">
                 <a:solidFill>
-                  <a:srgbClr val="000000"/>
+                  <a:srgbClr val="184199"/>
                 </a:solidFill>
-                <a:latin typeface="微软雅黑 Light" pitchFamily="2" charset="-122"/>
-                <a:ea typeface="微软雅黑 Light" pitchFamily="2" charset="-122"/>
-                <a:sym typeface="微软雅黑 Light" pitchFamily="2" charset="-122"/>
-              </a:rPr>
-              <a:t>信锐测试部专业能力精品课程</a:t>
-            </a:r>
-            <a:endParaRPr lang="zh-CN" altLang="en-US" sz="1000">
-              <a:solidFill>
-                <a:srgbClr val="000000"/>
-              </a:solidFill>
-              <a:latin typeface="微软雅黑 Light" pitchFamily="2" charset="-122"/>
-              <a:ea typeface="微软雅黑 Light" pitchFamily="2" charset="-122"/>
-              <a:sym typeface="微软雅黑 Light" pitchFamily="2" charset="-122"/>
-            </a:endParaRPr>
-          </a:p>
-        </p:txBody>
-      </p:sp>
-      <p:pic>
-        <p:nvPicPr>
-          <p:cNvPr id="34821" name="图片 1"/>
-          <p:cNvPicPr>
-            <a:picLocks noChangeAspect="1"/>
-          </p:cNvPicPr>
-          <p:nvPr/>
-        </p:nvPicPr>
-        <p:blipFill>
-          <a:blip r:embed="rId2"/>
-          <a:stretch>
-            <a:fillRect/>
-          </a:stretch>
-        </p:blipFill>
-        <p:spPr>
-          <a:xfrm>
-            <a:off x="7208838" y="495300"/>
-            <a:ext cx="1390650" cy="806450"/>
-          </a:xfrm>
-          <a:prstGeom prst="rect">
-            <a:avLst/>
-          </a:prstGeom>
-          <a:noFill/>
-          <a:ln w="9525">
-            <a:noFill/>
-          </a:ln>
-        </p:spPr>
-      </p:pic>
-      <p:pic>
-        <p:nvPicPr>
-          <p:cNvPr id="34822" name="图片 2"/>
-          <p:cNvPicPr>
-            <a:picLocks noChangeAspect="1"/>
-          </p:cNvPicPr>
-          <p:nvPr/>
-        </p:nvPicPr>
-        <p:blipFill>
-          <a:blip r:embed="rId3"/>
-          <a:stretch>
-            <a:fillRect/>
-          </a:stretch>
-        </p:blipFill>
-        <p:spPr>
-          <a:xfrm>
-            <a:off x="0" y="0"/>
-            <a:ext cx="9144000" cy="6858000"/>
-          </a:xfrm>
-          <a:prstGeom prst="rect">
-            <a:avLst/>
-          </a:prstGeom>
-          <a:noFill/>
-          <a:ln w="9525">
-            <a:noFill/>
-          </a:ln>
-        </p:spPr>
-      </p:pic>
-      <p:sp>
-        <p:nvSpPr>
-          <p:cNvPr id="34823" name="TextBox 23"/>
-          <p:cNvSpPr/>
-          <p:nvPr/>
-        </p:nvSpPr>
-        <p:spPr>
-          <a:xfrm>
-            <a:off x="4351338" y="2778125"/>
-            <a:ext cx="3386455" cy="680085"/>
-          </a:xfrm>
-          <a:prstGeom prst="rect">
-            <a:avLst/>
-          </a:prstGeom>
-          <a:noFill/>
-          <a:ln w="9525">
-            <a:noFill/>
-          </a:ln>
-        </p:spPr>
-        <p:txBody>
-          <a:bodyPr wrap="none" lIns="64802" tIns="32401" rIns="64802" bIns="32401" anchor="t" anchorCtr="0">
-            <a:spAutoFit/>
-          </a:bodyPr>
-          <a:p>
-            <a:r>
-              <a:rPr lang="zh-CN" altLang="en-US" sz="4000" b="1" dirty="0">
                 <a:latin typeface="微软雅黑" charset="-108"/>
                 <a:ea typeface="微软雅黑" charset="-108"/>
                 <a:sym typeface="微软雅黑" charset="-108"/>
               </a:rPr>
-              <a:t>3</a:t>
-            </a:r>
-            <a:r>
-              <a:rPr lang="en-US" altLang="zh-CN" sz="4000" b="1" dirty="0">
+              <a:t> 隔离</a:t>
+            </a:r>
+            <a:r>
+              <a:rPr lang="en-US" altLang="zh-CN" sz="2000" dirty="0">
+                <a:solidFill>
+                  <a:srgbClr val="184199"/>
+                </a:solidFill>
                 <a:latin typeface="微软雅黑" charset="-108"/>
                 <a:ea typeface="微软雅黑" charset="-108"/>
                 <a:sym typeface="微软雅黑" charset="-108"/>
               </a:rPr>
-              <a:t> Kubernetes</a:t>
-            </a:r>
-            <a:endParaRPr lang="en-US" altLang="zh-CN" sz="4000" b="1" dirty="0">
+              <a:t> &amp;&amp; </a:t>
+            </a:r>
+            <a:r>
+              <a:rPr lang="zh-CN" altLang="en-US" sz="2000" dirty="0">
+                <a:solidFill>
+                  <a:srgbClr val="184199"/>
+                </a:solidFill>
+                <a:latin typeface="微软雅黑" charset="-108"/>
+                <a:ea typeface="微软雅黑" charset="-108"/>
+                <a:sym typeface="微软雅黑" charset="-108"/>
+              </a:rPr>
+              <a:t>限制</a:t>
+            </a:r>
+            <a:endParaRPr lang="zh-CN" altLang="en-US" sz="2000" dirty="0">
+              <a:solidFill>
+                <a:srgbClr val="184199"/>
+              </a:solidFill>
               <a:latin typeface="微软雅黑" charset="-108"/>
               <a:ea typeface="微软雅黑" charset="-108"/>
               <a:sym typeface="微软雅黑" charset="-108"/>
             </a:endParaRPr>
           </a:p>
-        </p:txBody>
-      </p:sp>
-      <p:sp>
-        <p:nvSpPr>
-          <p:cNvPr id="34824" name="直线连接符 6"/>
-          <p:cNvSpPr/>
-          <p:nvPr/>
-        </p:nvSpPr>
-        <p:spPr>
-          <a:xfrm flipV="1">
-            <a:off x="4513263" y="3594100"/>
-            <a:ext cx="3876675" cy="1588"/>
-          </a:xfrm>
-          <a:prstGeom prst="line">
-            <a:avLst/>
-          </a:prstGeom>
-          <a:ln w="19050" cap="flat" cmpd="sng">
-            <a:solidFill>
-              <a:srgbClr val="7F7F7F"/>
-            </a:solidFill>
-            <a:prstDash val="solid"/>
-            <a:round/>
-            <a:headEnd type="none" w="med" len="med"/>
-            <a:tailEnd type="none" w="med" len="med"/>
-          </a:ln>
-        </p:spPr>
-      </p:sp>
-      <p:pic>
-        <p:nvPicPr>
-          <p:cNvPr id="34825" name="图片 34825" descr="sangfor_logo"/>
-          <p:cNvPicPr>
-            <a:picLocks noChangeAspect="1"/>
-          </p:cNvPicPr>
-          <p:nvPr/>
-        </p:nvPicPr>
-        <p:blipFill>
-          <a:blip r:embed="rId4"/>
-          <a:stretch>
-            <a:fillRect/>
-          </a:stretch>
-        </p:blipFill>
-        <p:spPr>
-          <a:xfrm>
-            <a:off x="7343775" y="473075"/>
-            <a:ext cx="1320800" cy="606425"/>
-          </a:xfrm>
-          <a:prstGeom prst="rect">
-            <a:avLst/>
-          </a:prstGeom>
-          <a:noFill/>
-          <a:ln w="9525">
-            <a:noFill/>
-          </a:ln>
-        </p:spPr>
-      </p:pic>
+          <a:p>
+            <a:pPr eaLnBrk="0" hangingPunct="0">
+              <a:buFont typeface="Wingdings" panose="05000000000000000000" pitchFamily="2" charset="2"/>
+            </a:pPr>
+            <a:endParaRPr lang="zh-CN" altLang="en-US" sz="2000" dirty="0">
+              <a:solidFill>
+                <a:srgbClr val="184199"/>
+              </a:solidFill>
+              <a:latin typeface="微软雅黑" charset="-108"/>
+              <a:ea typeface="微软雅黑" charset="-108"/>
+              <a:sym typeface="微软雅黑" charset="-108"/>
+            </a:endParaRPr>
+          </a:p>
+          <a:p>
+            <a:pPr eaLnBrk="0" hangingPunct="0">
+              <a:buFont typeface="Wingdings" panose="05000000000000000000" pitchFamily="2" charset="2"/>
+            </a:pPr>
+            <a:endParaRPr lang="zh-CN" altLang="en-US" sz="2000" dirty="0">
+              <a:solidFill>
+                <a:srgbClr val="184199"/>
+              </a:solidFill>
+              <a:latin typeface="微软雅黑" charset="-108"/>
+              <a:ea typeface="微软雅黑" charset="-108"/>
+              <a:sym typeface="微软雅黑" charset="-108"/>
+            </a:endParaRPr>
+          </a:p>
+          <a:p>
+            <a:pPr eaLnBrk="0" hangingPunct="0">
+              <a:buFont typeface="Wingdings" panose="05000000000000000000" pitchFamily="2" charset="2"/>
+              <a:buChar char="Ø"/>
+            </a:pPr>
+            <a:r>
+              <a:rPr lang="zh-CN" altLang="en-US" sz="2000" dirty="0">
+                <a:solidFill>
+                  <a:srgbClr val="184199"/>
+                </a:solidFill>
+                <a:latin typeface="微软雅黑" charset="-108"/>
+                <a:ea typeface="微软雅黑" charset="-108"/>
+                <a:sym typeface="微软雅黑" charset="-108"/>
+              </a:rPr>
+              <a:t> </a:t>
+            </a:r>
+            <a:r>
+              <a:rPr lang="en-US" altLang="zh-CN" sz="2000" dirty="0">
+                <a:solidFill>
+                  <a:srgbClr val="184199"/>
+                </a:solidFill>
+                <a:latin typeface="微软雅黑" charset="-108"/>
+                <a:ea typeface="微软雅黑" charset="-108"/>
+                <a:sym typeface="微软雅黑" charset="-108"/>
+              </a:rPr>
+              <a:t>Cgroup &amp;&amp; Namespace</a:t>
+            </a:r>
+            <a:endParaRPr lang="zh-CN" altLang="en-US" sz="2000" dirty="0">
+              <a:solidFill>
+                <a:srgbClr val="184199"/>
+              </a:solidFill>
+              <a:latin typeface="微软雅黑" charset="-108"/>
+              <a:ea typeface="微软雅黑" charset="-108"/>
+              <a:sym typeface="微软雅黑" charset="-108"/>
+            </a:endParaRPr>
+          </a:p>
+          <a:p>
+            <a:pPr eaLnBrk="0" hangingPunct="0">
+              <a:buFont typeface="Wingdings" panose="05000000000000000000" pitchFamily="2" charset="2"/>
+            </a:pPr>
+            <a:endParaRPr lang="zh-CN" altLang="en-US" sz="2000" dirty="0">
+              <a:solidFill>
+                <a:srgbClr val="184199"/>
+              </a:solidFill>
+              <a:latin typeface="微软雅黑" charset="-108"/>
+              <a:ea typeface="微软雅黑" charset="-108"/>
+              <a:sym typeface="微软雅黑" charset="-108"/>
+            </a:endParaRPr>
+          </a:p>
+          <a:p>
+            <a:pPr eaLnBrk="0" hangingPunct="0">
+              <a:buFont typeface="Wingdings" panose="05000000000000000000" pitchFamily="2" charset="2"/>
+            </a:pPr>
+            <a:endParaRPr lang="zh-CN" altLang="en-US" sz="2000" dirty="0">
+              <a:solidFill>
+                <a:srgbClr val="184199"/>
+              </a:solidFill>
+              <a:latin typeface="微软雅黑" charset="-108"/>
+              <a:ea typeface="微软雅黑" charset="-108"/>
+              <a:sym typeface="微软雅黑" charset="-108"/>
+            </a:endParaRPr>
+          </a:p>
+          <a:p>
+            <a:pPr eaLnBrk="0" hangingPunct="0">
+              <a:buFont typeface="Wingdings" panose="05000000000000000000" pitchFamily="2" charset="2"/>
+              <a:buChar char="Ø"/>
+            </a:pPr>
+            <a:r>
+              <a:rPr lang="zh-CN" altLang="en-US" sz="2000" dirty="0">
+                <a:solidFill>
+                  <a:srgbClr val="184199"/>
+                </a:solidFill>
+                <a:latin typeface="微软雅黑" charset="-108"/>
+                <a:ea typeface="微软雅黑" charset="-108"/>
+                <a:sym typeface="微软雅黑" charset="-108"/>
+              </a:rPr>
+              <a:t> 日常</a:t>
+            </a:r>
+            <a:r>
+              <a:rPr lang="zh-CN" altLang="en-US" sz="2000" dirty="0">
+                <a:solidFill>
+                  <a:srgbClr val="184199"/>
+                </a:solidFill>
+                <a:latin typeface="微软雅黑" charset="-108"/>
+                <a:ea typeface="微软雅黑" charset="-108"/>
+                <a:sym typeface="微软雅黑" charset="-108"/>
+              </a:rPr>
+              <a:t>排障</a:t>
+            </a:r>
+            <a:endParaRPr lang="zh-CN" altLang="en-US" sz="2000" dirty="0">
+              <a:solidFill>
+                <a:srgbClr val="184199"/>
+              </a:solidFill>
+              <a:latin typeface="微软雅黑" charset="-108"/>
+              <a:ea typeface="微软雅黑" charset="-108"/>
+              <a:sym typeface="微软雅黑" charset="-108"/>
+            </a:endParaRPr>
+          </a:p>
+          <a:p>
+            <a:pPr lvl="1" eaLnBrk="0" hangingPunct="0">
+              <a:buFont typeface="Wingdings" panose="05000000000000000000" pitchFamily="2" charset="2"/>
+              <a:buChar char="Ø"/>
+            </a:pPr>
+            <a:r>
+              <a:rPr lang="en-US" altLang="zh-CN" sz="2000" dirty="0">
+                <a:solidFill>
+                  <a:srgbClr val="184199"/>
+                </a:solidFill>
+                <a:latin typeface="微软雅黑" charset="-108"/>
+                <a:ea typeface="微软雅黑" charset="-108"/>
+                <a:sym typeface="微软雅黑" charset="-108"/>
+              </a:rPr>
+              <a:t>  </a:t>
+            </a:r>
+            <a:r>
+              <a:rPr lang="zh-CN" altLang="en-US" sz="2000" dirty="0">
+                <a:solidFill>
+                  <a:srgbClr val="184199"/>
+                </a:solidFill>
+                <a:latin typeface="微软雅黑" charset="-108"/>
+                <a:ea typeface="微软雅黑" charset="-108"/>
+                <a:sym typeface="微软雅黑" charset="-108"/>
+              </a:rPr>
+              <a:t>容器</a:t>
+            </a:r>
+            <a:r>
+              <a:rPr lang="zh-CN" altLang="en-US" sz="2000" dirty="0">
+                <a:solidFill>
+                  <a:srgbClr val="184199"/>
+                </a:solidFill>
+                <a:latin typeface="微软雅黑" charset="-108"/>
+                <a:ea typeface="微软雅黑" charset="-108"/>
+                <a:sym typeface="微软雅黑" charset="-108"/>
+              </a:rPr>
+              <a:t>查看</a:t>
+            </a:r>
+            <a:endParaRPr lang="zh-CN" altLang="en-US" sz="2000" dirty="0">
+              <a:solidFill>
+                <a:srgbClr val="184199"/>
+              </a:solidFill>
+              <a:latin typeface="微软雅黑" charset="-108"/>
+              <a:ea typeface="微软雅黑" charset="-108"/>
+              <a:sym typeface="微软雅黑" charset="-108"/>
+            </a:endParaRPr>
+          </a:p>
+          <a:p>
+            <a:pPr lvl="1" eaLnBrk="0" hangingPunct="0">
+              <a:buFont typeface="Wingdings" panose="05000000000000000000" pitchFamily="2" charset="2"/>
+              <a:buChar char="Ø"/>
+            </a:pPr>
+            <a:r>
+              <a:rPr lang="zh-CN" altLang="en-US" sz="2000" dirty="0">
+                <a:solidFill>
+                  <a:srgbClr val="184199"/>
+                </a:solidFill>
+                <a:latin typeface="微软雅黑" charset="-108"/>
+                <a:ea typeface="微软雅黑" charset="-108"/>
+                <a:sym typeface="微软雅黑" charset="-108"/>
+              </a:rPr>
+              <a:t> </a:t>
+            </a:r>
+            <a:r>
+              <a:rPr lang="en-US" altLang="zh-CN" sz="2000" dirty="0">
+                <a:solidFill>
+                  <a:srgbClr val="184199"/>
+                </a:solidFill>
+                <a:latin typeface="微软雅黑" charset="-108"/>
+                <a:ea typeface="微软雅黑" charset="-108"/>
+                <a:sym typeface="微软雅黑" charset="-108"/>
+              </a:rPr>
+              <a:t> </a:t>
+            </a:r>
+            <a:r>
+              <a:rPr lang="zh-CN" altLang="en-US" sz="2000" dirty="0">
+                <a:solidFill>
+                  <a:srgbClr val="184199"/>
+                </a:solidFill>
+                <a:latin typeface="微软雅黑" charset="-108"/>
+                <a:ea typeface="微软雅黑" charset="-108"/>
+                <a:sym typeface="微软雅黑" charset="-108"/>
+              </a:rPr>
+              <a:t>配置</a:t>
+            </a:r>
+            <a:r>
+              <a:rPr lang="zh-CN" altLang="en-US" sz="2000" dirty="0">
+                <a:solidFill>
+                  <a:srgbClr val="184199"/>
+                </a:solidFill>
+                <a:latin typeface="微软雅黑" charset="-108"/>
+                <a:ea typeface="微软雅黑" charset="-108"/>
+                <a:sym typeface="微软雅黑" charset="-108"/>
+              </a:rPr>
+              <a:t>查看</a:t>
+            </a:r>
+            <a:endParaRPr lang="zh-CN" altLang="en-US" sz="2000" dirty="0">
+              <a:solidFill>
+                <a:srgbClr val="184199"/>
+              </a:solidFill>
+              <a:latin typeface="微软雅黑" charset="-108"/>
+              <a:ea typeface="微软雅黑" charset="-108"/>
+              <a:sym typeface="微软雅黑" charset="-108"/>
+            </a:endParaRPr>
+          </a:p>
+          <a:p>
+            <a:pPr lvl="1" eaLnBrk="0" hangingPunct="0">
+              <a:buFont typeface="Wingdings" panose="05000000000000000000" pitchFamily="2" charset="2"/>
+              <a:buChar char="Ø"/>
+            </a:pPr>
+            <a:r>
+              <a:rPr lang="en-US" altLang="zh-CN" sz="2000" dirty="0">
+                <a:solidFill>
+                  <a:srgbClr val="184199"/>
+                </a:solidFill>
+                <a:latin typeface="微软雅黑" charset="-108"/>
+                <a:ea typeface="微软雅黑" charset="-108"/>
+                <a:sym typeface="微软雅黑" charset="-108"/>
+              </a:rPr>
+              <a:t>  </a:t>
+            </a:r>
+            <a:r>
+              <a:rPr lang="zh-CN" altLang="en-US" sz="2000" dirty="0">
+                <a:solidFill>
+                  <a:srgbClr val="184199"/>
+                </a:solidFill>
+                <a:latin typeface="微软雅黑" charset="-108"/>
+                <a:ea typeface="微软雅黑" charset="-108"/>
+                <a:sym typeface="微软雅黑" charset="-108"/>
+              </a:rPr>
+              <a:t>日志</a:t>
+            </a:r>
+            <a:r>
+              <a:rPr lang="zh-CN" altLang="en-US" sz="2000" dirty="0">
+                <a:solidFill>
+                  <a:srgbClr val="184199"/>
+                </a:solidFill>
+                <a:latin typeface="微软雅黑" charset="-108"/>
+                <a:ea typeface="微软雅黑" charset="-108"/>
+                <a:sym typeface="微软雅黑" charset="-108"/>
+              </a:rPr>
+              <a:t>查看</a:t>
+            </a:r>
+            <a:endParaRPr lang="zh-CN" altLang="en-US" sz="2000" dirty="0">
+              <a:solidFill>
+                <a:srgbClr val="184199"/>
+              </a:solidFill>
+              <a:latin typeface="微软雅黑" charset="-108"/>
+              <a:ea typeface="微软雅黑" charset="-108"/>
+              <a:sym typeface="微软雅黑" charset="-108"/>
+            </a:endParaRPr>
+          </a:p>
+          <a:p>
+            <a:pPr eaLnBrk="0" hangingPunct="0">
+              <a:buFont typeface="Arial" panose="020B0704020202020204" pitchFamily="34" charset="0"/>
+            </a:pPr>
+            <a:endParaRPr lang="zh-CN" altLang="en-US" dirty="0">
+              <a:latin typeface="Arial" panose="020B0704020202020204" pitchFamily="34" charset="0"/>
+              <a:ea typeface="宋体" pitchFamily="2" charset="-122"/>
+            </a:endParaRPr>
+          </a:p>
+        </p:txBody>
+      </p:sp>
     </p:spTree>
   </p:cSld>
   <p:clrMapOvr>
@@ -10935,7 +11161,7 @@
       <p:grpSpPr/>
       <p:sp>
         <p:nvSpPr>
-          <p:cNvPr id="22529" name="标题 1"/>
+          <p:cNvPr id="34817" name="标题 1"/>
           <p:cNvSpPr/>
           <p:nvPr/>
         </p:nvSpPr>
@@ -10969,14 +11195,14 @@
       </p:sp>
       <p:sp>
         <p:nvSpPr>
-          <p:cNvPr id="22530" name="TextBox 1"/>
+          <p:cNvPr id="34818" name="文本框 6"/>
           <p:cNvSpPr/>
           <p:nvPr/>
         </p:nvSpPr>
         <p:spPr>
           <a:xfrm>
-            <a:off x="247650" y="323850"/>
-            <a:ext cx="3600450" cy="460375"/>
+            <a:off x="7258050" y="6488113"/>
+            <a:ext cx="1825625" cy="277812"/>
           </a:xfrm>
           <a:prstGeom prst="rect">
             <a:avLst/>
@@ -10987,36 +11213,36 @@
           </a:ln>
         </p:spPr>
         <p:txBody>
-          <a:bodyPr wrap="square" anchor="t" anchorCtr="0">
+          <a:bodyPr wrap="none" anchor="t" anchorCtr="0">
             <a:spAutoFit/>
           </a:bodyPr>
           <a:p>
             <a:pPr eaLnBrk="0" hangingPunct="0"/>
             <a:r>
-              <a:rPr lang="en-US" altLang="zh-CN" sz="2400" b="1" dirty="0">
+              <a:rPr lang="zh-CN" altLang="en-US" sz="1100">
                 <a:solidFill>
-                  <a:srgbClr val="0070C0"/>
+                  <a:srgbClr val="000000"/>
                 </a:solidFill>
-                <a:latin typeface="微软雅黑" charset="-108"/>
-                <a:ea typeface="微软雅黑" charset="-108"/>
-                <a:sym typeface="微软雅黑" charset="-108"/>
-              </a:rPr>
-              <a:t>Kubernetes </a:t>
-            </a:r>
-            <a:endParaRPr lang="en-US" altLang="zh-CN" sz="2400" b="1" dirty="0">
+                <a:latin typeface="微软雅黑 Light" pitchFamily="2" charset="-122"/>
+                <a:ea typeface="微软雅黑 Light" pitchFamily="2" charset="-122"/>
+                <a:sym typeface="微软雅黑 Light" pitchFamily="2" charset="-122"/>
+              </a:rPr>
+              <a:t>深信服科技培训发展中心系列课程</a:t>
+            </a:r>
+            <a:endParaRPr lang="zh-CN" altLang="en-US" sz="1100">
               <a:solidFill>
-                <a:srgbClr val="0070C0"/>
+                <a:srgbClr val="000000"/>
               </a:solidFill>
-              <a:latin typeface="微软雅黑" charset="-108"/>
-              <a:ea typeface="微软雅黑" charset="-108"/>
-              <a:sym typeface="微软雅黑" charset="-108"/>
+              <a:latin typeface="微软雅黑 Light" pitchFamily="2" charset="-122"/>
+              <a:ea typeface="微软雅黑 Light" pitchFamily="2" charset="-122"/>
+              <a:sym typeface="微软雅黑 Light" pitchFamily="2" charset="-122"/>
             </a:endParaRPr>
           </a:p>
         </p:txBody>
       </p:sp>
       <p:pic>
         <p:nvPicPr>
-          <p:cNvPr id="22532" name="图片 22532" descr="sangfor_logo"/>
+          <p:cNvPr id="34819" name="图片 7"/>
           <p:cNvPicPr>
             <a:picLocks noChangeAspect="1"/>
           </p:cNvPicPr>
@@ -11030,8 +11256,8 @@
         </p:blipFill>
         <p:spPr>
           <a:xfrm>
-            <a:off x="7343775" y="473075"/>
-            <a:ext cx="1320800" cy="606425"/>
+            <a:off x="0" y="0"/>
+            <a:ext cx="9144000" cy="6858000"/>
           </a:xfrm>
           <a:prstGeom prst="rect">
             <a:avLst/>
@@ -11042,9 +11268,56 @@
           </a:ln>
         </p:spPr>
       </p:pic>
+      <p:sp>
+        <p:nvSpPr>
+          <p:cNvPr id="34820" name="文本框 9"/>
+          <p:cNvSpPr/>
+          <p:nvPr/>
+        </p:nvSpPr>
+        <p:spPr>
+          <a:xfrm>
+            <a:off x="6896100" y="6305550"/>
+            <a:ext cx="1506538" cy="265113"/>
+          </a:xfrm>
+          <a:prstGeom prst="rect">
+            <a:avLst/>
+          </a:prstGeom>
+          <a:noFill/>
+          <a:ln w="9525">
+            <a:noFill/>
+          </a:ln>
+        </p:spPr>
+        <p:txBody>
+          <a:bodyPr wrap="none" anchor="t" anchorCtr="0">
+            <a:spAutoFit/>
+          </a:bodyPr>
+          <a:p>
+            <a:pPr eaLnBrk="0" hangingPunct="0"/>
+            <a:r>
+              <a:rPr lang="zh-CN" altLang="en-US" sz="1000">
+                <a:solidFill>
+                  <a:srgbClr val="000000"/>
+                </a:solidFill>
+                <a:latin typeface="微软雅黑 Light" pitchFamily="2" charset="-122"/>
+                <a:ea typeface="微软雅黑 Light" pitchFamily="2" charset="-122"/>
+                <a:sym typeface="微软雅黑 Light" pitchFamily="2" charset="-122"/>
+              </a:rPr>
+              <a:t>信锐测试部专业能力精品课程</a:t>
+            </a:r>
+            <a:endParaRPr lang="zh-CN" altLang="en-US" sz="1000">
+              <a:solidFill>
+                <a:srgbClr val="000000"/>
+              </a:solidFill>
+              <a:latin typeface="微软雅黑 Light" pitchFamily="2" charset="-122"/>
+              <a:ea typeface="微软雅黑 Light" pitchFamily="2" charset="-122"/>
+              <a:sym typeface="微软雅黑 Light" pitchFamily="2" charset="-122"/>
+            </a:endParaRPr>
+          </a:p>
+        </p:txBody>
+      </p:sp>
       <p:pic>
         <p:nvPicPr>
-          <p:cNvPr id="2" name="图片 1" descr="image"/>
+          <p:cNvPr id="34821" name="图片 1"/>
           <p:cNvPicPr>
             <a:picLocks noChangeAspect="1"/>
           </p:cNvPicPr>
@@ -11058,82 +11331,147 @@
         </p:blipFill>
         <p:spPr>
           <a:xfrm>
-            <a:off x="755650" y="1485900"/>
-            <a:ext cx="7470140" cy="2936875"/>
-          </a:xfrm>
-          <a:prstGeom prst="rect">
-            <a:avLst/>
-          </a:prstGeom>
-        </p:spPr>
-      </p:pic>
-      <p:sp>
-        <p:nvSpPr>
-          <p:cNvPr id="3" name="文本框 2"/>
-          <p:cNvSpPr txBox="1"/>
-          <p:nvPr/>
-        </p:nvSpPr>
-        <p:spPr>
-          <a:xfrm>
-            <a:off x="1331595" y="5229225"/>
-            <a:ext cx="6275705" cy="645160"/>
+            <a:off x="7208838" y="495300"/>
+            <a:ext cx="1390650" cy="806450"/>
           </a:xfrm>
           <a:prstGeom prst="rect">
             <a:avLst/>
           </a:prstGeom>
           <a:noFill/>
-        </p:spPr>
-        <p:txBody>
-          <a:bodyPr wrap="square" rtlCol="0">
+          <a:ln w="9525">
+            <a:noFill/>
+          </a:ln>
+        </p:spPr>
+      </p:pic>
+      <p:pic>
+        <p:nvPicPr>
+          <p:cNvPr id="34822" name="图片 2"/>
+          <p:cNvPicPr>
+            <a:picLocks noChangeAspect="1"/>
+          </p:cNvPicPr>
+          <p:nvPr/>
+        </p:nvPicPr>
+        <p:blipFill>
+          <a:blip r:embed="rId3"/>
+          <a:stretch>
+            <a:fillRect/>
+          </a:stretch>
+        </p:blipFill>
+        <p:spPr>
+          <a:xfrm>
+            <a:off x="0" y="0"/>
+            <a:ext cx="9144000" cy="6858000"/>
+          </a:xfrm>
+          <a:prstGeom prst="rect">
+            <a:avLst/>
+          </a:prstGeom>
+          <a:noFill/>
+          <a:ln w="9525">
+            <a:noFill/>
+          </a:ln>
+        </p:spPr>
+      </p:pic>
+      <p:sp>
+        <p:nvSpPr>
+          <p:cNvPr id="34823" name="TextBox 23"/>
+          <p:cNvSpPr/>
+          <p:nvPr/>
+        </p:nvSpPr>
+        <p:spPr>
+          <a:xfrm>
+            <a:off x="4351338" y="2778125"/>
+            <a:ext cx="3386455" cy="680085"/>
+          </a:xfrm>
+          <a:prstGeom prst="rect">
+            <a:avLst/>
+          </a:prstGeom>
+          <a:noFill/>
+          <a:ln w="9525">
+            <a:noFill/>
+          </a:ln>
+        </p:spPr>
+        <p:txBody>
+          <a:bodyPr wrap="none" lIns="64802" tIns="32401" rIns="64802" bIns="32401" anchor="t" anchorCtr="0">
             <a:spAutoFit/>
           </a:bodyPr>
           <a:p>
             <a:r>
-              <a:rPr lang="en-US" altLang="zh-CN"/>
-              <a:t>Dev：</a:t>
-            </a:r>
-            <a:r>
-              <a:rPr lang="zh-CN" altLang="en-US"/>
-              <a:t>描述应用需要哪些资源</a:t>
-            </a:r>
-            <a:r>
-              <a:rPr lang="en-US" altLang="zh-CN"/>
-              <a:t>，</a:t>
-            </a:r>
-            <a:r>
-              <a:rPr lang="zh-CN" altLang="en-US"/>
-              <a:t>部署位置</a:t>
-            </a:r>
-            <a:r>
-              <a:rPr lang="en-US" altLang="zh-CN"/>
-              <a:t>，</a:t>
-            </a:r>
-            <a:r>
-              <a:rPr lang="zh-CN" altLang="en-US"/>
-              <a:t>以及依赖关系</a:t>
-            </a:r>
-            <a:r>
-              <a:rPr lang="en-US" altLang="zh-CN"/>
-              <a:t>  </a:t>
-            </a:r>
-            <a:endParaRPr lang="en-US" altLang="zh-CN"/>
-          </a:p>
-          <a:p>
-            <a:r>
-              <a:rPr lang="en-US" altLang="zh-CN"/>
-              <a:t>Ops：</a:t>
-            </a:r>
-            <a:r>
-              <a:rPr lang="zh-CN" altLang="en-US"/>
-              <a:t>维护集群给开发者提供一个</a:t>
-            </a:r>
-            <a:r>
-              <a:rPr lang="zh-CN" altLang="en-US"/>
-              <a:t>资源平台</a:t>
-            </a:r>
-            <a:endParaRPr lang="zh-CN" altLang="en-US"/>
-          </a:p>
-        </p:txBody>
-      </p:sp>
+              <a:rPr lang="zh-CN" altLang="en-US" sz="4000" b="1" dirty="0">
+                <a:latin typeface="微软雅黑" charset="-108"/>
+                <a:ea typeface="微软雅黑" charset="-108"/>
+                <a:sym typeface="微软雅黑" charset="-108"/>
+              </a:rPr>
+              <a:t>3</a:t>
+            </a:r>
+            <a:r>
+              <a:rPr lang="en-US" altLang="zh-CN" sz="4000" b="1" dirty="0">
+                <a:latin typeface="微软雅黑" charset="-108"/>
+                <a:ea typeface="微软雅黑" charset="-108"/>
+                <a:sym typeface="微软雅黑" charset="-108"/>
+              </a:rPr>
+              <a:t> Kubernetes</a:t>
+            </a:r>
+            <a:endParaRPr lang="en-US" altLang="zh-CN" sz="4000" b="1" dirty="0">
+              <a:latin typeface="微软雅黑" charset="-108"/>
+              <a:ea typeface="微软雅黑" charset="-108"/>
+              <a:sym typeface="微软雅黑" charset="-108"/>
+            </a:endParaRPr>
+          </a:p>
+        </p:txBody>
+      </p:sp>
+      <p:sp>
+        <p:nvSpPr>
+          <p:cNvPr id="34824" name="直线连接符 6"/>
+          <p:cNvSpPr/>
+          <p:nvPr/>
+        </p:nvSpPr>
+        <p:spPr>
+          <a:xfrm flipV="1">
+            <a:off x="4513263" y="3594100"/>
+            <a:ext cx="3876675" cy="1588"/>
+          </a:xfrm>
+          <a:prstGeom prst="line">
+            <a:avLst/>
+          </a:prstGeom>
+          <a:ln w="19050" cap="flat" cmpd="sng">
+            <a:solidFill>
+              <a:srgbClr val="7F7F7F"/>
+            </a:solidFill>
+            <a:prstDash val="solid"/>
+            <a:round/>
+            <a:headEnd type="none" w="med" len="med"/>
+            <a:tailEnd type="none" w="med" len="med"/>
+          </a:ln>
+        </p:spPr>
+      </p:sp>
+      <p:pic>
+        <p:nvPicPr>
+          <p:cNvPr id="34825" name="图片 34825" descr="sangfor_logo"/>
+          <p:cNvPicPr>
+            <a:picLocks noChangeAspect="1"/>
+          </p:cNvPicPr>
+          <p:nvPr/>
+        </p:nvPicPr>
+        <p:blipFill>
+          <a:blip r:embed="rId4"/>
+          <a:stretch>
+            <a:fillRect/>
+          </a:stretch>
+        </p:blipFill>
+        <p:spPr>
+          <a:xfrm>
+            <a:off x="7343775" y="473075"/>
+            <a:ext cx="1320800" cy="606425"/>
+          </a:xfrm>
+          <a:prstGeom prst="rect">
+            <a:avLst/>
+          </a:prstGeom>
+          <a:noFill/>
+          <a:ln w="9525">
+            <a:noFill/>
+          </a:ln>
+        </p:spPr>
+      </p:pic>
     </p:spTree>
   </p:cSld>
   <p:clrMapOvr>

--- a/lession1/kubernetes第一课.pptx
+++ b/lession1/kubernetes第一课.pptx
@@ -16,13 +16,17 @@
     <p:sldId id="260" r:id="rId9"/>
     <p:sldId id="312" r:id="rId10"/>
     <p:sldId id="337" r:id="rId11"/>
-    <p:sldId id="344" r:id="rId12"/>
-    <p:sldId id="263" r:id="rId13"/>
-    <p:sldId id="339" r:id="rId14"/>
-    <p:sldId id="340" r:id="rId15"/>
-    <p:sldId id="265" r:id="rId16"/>
-    <p:sldId id="266" r:id="rId17"/>
-    <p:sldId id="267" r:id="rId18"/>
+    <p:sldId id="351" r:id="rId12"/>
+    <p:sldId id="352" r:id="rId13"/>
+    <p:sldId id="353" r:id="rId14"/>
+    <p:sldId id="354" r:id="rId15"/>
+    <p:sldId id="344" r:id="rId16"/>
+    <p:sldId id="263" r:id="rId17"/>
+    <p:sldId id="339" r:id="rId18"/>
+    <p:sldId id="340" r:id="rId19"/>
+    <p:sldId id="265" r:id="rId20"/>
+    <p:sldId id="266" r:id="rId21"/>
+    <p:sldId id="267" r:id="rId22"/>
   </p:sldIdLst>
   <p:sldSz cx="9144000" cy="6858000"/>
   <p:notesSz cx="6858000" cy="9144000"/>
@@ -223,7 +227,7 @@
   <p:extLst>
     <p:ext uri="{EFAFB233-063F-42B5-8137-9DF3F51BA10A}">
       <p15:sldGuideLst xmlns:p15="http://schemas.microsoft.com/office/powerpoint/2012/main">
-        <p15:guide id="1" orient="horz" pos="2168" userDrawn="1">
+        <p15:guide id="1" orient="horz" pos="2115" userDrawn="1">
           <p15:clr>
             <a:srgbClr val="A4A3A4"/>
           </p15:clr>
@@ -237,6 +241,48 @@
     </p:ext>
   </p:extLst>
 </p:presentation>
+</file>
+
+<file path=ppt/commentAuthors.xml><?xml version="1.0" encoding="utf-8"?>
+<p:cmAuthorLst xmlns:a="http://schemas.openxmlformats.org/drawingml/2006/main" xmlns:r="http://schemas.openxmlformats.org/officeDocument/2006/relationships" xmlns:p="http://schemas.openxmlformats.org/presentationml/2006/main">
+  <p:cmAuthor id="302334466" name="Joyce" initials="J" lastIdx="1" clrIdx="0"/>
+</p:cmAuthorLst>
+</file>
+
+<file path=ppt/comments/comment1.xml><?xml version="1.0" encoding="utf-8"?>
+<p:cmLst xmlns:a="http://schemas.openxmlformats.org/drawingml/2006/main" xmlns:r="http://schemas.openxmlformats.org/officeDocument/2006/relationships" xmlns:p="http://schemas.openxmlformats.org/presentationml/2006/main">
+  <p:cm authorId="302334466" dt="2025-01-26T17:42:10.065" idx="1">
+    <p:pos x="10" y="10"/>
+    <p:text/>
+  </p:cm>
+</p:cmLst>
+</file>
+
+<file path=ppt/comments/comment2.xml><?xml version="1.0" encoding="utf-8"?>
+<p:cmLst xmlns:a="http://schemas.openxmlformats.org/drawingml/2006/main" xmlns:r="http://schemas.openxmlformats.org/officeDocument/2006/relationships" xmlns:p="http://schemas.openxmlformats.org/presentationml/2006/main">
+  <p:cm authorId="302334466" dt="2025-01-26T17:42:10.065" idx="1">
+    <p:pos x="10" y="10"/>
+    <p:text/>
+  </p:cm>
+</p:cmLst>
+</file>
+
+<file path=ppt/comments/comment3.xml><?xml version="1.0" encoding="utf-8"?>
+<p:cmLst xmlns:a="http://schemas.openxmlformats.org/drawingml/2006/main" xmlns:r="http://schemas.openxmlformats.org/officeDocument/2006/relationships" xmlns:p="http://schemas.openxmlformats.org/presentationml/2006/main">
+  <p:cm authorId="302334466" dt="2025-01-26T17:42:10.065" idx="1">
+    <p:pos x="10" y="10"/>
+    <p:text/>
+  </p:cm>
+</p:cmLst>
+</file>
+
+<file path=ppt/comments/comment4.xml><?xml version="1.0" encoding="utf-8"?>
+<p:cmLst xmlns:a="http://schemas.openxmlformats.org/drawingml/2006/main" xmlns:r="http://schemas.openxmlformats.org/officeDocument/2006/relationships" xmlns:p="http://schemas.openxmlformats.org/presentationml/2006/main">
+  <p:cm authorId="302334466" dt="2025-01-26T17:42:10.065" idx="1">
+    <p:pos x="10" y="10"/>
+    <p:text/>
+  </p:cm>
+</p:cmLst>
 </file>
 
 <file path=ppt/notesMasters/notesMaster1.xml><?xml version="1.0" encoding="utf-8"?>
@@ -1005,6 +1051,306 @@
 </p:notes>
 </file>
 
+<file path=ppt/notesSlides/notesSlide10.xml><?xml version="1.0" encoding="utf-8"?>
+<p:notes xmlns:a="http://schemas.openxmlformats.org/drawingml/2006/main" xmlns:r="http://schemas.openxmlformats.org/officeDocument/2006/relationships" xmlns:p="http://schemas.openxmlformats.org/presentationml/2006/main" showMasterSp="0">
+  <p:cSld>
+    <p:bg>
+      <p:bgPr>
+        <a:solidFill>
+          <a:srgbClr val="FFFFFF"/>
+        </a:solidFill>
+        <a:effectLst/>
+      </p:bgPr>
+    </p:bg>
+    <p:spTree>
+      <p:nvGrpSpPr>
+        <p:cNvPr id="1" name=""/>
+        <p:cNvGrpSpPr/>
+        <p:nvPr/>
+      </p:nvGrpSpPr>
+      <p:grpSpPr/>
+      <p:sp>
+        <p:nvSpPr>
+          <p:cNvPr id="23554" name="幻灯片图像占位符 23553"/>
+          <p:cNvSpPr>
+            <a:spLocks noGrp="1"/>
+          </p:cNvSpPr>
+          <p:nvPr>
+            <p:ph type="sldImg"/>
+          </p:nvPr>
+        </p:nvSpPr>
+        <p:spPr>
+          <a:ln w="1"/>
+        </p:spPr>
+      </p:sp>
+      <p:sp>
+        <p:nvSpPr>
+          <p:cNvPr id="23555" name="文本占位符 23554"/>
+          <p:cNvSpPr>
+            <a:spLocks noGrp="1"/>
+          </p:cNvSpPr>
+          <p:nvPr>
+            <p:ph type="body"/>
+          </p:nvPr>
+        </p:nvSpPr>
+        <p:spPr>
+          <a:ln w="1"/>
+        </p:spPr>
+        <p:txBody>
+          <a:bodyPr anchor="ctr" anchorCtr="0"/>
+          <a:p>
+            <a:pPr lvl="0"/>
+            <a:endParaRPr lang="zh-CN" altLang="en-US" dirty="0">
+              <a:ea typeface="宋体" pitchFamily="2" charset="-122"/>
+            </a:endParaRPr>
+          </a:p>
+          <a:p>
+            <a:pPr lvl="0"/>
+            <a:endParaRPr lang="zh-CN" altLang="en-US" dirty="0">
+              <a:ea typeface="宋体" pitchFamily="2" charset="-122"/>
+            </a:endParaRPr>
+          </a:p>
+          <a:p>
+            <a:pPr lvl="0"/>
+            <a:endParaRPr lang="zh-CN" altLang="en-US" dirty="0">
+              <a:ea typeface="宋体" pitchFamily="2" charset="-122"/>
+            </a:endParaRPr>
+          </a:p>
+          <a:p>
+            <a:pPr lvl="0"/>
+            <a:endParaRPr lang="zh-CN" altLang="en-US" dirty="0">
+              <a:ea typeface="宋体" pitchFamily="2" charset="-122"/>
+            </a:endParaRPr>
+          </a:p>
+          <a:p>
+            <a:pPr lvl="0"/>
+            <a:endParaRPr lang="zh-CN" altLang="en-US" dirty="0">
+              <a:ea typeface="宋体" pitchFamily="2" charset="-122"/>
+            </a:endParaRPr>
+          </a:p>
+          <a:p>
+            <a:pPr lvl="0"/>
+            <a:endParaRPr lang="zh-CN" altLang="en-US" dirty="0">
+              <a:cs typeface="Arial" panose="020B0704020202020204" pitchFamily="34" charset="0"/>
+            </a:endParaRPr>
+          </a:p>
+          <a:p>
+            <a:pPr lvl="0"/>
+            <a:endParaRPr lang="zh-CN" altLang="en-US" dirty="0">
+              <a:cs typeface="Arial" panose="020B0704020202020204" pitchFamily="34" charset="0"/>
+            </a:endParaRPr>
+          </a:p>
+          <a:p>
+            <a:pPr lvl="0"/>
+            <a:endParaRPr lang="zh-CN" altLang="en-US" dirty="0">
+              <a:ea typeface="Arial" panose="020B0704020202020204" pitchFamily="34" charset="0"/>
+            </a:endParaRPr>
+          </a:p>
+        </p:txBody>
+      </p:sp>
+    </p:spTree>
+  </p:cSld>
+  <p:clrMapOvr>
+    <a:overrideClrMapping bg1="lt1" tx1="dk1" bg2="lt2" tx2="dk2" accent1="accent1" accent2="accent2" accent3="accent3" accent4="accent4" accent5="accent5" accent6="accent6" hlink="hlink" folHlink="folHlink"/>
+  </p:clrMapOvr>
+</p:notes>
+</file>
+
+<file path=ppt/notesSlides/notesSlide11.xml><?xml version="1.0" encoding="utf-8"?>
+<p:notes xmlns:a="http://schemas.openxmlformats.org/drawingml/2006/main" xmlns:r="http://schemas.openxmlformats.org/officeDocument/2006/relationships" xmlns:p="http://schemas.openxmlformats.org/presentationml/2006/main" showMasterSp="0">
+  <p:cSld>
+    <p:bg>
+      <p:bgPr>
+        <a:solidFill>
+          <a:srgbClr val="FFFFFF"/>
+        </a:solidFill>
+        <a:effectLst/>
+      </p:bgPr>
+    </p:bg>
+    <p:spTree>
+      <p:nvGrpSpPr>
+        <p:cNvPr id="1" name=""/>
+        <p:cNvGrpSpPr/>
+        <p:nvPr/>
+      </p:nvGrpSpPr>
+      <p:grpSpPr/>
+      <p:sp>
+        <p:nvSpPr>
+          <p:cNvPr id="38914" name="幻灯片图像占位符 38913"/>
+          <p:cNvSpPr>
+            <a:spLocks noGrp="1"/>
+          </p:cNvSpPr>
+          <p:nvPr>
+            <p:ph type="sldImg"/>
+          </p:nvPr>
+        </p:nvSpPr>
+        <p:spPr>
+          <a:ln w="1"/>
+        </p:spPr>
+      </p:sp>
+      <p:sp>
+        <p:nvSpPr>
+          <p:cNvPr id="38915" name="文本占位符 38914"/>
+          <p:cNvSpPr>
+            <a:spLocks noGrp="1"/>
+          </p:cNvSpPr>
+          <p:nvPr>
+            <p:ph type="body"/>
+          </p:nvPr>
+        </p:nvSpPr>
+        <p:spPr>
+          <a:ln w="1"/>
+        </p:spPr>
+        <p:txBody>
+          <a:bodyPr anchor="ctr" anchorCtr="0"/>
+          <a:p>
+            <a:pPr lvl="0"/>
+            <a:r>
+              <a:rPr lang="zh-CN" altLang="en-US" dirty="0">
+                <a:ea typeface="宋体" pitchFamily="2" charset="-122"/>
+              </a:rPr>
+              <a:t>把</a:t>
+            </a:r>
+            <a:r>
+              <a:rPr lang="zh-CN" altLang="en-US" dirty="0">
+                <a:ea typeface="宋体" pitchFamily="2" charset="-122"/>
+              </a:rPr>
+              <a:t>k8s</a:t>
+            </a:r>
+            <a:r>
+              <a:rPr lang="zh-CN" altLang="en-US" dirty="0">
+                <a:ea typeface="宋体" pitchFamily="2" charset="-122"/>
+              </a:rPr>
+              <a:t>控制面</a:t>
+            </a:r>
+            <a:r>
+              <a:rPr lang="zh-CN" altLang="en-US" dirty="0">
+                <a:ea typeface="宋体" pitchFamily="2" charset="-122"/>
+              </a:rPr>
+              <a:t>提</a:t>
+            </a:r>
+            <a:r>
+              <a:rPr lang="zh-CN" altLang="en-US" dirty="0">
+                <a:ea typeface="宋体" pitchFamily="2" charset="-122"/>
+              </a:rPr>
+              <a:t>到</a:t>
+            </a:r>
+            <a:r>
+              <a:rPr lang="zh-CN" altLang="en-US" dirty="0">
+                <a:ea typeface="宋体" pitchFamily="2" charset="-122"/>
+              </a:rPr>
+              <a:t>云，</a:t>
+            </a:r>
+            <a:r>
+              <a:rPr lang="zh-CN" altLang="en-US" dirty="0">
+                <a:ea typeface="宋体" pitchFamily="2" charset="-122"/>
+              </a:rPr>
+              <a:t>优化</a:t>
+            </a:r>
+            <a:r>
+              <a:rPr lang="zh-CN" altLang="en-US" dirty="0">
+                <a:ea typeface="宋体" pitchFamily="2" charset="-122"/>
+              </a:rPr>
+              <a:t>k8s </a:t>
+            </a:r>
+            <a:r>
+              <a:rPr lang="zh-CN" altLang="en-US" dirty="0">
+                <a:ea typeface="宋体" pitchFamily="2" charset="-122"/>
+              </a:rPr>
+              <a:t>云</a:t>
+            </a:r>
+            <a:r>
+              <a:rPr lang="zh-CN" altLang="en-US" dirty="0">
+                <a:ea typeface="宋体" pitchFamily="2" charset="-122"/>
+              </a:rPr>
+              <a:t>与</a:t>
+            </a:r>
+            <a:r>
+              <a:rPr lang="zh-CN" altLang="en-US" dirty="0">
+                <a:ea typeface="宋体" pitchFamily="2" charset="-122"/>
+              </a:rPr>
+              <a:t>worker</a:t>
+            </a:r>
+            <a:r>
+              <a:rPr lang="zh-CN" altLang="en-US" dirty="0">
+                <a:ea typeface="宋体" pitchFamily="2" charset="-122"/>
+              </a:rPr>
+              <a:t>边</a:t>
+            </a:r>
+            <a:r>
+              <a:rPr lang="zh-CN" altLang="en-US" dirty="0">
+                <a:ea typeface="宋体" pitchFamily="2" charset="-122"/>
+              </a:rPr>
+              <a:t>的</a:t>
+            </a:r>
+            <a:r>
+              <a:rPr lang="zh-CN" altLang="en-US" dirty="0">
+                <a:ea typeface="宋体" pitchFamily="2" charset="-122"/>
+              </a:rPr>
+              <a:t>连接</a:t>
+            </a:r>
+            <a:r>
+              <a:rPr lang="zh-CN" altLang="en-US" dirty="0">
+                <a:ea typeface="宋体" pitchFamily="2" charset="-122"/>
+              </a:rPr>
+              <a:t>优化，</a:t>
+            </a:r>
+            <a:r>
+              <a:rPr lang="zh-CN" altLang="en-US" dirty="0">
+                <a:ea typeface="宋体" pitchFamily="2" charset="-122"/>
+              </a:rPr>
+              <a:t>网络</a:t>
+            </a:r>
+            <a:r>
+              <a:rPr lang="zh-CN" altLang="en-US" dirty="0">
+                <a:ea typeface="宋体" pitchFamily="2" charset="-122"/>
+              </a:rPr>
+              <a:t>中断</a:t>
+            </a:r>
+            <a:r>
+              <a:rPr lang="zh-CN" altLang="en-US" dirty="0">
+                <a:ea typeface="宋体" pitchFamily="2" charset="-122"/>
+              </a:rPr>
+              <a:t>可以</a:t>
+            </a:r>
+            <a:r>
+              <a:rPr lang="zh-CN" altLang="en-US" dirty="0">
+                <a:ea typeface="宋体" pitchFamily="2" charset="-122"/>
+              </a:rPr>
+              <a:t>自</a:t>
+            </a:r>
+            <a:r>
+              <a:rPr lang="zh-CN" altLang="en-US" dirty="0">
+                <a:ea typeface="宋体" pitchFamily="2" charset="-122"/>
+              </a:rPr>
+              <a:t>治</a:t>
+            </a:r>
+            <a:endParaRPr lang="zh-CN" altLang="en-US" dirty="0">
+              <a:ea typeface="宋体" pitchFamily="2" charset="-122"/>
+            </a:endParaRPr>
+          </a:p>
+          <a:p>
+            <a:pPr lvl="0"/>
+            <a:endParaRPr lang="zh-CN" altLang="en-US" dirty="0">
+              <a:ea typeface="宋体" pitchFamily="2" charset="-122"/>
+            </a:endParaRPr>
+          </a:p>
+          <a:p>
+            <a:pPr lvl="0"/>
+            <a:endParaRPr lang="zh-CN" altLang="en-US" dirty="0">
+              <a:ea typeface="宋体" pitchFamily="2" charset="-122"/>
+            </a:endParaRPr>
+          </a:p>
+        </p:txBody>
+      </p:sp>
+    </p:spTree>
+  </p:cSld>
+  <p:clrMapOvr>
+    <a:overrideClrMapping bg1="lt1" tx1="dk1" bg2="lt2" tx2="dk2" accent1="accent1" accent2="accent2" accent3="accent3" accent4="accent4" accent5="accent5" accent6="accent6" hlink="hlink" folHlink="folHlink"/>
+  </p:clrMapOvr>
+</p:notes>
+</file>
+
 <file path=ppt/notesSlides/notesSlide2.xml><?xml version="1.0" encoding="utf-8"?>
 <p:notes xmlns:a="http://schemas.openxmlformats.org/drawingml/2006/main" xmlns:r="http://schemas.openxmlformats.org/officeDocument/2006/relationships" xmlns:p="http://schemas.openxmlformats.org/presentationml/2006/main" showMasterSp="0">
   <p:cSld>
@@ -1265,48 +1611,6 @@
           <a:p>
             <a:pPr lvl="0"/>
             <a:endParaRPr lang="zh-CN" altLang="en-US" dirty="0">
-              <a:ea typeface="宋体" pitchFamily="2" charset="-122"/>
-            </a:endParaRPr>
-          </a:p>
-          <a:p>
-            <a:pPr lvl="0"/>
-            <a:endParaRPr lang="zh-CN" altLang="en-US" dirty="0">
-              <a:ea typeface="宋体" pitchFamily="2" charset="-122"/>
-            </a:endParaRPr>
-          </a:p>
-          <a:p>
-            <a:pPr lvl="0"/>
-            <a:endParaRPr lang="zh-CN" altLang="en-US" dirty="0">
-              <a:ea typeface="宋体" pitchFamily="2" charset="-122"/>
-            </a:endParaRPr>
-          </a:p>
-          <a:p>
-            <a:pPr lvl="0"/>
-            <a:endParaRPr lang="zh-CN" altLang="en-US" dirty="0">
-              <a:ea typeface="宋体" pitchFamily="2" charset="-122"/>
-            </a:endParaRPr>
-          </a:p>
-          <a:p>
-            <a:pPr lvl="0"/>
-            <a:endParaRPr lang="zh-CN" altLang="en-US" dirty="0">
-              <a:ea typeface="宋体" pitchFamily="2" charset="-122"/>
-            </a:endParaRPr>
-          </a:p>
-          <a:p>
-            <a:pPr lvl="0"/>
-            <a:endParaRPr lang="zh-CN" altLang="en-US" dirty="0">
-              <a:cs typeface="Arial" panose="020B0704020202020204" pitchFamily="34" charset="0"/>
-            </a:endParaRPr>
-          </a:p>
-          <a:p>
-            <a:pPr lvl="0"/>
-            <a:endParaRPr lang="zh-CN" altLang="en-US" dirty="0">
-              <a:cs typeface="Arial" panose="020B0704020202020204" pitchFamily="34" charset="0"/>
-            </a:endParaRPr>
-          </a:p>
-          <a:p>
-            <a:pPr lvl="0"/>
-            <a:endParaRPr lang="zh-CN" altLang="en-US" dirty="0">
               <a:ea typeface="Arial" panose="020B0704020202020204" pitchFamily="34" charset="0"/>
             </a:endParaRPr>
           </a:p>
@@ -1375,9 +1679,35 @@
           </a:p>
           <a:p>
             <a:pPr lvl="0"/>
-            <a:endParaRPr lang="zh-CN" altLang="en-US" dirty="0">
-              <a:ea typeface="宋体" pitchFamily="2" charset="-122"/>
-            </a:endParaRPr>
+            <a:r>
+              <a:rPr lang="zh-CN" altLang="en-US"/>
+              <a:t>在这个对比图里，我们应该把</a:t>
+            </a:r>
+            <a:r>
+              <a:rPr lang="en-US" altLang="zh-CN"/>
+              <a:t> Docker </a:t>
+            </a:r>
+            <a:r>
+              <a:rPr lang="zh-CN" altLang="en-US"/>
+              <a:t>画在跟应用同级别并且靠边的位置。这意味着，用户运行在容器里的应用进程，跟宿主机上的其他进程一样，都由宿主机操作系统统一管理，只不过这些被隔离的进程拥有额外设置过的</a:t>
+            </a:r>
+            <a:r>
+              <a:rPr lang="en-US" altLang="zh-CN"/>
+              <a:t> Namespace </a:t>
+            </a:r>
+            <a:r>
+              <a:rPr lang="zh-CN" altLang="en-US"/>
+              <a:t>参数。而</a:t>
+            </a:r>
+            <a:r>
+              <a:rPr lang="en-US" altLang="zh-CN"/>
+              <a:t> Docker </a:t>
+            </a:r>
+            <a:r>
+              <a:rPr lang="zh-CN" altLang="en-US"/>
+              <a:t>项目在这里扮演的角色，更多的是旁路式的辅助和管理工作。</a:t>
+            </a:r>
+            <a:endParaRPr lang="zh-CN" altLang="en-US"/>
           </a:p>
           <a:p>
             <a:pPr lvl="0"/>
@@ -1480,9 +1810,35 @@
           </a:p>
           <a:p>
             <a:pPr lvl="0"/>
-            <a:endParaRPr lang="zh-CN" altLang="en-US" dirty="0">
-              <a:ea typeface="宋体" pitchFamily="2" charset="-122"/>
-            </a:endParaRPr>
+            <a:r>
+              <a:rPr lang="zh-CN" altLang="en-US"/>
+              <a:t>在这个对比图里，我们应该把</a:t>
+            </a:r>
+            <a:r>
+              <a:rPr lang="en-US" altLang="zh-CN"/>
+              <a:t> Docker </a:t>
+            </a:r>
+            <a:r>
+              <a:rPr lang="zh-CN" altLang="en-US"/>
+              <a:t>画在跟应用同级别并且靠边的位置。这意味着，用户运行在容器里的应用进程，跟宿主机上的其他进程一样，都由宿主机操作系统统一管理，只不过这些被隔离的进程拥有额外设置过的</a:t>
+            </a:r>
+            <a:r>
+              <a:rPr lang="en-US" altLang="zh-CN"/>
+              <a:t> Namespace </a:t>
+            </a:r>
+            <a:r>
+              <a:rPr lang="zh-CN" altLang="en-US"/>
+              <a:t>参数。而</a:t>
+            </a:r>
+            <a:r>
+              <a:rPr lang="en-US" altLang="zh-CN"/>
+              <a:t> Docker </a:t>
+            </a:r>
+            <a:r>
+              <a:rPr lang="zh-CN" altLang="en-US"/>
+              <a:t>项目在这里扮演的角色，更多的是旁路式的辅助和管理工作。</a:t>
+            </a:r>
+            <a:endParaRPr lang="zh-CN" altLang="en-US"/>
           </a:p>
           <a:p>
             <a:pPr lvl="0"/>
@@ -1550,7 +1906,7 @@
       <p:grpSpPr/>
       <p:sp>
         <p:nvSpPr>
-          <p:cNvPr id="38914" name="幻灯片图像占位符 38913"/>
+          <p:cNvPr id="23554" name="幻灯片图像占位符 23553"/>
           <p:cNvSpPr>
             <a:spLocks noGrp="1"/>
           </p:cNvSpPr>
@@ -1564,7 +1920,7 @@
       </p:sp>
       <p:sp>
         <p:nvSpPr>
-          <p:cNvPr id="38915" name="文本占位符 38914"/>
+          <p:cNvPr id="23555" name="文本占位符 23554"/>
           <p:cNvSpPr>
             <a:spLocks noGrp="1"/>
           </p:cNvSpPr>
@@ -1579,129 +1935,41 @@
           <a:bodyPr anchor="ctr" anchorCtr="0"/>
           <a:p>
             <a:pPr lvl="0"/>
-            <a:r>
-              <a:rPr lang="zh-CN" altLang="en-US" dirty="0">
-                <a:ea typeface="宋体" pitchFamily="2" charset="-122"/>
-              </a:rPr>
-              <a:t>把</a:t>
-            </a:r>
-            <a:r>
-              <a:rPr lang="zh-CN" altLang="en-US" dirty="0">
-                <a:ea typeface="宋体" pitchFamily="2" charset="-122"/>
-              </a:rPr>
-              <a:t>k8s</a:t>
-            </a:r>
-            <a:r>
-              <a:rPr lang="zh-CN" altLang="en-US" dirty="0">
-                <a:ea typeface="宋体" pitchFamily="2" charset="-122"/>
-              </a:rPr>
-              <a:t>控制面</a:t>
-            </a:r>
-            <a:r>
-              <a:rPr lang="zh-CN" altLang="en-US" dirty="0">
-                <a:ea typeface="宋体" pitchFamily="2" charset="-122"/>
-              </a:rPr>
-              <a:t>提</a:t>
-            </a:r>
-            <a:r>
-              <a:rPr lang="zh-CN" altLang="en-US" dirty="0">
-                <a:ea typeface="宋体" pitchFamily="2" charset="-122"/>
-              </a:rPr>
-              <a:t>到</a:t>
-            </a:r>
-            <a:r>
-              <a:rPr lang="zh-CN" altLang="en-US" dirty="0">
-                <a:ea typeface="宋体" pitchFamily="2" charset="-122"/>
-              </a:rPr>
-              <a:t>云，</a:t>
-            </a:r>
-            <a:r>
-              <a:rPr lang="zh-CN" altLang="en-US" dirty="0">
-                <a:ea typeface="宋体" pitchFamily="2" charset="-122"/>
-              </a:rPr>
-              <a:t>优化</a:t>
-            </a:r>
-            <a:r>
-              <a:rPr lang="zh-CN" altLang="en-US" dirty="0">
-                <a:ea typeface="宋体" pitchFamily="2" charset="-122"/>
-              </a:rPr>
-              <a:t>k8s </a:t>
-            </a:r>
-            <a:r>
-              <a:rPr lang="zh-CN" altLang="en-US" dirty="0">
-                <a:ea typeface="宋体" pitchFamily="2" charset="-122"/>
-              </a:rPr>
-              <a:t>云</a:t>
-            </a:r>
-            <a:r>
-              <a:rPr lang="zh-CN" altLang="en-US" dirty="0">
-                <a:ea typeface="宋体" pitchFamily="2" charset="-122"/>
-              </a:rPr>
-              <a:t>与</a:t>
-            </a:r>
-            <a:r>
-              <a:rPr lang="zh-CN" altLang="en-US" dirty="0">
-                <a:ea typeface="宋体" pitchFamily="2" charset="-122"/>
-              </a:rPr>
-              <a:t>worker</a:t>
-            </a:r>
-            <a:r>
-              <a:rPr lang="zh-CN" altLang="en-US" dirty="0">
-                <a:ea typeface="宋体" pitchFamily="2" charset="-122"/>
-              </a:rPr>
-              <a:t>边</a:t>
-            </a:r>
-            <a:r>
-              <a:rPr lang="zh-CN" altLang="en-US" dirty="0">
-                <a:ea typeface="宋体" pitchFamily="2" charset="-122"/>
-              </a:rPr>
-              <a:t>的</a:t>
-            </a:r>
-            <a:r>
-              <a:rPr lang="zh-CN" altLang="en-US" dirty="0">
-                <a:ea typeface="宋体" pitchFamily="2" charset="-122"/>
-              </a:rPr>
-              <a:t>连接</a:t>
-            </a:r>
-            <a:r>
-              <a:rPr lang="zh-CN" altLang="en-US" dirty="0">
-                <a:ea typeface="宋体" pitchFamily="2" charset="-122"/>
-              </a:rPr>
-              <a:t>优化，</a:t>
-            </a:r>
-            <a:r>
-              <a:rPr lang="zh-CN" altLang="en-US" dirty="0">
-                <a:ea typeface="宋体" pitchFamily="2" charset="-122"/>
-              </a:rPr>
-              <a:t>网络</a:t>
-            </a:r>
-            <a:r>
-              <a:rPr lang="zh-CN" altLang="en-US" dirty="0">
-                <a:ea typeface="宋体" pitchFamily="2" charset="-122"/>
-              </a:rPr>
-              <a:t>中断</a:t>
-            </a:r>
-            <a:r>
-              <a:rPr lang="zh-CN" altLang="en-US" dirty="0">
-                <a:ea typeface="宋体" pitchFamily="2" charset="-122"/>
-              </a:rPr>
-              <a:t>可以</a:t>
-            </a:r>
-            <a:r>
-              <a:rPr lang="zh-CN" altLang="en-US" dirty="0">
-                <a:ea typeface="宋体" pitchFamily="2" charset="-122"/>
-              </a:rPr>
-              <a:t>自</a:t>
-            </a:r>
-            <a:r>
-              <a:rPr lang="zh-CN" altLang="en-US" dirty="0">
-                <a:ea typeface="宋体" pitchFamily="2" charset="-122"/>
-              </a:rPr>
-              <a:t>治</a:t>
-            </a:r>
             <a:endParaRPr lang="zh-CN" altLang="en-US" dirty="0">
               <a:ea typeface="宋体" pitchFamily="2" charset="-122"/>
             </a:endParaRPr>
+          </a:p>
+          <a:p>
+            <a:pPr lvl="0"/>
+            <a:r>
+              <a:rPr lang="zh-CN" altLang="en-US"/>
+              <a:t>在这个对比图里，我们应该把</a:t>
+            </a:r>
+            <a:r>
+              <a:rPr lang="en-US" altLang="zh-CN"/>
+              <a:t> Docker </a:t>
+            </a:r>
+            <a:r>
+              <a:rPr lang="zh-CN" altLang="en-US"/>
+              <a:t>画在跟应用同级别并且靠边的位置。这意味着，用户运行在容器里的应用进程，跟宿主机上的其他进程一样，都由宿主机操作系统统一管理，只不过这些被隔离的进程拥有额外设置过的</a:t>
+            </a:r>
+            <a:r>
+              <a:rPr lang="en-US" altLang="zh-CN"/>
+              <a:t> Namespace </a:t>
+            </a:r>
+            <a:r>
+              <a:rPr lang="zh-CN" altLang="en-US"/>
+              <a:t>参数。而</a:t>
+            </a:r>
+            <a:r>
+              <a:rPr lang="en-US" altLang="zh-CN"/>
+              <a:t> Docker </a:t>
+            </a:r>
+            <a:r>
+              <a:rPr lang="zh-CN" altLang="en-US"/>
+              <a:t>项目在这里扮演的角色，更多的是旁路式的辅助和管理工作。</a:t>
+            </a:r>
+            <a:endParaRPr lang="zh-CN" altLang="en-US"/>
           </a:p>
           <a:p>
             <a:pPr lvl="0"/>
@@ -1713,6 +1981,240 @@
             <a:pPr lvl="0"/>
             <a:endParaRPr lang="zh-CN" altLang="en-US" dirty="0">
               <a:ea typeface="宋体" pitchFamily="2" charset="-122"/>
+            </a:endParaRPr>
+          </a:p>
+          <a:p>
+            <a:pPr lvl="0"/>
+            <a:endParaRPr lang="zh-CN" altLang="en-US" dirty="0">
+              <a:ea typeface="宋体" pitchFamily="2" charset="-122"/>
+            </a:endParaRPr>
+          </a:p>
+          <a:p>
+            <a:pPr lvl="0"/>
+            <a:endParaRPr lang="zh-CN" altLang="en-US" dirty="0">
+              <a:cs typeface="Arial" panose="020B0704020202020204" pitchFamily="34" charset="0"/>
+            </a:endParaRPr>
+          </a:p>
+          <a:p>
+            <a:pPr lvl="0"/>
+            <a:endParaRPr lang="zh-CN" altLang="en-US" dirty="0">
+              <a:cs typeface="Arial" panose="020B0704020202020204" pitchFamily="34" charset="0"/>
+            </a:endParaRPr>
+          </a:p>
+          <a:p>
+            <a:pPr lvl="0"/>
+            <a:endParaRPr lang="zh-CN" altLang="en-US" dirty="0">
+              <a:ea typeface="Arial" panose="020B0704020202020204" pitchFamily="34" charset="0"/>
+            </a:endParaRPr>
+          </a:p>
+        </p:txBody>
+      </p:sp>
+    </p:spTree>
+  </p:cSld>
+  <p:clrMapOvr>
+    <a:overrideClrMapping bg1="lt1" tx1="dk1" bg2="lt2" tx2="dk2" accent1="accent1" accent2="accent2" accent3="accent3" accent4="accent4" accent5="accent5" accent6="accent6" hlink="hlink" folHlink="folHlink"/>
+  </p:clrMapOvr>
+</p:notes>
+</file>
+
+<file path=ppt/notesSlides/notesSlide8.xml><?xml version="1.0" encoding="utf-8"?>
+<p:notes xmlns:a="http://schemas.openxmlformats.org/drawingml/2006/main" xmlns:r="http://schemas.openxmlformats.org/officeDocument/2006/relationships" xmlns:p="http://schemas.openxmlformats.org/presentationml/2006/main" showMasterSp="0">
+  <p:cSld>
+    <p:bg>
+      <p:bgPr>
+        <a:solidFill>
+          <a:srgbClr val="FFFFFF"/>
+        </a:solidFill>
+        <a:effectLst/>
+      </p:bgPr>
+    </p:bg>
+    <p:spTree>
+      <p:nvGrpSpPr>
+        <p:cNvPr id="1" name=""/>
+        <p:cNvGrpSpPr/>
+        <p:nvPr/>
+      </p:nvGrpSpPr>
+      <p:grpSpPr/>
+      <p:sp>
+        <p:nvSpPr>
+          <p:cNvPr id="23554" name="幻灯片图像占位符 23553"/>
+          <p:cNvSpPr>
+            <a:spLocks noGrp="1"/>
+          </p:cNvSpPr>
+          <p:nvPr>
+            <p:ph type="sldImg"/>
+          </p:nvPr>
+        </p:nvSpPr>
+        <p:spPr>
+          <a:ln w="1"/>
+        </p:spPr>
+      </p:sp>
+      <p:sp>
+        <p:nvSpPr>
+          <p:cNvPr id="23555" name="文本占位符 23554"/>
+          <p:cNvSpPr>
+            <a:spLocks noGrp="1"/>
+          </p:cNvSpPr>
+          <p:nvPr>
+            <p:ph type="body"/>
+          </p:nvPr>
+        </p:nvSpPr>
+        <p:spPr>
+          <a:ln w="1"/>
+        </p:spPr>
+        <p:txBody>
+          <a:bodyPr anchor="ctr" anchorCtr="0"/>
+          <a:p>
+            <a:pPr lvl="0"/>
+            <a:endParaRPr lang="zh-CN" altLang="en-US" dirty="0">
+              <a:ea typeface="宋体" pitchFamily="2" charset="-122"/>
+            </a:endParaRPr>
+          </a:p>
+          <a:p>
+            <a:pPr lvl="0"/>
+            <a:endParaRPr lang="zh-CN" altLang="en-US" dirty="0">
+              <a:ea typeface="宋体" pitchFamily="2" charset="-122"/>
+            </a:endParaRPr>
+          </a:p>
+          <a:p>
+            <a:pPr lvl="0"/>
+            <a:endParaRPr lang="zh-CN" altLang="en-US" dirty="0">
+              <a:ea typeface="宋体" pitchFamily="2" charset="-122"/>
+            </a:endParaRPr>
+          </a:p>
+          <a:p>
+            <a:pPr lvl="0"/>
+            <a:endParaRPr lang="zh-CN" altLang="en-US" dirty="0">
+              <a:ea typeface="宋体" pitchFamily="2" charset="-122"/>
+            </a:endParaRPr>
+          </a:p>
+          <a:p>
+            <a:pPr lvl="0"/>
+            <a:endParaRPr lang="zh-CN" altLang="en-US" dirty="0">
+              <a:ea typeface="宋体" pitchFamily="2" charset="-122"/>
+            </a:endParaRPr>
+          </a:p>
+          <a:p>
+            <a:pPr lvl="0"/>
+            <a:endParaRPr lang="zh-CN" altLang="en-US" dirty="0">
+              <a:cs typeface="Arial" panose="020B0704020202020204" pitchFamily="34" charset="0"/>
+            </a:endParaRPr>
+          </a:p>
+          <a:p>
+            <a:pPr lvl="0"/>
+            <a:endParaRPr lang="zh-CN" altLang="en-US" dirty="0">
+              <a:cs typeface="Arial" panose="020B0704020202020204" pitchFamily="34" charset="0"/>
+            </a:endParaRPr>
+          </a:p>
+          <a:p>
+            <a:pPr lvl="0"/>
+            <a:endParaRPr lang="zh-CN" altLang="en-US" dirty="0">
+              <a:ea typeface="Arial" panose="020B0704020202020204" pitchFamily="34" charset="0"/>
+            </a:endParaRPr>
+          </a:p>
+        </p:txBody>
+      </p:sp>
+    </p:spTree>
+  </p:cSld>
+  <p:clrMapOvr>
+    <a:overrideClrMapping bg1="lt1" tx1="dk1" bg2="lt2" tx2="dk2" accent1="accent1" accent2="accent2" accent3="accent3" accent4="accent4" accent5="accent5" accent6="accent6" hlink="hlink" folHlink="folHlink"/>
+  </p:clrMapOvr>
+</p:notes>
+</file>
+
+<file path=ppt/notesSlides/notesSlide9.xml><?xml version="1.0" encoding="utf-8"?>
+<p:notes xmlns:a="http://schemas.openxmlformats.org/drawingml/2006/main" xmlns:r="http://schemas.openxmlformats.org/officeDocument/2006/relationships" xmlns:p="http://schemas.openxmlformats.org/presentationml/2006/main" showMasterSp="0">
+  <p:cSld>
+    <p:bg>
+      <p:bgPr>
+        <a:solidFill>
+          <a:srgbClr val="FFFFFF"/>
+        </a:solidFill>
+        <a:effectLst/>
+      </p:bgPr>
+    </p:bg>
+    <p:spTree>
+      <p:nvGrpSpPr>
+        <p:cNvPr id="1" name=""/>
+        <p:cNvGrpSpPr/>
+        <p:nvPr/>
+      </p:nvGrpSpPr>
+      <p:grpSpPr/>
+      <p:sp>
+        <p:nvSpPr>
+          <p:cNvPr id="23554" name="幻灯片图像占位符 23553"/>
+          <p:cNvSpPr>
+            <a:spLocks noGrp="1"/>
+          </p:cNvSpPr>
+          <p:nvPr>
+            <p:ph type="sldImg"/>
+          </p:nvPr>
+        </p:nvSpPr>
+        <p:spPr>
+          <a:ln w="1"/>
+        </p:spPr>
+      </p:sp>
+      <p:sp>
+        <p:nvSpPr>
+          <p:cNvPr id="23555" name="文本占位符 23554"/>
+          <p:cNvSpPr>
+            <a:spLocks noGrp="1"/>
+          </p:cNvSpPr>
+          <p:nvPr>
+            <p:ph type="body"/>
+          </p:nvPr>
+        </p:nvSpPr>
+        <p:spPr>
+          <a:ln w="1"/>
+        </p:spPr>
+        <p:txBody>
+          <a:bodyPr anchor="ctr" anchorCtr="0"/>
+          <a:p>
+            <a:pPr lvl="0"/>
+            <a:endParaRPr lang="zh-CN" altLang="en-US" dirty="0">
+              <a:ea typeface="宋体" pitchFamily="2" charset="-122"/>
+            </a:endParaRPr>
+          </a:p>
+          <a:p>
+            <a:pPr lvl="0"/>
+            <a:endParaRPr lang="zh-CN" altLang="en-US" dirty="0">
+              <a:ea typeface="宋体" pitchFamily="2" charset="-122"/>
+            </a:endParaRPr>
+          </a:p>
+          <a:p>
+            <a:pPr lvl="0"/>
+            <a:endParaRPr lang="zh-CN" altLang="en-US" dirty="0">
+              <a:ea typeface="宋体" pitchFamily="2" charset="-122"/>
+            </a:endParaRPr>
+          </a:p>
+          <a:p>
+            <a:pPr lvl="0"/>
+            <a:endParaRPr lang="zh-CN" altLang="en-US" dirty="0">
+              <a:ea typeface="宋体" pitchFamily="2" charset="-122"/>
+            </a:endParaRPr>
+          </a:p>
+          <a:p>
+            <a:pPr lvl="0"/>
+            <a:endParaRPr lang="zh-CN" altLang="en-US" dirty="0">
+              <a:ea typeface="宋体" pitchFamily="2" charset="-122"/>
+            </a:endParaRPr>
+          </a:p>
+          <a:p>
+            <a:pPr lvl="0"/>
+            <a:endParaRPr lang="zh-CN" altLang="en-US" dirty="0">
+              <a:cs typeface="Arial" panose="020B0704020202020204" pitchFamily="34" charset="0"/>
+            </a:endParaRPr>
+          </a:p>
+          <a:p>
+            <a:pPr lvl="0"/>
+            <a:endParaRPr lang="zh-CN" altLang="en-US" dirty="0">
+              <a:cs typeface="Arial" panose="020B0704020202020204" pitchFamily="34" charset="0"/>
+            </a:endParaRPr>
+          </a:p>
+          <a:p>
+            <a:pPr lvl="0"/>
+            <a:endParaRPr lang="zh-CN" altLang="en-US" dirty="0">
+              <a:ea typeface="Arial" panose="020B0704020202020204" pitchFamily="34" charset="0"/>
             </a:endParaRPr>
           </a:p>
         </p:txBody>
@@ -7194,6 +7696,17 @@
           <a:p>
             <a:pPr eaLnBrk="0" hangingPunct="0"/>
             <a:r>
+              <a:rPr lang="zh-CN" altLang="en-US" sz="2400" b="1" dirty="0">
+                <a:solidFill>
+                  <a:srgbClr val="0070C0"/>
+                </a:solidFill>
+                <a:latin typeface="微软雅黑" charset="-108"/>
+                <a:ea typeface="微软雅黑" charset="-108"/>
+                <a:sym typeface="微软雅黑" charset="-108"/>
+              </a:rPr>
+              <a:t>容器</a:t>
+            </a:r>
+            <a:r>
               <a:rPr lang="en-US" altLang="zh-CN" sz="2400" b="1" dirty="0">
                 <a:solidFill>
                   <a:srgbClr val="0070C0"/>
@@ -7202,7 +7715,7 @@
                 <a:ea typeface="微软雅黑" charset="-108"/>
                 <a:sym typeface="微软雅黑" charset="-108"/>
               </a:rPr>
-              <a:t>Kubernetes </a:t>
+              <a:t> </a:t>
             </a:r>
             <a:endParaRPr lang="en-US" altLang="zh-CN" sz="2400" b="1" dirty="0">
               <a:solidFill>
@@ -7243,45 +7756,104 @@
           </a:ln>
         </p:spPr>
       </p:pic>
-      <p:pic>
-        <p:nvPicPr>
-          <p:cNvPr id="2" name="图片 1" descr="image"/>
-          <p:cNvPicPr>
-            <a:picLocks noChangeAspect="1"/>
-          </p:cNvPicPr>
-          <p:nvPr/>
-        </p:nvPicPr>
-        <p:blipFill>
-          <a:blip r:embed="rId2"/>
-          <a:stretch>
-            <a:fillRect/>
-          </a:stretch>
-        </p:blipFill>
-        <p:spPr>
-          <a:xfrm>
-            <a:off x="755650" y="1485900"/>
-            <a:ext cx="7470140" cy="2936875"/>
-          </a:xfrm>
-          <a:prstGeom prst="rect">
-            <a:avLst/>
-          </a:prstGeom>
-        </p:spPr>
-      </p:pic>
-      <p:sp>
-        <p:nvSpPr>
-          <p:cNvPr id="3" name="文本框 2"/>
+      <p:sp>
+        <p:nvSpPr>
+          <p:cNvPr id="35841" name="文本框 35841"/>
           <p:cNvSpPr txBox="1"/>
           <p:nvPr/>
         </p:nvSpPr>
         <p:spPr>
           <a:xfrm>
-            <a:off x="1331595" y="5229225"/>
-            <a:ext cx="6275705" cy="645160"/>
+            <a:off x="323850" y="836930"/>
+            <a:ext cx="5807075" cy="398780"/>
           </a:xfrm>
           <a:prstGeom prst="rect">
             <a:avLst/>
           </a:prstGeom>
           <a:noFill/>
+          <a:ln w="9525">
+            <a:noFill/>
+          </a:ln>
+        </p:spPr>
+        <p:txBody>
+          <a:bodyPr wrap="square" anchor="t" anchorCtr="0">
+            <a:spAutoFit/>
+          </a:bodyPr>
+          <a:p>
+            <a:pPr eaLnBrk="0" hangingPunct="0">
+              <a:buFont typeface="Wingdings" panose="05000000000000000000" pitchFamily="2" charset="2"/>
+              <a:buChar char="Ø"/>
+            </a:pPr>
+            <a:r>
+              <a:rPr lang="zh-CN" altLang="en-US" sz="2000" dirty="0">
+                <a:solidFill>
+                  <a:srgbClr val="184199"/>
+                </a:solidFill>
+                <a:latin typeface="微软雅黑" charset="-108"/>
+                <a:ea typeface="微软雅黑" charset="-108"/>
+                <a:sym typeface="微软雅黑" charset="-108"/>
+              </a:rPr>
+              <a:t> 隔离资源</a:t>
+            </a:r>
+            <a:r>
+              <a:rPr lang="en-US" altLang="zh-CN" sz="2000" dirty="0">
+                <a:solidFill>
+                  <a:srgbClr val="184199"/>
+                </a:solidFill>
+                <a:latin typeface="微软雅黑" charset="-108"/>
+                <a:ea typeface="微软雅黑" charset="-108"/>
+                <a:sym typeface="微软雅黑" charset="-108"/>
+              </a:rPr>
+              <a:t>  &amp;&amp;  </a:t>
+            </a:r>
+            <a:r>
+              <a:rPr lang="zh-CN" altLang="en-US" sz="2000" dirty="0">
+                <a:solidFill>
+                  <a:srgbClr val="184199"/>
+                </a:solidFill>
+                <a:latin typeface="微软雅黑" charset="-108"/>
+                <a:ea typeface="微软雅黑" charset="-108"/>
+                <a:sym typeface="微软雅黑" charset="-108"/>
+              </a:rPr>
+              <a:t>限制</a:t>
+            </a:r>
+            <a:r>
+              <a:rPr lang="zh-CN" altLang="en-US" sz="2000" dirty="0">
+                <a:solidFill>
+                  <a:srgbClr val="184199"/>
+                </a:solidFill>
+                <a:latin typeface="微软雅黑" charset="-108"/>
+                <a:ea typeface="微软雅黑" charset="-108"/>
+                <a:sym typeface="微软雅黑" charset="-108"/>
+              </a:rPr>
+              <a:t>资源</a:t>
+            </a:r>
+            <a:endParaRPr lang="zh-CN" altLang="en-US" sz="2000" dirty="0">
+              <a:solidFill>
+                <a:srgbClr val="184199"/>
+              </a:solidFill>
+              <a:latin typeface="微软雅黑" charset="-108"/>
+              <a:ea typeface="微软雅黑" charset="-108"/>
+              <a:sym typeface="微软雅黑" charset="-108"/>
+            </a:endParaRPr>
+          </a:p>
+        </p:txBody>
+      </p:sp>
+      <p:sp>
+        <p:nvSpPr>
+          <p:cNvPr id="2" name="文本框 1"/>
+          <p:cNvSpPr txBox="1"/>
+          <p:nvPr/>
+        </p:nvSpPr>
+        <p:spPr>
+          <a:xfrm>
+            <a:off x="971550" y="1412875"/>
+            <a:ext cx="6458585" cy="1476375"/>
+          </a:xfrm>
+          <a:prstGeom prst="rect">
+            <a:avLst/>
+          </a:prstGeom>
+          <a:noFill/>
         </p:spPr>
         <p:txBody>
           <a:bodyPr wrap="square" rtlCol="0">
@@ -7290,48 +7862,267 @@
           <a:p>
             <a:r>
               <a:rPr lang="en-US" altLang="zh-CN"/>
-              <a:t>Dev：</a:t>
+              <a:t>Linux Cgroups </a:t>
             </a:r>
             <a:r>
               <a:rPr lang="zh-CN" altLang="en-US"/>
-              <a:t>描述应用需要哪些资源</a:t>
+              <a:t>就是</a:t>
             </a:r>
             <a:r>
               <a:rPr lang="en-US" altLang="zh-CN"/>
-              <a:t>，</a:t>
+              <a:t> Linux </a:t>
             </a:r>
             <a:r>
               <a:rPr lang="zh-CN" altLang="en-US"/>
-              <a:t>部署位置</a:t>
+              <a:t>内核中</a:t>
+            </a:r>
+            <a:r>
+              <a:rPr lang="zh-CN" altLang="en-US" b="1"/>
+              <a:t>用来为进程设置资源限制</a:t>
+            </a:r>
+            <a:r>
+              <a:rPr lang="zh-CN" altLang="en-US"/>
+              <a:t>的一个重要功能</a:t>
             </a:r>
             <a:r>
               <a:rPr lang="en-US" altLang="zh-CN"/>
-              <a:t>，</a:t>
+              <a:t>。</a:t>
+            </a:r>
+            <a:endParaRPr lang="en-US" altLang="zh-CN"/>
+          </a:p>
+          <a:p>
+            <a:endParaRPr lang="en-US" altLang="zh-CN"/>
+          </a:p>
+          <a:p>
+            <a:r>
+              <a:rPr lang="en-US" altLang="zh-CN"/>
+              <a:t>Cgroups </a:t>
             </a:r>
             <a:r>
               <a:rPr lang="zh-CN" altLang="en-US"/>
-              <a:t>以及依赖关系</a:t>
+              <a:t>给用户</a:t>
+            </a:r>
+            <a:r>
+              <a:rPr lang="zh-CN" altLang="en-US" b="1"/>
+              <a:t>暴露出来的操作接口是文件系统</a:t>
+            </a:r>
+            <a:r>
+              <a:rPr lang="zh-CN" altLang="en-US"/>
+              <a:t>，即它以文件和目录的方式组织在操作系统的</a:t>
             </a:r>
             <a:r>
               <a:rPr lang="en-US" altLang="zh-CN"/>
-              <a:t>  </a:t>
+              <a:t> /sys/fs/cgroup </a:t>
+            </a:r>
+            <a:r>
+              <a:rPr lang="zh-CN" altLang="en-US"/>
+              <a:t>路径下</a:t>
+            </a:r>
+            <a:endParaRPr lang="zh-CN" altLang="en-US"/>
+          </a:p>
+        </p:txBody>
+      </p:sp>
+      <p:sp>
+        <p:nvSpPr>
+          <p:cNvPr id="3" name="文本框 2"/>
+          <p:cNvSpPr txBox="1"/>
+          <p:nvPr/>
+        </p:nvSpPr>
+        <p:spPr>
+          <a:xfrm>
+            <a:off x="1043305" y="3357245"/>
+            <a:ext cx="5303520" cy="2449195"/>
+          </a:xfrm>
+          <a:prstGeom prst="rect">
+            <a:avLst/>
+          </a:prstGeom>
+          <a:noFill/>
+        </p:spPr>
+        <p:txBody>
+          <a:bodyPr wrap="square" rtlCol="0">
+            <a:noAutofit/>
+          </a:bodyPr>
+          <a:p>
+            <a:pPr>
+              <a:buFont typeface="Arial" panose="020B0704020202020204" pitchFamily="34" charset="0"/>
+            </a:pPr>
+            <a:r>
+              <a:rPr lang="zh-CN" altLang="en-US"/>
+              <a:t>容器使用</a:t>
+            </a:r>
+            <a:r>
+              <a:rPr lang="zh-CN" altLang="en-US"/>
+              <a:t>的限制能力</a:t>
+            </a:r>
+            <a:r>
+              <a:rPr lang="en-US" altLang="zh-CN"/>
+              <a:t>：</a:t>
             </a:r>
             <a:endParaRPr lang="en-US" altLang="zh-CN"/>
           </a:p>
           <a:p>
+            <a:pPr marL="285750" indent="-285750">
+              <a:buFont typeface="Arial" panose="020B0704020202020204" pitchFamily="34" charset="0"/>
+              <a:buChar char="•"/>
+            </a:pPr>
             <a:r>
               <a:rPr lang="en-US" altLang="zh-CN"/>
-              <a:t>Ops：</a:t>
+              <a:t>cpu: </a:t>
             </a:r>
             <a:r>
               <a:rPr lang="zh-CN" altLang="en-US"/>
-              <a:t>维护集群给开发者提供一个</a:t>
+              <a:t>控制</a:t>
+            </a:r>
+            <a:r>
+              <a:rPr lang="en-US" altLang="zh-CN"/>
+              <a:t>cpu</a:t>
             </a:r>
             <a:r>
               <a:rPr lang="zh-CN" altLang="en-US"/>
-              <a:t>资源平台</a:t>
+              <a:t>使用率</a:t>
             </a:r>
             <a:endParaRPr lang="zh-CN" altLang="en-US"/>
+          </a:p>
+          <a:p>
+            <a:pPr marL="285750" indent="-285750">
+              <a:buFont typeface="Arial" panose="020B0704020202020204" pitchFamily="34" charset="0"/>
+              <a:buChar char="•"/>
+            </a:pPr>
+            <a:r>
+              <a:rPr lang="en-US" altLang="zh-CN"/>
+              <a:t>cpuset:</a:t>
+            </a:r>
+            <a:r>
+              <a:rPr lang="zh-CN" altLang="en-US"/>
+              <a:t>为进程分配单独的</a:t>
+            </a:r>
+            <a:r>
+              <a:rPr lang="en-US" altLang="zh-CN"/>
+              <a:t> CPU </a:t>
+            </a:r>
+            <a:r>
+              <a:rPr lang="zh-CN" altLang="en-US"/>
+              <a:t>核和对应的内存节点</a:t>
+            </a:r>
+            <a:endParaRPr lang="zh-CN" altLang="en-US"/>
+          </a:p>
+          <a:p>
+            <a:pPr marL="285750" indent="-285750">
+              <a:buFont typeface="Arial" panose="020B0704020202020204" pitchFamily="34" charset="0"/>
+              <a:buChar char="•"/>
+            </a:pPr>
+            <a:r>
+              <a:rPr lang="en-US" altLang="zh-CN"/>
+              <a:t>memory: </a:t>
+            </a:r>
+            <a:r>
+              <a:rPr lang="zh-CN" altLang="en-US"/>
+              <a:t>为进程设定内存使用的限制</a:t>
+            </a:r>
+            <a:endParaRPr lang="zh-CN" altLang="en-US"/>
+          </a:p>
+          <a:p>
+            <a:pPr marL="285750" indent="-285750">
+              <a:buFont typeface="Arial" panose="020B0704020202020204" pitchFamily="34" charset="0"/>
+              <a:buChar char="•"/>
+            </a:pPr>
+            <a:r>
+              <a:rPr lang="en-US" altLang="zh-CN">
+                <a:sym typeface="+mn-ea"/>
+              </a:rPr>
+              <a:t>blkio:</a:t>
+            </a:r>
+            <a:r>
+              <a:rPr lang="zh-CN" altLang="en-US">
+                <a:sym typeface="+mn-ea"/>
+              </a:rPr>
+              <a:t>为</a:t>
+            </a:r>
+            <a:r>
+              <a:rPr lang="en-US" altLang="zh-CN">
+                <a:sym typeface="+mn-ea"/>
+              </a:rPr>
+              <a:t>​​​</a:t>
+            </a:r>
+            <a:r>
+              <a:rPr lang="zh-CN" altLang="en-US">
+                <a:sym typeface="+mn-ea"/>
+              </a:rPr>
+              <a:t>块</a:t>
+            </a:r>
+            <a:r>
+              <a:rPr lang="en-US" altLang="zh-CN">
+                <a:sym typeface="+mn-ea"/>
+              </a:rPr>
+              <a:t>​​​</a:t>
+            </a:r>
+            <a:r>
+              <a:rPr lang="zh-CN" altLang="en-US">
+                <a:sym typeface="+mn-ea"/>
+              </a:rPr>
+              <a:t>设</a:t>
+            </a:r>
+            <a:r>
+              <a:rPr lang="en-US" altLang="zh-CN">
+                <a:sym typeface="+mn-ea"/>
+              </a:rPr>
+              <a:t>​​​</a:t>
+            </a:r>
+            <a:r>
+              <a:rPr lang="zh-CN" altLang="en-US">
+                <a:sym typeface="+mn-ea"/>
+              </a:rPr>
+              <a:t>备</a:t>
+            </a:r>
+            <a:r>
+              <a:rPr lang="en-US" altLang="zh-CN">
+                <a:sym typeface="+mn-ea"/>
+              </a:rPr>
+              <a:t>​​​</a:t>
+            </a:r>
+            <a:r>
+              <a:rPr lang="zh-CN" altLang="en-US">
+                <a:sym typeface="+mn-ea"/>
+              </a:rPr>
+              <a:t>设</a:t>
+            </a:r>
+            <a:r>
+              <a:rPr lang="en-US" altLang="zh-CN">
+                <a:sym typeface="+mn-ea"/>
+              </a:rPr>
+              <a:t>​​​</a:t>
+            </a:r>
+            <a:r>
+              <a:rPr lang="zh-CN" altLang="en-US">
+                <a:sym typeface="+mn-ea"/>
+              </a:rPr>
+              <a:t>定</a:t>
+            </a:r>
+            <a:r>
+              <a:rPr lang="en-US" altLang="zh-CN">
+                <a:sym typeface="+mn-ea"/>
+              </a:rPr>
+              <a:t>​​​I/O </a:t>
+            </a:r>
+            <a:r>
+              <a:rPr lang="zh-CN" altLang="en-US">
+                <a:sym typeface="+mn-ea"/>
+              </a:rPr>
+              <a:t>限</a:t>
+            </a:r>
+            <a:r>
+              <a:rPr lang="en-US" altLang="zh-CN">
+                <a:sym typeface="+mn-ea"/>
+              </a:rPr>
+              <a:t>​​​</a:t>
+            </a:r>
+            <a:r>
+              <a:rPr lang="zh-CN" altLang="en-US">
+                <a:sym typeface="+mn-ea"/>
+              </a:rPr>
+              <a:t>制，一般用于磁盘等设备</a:t>
+            </a:r>
+            <a:endParaRPr lang="en-US" altLang="zh-CN"/>
           </a:p>
         </p:txBody>
       </p:sp>
@@ -7413,6 +8204,17 @@
           <a:p>
             <a:pPr eaLnBrk="0" hangingPunct="0"/>
             <a:r>
+              <a:rPr lang="zh-CN" altLang="en-US" sz="2400" b="1" dirty="0">
+                <a:solidFill>
+                  <a:srgbClr val="0070C0"/>
+                </a:solidFill>
+                <a:latin typeface="微软雅黑" charset="-108"/>
+                <a:ea typeface="微软雅黑" charset="-108"/>
+                <a:sym typeface="微软雅黑" charset="-108"/>
+              </a:rPr>
+              <a:t>容器</a:t>
+            </a:r>
+            <a:r>
               <a:rPr lang="en-US" altLang="zh-CN" sz="2400" b="1" dirty="0">
                 <a:solidFill>
                   <a:srgbClr val="0070C0"/>
@@ -7421,7 +8223,7 @@
                 <a:ea typeface="微软雅黑" charset="-108"/>
                 <a:sym typeface="微软雅黑" charset="-108"/>
               </a:rPr>
-              <a:t>Kubernetes </a:t>
+              <a:t> </a:t>
             </a:r>
             <a:endParaRPr lang="en-US" altLang="zh-CN" sz="2400" b="1" dirty="0">
               <a:solidFill>
@@ -7462,9 +8264,178 @@
           </a:ln>
         </p:spPr>
       </p:pic>
+      <p:sp>
+        <p:nvSpPr>
+          <p:cNvPr id="35841" name="文本框 35841"/>
+          <p:cNvSpPr txBox="1"/>
+          <p:nvPr/>
+        </p:nvSpPr>
+        <p:spPr>
+          <a:xfrm>
+            <a:off x="323850" y="836930"/>
+            <a:ext cx="5807075" cy="398780"/>
+          </a:xfrm>
+          <a:prstGeom prst="rect">
+            <a:avLst/>
+          </a:prstGeom>
+          <a:noFill/>
+          <a:ln w="9525">
+            <a:noFill/>
+          </a:ln>
+        </p:spPr>
+        <p:txBody>
+          <a:bodyPr wrap="square" anchor="t" anchorCtr="0">
+            <a:spAutoFit/>
+          </a:bodyPr>
+          <a:p>
+            <a:pPr eaLnBrk="0" hangingPunct="0">
+              <a:buFont typeface="Wingdings" panose="05000000000000000000" pitchFamily="2" charset="2"/>
+              <a:buChar char="Ø"/>
+            </a:pPr>
+            <a:r>
+              <a:rPr lang="zh-CN" altLang="en-US" sz="2000" dirty="0">
+                <a:solidFill>
+                  <a:srgbClr val="184199"/>
+                </a:solidFill>
+                <a:latin typeface="微软雅黑" charset="-108"/>
+                <a:ea typeface="微软雅黑" charset="-108"/>
+                <a:sym typeface="微软雅黑" charset="-108"/>
+              </a:rPr>
+              <a:t> 切换进程的根</a:t>
+            </a:r>
+            <a:r>
+              <a:rPr lang="zh-CN" altLang="en-US" sz="2000" dirty="0">
+                <a:solidFill>
+                  <a:srgbClr val="184199"/>
+                </a:solidFill>
+                <a:latin typeface="微软雅黑" charset="-108"/>
+                <a:ea typeface="微软雅黑" charset="-108"/>
+                <a:sym typeface="微软雅黑" charset="-108"/>
+              </a:rPr>
+              <a:t>目录</a:t>
+            </a:r>
+            <a:endParaRPr lang="zh-CN" altLang="en-US" sz="2000" dirty="0">
+              <a:solidFill>
+                <a:srgbClr val="184199"/>
+              </a:solidFill>
+              <a:latin typeface="微软雅黑" charset="-108"/>
+              <a:ea typeface="微软雅黑" charset="-108"/>
+              <a:sym typeface="微软雅黑" charset="-108"/>
+            </a:endParaRPr>
+          </a:p>
+        </p:txBody>
+      </p:sp>
+      <p:sp>
+        <p:nvSpPr>
+          <p:cNvPr id="4" name="文本框 3"/>
+          <p:cNvSpPr txBox="1"/>
+          <p:nvPr/>
+        </p:nvSpPr>
+        <p:spPr>
+          <a:xfrm>
+            <a:off x="755650" y="1547495"/>
+            <a:ext cx="5845175" cy="922020"/>
+          </a:xfrm>
+          <a:prstGeom prst="rect">
+            <a:avLst/>
+          </a:prstGeom>
+          <a:noFill/>
+        </p:spPr>
+        <p:txBody>
+          <a:bodyPr wrap="square" rtlCol="0">
+            <a:spAutoFit/>
+          </a:bodyPr>
+          <a:p>
+            <a:r>
+              <a:rPr lang="en-US" altLang="zh-CN" b="1">
+                <a:latin typeface="Arial Bold" panose="020B0704020202020204" charset="0"/>
+                <a:cs typeface="Arial Bold" panose="020B0704020202020204" charset="0"/>
+              </a:rPr>
+              <a:t>rootfs </a:t>
+            </a:r>
+            <a:r>
+              <a:rPr lang="zh-CN" altLang="en-US"/>
+              <a:t>只是一个</a:t>
+            </a:r>
+            <a:r>
+              <a:rPr lang="zh-CN" altLang="en-US" b="1"/>
+              <a:t>操作系统所包含的文件、配置和目录，并不包括操作系统内核</a:t>
+            </a:r>
+            <a:r>
+              <a:rPr lang="en-US" altLang="zh-CN"/>
+              <a:t>。</a:t>
+            </a:r>
+            <a:r>
+              <a:rPr lang="zh-CN" altLang="en-US"/>
+              <a:t>而操作系统内核为容器</a:t>
+            </a:r>
+            <a:r>
+              <a:rPr lang="zh-CN" altLang="en-US"/>
+              <a:t>的“全局变量“</a:t>
+            </a:r>
+            <a:r>
+              <a:rPr lang="en-US" altLang="zh-CN"/>
+              <a:t>。</a:t>
+            </a:r>
+            <a:endParaRPr lang="en-US" altLang="zh-CN"/>
+          </a:p>
+        </p:txBody>
+      </p:sp>
+      <p:sp>
+        <p:nvSpPr>
+          <p:cNvPr id="5" name="文本框 4"/>
+          <p:cNvSpPr txBox="1"/>
+          <p:nvPr/>
+        </p:nvSpPr>
+        <p:spPr>
+          <a:xfrm>
+            <a:off x="793750" y="2708910"/>
+            <a:ext cx="5807075" cy="922020"/>
+          </a:xfrm>
+          <a:prstGeom prst="rect">
+            <a:avLst/>
+          </a:prstGeom>
+          <a:noFill/>
+        </p:spPr>
+        <p:txBody>
+          <a:bodyPr wrap="square" rtlCol="0">
+            <a:spAutoFit/>
+          </a:bodyPr>
+          <a:p>
+            <a:r>
+              <a:rPr lang="en-US" altLang="zh-CN" b="1">
+                <a:latin typeface="Arial Bold" panose="020B0704020202020204" charset="0"/>
+                <a:cs typeface="Arial Bold" panose="020B0704020202020204" charset="0"/>
+              </a:rPr>
+              <a:t>rootfs </a:t>
+            </a:r>
+            <a:r>
+              <a:rPr lang="zh-CN" altLang="en-US"/>
+              <a:t>里</a:t>
+            </a:r>
+            <a:r>
+              <a:rPr lang="zh-CN" altLang="en-US" b="1"/>
+              <a:t>打包的不只是应用，而是整个操作系统的文件和目录</a:t>
+            </a:r>
+            <a:r>
+              <a:rPr lang="en-US" altLang="zh-CN"/>
+              <a:t>（</a:t>
+            </a:r>
+            <a:r>
+              <a:rPr lang="en-US" altLang="zh-CN"/>
+              <a:t>ISO）</a:t>
+            </a:r>
+            <a:r>
+              <a:rPr lang="zh-CN" altLang="en-US"/>
+              <a:t>，也就意味着，应用以及它运行所需要的所有依赖，都被封装在了一起。</a:t>
+            </a:r>
+            <a:endParaRPr lang="zh-CN" altLang="en-US"/>
+          </a:p>
+        </p:txBody>
+      </p:sp>
       <p:pic>
         <p:nvPicPr>
-          <p:cNvPr id="3" name="图片 2" descr="image-1"/>
+          <p:cNvPr id="7" name="图片 6"/>
           <p:cNvPicPr>
             <a:picLocks noChangeAspect="1"/>
           </p:cNvPicPr>
@@ -7478,187 +8449,14 @@
         </p:blipFill>
         <p:spPr>
           <a:xfrm>
-            <a:off x="899795" y="1052830"/>
-            <a:ext cx="7141845" cy="2884805"/>
+            <a:off x="1907540" y="3789045"/>
+            <a:ext cx="4614545" cy="2762885"/>
           </a:xfrm>
           <a:prstGeom prst="rect">
             <a:avLst/>
           </a:prstGeom>
         </p:spPr>
       </p:pic>
-      <p:sp>
-        <p:nvSpPr>
-          <p:cNvPr id="4" name="文本框 3"/>
-          <p:cNvSpPr txBox="1"/>
-          <p:nvPr/>
-        </p:nvSpPr>
-        <p:spPr>
-          <a:xfrm>
-            <a:off x="1043305" y="4653280"/>
-            <a:ext cx="3048000" cy="1753235"/>
-          </a:xfrm>
-          <a:prstGeom prst="rect">
-            <a:avLst/>
-          </a:prstGeom>
-          <a:noFill/>
-        </p:spPr>
-        <p:txBody>
-          <a:bodyPr wrap="square" rtlCol="0">
-            <a:spAutoFit/>
-          </a:bodyPr>
-          <a:p>
-            <a:r>
-              <a:rPr lang="zh-CN" altLang="en-US"/>
-              <a:t>控制面板</a:t>
-            </a:r>
-            <a:r>
-              <a:rPr lang="en-US" altLang="zh-CN"/>
-              <a:t>：</a:t>
-            </a:r>
-            <a:endParaRPr lang="en-US" altLang="zh-CN"/>
-          </a:p>
-          <a:p>
-            <a:pPr marL="285750" indent="-285750">
-              <a:buFont typeface="Arial" panose="020B0704020202020204" pitchFamily="34" charset="0"/>
-              <a:buChar char="•"/>
-            </a:pPr>
-            <a:r>
-              <a:rPr lang="en-US" altLang="zh-CN"/>
-              <a:t>API</a:t>
-            </a:r>
-            <a:r>
-              <a:rPr lang="zh-CN" altLang="en-US"/>
-              <a:t>服务器</a:t>
-            </a:r>
-            <a:endParaRPr lang="zh-CN" altLang="en-US"/>
-          </a:p>
-          <a:p>
-            <a:pPr marL="285750" indent="-285750">
-              <a:buFont typeface="Arial" panose="020B0704020202020204" pitchFamily="34" charset="0"/>
-              <a:buChar char="•"/>
-            </a:pPr>
-            <a:r>
-              <a:rPr lang="en-US" altLang="zh-CN"/>
-              <a:t>Controller </a:t>
-            </a:r>
-            <a:r>
-              <a:rPr lang="en-US" altLang="zh-CN"/>
-              <a:t>Manager</a:t>
-            </a:r>
-            <a:endParaRPr lang="en-US" altLang="zh-CN"/>
-          </a:p>
-          <a:p>
-            <a:pPr marL="285750" indent="-285750">
-              <a:buFont typeface="Arial" panose="020B0704020202020204" pitchFamily="34" charset="0"/>
-              <a:buChar char="•"/>
-            </a:pPr>
-            <a:r>
-              <a:rPr lang="en-US" altLang="zh-CN"/>
-              <a:t>Scheduler</a:t>
-            </a:r>
-            <a:endParaRPr lang="en-US" altLang="zh-CN"/>
-          </a:p>
-          <a:p>
-            <a:pPr marL="285750" indent="-285750">
-              <a:buFont typeface="Arial" panose="020B0704020202020204" pitchFamily="34" charset="0"/>
-              <a:buChar char="•"/>
-            </a:pPr>
-            <a:r>
-              <a:rPr lang="en-US" altLang="zh-CN"/>
-              <a:t>Etcd</a:t>
-            </a:r>
-            <a:endParaRPr lang="en-US" altLang="zh-CN"/>
-          </a:p>
-          <a:p>
-            <a:pPr>
-              <a:buFont typeface="Arial" panose="020B0704020202020204" pitchFamily="34" charset="0"/>
-            </a:pPr>
-            <a:endParaRPr lang="zh-CN" altLang="en-US"/>
-          </a:p>
-        </p:txBody>
-      </p:sp>
-      <p:sp>
-        <p:nvSpPr>
-          <p:cNvPr id="5" name="文本框 4"/>
-          <p:cNvSpPr txBox="1"/>
-          <p:nvPr/>
-        </p:nvSpPr>
-        <p:spPr>
-          <a:xfrm>
-            <a:off x="4860290" y="4653280"/>
-            <a:ext cx="3048000" cy="1476375"/>
-          </a:xfrm>
-          <a:prstGeom prst="rect">
-            <a:avLst/>
-          </a:prstGeom>
-          <a:noFill/>
-        </p:spPr>
-        <p:txBody>
-          <a:bodyPr wrap="square" rtlCol="0">
-            <a:spAutoFit/>
-          </a:bodyPr>
-          <a:p>
-            <a:pPr>
-              <a:buFont typeface="Arial" panose="020B0704020202020204" pitchFamily="34" charset="0"/>
-            </a:pPr>
-            <a:r>
-              <a:rPr lang="zh-CN" altLang="en-US">
-                <a:sym typeface="+mn-ea"/>
-              </a:rPr>
-              <a:t>工作节点</a:t>
-            </a:r>
-            <a:r>
-              <a:rPr lang="en-US" altLang="zh-CN">
-                <a:sym typeface="+mn-ea"/>
-              </a:rPr>
-              <a:t>：</a:t>
-            </a:r>
-            <a:endParaRPr lang="en-US" altLang="zh-CN"/>
-          </a:p>
-          <a:p>
-            <a:pPr marL="285750" indent="-285750">
-              <a:buFont typeface="Arial" panose="020B0704020202020204" pitchFamily="34" charset="0"/>
-              <a:buChar char="•"/>
-            </a:pPr>
-            <a:r>
-              <a:rPr lang="en-US" altLang="zh-CN">
-                <a:sym typeface="+mn-ea"/>
-              </a:rPr>
-              <a:t>Kubelet</a:t>
-            </a:r>
-            <a:endParaRPr lang="en-US" altLang="zh-CN"/>
-          </a:p>
-          <a:p>
-            <a:pPr marL="285750" indent="-285750">
-              <a:buFont typeface="Arial" panose="020B0704020202020204" pitchFamily="34" charset="0"/>
-              <a:buChar char="•"/>
-            </a:pPr>
-            <a:r>
-              <a:rPr lang="en-US" altLang="zh-CN">
-                <a:sym typeface="+mn-ea"/>
-              </a:rPr>
-              <a:t>Kube-proxy</a:t>
-            </a:r>
-            <a:endParaRPr lang="en-US" altLang="zh-CN"/>
-          </a:p>
-          <a:p>
-            <a:pPr marL="285750" indent="-285750">
-              <a:buFont typeface="Arial" panose="020B0704020202020204" pitchFamily="34" charset="0"/>
-              <a:buChar char="•"/>
-            </a:pPr>
-            <a:r>
-              <a:rPr lang="zh-CN" altLang="en-US">
-                <a:sym typeface="+mn-ea"/>
-              </a:rPr>
-              <a:t>容器运行时</a:t>
-            </a:r>
-            <a:endParaRPr lang="zh-CN" altLang="en-US"/>
-          </a:p>
-          <a:p>
-            <a:endParaRPr lang="zh-CN" altLang="en-US"/>
-          </a:p>
-        </p:txBody>
-      </p:sp>
     </p:spTree>
   </p:cSld>
   <p:clrMapOvr>
@@ -7679,7 +8477,7 @@
       <p:grpSpPr/>
       <p:sp>
         <p:nvSpPr>
-          <p:cNvPr id="36865" name="标题 1"/>
+          <p:cNvPr id="22529" name="标题 1"/>
           <p:cNvSpPr/>
           <p:nvPr/>
         </p:nvSpPr>
@@ -7713,14 +8511,14 @@
       </p:sp>
       <p:sp>
         <p:nvSpPr>
-          <p:cNvPr id="36866" name="文本框 6"/>
+          <p:cNvPr id="22530" name="TextBox 1"/>
           <p:cNvSpPr/>
           <p:nvPr/>
         </p:nvSpPr>
         <p:spPr>
           <a:xfrm>
-            <a:off x="7258050" y="6488113"/>
-            <a:ext cx="1825625" cy="277812"/>
+            <a:off x="247650" y="323850"/>
+            <a:ext cx="3600450" cy="460375"/>
           </a:xfrm>
           <a:prstGeom prst="rect">
             <a:avLst/>
@@ -7731,36 +8529,47 @@
           </a:ln>
         </p:spPr>
         <p:txBody>
-          <a:bodyPr wrap="none" anchor="t" anchorCtr="0">
+          <a:bodyPr wrap="square" anchor="t" anchorCtr="0">
             <a:spAutoFit/>
           </a:bodyPr>
           <a:p>
             <a:pPr eaLnBrk="0" hangingPunct="0"/>
             <a:r>
-              <a:rPr lang="zh-CN" altLang="en-US" sz="1100">
+              <a:rPr lang="zh-CN" altLang="en-US" sz="2400" b="1" dirty="0">
                 <a:solidFill>
-                  <a:srgbClr val="000000"/>
+                  <a:srgbClr val="0070C0"/>
                 </a:solidFill>
-                <a:latin typeface="微软雅黑 Light" pitchFamily="2" charset="-122"/>
-                <a:ea typeface="微软雅黑 Light" pitchFamily="2" charset="-122"/>
-                <a:sym typeface="微软雅黑 Light" pitchFamily="2" charset="-122"/>
-              </a:rPr>
-              <a:t>深信服科技培训发展中心系列课程</a:t>
-            </a:r>
-            <a:endParaRPr lang="zh-CN" altLang="en-US" sz="1100">
+                <a:latin typeface="微软雅黑" charset="-108"/>
+                <a:ea typeface="微软雅黑" charset="-108"/>
+                <a:sym typeface="微软雅黑" charset="-108"/>
+              </a:rPr>
+              <a:t>容器</a:t>
+            </a:r>
+            <a:r>
+              <a:rPr lang="en-US" altLang="zh-CN" sz="2400" b="1" dirty="0">
+                <a:solidFill>
+                  <a:srgbClr val="0070C0"/>
+                </a:solidFill>
+                <a:latin typeface="微软雅黑" charset="-108"/>
+                <a:ea typeface="微软雅黑" charset="-108"/>
+                <a:sym typeface="微软雅黑" charset="-108"/>
+              </a:rPr>
+              <a:t> </a:t>
+            </a:r>
+            <a:endParaRPr lang="en-US" altLang="zh-CN" sz="2400" b="1" dirty="0">
               <a:solidFill>
-                <a:srgbClr val="000000"/>
+                <a:srgbClr val="0070C0"/>
               </a:solidFill>
-              <a:latin typeface="微软雅黑 Light" pitchFamily="2" charset="-122"/>
-              <a:ea typeface="微软雅黑 Light" pitchFamily="2" charset="-122"/>
-              <a:sym typeface="微软雅黑 Light" pitchFamily="2" charset="-122"/>
+              <a:latin typeface="微软雅黑" charset="-108"/>
+              <a:ea typeface="微软雅黑" charset="-108"/>
+              <a:sym typeface="微软雅黑" charset="-108"/>
             </a:endParaRPr>
           </a:p>
         </p:txBody>
       </p:sp>
       <p:pic>
         <p:nvPicPr>
-          <p:cNvPr id="36867" name="图片 7"/>
+          <p:cNvPr id="22532" name="图片 22532" descr="sangfor_logo"/>
           <p:cNvPicPr>
             <a:picLocks noChangeAspect="1"/>
           </p:cNvPicPr>
@@ -7774,8 +8583,8 @@
         </p:blipFill>
         <p:spPr>
           <a:xfrm>
-            <a:off x="0" y="0"/>
-            <a:ext cx="9144000" cy="6858000"/>
+            <a:off x="7343775" y="473075"/>
+            <a:ext cx="1320800" cy="606425"/>
           </a:xfrm>
           <a:prstGeom prst="rect">
             <a:avLst/>
@@ -7788,14 +8597,14 @@
       </p:pic>
       <p:sp>
         <p:nvSpPr>
-          <p:cNvPr id="36868" name="文本框 9"/>
-          <p:cNvSpPr/>
+          <p:cNvPr id="35841" name="文本框 35841"/>
+          <p:cNvSpPr txBox="1"/>
           <p:nvPr/>
         </p:nvSpPr>
         <p:spPr>
           <a:xfrm>
-            <a:off x="6896100" y="6305550"/>
-            <a:ext cx="1506538" cy="265113"/>
+            <a:off x="323850" y="995680"/>
+            <a:ext cx="1715135" cy="554355"/>
           </a:xfrm>
           <a:prstGeom prst="rect">
             <a:avLst/>
@@ -7806,36 +8615,79 @@
           </a:ln>
         </p:spPr>
         <p:txBody>
-          <a:bodyPr wrap="none" anchor="t" anchorCtr="0">
-            <a:spAutoFit/>
+          <a:bodyPr wrap="square" anchor="t" anchorCtr="0">
+            <a:noAutofit/>
           </a:bodyPr>
           <a:p>
-            <a:pPr eaLnBrk="0" hangingPunct="0"/>
-            <a:r>
-              <a:rPr lang="zh-CN" altLang="en-US" sz="1000">
+            <a:pPr eaLnBrk="0" hangingPunct="0">
+              <a:buFont typeface="Wingdings" panose="05000000000000000000" pitchFamily="2" charset="2"/>
+              <a:buChar char="Ø"/>
+            </a:pPr>
+            <a:r>
+              <a:rPr lang="zh-CN" altLang="en-US" sz="2000" dirty="0">
                 <a:solidFill>
-                  <a:srgbClr val="000000"/>
+                  <a:srgbClr val="184199"/>
                 </a:solidFill>
-                <a:latin typeface="微软雅黑 Light" pitchFamily="2" charset="-122"/>
-                <a:ea typeface="微软雅黑 Light" pitchFamily="2" charset="-122"/>
-                <a:sym typeface="微软雅黑 Light" pitchFamily="2" charset="-122"/>
-              </a:rPr>
-              <a:t>信锐测试部专业能力精品课程</a:t>
-            </a:r>
-            <a:endParaRPr lang="zh-CN" altLang="en-US" sz="1000">
+                <a:latin typeface="微软雅黑" charset="-108"/>
+                <a:ea typeface="微软雅黑" charset="-108"/>
+                <a:sym typeface="微软雅黑" charset="-108"/>
+              </a:rPr>
+              <a:t> 日常</a:t>
+            </a:r>
+            <a:r>
+              <a:rPr lang="zh-CN" altLang="en-US" sz="2000" dirty="0">
+                <a:solidFill>
+                  <a:srgbClr val="184199"/>
+                </a:solidFill>
+                <a:latin typeface="微软雅黑" charset="-108"/>
+                <a:ea typeface="微软雅黑" charset="-108"/>
+                <a:sym typeface="微软雅黑" charset="-108"/>
+              </a:rPr>
+              <a:t>排障</a:t>
+            </a:r>
+            <a:endParaRPr lang="zh-CN" altLang="en-US" sz="2000" dirty="0">
               <a:solidFill>
-                <a:srgbClr val="000000"/>
+                <a:srgbClr val="184199"/>
               </a:solidFill>
-              <a:latin typeface="微软雅黑 Light" pitchFamily="2" charset="-122"/>
-              <a:ea typeface="微软雅黑 Light" pitchFamily="2" charset="-122"/>
-              <a:sym typeface="微软雅黑 Light" pitchFamily="2" charset="-122"/>
+              <a:latin typeface="微软雅黑" charset="-108"/>
+              <a:ea typeface="微软雅黑" charset="-108"/>
+              <a:sym typeface="微软雅黑" charset="-108"/>
+            </a:endParaRPr>
+          </a:p>
+          <a:p>
+            <a:pPr eaLnBrk="0" hangingPunct="0">
+              <a:buFont typeface="Wingdings" panose="05000000000000000000" pitchFamily="2" charset="2"/>
+              <a:buChar char="Ø"/>
+            </a:pPr>
+            <a:endParaRPr lang="zh-CN" altLang="en-US" dirty="0">
+              <a:latin typeface="Arial" panose="020B0704020202020204" pitchFamily="34" charset="0"/>
+              <a:ea typeface="宋体" pitchFamily="2" charset="-122"/>
+            </a:endParaRPr>
+          </a:p>
+          <a:p>
+            <a:pPr eaLnBrk="0" hangingPunct="0">
+              <a:buFont typeface="Wingdings" panose="05000000000000000000" pitchFamily="2" charset="2"/>
+              <a:buChar char="Ø"/>
+            </a:pPr>
+            <a:endParaRPr lang="zh-CN" altLang="en-US" dirty="0">
+              <a:latin typeface="Arial" panose="020B0704020202020204" pitchFamily="34" charset="0"/>
+              <a:ea typeface="宋体" pitchFamily="2" charset="-122"/>
+            </a:endParaRPr>
+          </a:p>
+          <a:p>
+            <a:pPr eaLnBrk="0" hangingPunct="0">
+              <a:buFont typeface="Wingdings" panose="05000000000000000000" pitchFamily="2" charset="2"/>
+            </a:pPr>
+            <a:endParaRPr lang="zh-CN" altLang="en-US" dirty="0">
+              <a:latin typeface="Arial" panose="020B0704020202020204" pitchFamily="34" charset="0"/>
+              <a:ea typeface="宋体" pitchFamily="2" charset="-122"/>
             </a:endParaRPr>
           </a:p>
         </p:txBody>
       </p:sp>
       <p:pic>
         <p:nvPicPr>
-          <p:cNvPr id="36869" name="图片 1"/>
+          <p:cNvPr id="2" name="图片 1"/>
           <p:cNvPicPr>
             <a:picLocks noChangeAspect="1"/>
           </p:cNvPicPr>
@@ -7849,153 +8701,12 @@
         </p:blipFill>
         <p:spPr>
           <a:xfrm>
-            <a:off x="7208838" y="495300"/>
-            <a:ext cx="1390650" cy="806450"/>
+            <a:off x="539750" y="1557020"/>
+            <a:ext cx="7653655" cy="4143375"/>
           </a:xfrm>
           <a:prstGeom prst="rect">
             <a:avLst/>
           </a:prstGeom>
-          <a:noFill/>
-          <a:ln w="9525">
-            <a:noFill/>
-          </a:ln>
-        </p:spPr>
-      </p:pic>
-      <p:pic>
-        <p:nvPicPr>
-          <p:cNvPr id="36870" name="图片 2"/>
-          <p:cNvPicPr>
-            <a:picLocks noChangeAspect="1"/>
-          </p:cNvPicPr>
-          <p:nvPr/>
-        </p:nvPicPr>
-        <p:blipFill>
-          <a:blip r:embed="rId3"/>
-          <a:stretch>
-            <a:fillRect/>
-          </a:stretch>
-        </p:blipFill>
-        <p:spPr>
-          <a:xfrm>
-            <a:off x="0" y="0"/>
-            <a:ext cx="9144000" cy="6858000"/>
-          </a:xfrm>
-          <a:prstGeom prst="rect">
-            <a:avLst/>
-          </a:prstGeom>
-          <a:noFill/>
-          <a:ln w="9525">
-            <a:noFill/>
-          </a:ln>
-        </p:spPr>
-      </p:pic>
-      <p:sp>
-        <p:nvSpPr>
-          <p:cNvPr id="36871" name="TextBox 23"/>
-          <p:cNvSpPr/>
-          <p:nvPr/>
-        </p:nvSpPr>
-        <p:spPr>
-          <a:xfrm>
-            <a:off x="4351338" y="2778125"/>
-            <a:ext cx="2628900" cy="680085"/>
-          </a:xfrm>
-          <a:prstGeom prst="rect">
-            <a:avLst/>
-          </a:prstGeom>
-          <a:noFill/>
-          <a:ln w="9525">
-            <a:noFill/>
-          </a:ln>
-        </p:spPr>
-        <p:txBody>
-          <a:bodyPr wrap="none" lIns="64802" tIns="32401" rIns="64802" bIns="32401" anchor="t" anchorCtr="0">
-            <a:spAutoFit/>
-          </a:bodyPr>
-          <a:p>
-            <a:r>
-              <a:rPr lang="zh-CN" altLang="en-US" sz="4000" b="1" dirty="0">
-                <a:latin typeface="微软雅黑" charset="-108"/>
-                <a:ea typeface="微软雅黑" charset="-108"/>
-                <a:sym typeface="微软雅黑" charset="-108"/>
-              </a:rPr>
-              <a:t>4</a:t>
-            </a:r>
-            <a:r>
-              <a:rPr lang="en-US" altLang="zh-CN" sz="4000" b="1" dirty="0">
-                <a:latin typeface="微软雅黑" charset="-108"/>
-                <a:ea typeface="微软雅黑" charset="-108"/>
-                <a:sym typeface="微软雅黑" charset="-108"/>
-              </a:rPr>
-              <a:t> K8S</a:t>
-            </a:r>
-            <a:r>
-              <a:rPr lang="zh-CN" altLang="en-US" sz="4000" b="1" dirty="0">
-                <a:latin typeface="微软雅黑" charset="-108"/>
-                <a:ea typeface="微软雅黑" charset="-108"/>
-                <a:sym typeface="微软雅黑" charset="-108"/>
-              </a:rPr>
-              <a:t>安装</a:t>
-            </a:r>
-            <a:endParaRPr lang="zh-CN" altLang="en-US" sz="4000" b="1" dirty="0">
-              <a:latin typeface="微软雅黑" charset="-108"/>
-              <a:ea typeface="微软雅黑" charset="-108"/>
-              <a:sym typeface="微软雅黑" charset="-108"/>
-            </a:endParaRPr>
-          </a:p>
-        </p:txBody>
-      </p:sp>
-      <p:sp>
-        <p:nvSpPr>
-          <p:cNvPr id="36872" name="直线连接符 6"/>
-          <p:cNvSpPr/>
-          <p:nvPr/>
-        </p:nvSpPr>
-        <p:spPr>
-          <a:xfrm flipV="1">
-            <a:off x="4513263" y="3594100"/>
-            <a:ext cx="3876675" cy="1588"/>
-          </a:xfrm>
-          <a:prstGeom prst="line">
-            <a:avLst/>
-          </a:prstGeom>
-          <a:ln w="19050" cap="flat" cmpd="sng">
-            <a:solidFill>
-              <a:srgbClr val="7F7F7F"/>
-            </a:solidFill>
-            <a:prstDash val="solid"/>
-            <a:round/>
-            <a:headEnd type="none" w="med" len="med"/>
-            <a:tailEnd type="none" w="med" len="med"/>
-          </a:ln>
-        </p:spPr>
-      </p:sp>
-      <p:pic>
-        <p:nvPicPr>
-          <p:cNvPr id="36873" name="图片 36873" descr="sangfor_logo"/>
-          <p:cNvPicPr>
-            <a:picLocks noChangeAspect="1"/>
-          </p:cNvPicPr>
-          <p:nvPr/>
-        </p:nvPicPr>
-        <p:blipFill>
-          <a:blip r:embed="rId4"/>
-          <a:stretch>
-            <a:fillRect/>
-          </a:stretch>
-        </p:blipFill>
-        <p:spPr>
-          <a:xfrm>
-            <a:off x="7343775" y="473075"/>
-            <a:ext cx="1320800" cy="606425"/>
-          </a:xfrm>
-          <a:prstGeom prst="rect">
-            <a:avLst/>
-          </a:prstGeom>
-          <a:noFill/>
-          <a:ln w="9525">
-            <a:noFill/>
-          </a:ln>
         </p:spPr>
       </p:pic>
     </p:spTree>
@@ -8018,6 +8729,1478 @@
       <p:grpSpPr/>
       <p:sp>
         <p:nvSpPr>
+          <p:cNvPr id="34817" name="标题 1"/>
+          <p:cNvSpPr/>
+          <p:nvPr/>
+        </p:nvSpPr>
+        <p:spPr>
+          <a:xfrm>
+            <a:off x="7308850" y="6337300"/>
+            <a:ext cx="1552575" cy="301625"/>
+          </a:xfrm>
+          <a:prstGeom prst="rect">
+            <a:avLst/>
+          </a:prstGeom>
+          <a:noFill/>
+          <a:ln w="9525">
+            <a:noFill/>
+          </a:ln>
+        </p:spPr>
+        <p:txBody>
+          <a:bodyPr anchor="ctr" anchorCtr="0"/>
+          <a:p>
+            <a:pPr eaLnBrk="0" hangingPunct="0"/>
+            <a:endParaRPr lang="zh-CN" sz="1100" i="1">
+              <a:solidFill>
+                <a:srgbClr val="7F7F7F"/>
+              </a:solidFill>
+              <a:latin typeface="微软雅黑" charset="-108"/>
+              <a:ea typeface="微软雅黑" charset="-108"/>
+              <a:sym typeface="宋体" pitchFamily="2" charset="-122"/>
+            </a:endParaRPr>
+          </a:p>
+        </p:txBody>
+      </p:sp>
+      <p:sp>
+        <p:nvSpPr>
+          <p:cNvPr id="34818" name="文本框 6"/>
+          <p:cNvSpPr/>
+          <p:nvPr/>
+        </p:nvSpPr>
+        <p:spPr>
+          <a:xfrm>
+            <a:off x="7258050" y="6488113"/>
+            <a:ext cx="1825625" cy="277812"/>
+          </a:xfrm>
+          <a:prstGeom prst="rect">
+            <a:avLst/>
+          </a:prstGeom>
+          <a:noFill/>
+          <a:ln w="9525">
+            <a:noFill/>
+          </a:ln>
+        </p:spPr>
+        <p:txBody>
+          <a:bodyPr wrap="none" anchor="t" anchorCtr="0">
+            <a:spAutoFit/>
+          </a:bodyPr>
+          <a:p>
+            <a:pPr eaLnBrk="0" hangingPunct="0"/>
+            <a:r>
+              <a:rPr lang="zh-CN" altLang="en-US" sz="1100">
+                <a:solidFill>
+                  <a:srgbClr val="000000"/>
+                </a:solidFill>
+                <a:latin typeface="微软雅黑 Light" pitchFamily="2" charset="-122"/>
+                <a:ea typeface="微软雅黑 Light" pitchFamily="2" charset="-122"/>
+                <a:sym typeface="微软雅黑 Light" pitchFamily="2" charset="-122"/>
+              </a:rPr>
+              <a:t>深信服科技培训发展中心系列课程</a:t>
+            </a:r>
+            <a:endParaRPr lang="zh-CN" altLang="en-US" sz="1100">
+              <a:solidFill>
+                <a:srgbClr val="000000"/>
+              </a:solidFill>
+              <a:latin typeface="微软雅黑 Light" pitchFamily="2" charset="-122"/>
+              <a:ea typeface="微软雅黑 Light" pitchFamily="2" charset="-122"/>
+              <a:sym typeface="微软雅黑 Light" pitchFamily="2" charset="-122"/>
+            </a:endParaRPr>
+          </a:p>
+        </p:txBody>
+      </p:sp>
+      <p:pic>
+        <p:nvPicPr>
+          <p:cNvPr id="34819" name="图片 7"/>
+          <p:cNvPicPr>
+            <a:picLocks noChangeAspect="1"/>
+          </p:cNvPicPr>
+          <p:nvPr/>
+        </p:nvPicPr>
+        <p:blipFill>
+          <a:blip r:embed="rId1"/>
+          <a:stretch>
+            <a:fillRect/>
+          </a:stretch>
+        </p:blipFill>
+        <p:spPr>
+          <a:xfrm>
+            <a:off x="0" y="0"/>
+            <a:ext cx="9144000" cy="6858000"/>
+          </a:xfrm>
+          <a:prstGeom prst="rect">
+            <a:avLst/>
+          </a:prstGeom>
+          <a:noFill/>
+          <a:ln w="9525">
+            <a:noFill/>
+          </a:ln>
+        </p:spPr>
+      </p:pic>
+      <p:sp>
+        <p:nvSpPr>
+          <p:cNvPr id="34820" name="文本框 9"/>
+          <p:cNvSpPr/>
+          <p:nvPr/>
+        </p:nvSpPr>
+        <p:spPr>
+          <a:xfrm>
+            <a:off x="6896100" y="6305550"/>
+            <a:ext cx="1506538" cy="265113"/>
+          </a:xfrm>
+          <a:prstGeom prst="rect">
+            <a:avLst/>
+          </a:prstGeom>
+          <a:noFill/>
+          <a:ln w="9525">
+            <a:noFill/>
+          </a:ln>
+        </p:spPr>
+        <p:txBody>
+          <a:bodyPr wrap="none" anchor="t" anchorCtr="0">
+            <a:spAutoFit/>
+          </a:bodyPr>
+          <a:p>
+            <a:pPr eaLnBrk="0" hangingPunct="0"/>
+            <a:r>
+              <a:rPr lang="zh-CN" altLang="en-US" sz="1000">
+                <a:solidFill>
+                  <a:srgbClr val="000000"/>
+                </a:solidFill>
+                <a:latin typeface="微软雅黑 Light" pitchFamily="2" charset="-122"/>
+                <a:ea typeface="微软雅黑 Light" pitchFamily="2" charset="-122"/>
+                <a:sym typeface="微软雅黑 Light" pitchFamily="2" charset="-122"/>
+              </a:rPr>
+              <a:t>信锐测试部专业能力精品课程</a:t>
+            </a:r>
+            <a:endParaRPr lang="zh-CN" altLang="en-US" sz="1000">
+              <a:solidFill>
+                <a:srgbClr val="000000"/>
+              </a:solidFill>
+              <a:latin typeface="微软雅黑 Light" pitchFamily="2" charset="-122"/>
+              <a:ea typeface="微软雅黑 Light" pitchFamily="2" charset="-122"/>
+              <a:sym typeface="微软雅黑 Light" pitchFamily="2" charset="-122"/>
+            </a:endParaRPr>
+          </a:p>
+        </p:txBody>
+      </p:sp>
+      <p:pic>
+        <p:nvPicPr>
+          <p:cNvPr id="34821" name="图片 1"/>
+          <p:cNvPicPr>
+            <a:picLocks noChangeAspect="1"/>
+          </p:cNvPicPr>
+          <p:nvPr/>
+        </p:nvPicPr>
+        <p:blipFill>
+          <a:blip r:embed="rId2"/>
+          <a:stretch>
+            <a:fillRect/>
+          </a:stretch>
+        </p:blipFill>
+        <p:spPr>
+          <a:xfrm>
+            <a:off x="7208838" y="495300"/>
+            <a:ext cx="1390650" cy="806450"/>
+          </a:xfrm>
+          <a:prstGeom prst="rect">
+            <a:avLst/>
+          </a:prstGeom>
+          <a:noFill/>
+          <a:ln w="9525">
+            <a:noFill/>
+          </a:ln>
+        </p:spPr>
+      </p:pic>
+      <p:pic>
+        <p:nvPicPr>
+          <p:cNvPr id="34822" name="图片 2"/>
+          <p:cNvPicPr>
+            <a:picLocks noChangeAspect="1"/>
+          </p:cNvPicPr>
+          <p:nvPr/>
+        </p:nvPicPr>
+        <p:blipFill>
+          <a:blip r:embed="rId3"/>
+          <a:stretch>
+            <a:fillRect/>
+          </a:stretch>
+        </p:blipFill>
+        <p:spPr>
+          <a:xfrm>
+            <a:off x="0" y="0"/>
+            <a:ext cx="9144000" cy="6858000"/>
+          </a:xfrm>
+          <a:prstGeom prst="rect">
+            <a:avLst/>
+          </a:prstGeom>
+          <a:noFill/>
+          <a:ln w="9525">
+            <a:noFill/>
+          </a:ln>
+        </p:spPr>
+      </p:pic>
+      <p:sp>
+        <p:nvSpPr>
+          <p:cNvPr id="34823" name="TextBox 23"/>
+          <p:cNvSpPr/>
+          <p:nvPr/>
+        </p:nvSpPr>
+        <p:spPr>
+          <a:xfrm>
+            <a:off x="4351338" y="2778125"/>
+            <a:ext cx="3386455" cy="680085"/>
+          </a:xfrm>
+          <a:prstGeom prst="rect">
+            <a:avLst/>
+          </a:prstGeom>
+          <a:noFill/>
+          <a:ln w="9525">
+            <a:noFill/>
+          </a:ln>
+        </p:spPr>
+        <p:txBody>
+          <a:bodyPr wrap="none" lIns="64802" tIns="32401" rIns="64802" bIns="32401" anchor="t" anchorCtr="0">
+            <a:spAutoFit/>
+          </a:bodyPr>
+          <a:p>
+            <a:r>
+              <a:rPr lang="zh-CN" altLang="en-US" sz="4000" b="1" dirty="0">
+                <a:latin typeface="微软雅黑" charset="-108"/>
+                <a:ea typeface="微软雅黑" charset="-108"/>
+                <a:sym typeface="微软雅黑" charset="-108"/>
+              </a:rPr>
+              <a:t>3</a:t>
+            </a:r>
+            <a:r>
+              <a:rPr lang="en-US" altLang="zh-CN" sz="4000" b="1" dirty="0">
+                <a:latin typeface="微软雅黑" charset="-108"/>
+                <a:ea typeface="微软雅黑" charset="-108"/>
+                <a:sym typeface="微软雅黑" charset="-108"/>
+              </a:rPr>
+              <a:t> Kubernetes</a:t>
+            </a:r>
+            <a:endParaRPr lang="en-US" altLang="zh-CN" sz="4000" b="1" dirty="0">
+              <a:latin typeface="微软雅黑" charset="-108"/>
+              <a:ea typeface="微软雅黑" charset="-108"/>
+              <a:sym typeface="微软雅黑" charset="-108"/>
+            </a:endParaRPr>
+          </a:p>
+        </p:txBody>
+      </p:sp>
+      <p:sp>
+        <p:nvSpPr>
+          <p:cNvPr id="34824" name="直线连接符 6"/>
+          <p:cNvSpPr/>
+          <p:nvPr/>
+        </p:nvSpPr>
+        <p:spPr>
+          <a:xfrm flipV="1">
+            <a:off x="4513263" y="3594100"/>
+            <a:ext cx="3876675" cy="1588"/>
+          </a:xfrm>
+          <a:prstGeom prst="line">
+            <a:avLst/>
+          </a:prstGeom>
+          <a:ln w="19050" cap="flat" cmpd="sng">
+            <a:solidFill>
+              <a:srgbClr val="7F7F7F"/>
+            </a:solidFill>
+            <a:prstDash val="solid"/>
+            <a:round/>
+            <a:headEnd type="none" w="med" len="med"/>
+            <a:tailEnd type="none" w="med" len="med"/>
+          </a:ln>
+        </p:spPr>
+      </p:sp>
+      <p:pic>
+        <p:nvPicPr>
+          <p:cNvPr id="34825" name="图片 34825" descr="sangfor_logo"/>
+          <p:cNvPicPr>
+            <a:picLocks noChangeAspect="1"/>
+          </p:cNvPicPr>
+          <p:nvPr/>
+        </p:nvPicPr>
+        <p:blipFill>
+          <a:blip r:embed="rId4"/>
+          <a:stretch>
+            <a:fillRect/>
+          </a:stretch>
+        </p:blipFill>
+        <p:spPr>
+          <a:xfrm>
+            <a:off x="7343775" y="473075"/>
+            <a:ext cx="1320800" cy="606425"/>
+          </a:xfrm>
+          <a:prstGeom prst="rect">
+            <a:avLst/>
+          </a:prstGeom>
+          <a:noFill/>
+          <a:ln w="9525">
+            <a:noFill/>
+          </a:ln>
+        </p:spPr>
+      </p:pic>
+    </p:spTree>
+  </p:cSld>
+  <p:clrMapOvr>
+    <a:masterClrMapping/>
+  </p:clrMapOvr>
+</p:sld>
+</file>
+
+<file path=ppt/slides/slide14.xml><?xml version="1.0" encoding="utf-8"?>
+<p:sld xmlns:a="http://schemas.openxmlformats.org/drawingml/2006/main" xmlns:r="http://schemas.openxmlformats.org/officeDocument/2006/relationships" xmlns:p="http://schemas.openxmlformats.org/presentationml/2006/main">
+  <p:cSld>
+    <p:spTree>
+      <p:nvGrpSpPr>
+        <p:cNvPr id="1" name=""/>
+        <p:cNvGrpSpPr/>
+        <p:nvPr/>
+      </p:nvGrpSpPr>
+      <p:grpSpPr/>
+      <p:sp>
+        <p:nvSpPr>
+          <p:cNvPr id="22529" name="标题 1"/>
+          <p:cNvSpPr/>
+          <p:nvPr/>
+        </p:nvSpPr>
+        <p:spPr>
+          <a:xfrm>
+            <a:off x="7308850" y="6337300"/>
+            <a:ext cx="1552575" cy="301625"/>
+          </a:xfrm>
+          <a:prstGeom prst="rect">
+            <a:avLst/>
+          </a:prstGeom>
+          <a:noFill/>
+          <a:ln w="9525">
+            <a:noFill/>
+          </a:ln>
+        </p:spPr>
+        <p:txBody>
+          <a:bodyPr anchor="ctr" anchorCtr="0"/>
+          <a:p>
+            <a:pPr eaLnBrk="0" hangingPunct="0"/>
+            <a:endParaRPr lang="zh-CN" sz="1100" i="1">
+              <a:solidFill>
+                <a:srgbClr val="7F7F7F"/>
+              </a:solidFill>
+              <a:latin typeface="微软雅黑" charset="-108"/>
+              <a:ea typeface="微软雅黑" charset="-108"/>
+              <a:sym typeface="宋体" pitchFamily="2" charset="-122"/>
+            </a:endParaRPr>
+          </a:p>
+        </p:txBody>
+      </p:sp>
+      <p:sp>
+        <p:nvSpPr>
+          <p:cNvPr id="22530" name="TextBox 1"/>
+          <p:cNvSpPr/>
+          <p:nvPr/>
+        </p:nvSpPr>
+        <p:spPr>
+          <a:xfrm>
+            <a:off x="247650" y="323850"/>
+            <a:ext cx="3600450" cy="460375"/>
+          </a:xfrm>
+          <a:prstGeom prst="rect">
+            <a:avLst/>
+          </a:prstGeom>
+          <a:noFill/>
+          <a:ln w="9525">
+            <a:noFill/>
+          </a:ln>
+        </p:spPr>
+        <p:txBody>
+          <a:bodyPr wrap="square" anchor="t" anchorCtr="0">
+            <a:spAutoFit/>
+          </a:bodyPr>
+          <a:p>
+            <a:pPr eaLnBrk="0" hangingPunct="0"/>
+            <a:r>
+              <a:rPr lang="en-US" altLang="zh-CN" sz="2400" b="1" dirty="0">
+                <a:solidFill>
+                  <a:srgbClr val="0070C0"/>
+                </a:solidFill>
+                <a:latin typeface="微软雅黑" charset="-108"/>
+                <a:ea typeface="微软雅黑" charset="-108"/>
+                <a:sym typeface="微软雅黑" charset="-108"/>
+              </a:rPr>
+              <a:t>Kubernetes </a:t>
+            </a:r>
+            <a:endParaRPr lang="en-US" altLang="zh-CN" sz="2400" b="1" dirty="0">
+              <a:solidFill>
+                <a:srgbClr val="0070C0"/>
+              </a:solidFill>
+              <a:latin typeface="微软雅黑" charset="-108"/>
+              <a:ea typeface="微软雅黑" charset="-108"/>
+              <a:sym typeface="微软雅黑" charset="-108"/>
+            </a:endParaRPr>
+          </a:p>
+        </p:txBody>
+      </p:sp>
+      <p:pic>
+        <p:nvPicPr>
+          <p:cNvPr id="22532" name="图片 22532" descr="sangfor_logo"/>
+          <p:cNvPicPr>
+            <a:picLocks noChangeAspect="1"/>
+          </p:cNvPicPr>
+          <p:nvPr/>
+        </p:nvPicPr>
+        <p:blipFill>
+          <a:blip r:embed="rId1"/>
+          <a:stretch>
+            <a:fillRect/>
+          </a:stretch>
+        </p:blipFill>
+        <p:spPr>
+          <a:xfrm>
+            <a:off x="7343775" y="473075"/>
+            <a:ext cx="1320800" cy="606425"/>
+          </a:xfrm>
+          <a:prstGeom prst="rect">
+            <a:avLst/>
+          </a:prstGeom>
+          <a:noFill/>
+          <a:ln w="9525">
+            <a:noFill/>
+          </a:ln>
+        </p:spPr>
+      </p:pic>
+      <p:pic>
+        <p:nvPicPr>
+          <p:cNvPr id="2" name="图片 1" descr="image"/>
+          <p:cNvPicPr>
+            <a:picLocks noChangeAspect="1"/>
+          </p:cNvPicPr>
+          <p:nvPr/>
+        </p:nvPicPr>
+        <p:blipFill>
+          <a:blip r:embed="rId2"/>
+          <a:stretch>
+            <a:fillRect/>
+          </a:stretch>
+        </p:blipFill>
+        <p:spPr>
+          <a:xfrm>
+            <a:off x="755650" y="1485900"/>
+            <a:ext cx="7470140" cy="2936875"/>
+          </a:xfrm>
+          <a:prstGeom prst="rect">
+            <a:avLst/>
+          </a:prstGeom>
+        </p:spPr>
+      </p:pic>
+      <p:sp>
+        <p:nvSpPr>
+          <p:cNvPr id="3" name="文本框 2"/>
+          <p:cNvSpPr txBox="1"/>
+          <p:nvPr/>
+        </p:nvSpPr>
+        <p:spPr>
+          <a:xfrm>
+            <a:off x="1331595" y="4940935"/>
+            <a:ext cx="6275705" cy="645160"/>
+          </a:xfrm>
+          <a:prstGeom prst="rect">
+            <a:avLst/>
+          </a:prstGeom>
+          <a:noFill/>
+        </p:spPr>
+        <p:txBody>
+          <a:bodyPr wrap="square" rtlCol="0">
+            <a:spAutoFit/>
+          </a:bodyPr>
+          <a:p>
+            <a:r>
+              <a:rPr lang="en-US" altLang="zh-CN"/>
+              <a:t>Dev：</a:t>
+            </a:r>
+            <a:r>
+              <a:rPr lang="zh-CN" altLang="en-US"/>
+              <a:t>描述应用需要哪些资源</a:t>
+            </a:r>
+            <a:r>
+              <a:rPr lang="en-US" altLang="zh-CN"/>
+              <a:t>，</a:t>
+            </a:r>
+            <a:r>
+              <a:rPr lang="zh-CN" altLang="en-US"/>
+              <a:t>部署位置</a:t>
+            </a:r>
+            <a:r>
+              <a:rPr lang="en-US" altLang="zh-CN"/>
+              <a:t>，</a:t>
+            </a:r>
+            <a:r>
+              <a:rPr lang="zh-CN" altLang="en-US"/>
+              <a:t>以及依赖关系</a:t>
+            </a:r>
+            <a:r>
+              <a:rPr lang="en-US" altLang="zh-CN"/>
+              <a:t>  </a:t>
+            </a:r>
+            <a:endParaRPr lang="en-US" altLang="zh-CN"/>
+          </a:p>
+          <a:p>
+            <a:r>
+              <a:rPr lang="en-US" altLang="zh-CN"/>
+              <a:t>Ops：</a:t>
+            </a:r>
+            <a:r>
+              <a:rPr lang="zh-CN" altLang="en-US"/>
+              <a:t>维护集群给开发者提供一个</a:t>
+            </a:r>
+            <a:r>
+              <a:rPr lang="zh-CN" altLang="en-US"/>
+              <a:t>资源平台</a:t>
+            </a:r>
+            <a:endParaRPr lang="zh-CN" altLang="en-US"/>
+          </a:p>
+        </p:txBody>
+      </p:sp>
+      <p:sp>
+        <p:nvSpPr>
+          <p:cNvPr id="4" name="文本框 3"/>
+          <p:cNvSpPr txBox="1"/>
+          <p:nvPr/>
+        </p:nvSpPr>
+        <p:spPr>
+          <a:xfrm>
+            <a:off x="1547495" y="4608830"/>
+            <a:ext cx="6275705" cy="1476375"/>
+          </a:xfrm>
+          <a:prstGeom prst="rect">
+            <a:avLst/>
+          </a:prstGeom>
+          <a:noFill/>
+        </p:spPr>
+        <p:txBody>
+          <a:bodyPr wrap="square" rtlCol="0">
+            <a:spAutoFit/>
+          </a:bodyPr>
+          <a:p>
+            <a:pPr marL="285750" indent="-285750">
+              <a:buFont typeface="Arial" panose="020B0704020202020204" pitchFamily="34" charset="0"/>
+              <a:buChar char="•"/>
+            </a:pPr>
+            <a:r>
+              <a:rPr lang="zh-CN" altLang="en-US"/>
+              <a:t>持续集成</a:t>
+            </a:r>
+            <a:r>
+              <a:rPr lang="zh-CN" altLang="en-US"/>
+              <a:t>部署</a:t>
+            </a:r>
+            <a:endParaRPr lang="zh-CN" altLang="en-US"/>
+          </a:p>
+          <a:p>
+            <a:pPr marL="285750" indent="-285750">
+              <a:buFont typeface="Arial" panose="020B0704020202020204" pitchFamily="34" charset="0"/>
+              <a:buChar char="•"/>
+            </a:pPr>
+            <a:r>
+              <a:rPr lang="zh-CN" altLang="en-US"/>
+              <a:t>服务发现</a:t>
+            </a:r>
+            <a:endParaRPr lang="zh-CN" altLang="en-US"/>
+          </a:p>
+          <a:p>
+            <a:pPr marL="285750" indent="-285750">
+              <a:buFont typeface="Arial" panose="020B0704020202020204" pitchFamily="34" charset="0"/>
+              <a:buChar char="•"/>
+            </a:pPr>
+            <a:r>
+              <a:rPr lang="zh-CN" altLang="en-US"/>
+              <a:t>扩容</a:t>
+            </a:r>
+            <a:endParaRPr lang="zh-CN" altLang="en-US"/>
+          </a:p>
+          <a:p>
+            <a:pPr marL="285750" indent="-285750">
+              <a:buFont typeface="Arial" panose="020B0704020202020204" pitchFamily="34" charset="0"/>
+              <a:buChar char="•"/>
+            </a:pPr>
+            <a:r>
+              <a:rPr lang="zh-CN" altLang="en-US"/>
+              <a:t>负载均衡</a:t>
+            </a:r>
+            <a:endParaRPr lang="zh-CN" altLang="en-US"/>
+          </a:p>
+          <a:p>
+            <a:pPr marL="285750" indent="-285750">
+              <a:buFont typeface="Arial" panose="020B0704020202020204" pitchFamily="34" charset="0"/>
+              <a:buChar char="•"/>
+            </a:pPr>
+            <a:r>
+              <a:rPr lang="zh-CN" altLang="en-US"/>
+              <a:t>自恢复</a:t>
+            </a:r>
+            <a:endParaRPr lang="en-US" altLang="zh-CN"/>
+          </a:p>
+        </p:txBody>
+      </p:sp>
+    </p:spTree>
+  </p:cSld>
+  <p:clrMapOvr>
+    <a:masterClrMapping/>
+  </p:clrMapOvr>
+  <p:timing>
+    <p:tnLst>
+      <p:par>
+        <p:cTn id="1" dur="indefinite" restart="never" nodeType="tmRoot">
+          <p:childTnLst>
+            <p:seq concurrent="1" nextAc="seek">
+              <p:cTn id="2" dur="indefinite" nodeType="mainSeq">
+                <p:childTnLst>
+                  <p:par>
+                    <p:cTn id="3" fill="hold">
+                      <p:stCondLst>
+                        <p:cond delay="indefinite"/>
+                      </p:stCondLst>
+                      <p:childTnLst>
+                        <p:par>
+                          <p:cTn id="4" fill="hold">
+                            <p:stCondLst>
+                              <p:cond delay="0"/>
+                            </p:stCondLst>
+                            <p:childTnLst>
+                              <p:par>
+                                <p:cTn id="5" presetID="1" presetClass="entr" presetSubtype="0" fill="hold" grpId="0" nodeType="clickEffect">
+                                  <p:stCondLst>
+                                    <p:cond delay="0"/>
+                                  </p:stCondLst>
+                                  <p:childTnLst>
+                                    <p:set>
+                                      <p:cBhvr>
+                                        <p:cTn id="6" dur="1" fill="hold">
+                                          <p:stCondLst>
+                                            <p:cond delay="0"/>
+                                          </p:stCondLst>
+                                        </p:cTn>
+                                        <p:tgtEl>
+                                          <p:spTgt spid="3"/>
+                                        </p:tgtEl>
+                                        <p:attrNameLst>
+                                          <p:attrName>style.visibility</p:attrName>
+                                        </p:attrNameLst>
+                                      </p:cBhvr>
+                                      <p:to>
+                                        <p:strVal val="visible"/>
+                                      </p:to>
+                                    </p:set>
+                                  </p:childTnLst>
+                                </p:cTn>
+                              </p:par>
+                            </p:childTnLst>
+                          </p:cTn>
+                        </p:par>
+                      </p:childTnLst>
+                    </p:cTn>
+                  </p:par>
+                  <p:par>
+                    <p:cTn id="7" fill="hold">
+                      <p:stCondLst>
+                        <p:cond delay="indefinite"/>
+                      </p:stCondLst>
+                      <p:childTnLst>
+                        <p:par>
+                          <p:cTn id="8" fill="hold">
+                            <p:stCondLst>
+                              <p:cond delay="0"/>
+                            </p:stCondLst>
+                            <p:childTnLst>
+                              <p:par>
+                                <p:cTn id="9" presetID="22" presetClass="exit" presetSubtype="4" fill="hold" grpId="1" nodeType="clickEffect">
+                                  <p:stCondLst>
+                                    <p:cond delay="0"/>
+                                  </p:stCondLst>
+                                  <p:childTnLst>
+                                    <p:animEffect transition="out" filter="wipe(down)">
+                                      <p:cBhvr>
+                                        <p:cTn id="10" dur="500"/>
+                                        <p:tgtEl>
+                                          <p:spTgt spid="3"/>
+                                        </p:tgtEl>
+                                      </p:cBhvr>
+                                    </p:animEffect>
+                                    <p:set>
+                                      <p:cBhvr>
+                                        <p:cTn id="11" dur="1" fill="hold">
+                                          <p:stCondLst>
+                                            <p:cond delay="499"/>
+                                          </p:stCondLst>
+                                        </p:cTn>
+                                        <p:tgtEl>
+                                          <p:spTgt spid="3"/>
+                                        </p:tgtEl>
+                                        <p:attrNameLst>
+                                          <p:attrName>style.visibility</p:attrName>
+                                        </p:attrNameLst>
+                                      </p:cBhvr>
+                                      <p:to>
+                                        <p:strVal val="hidden"/>
+                                      </p:to>
+                                    </p:set>
+                                  </p:childTnLst>
+                                </p:cTn>
+                              </p:par>
+                            </p:childTnLst>
+                          </p:cTn>
+                        </p:par>
+                      </p:childTnLst>
+                    </p:cTn>
+                  </p:par>
+                  <p:par>
+                    <p:cTn id="12" fill="hold">
+                      <p:stCondLst>
+                        <p:cond delay="indefinite"/>
+                      </p:stCondLst>
+                      <p:childTnLst>
+                        <p:par>
+                          <p:cTn id="13" fill="hold">
+                            <p:stCondLst>
+                              <p:cond delay="0"/>
+                            </p:stCondLst>
+                            <p:childTnLst>
+                              <p:par>
+                                <p:cTn id="14" presetID="1" presetClass="entr" presetSubtype="0" fill="hold" grpId="0" nodeType="clickEffect">
+                                  <p:stCondLst>
+                                    <p:cond delay="0"/>
+                                  </p:stCondLst>
+                                  <p:childTnLst>
+                                    <p:set>
+                                      <p:cBhvr>
+                                        <p:cTn id="15" dur="1" fill="hold">
+                                          <p:stCondLst>
+                                            <p:cond delay="0"/>
+                                          </p:stCondLst>
+                                        </p:cTn>
+                                        <p:tgtEl>
+                                          <p:spTgt spid="4"/>
+                                        </p:tgtEl>
+                                        <p:attrNameLst>
+                                          <p:attrName>style.visibility</p:attrName>
+                                        </p:attrNameLst>
+                                      </p:cBhvr>
+                                      <p:to>
+                                        <p:strVal val="visible"/>
+                                      </p:to>
+                                    </p:set>
+                                  </p:childTnLst>
+                                </p:cTn>
+                              </p:par>
+                            </p:childTnLst>
+                          </p:cTn>
+                        </p:par>
+                      </p:childTnLst>
+                    </p:cTn>
+                  </p:par>
+                </p:childTnLst>
+              </p:cTn>
+              <p:prevCondLst>
+                <p:cond evt="onPrev" delay="0">
+                  <p:tgtEl>
+                    <p:sldTgt/>
+                  </p:tgtEl>
+                </p:cond>
+              </p:prevCondLst>
+              <p:nextCondLst>
+                <p:cond evt="onNext" delay="0">
+                  <p:tgtEl>
+                    <p:sldTgt/>
+                  </p:tgtEl>
+                </p:cond>
+              </p:nextCondLst>
+            </p:seq>
+          </p:childTnLst>
+        </p:cTn>
+      </p:par>
+    </p:tnLst>
+    <p:bldLst>
+      <p:bldP spid="3" grpId="0"/>
+      <p:bldP spid="4" grpId="0"/>
+      <p:bldP spid="3" grpId="1"/>
+    </p:bldLst>
+  </p:timing>
+</p:sld>
+</file>
+
+<file path=ppt/slides/slide15.xml><?xml version="1.0" encoding="utf-8"?>
+<p:sld xmlns:a="http://schemas.openxmlformats.org/drawingml/2006/main" xmlns:r="http://schemas.openxmlformats.org/officeDocument/2006/relationships" xmlns:p="http://schemas.openxmlformats.org/presentationml/2006/main">
+  <p:cSld>
+    <p:spTree>
+      <p:nvGrpSpPr>
+        <p:cNvPr id="1" name=""/>
+        <p:cNvGrpSpPr/>
+        <p:nvPr/>
+      </p:nvGrpSpPr>
+      <p:grpSpPr/>
+      <p:sp>
+        <p:nvSpPr>
+          <p:cNvPr id="22529" name="标题 1"/>
+          <p:cNvSpPr/>
+          <p:nvPr/>
+        </p:nvSpPr>
+        <p:spPr>
+          <a:xfrm>
+            <a:off x="7308850" y="6337300"/>
+            <a:ext cx="1552575" cy="301625"/>
+          </a:xfrm>
+          <a:prstGeom prst="rect">
+            <a:avLst/>
+          </a:prstGeom>
+          <a:noFill/>
+          <a:ln w="9525">
+            <a:noFill/>
+          </a:ln>
+        </p:spPr>
+        <p:txBody>
+          <a:bodyPr anchor="ctr" anchorCtr="0"/>
+          <a:p>
+            <a:pPr eaLnBrk="0" hangingPunct="0"/>
+            <a:endParaRPr lang="zh-CN" sz="1100" i="1">
+              <a:solidFill>
+                <a:srgbClr val="7F7F7F"/>
+              </a:solidFill>
+              <a:latin typeface="微软雅黑" charset="-108"/>
+              <a:ea typeface="微软雅黑" charset="-108"/>
+              <a:sym typeface="宋体" pitchFamily="2" charset="-122"/>
+            </a:endParaRPr>
+          </a:p>
+        </p:txBody>
+      </p:sp>
+      <p:sp>
+        <p:nvSpPr>
+          <p:cNvPr id="22530" name="TextBox 1"/>
+          <p:cNvSpPr/>
+          <p:nvPr/>
+        </p:nvSpPr>
+        <p:spPr>
+          <a:xfrm>
+            <a:off x="247650" y="323850"/>
+            <a:ext cx="3600450" cy="460375"/>
+          </a:xfrm>
+          <a:prstGeom prst="rect">
+            <a:avLst/>
+          </a:prstGeom>
+          <a:noFill/>
+          <a:ln w="9525">
+            <a:noFill/>
+          </a:ln>
+        </p:spPr>
+        <p:txBody>
+          <a:bodyPr wrap="square" anchor="t" anchorCtr="0">
+            <a:spAutoFit/>
+          </a:bodyPr>
+          <a:p>
+            <a:pPr eaLnBrk="0" hangingPunct="0"/>
+            <a:r>
+              <a:rPr lang="en-US" altLang="zh-CN" sz="2400" b="1" dirty="0">
+                <a:solidFill>
+                  <a:srgbClr val="0070C0"/>
+                </a:solidFill>
+                <a:latin typeface="微软雅黑" charset="-108"/>
+                <a:ea typeface="微软雅黑" charset="-108"/>
+                <a:sym typeface="微软雅黑" charset="-108"/>
+              </a:rPr>
+              <a:t>Kubernetes </a:t>
+            </a:r>
+            <a:endParaRPr lang="en-US" altLang="zh-CN" sz="2400" b="1" dirty="0">
+              <a:solidFill>
+                <a:srgbClr val="0070C0"/>
+              </a:solidFill>
+              <a:latin typeface="微软雅黑" charset="-108"/>
+              <a:ea typeface="微软雅黑" charset="-108"/>
+              <a:sym typeface="微软雅黑" charset="-108"/>
+            </a:endParaRPr>
+          </a:p>
+        </p:txBody>
+      </p:sp>
+      <p:pic>
+        <p:nvPicPr>
+          <p:cNvPr id="22532" name="图片 22532" descr="sangfor_logo"/>
+          <p:cNvPicPr>
+            <a:picLocks noChangeAspect="1"/>
+          </p:cNvPicPr>
+          <p:nvPr/>
+        </p:nvPicPr>
+        <p:blipFill>
+          <a:blip r:embed="rId1"/>
+          <a:stretch>
+            <a:fillRect/>
+          </a:stretch>
+        </p:blipFill>
+        <p:spPr>
+          <a:xfrm>
+            <a:off x="7343775" y="473075"/>
+            <a:ext cx="1320800" cy="606425"/>
+          </a:xfrm>
+          <a:prstGeom prst="rect">
+            <a:avLst/>
+          </a:prstGeom>
+          <a:noFill/>
+          <a:ln w="9525">
+            <a:noFill/>
+          </a:ln>
+        </p:spPr>
+      </p:pic>
+      <p:pic>
+        <p:nvPicPr>
+          <p:cNvPr id="3" name="图片 2" descr="image-1"/>
+          <p:cNvPicPr>
+            <a:picLocks noChangeAspect="1"/>
+          </p:cNvPicPr>
+          <p:nvPr/>
+        </p:nvPicPr>
+        <p:blipFill>
+          <a:blip r:embed="rId2"/>
+          <a:stretch>
+            <a:fillRect/>
+          </a:stretch>
+        </p:blipFill>
+        <p:spPr>
+          <a:xfrm>
+            <a:off x="899795" y="1052830"/>
+            <a:ext cx="7141845" cy="2884805"/>
+          </a:xfrm>
+          <a:prstGeom prst="rect">
+            <a:avLst/>
+          </a:prstGeom>
+        </p:spPr>
+      </p:pic>
+      <p:sp>
+        <p:nvSpPr>
+          <p:cNvPr id="4" name="文本框 3"/>
+          <p:cNvSpPr txBox="1"/>
+          <p:nvPr/>
+        </p:nvSpPr>
+        <p:spPr>
+          <a:xfrm>
+            <a:off x="1043305" y="4653280"/>
+            <a:ext cx="3048000" cy="1753235"/>
+          </a:xfrm>
+          <a:prstGeom prst="rect">
+            <a:avLst/>
+          </a:prstGeom>
+          <a:noFill/>
+        </p:spPr>
+        <p:txBody>
+          <a:bodyPr wrap="square" rtlCol="0">
+            <a:spAutoFit/>
+          </a:bodyPr>
+          <a:p>
+            <a:r>
+              <a:rPr lang="zh-CN" altLang="en-US"/>
+              <a:t>控制面板</a:t>
+            </a:r>
+            <a:r>
+              <a:rPr lang="en-US" altLang="zh-CN"/>
+              <a:t>：</a:t>
+            </a:r>
+            <a:endParaRPr lang="en-US" altLang="zh-CN"/>
+          </a:p>
+          <a:p>
+            <a:pPr marL="285750" indent="-285750">
+              <a:buFont typeface="Arial" panose="020B0704020202020204" pitchFamily="34" charset="0"/>
+              <a:buChar char="•"/>
+            </a:pPr>
+            <a:r>
+              <a:rPr lang="en-US" altLang="zh-CN"/>
+              <a:t>API</a:t>
+            </a:r>
+            <a:r>
+              <a:rPr lang="zh-CN" altLang="en-US"/>
+              <a:t>服务器</a:t>
+            </a:r>
+            <a:endParaRPr lang="zh-CN" altLang="en-US"/>
+          </a:p>
+          <a:p>
+            <a:pPr marL="285750" indent="-285750">
+              <a:buFont typeface="Arial" panose="020B0704020202020204" pitchFamily="34" charset="0"/>
+              <a:buChar char="•"/>
+            </a:pPr>
+            <a:r>
+              <a:rPr lang="en-US" altLang="zh-CN"/>
+              <a:t>Controller </a:t>
+            </a:r>
+            <a:r>
+              <a:rPr lang="en-US" altLang="zh-CN"/>
+              <a:t>Manager</a:t>
+            </a:r>
+            <a:endParaRPr lang="en-US" altLang="zh-CN"/>
+          </a:p>
+          <a:p>
+            <a:pPr marL="285750" indent="-285750">
+              <a:buFont typeface="Arial" panose="020B0704020202020204" pitchFamily="34" charset="0"/>
+              <a:buChar char="•"/>
+            </a:pPr>
+            <a:r>
+              <a:rPr lang="en-US" altLang="zh-CN"/>
+              <a:t>Scheduler</a:t>
+            </a:r>
+            <a:endParaRPr lang="en-US" altLang="zh-CN"/>
+          </a:p>
+          <a:p>
+            <a:pPr marL="285750" indent="-285750">
+              <a:buFont typeface="Arial" panose="020B0704020202020204" pitchFamily="34" charset="0"/>
+              <a:buChar char="•"/>
+            </a:pPr>
+            <a:r>
+              <a:rPr lang="en-US" altLang="zh-CN"/>
+              <a:t>Etcd</a:t>
+            </a:r>
+            <a:endParaRPr lang="en-US" altLang="zh-CN"/>
+          </a:p>
+          <a:p>
+            <a:pPr>
+              <a:buFont typeface="Arial" panose="020B0704020202020204" pitchFamily="34" charset="0"/>
+            </a:pPr>
+            <a:endParaRPr lang="zh-CN" altLang="en-US"/>
+          </a:p>
+        </p:txBody>
+      </p:sp>
+      <p:sp>
+        <p:nvSpPr>
+          <p:cNvPr id="5" name="文本框 4"/>
+          <p:cNvSpPr txBox="1"/>
+          <p:nvPr/>
+        </p:nvSpPr>
+        <p:spPr>
+          <a:xfrm>
+            <a:off x="4860290" y="4725035"/>
+            <a:ext cx="3048000" cy="1476375"/>
+          </a:xfrm>
+          <a:prstGeom prst="rect">
+            <a:avLst/>
+          </a:prstGeom>
+          <a:noFill/>
+        </p:spPr>
+        <p:txBody>
+          <a:bodyPr wrap="square" rtlCol="0">
+            <a:spAutoFit/>
+          </a:bodyPr>
+          <a:p>
+            <a:pPr>
+              <a:buFont typeface="Arial" panose="020B0704020202020204" pitchFamily="34" charset="0"/>
+            </a:pPr>
+            <a:r>
+              <a:rPr lang="zh-CN" altLang="en-US">
+                <a:sym typeface="+mn-ea"/>
+              </a:rPr>
+              <a:t>工作节点</a:t>
+            </a:r>
+            <a:r>
+              <a:rPr lang="en-US" altLang="zh-CN">
+                <a:sym typeface="+mn-ea"/>
+              </a:rPr>
+              <a:t>：</a:t>
+            </a:r>
+            <a:endParaRPr lang="en-US" altLang="zh-CN"/>
+          </a:p>
+          <a:p>
+            <a:pPr marL="285750" indent="-285750">
+              <a:buFont typeface="Arial" panose="020B0704020202020204" pitchFamily="34" charset="0"/>
+              <a:buChar char="•"/>
+            </a:pPr>
+            <a:r>
+              <a:rPr lang="en-US" altLang="zh-CN">
+                <a:sym typeface="+mn-ea"/>
+              </a:rPr>
+              <a:t>Kubelet</a:t>
+            </a:r>
+            <a:endParaRPr lang="en-US" altLang="zh-CN"/>
+          </a:p>
+          <a:p>
+            <a:pPr marL="285750" indent="-285750">
+              <a:buFont typeface="Arial" panose="020B0704020202020204" pitchFamily="34" charset="0"/>
+              <a:buChar char="•"/>
+            </a:pPr>
+            <a:r>
+              <a:rPr lang="en-US" altLang="zh-CN">
+                <a:sym typeface="+mn-ea"/>
+              </a:rPr>
+              <a:t>Kube-proxy</a:t>
+            </a:r>
+            <a:endParaRPr lang="en-US" altLang="zh-CN"/>
+          </a:p>
+          <a:p>
+            <a:pPr marL="285750" indent="-285750">
+              <a:buFont typeface="Arial" panose="020B0704020202020204" pitchFamily="34" charset="0"/>
+              <a:buChar char="•"/>
+            </a:pPr>
+            <a:r>
+              <a:rPr lang="zh-CN" altLang="en-US">
+                <a:sym typeface="+mn-ea"/>
+              </a:rPr>
+              <a:t>容器运行时</a:t>
+            </a:r>
+            <a:endParaRPr lang="zh-CN" altLang="en-US"/>
+          </a:p>
+          <a:p>
+            <a:endParaRPr lang="zh-CN" altLang="en-US"/>
+          </a:p>
+        </p:txBody>
+      </p:sp>
+    </p:spTree>
+  </p:cSld>
+  <p:clrMapOvr>
+    <a:masterClrMapping/>
+  </p:clrMapOvr>
+</p:sld>
+</file>
+
+<file path=ppt/slides/slide16.xml><?xml version="1.0" encoding="utf-8"?>
+<p:sld xmlns:a="http://schemas.openxmlformats.org/drawingml/2006/main" xmlns:r="http://schemas.openxmlformats.org/officeDocument/2006/relationships" xmlns:p="http://schemas.openxmlformats.org/presentationml/2006/main">
+  <p:cSld>
+    <p:spTree>
+      <p:nvGrpSpPr>
+        <p:cNvPr id="1" name=""/>
+        <p:cNvGrpSpPr/>
+        <p:nvPr/>
+      </p:nvGrpSpPr>
+      <p:grpSpPr/>
+      <p:sp>
+        <p:nvSpPr>
+          <p:cNvPr id="36865" name="标题 1"/>
+          <p:cNvSpPr/>
+          <p:nvPr/>
+        </p:nvSpPr>
+        <p:spPr>
+          <a:xfrm>
+            <a:off x="7308850" y="6337300"/>
+            <a:ext cx="1552575" cy="301625"/>
+          </a:xfrm>
+          <a:prstGeom prst="rect">
+            <a:avLst/>
+          </a:prstGeom>
+          <a:noFill/>
+          <a:ln w="9525">
+            <a:noFill/>
+          </a:ln>
+        </p:spPr>
+        <p:txBody>
+          <a:bodyPr anchor="ctr" anchorCtr="0"/>
+          <a:p>
+            <a:pPr eaLnBrk="0" hangingPunct="0"/>
+            <a:endParaRPr lang="zh-CN" sz="1100" i="1">
+              <a:solidFill>
+                <a:srgbClr val="7F7F7F"/>
+              </a:solidFill>
+              <a:latin typeface="微软雅黑" charset="-108"/>
+              <a:ea typeface="微软雅黑" charset="-108"/>
+              <a:sym typeface="宋体" pitchFamily="2" charset="-122"/>
+            </a:endParaRPr>
+          </a:p>
+        </p:txBody>
+      </p:sp>
+      <p:sp>
+        <p:nvSpPr>
+          <p:cNvPr id="36866" name="文本框 6"/>
+          <p:cNvSpPr/>
+          <p:nvPr/>
+        </p:nvSpPr>
+        <p:spPr>
+          <a:xfrm>
+            <a:off x="7258050" y="6488113"/>
+            <a:ext cx="1825625" cy="277812"/>
+          </a:xfrm>
+          <a:prstGeom prst="rect">
+            <a:avLst/>
+          </a:prstGeom>
+          <a:noFill/>
+          <a:ln w="9525">
+            <a:noFill/>
+          </a:ln>
+        </p:spPr>
+        <p:txBody>
+          <a:bodyPr wrap="none" anchor="t" anchorCtr="0">
+            <a:spAutoFit/>
+          </a:bodyPr>
+          <a:p>
+            <a:pPr eaLnBrk="0" hangingPunct="0"/>
+            <a:r>
+              <a:rPr lang="zh-CN" altLang="en-US" sz="1100">
+                <a:solidFill>
+                  <a:srgbClr val="000000"/>
+                </a:solidFill>
+                <a:latin typeface="微软雅黑 Light" pitchFamily="2" charset="-122"/>
+                <a:ea typeface="微软雅黑 Light" pitchFamily="2" charset="-122"/>
+                <a:sym typeface="微软雅黑 Light" pitchFamily="2" charset="-122"/>
+              </a:rPr>
+              <a:t>深信服科技培训发展中心系列课程</a:t>
+            </a:r>
+            <a:endParaRPr lang="zh-CN" altLang="en-US" sz="1100">
+              <a:solidFill>
+                <a:srgbClr val="000000"/>
+              </a:solidFill>
+              <a:latin typeface="微软雅黑 Light" pitchFamily="2" charset="-122"/>
+              <a:ea typeface="微软雅黑 Light" pitchFamily="2" charset="-122"/>
+              <a:sym typeface="微软雅黑 Light" pitchFamily="2" charset="-122"/>
+            </a:endParaRPr>
+          </a:p>
+        </p:txBody>
+      </p:sp>
+      <p:pic>
+        <p:nvPicPr>
+          <p:cNvPr id="36867" name="图片 7"/>
+          <p:cNvPicPr>
+            <a:picLocks noChangeAspect="1"/>
+          </p:cNvPicPr>
+          <p:nvPr/>
+        </p:nvPicPr>
+        <p:blipFill>
+          <a:blip r:embed="rId1"/>
+          <a:stretch>
+            <a:fillRect/>
+          </a:stretch>
+        </p:blipFill>
+        <p:spPr>
+          <a:xfrm>
+            <a:off x="0" y="0"/>
+            <a:ext cx="9144000" cy="6858000"/>
+          </a:xfrm>
+          <a:prstGeom prst="rect">
+            <a:avLst/>
+          </a:prstGeom>
+          <a:noFill/>
+          <a:ln w="9525">
+            <a:noFill/>
+          </a:ln>
+        </p:spPr>
+      </p:pic>
+      <p:sp>
+        <p:nvSpPr>
+          <p:cNvPr id="36868" name="文本框 9"/>
+          <p:cNvSpPr/>
+          <p:nvPr/>
+        </p:nvSpPr>
+        <p:spPr>
+          <a:xfrm>
+            <a:off x="6896100" y="6305550"/>
+            <a:ext cx="1506538" cy="265113"/>
+          </a:xfrm>
+          <a:prstGeom prst="rect">
+            <a:avLst/>
+          </a:prstGeom>
+          <a:noFill/>
+          <a:ln w="9525">
+            <a:noFill/>
+          </a:ln>
+        </p:spPr>
+        <p:txBody>
+          <a:bodyPr wrap="none" anchor="t" anchorCtr="0">
+            <a:spAutoFit/>
+          </a:bodyPr>
+          <a:p>
+            <a:pPr eaLnBrk="0" hangingPunct="0"/>
+            <a:r>
+              <a:rPr lang="zh-CN" altLang="en-US" sz="1000">
+                <a:solidFill>
+                  <a:srgbClr val="000000"/>
+                </a:solidFill>
+                <a:latin typeface="微软雅黑 Light" pitchFamily="2" charset="-122"/>
+                <a:ea typeface="微软雅黑 Light" pitchFamily="2" charset="-122"/>
+                <a:sym typeface="微软雅黑 Light" pitchFamily="2" charset="-122"/>
+              </a:rPr>
+              <a:t>信锐测试部专业能力精品课程</a:t>
+            </a:r>
+            <a:endParaRPr lang="zh-CN" altLang="en-US" sz="1000">
+              <a:solidFill>
+                <a:srgbClr val="000000"/>
+              </a:solidFill>
+              <a:latin typeface="微软雅黑 Light" pitchFamily="2" charset="-122"/>
+              <a:ea typeface="微软雅黑 Light" pitchFamily="2" charset="-122"/>
+              <a:sym typeface="微软雅黑 Light" pitchFamily="2" charset="-122"/>
+            </a:endParaRPr>
+          </a:p>
+        </p:txBody>
+      </p:sp>
+      <p:pic>
+        <p:nvPicPr>
+          <p:cNvPr id="36869" name="图片 1"/>
+          <p:cNvPicPr>
+            <a:picLocks noChangeAspect="1"/>
+          </p:cNvPicPr>
+          <p:nvPr/>
+        </p:nvPicPr>
+        <p:blipFill>
+          <a:blip r:embed="rId2"/>
+          <a:stretch>
+            <a:fillRect/>
+          </a:stretch>
+        </p:blipFill>
+        <p:spPr>
+          <a:xfrm>
+            <a:off x="7208838" y="495300"/>
+            <a:ext cx="1390650" cy="806450"/>
+          </a:xfrm>
+          <a:prstGeom prst="rect">
+            <a:avLst/>
+          </a:prstGeom>
+          <a:noFill/>
+          <a:ln w="9525">
+            <a:noFill/>
+          </a:ln>
+        </p:spPr>
+      </p:pic>
+      <p:pic>
+        <p:nvPicPr>
+          <p:cNvPr id="36870" name="图片 2"/>
+          <p:cNvPicPr>
+            <a:picLocks noChangeAspect="1"/>
+          </p:cNvPicPr>
+          <p:nvPr/>
+        </p:nvPicPr>
+        <p:blipFill>
+          <a:blip r:embed="rId3"/>
+          <a:stretch>
+            <a:fillRect/>
+          </a:stretch>
+        </p:blipFill>
+        <p:spPr>
+          <a:xfrm>
+            <a:off x="0" y="0"/>
+            <a:ext cx="9144000" cy="6858000"/>
+          </a:xfrm>
+          <a:prstGeom prst="rect">
+            <a:avLst/>
+          </a:prstGeom>
+          <a:noFill/>
+          <a:ln w="9525">
+            <a:noFill/>
+          </a:ln>
+        </p:spPr>
+      </p:pic>
+      <p:sp>
+        <p:nvSpPr>
+          <p:cNvPr id="36871" name="TextBox 23"/>
+          <p:cNvSpPr/>
+          <p:nvPr/>
+        </p:nvSpPr>
+        <p:spPr>
+          <a:xfrm>
+            <a:off x="4351338" y="2778125"/>
+            <a:ext cx="2628900" cy="680085"/>
+          </a:xfrm>
+          <a:prstGeom prst="rect">
+            <a:avLst/>
+          </a:prstGeom>
+          <a:noFill/>
+          <a:ln w="9525">
+            <a:noFill/>
+          </a:ln>
+        </p:spPr>
+        <p:txBody>
+          <a:bodyPr wrap="none" lIns="64802" tIns="32401" rIns="64802" bIns="32401" anchor="t" anchorCtr="0">
+            <a:spAutoFit/>
+          </a:bodyPr>
+          <a:p>
+            <a:r>
+              <a:rPr lang="zh-CN" altLang="en-US" sz="4000" b="1" dirty="0">
+                <a:latin typeface="微软雅黑" charset="-108"/>
+                <a:ea typeface="微软雅黑" charset="-108"/>
+                <a:sym typeface="微软雅黑" charset="-108"/>
+              </a:rPr>
+              <a:t>4</a:t>
+            </a:r>
+            <a:r>
+              <a:rPr lang="en-US" altLang="zh-CN" sz="4000" b="1" dirty="0">
+                <a:latin typeface="微软雅黑" charset="-108"/>
+                <a:ea typeface="微软雅黑" charset="-108"/>
+                <a:sym typeface="微软雅黑" charset="-108"/>
+              </a:rPr>
+              <a:t> K8S</a:t>
+            </a:r>
+            <a:r>
+              <a:rPr lang="zh-CN" altLang="en-US" sz="4000" b="1" dirty="0">
+                <a:latin typeface="微软雅黑" charset="-108"/>
+                <a:ea typeface="微软雅黑" charset="-108"/>
+                <a:sym typeface="微软雅黑" charset="-108"/>
+              </a:rPr>
+              <a:t>安装</a:t>
+            </a:r>
+            <a:endParaRPr lang="zh-CN" altLang="en-US" sz="4000" b="1" dirty="0">
+              <a:latin typeface="微软雅黑" charset="-108"/>
+              <a:ea typeface="微软雅黑" charset="-108"/>
+              <a:sym typeface="微软雅黑" charset="-108"/>
+            </a:endParaRPr>
+          </a:p>
+        </p:txBody>
+      </p:sp>
+      <p:sp>
+        <p:nvSpPr>
+          <p:cNvPr id="36872" name="直线连接符 6"/>
+          <p:cNvSpPr/>
+          <p:nvPr/>
+        </p:nvSpPr>
+        <p:spPr>
+          <a:xfrm flipV="1">
+            <a:off x="4513263" y="3594100"/>
+            <a:ext cx="3876675" cy="1588"/>
+          </a:xfrm>
+          <a:prstGeom prst="line">
+            <a:avLst/>
+          </a:prstGeom>
+          <a:ln w="19050" cap="flat" cmpd="sng">
+            <a:solidFill>
+              <a:srgbClr val="7F7F7F"/>
+            </a:solidFill>
+            <a:prstDash val="solid"/>
+            <a:round/>
+            <a:headEnd type="none" w="med" len="med"/>
+            <a:tailEnd type="none" w="med" len="med"/>
+          </a:ln>
+        </p:spPr>
+      </p:sp>
+      <p:pic>
+        <p:nvPicPr>
+          <p:cNvPr id="36873" name="图片 36873" descr="sangfor_logo"/>
+          <p:cNvPicPr>
+            <a:picLocks noChangeAspect="1"/>
+          </p:cNvPicPr>
+          <p:nvPr/>
+        </p:nvPicPr>
+        <p:blipFill>
+          <a:blip r:embed="rId4"/>
+          <a:stretch>
+            <a:fillRect/>
+          </a:stretch>
+        </p:blipFill>
+        <p:spPr>
+          <a:xfrm>
+            <a:off x="7343775" y="473075"/>
+            <a:ext cx="1320800" cy="606425"/>
+          </a:xfrm>
+          <a:prstGeom prst="rect">
+            <a:avLst/>
+          </a:prstGeom>
+          <a:noFill/>
+          <a:ln w="9525">
+            <a:noFill/>
+          </a:ln>
+        </p:spPr>
+      </p:pic>
+    </p:spTree>
+  </p:cSld>
+  <p:clrMapOvr>
+    <a:masterClrMapping/>
+  </p:clrMapOvr>
+</p:sld>
+</file>
+
+<file path=ppt/slides/slide17.xml><?xml version="1.0" encoding="utf-8"?>
+<p:sld xmlns:a="http://schemas.openxmlformats.org/drawingml/2006/main" xmlns:r="http://schemas.openxmlformats.org/officeDocument/2006/relationships" xmlns:p="http://schemas.openxmlformats.org/presentationml/2006/main">
+  <p:cSld>
+    <p:spTree>
+      <p:nvGrpSpPr>
+        <p:cNvPr id="1" name=""/>
+        <p:cNvGrpSpPr/>
+        <p:nvPr/>
+      </p:nvGrpSpPr>
+      <p:grpSpPr/>
+      <p:sp>
+        <p:nvSpPr>
           <p:cNvPr id="37889" name="TextBox 1"/>
           <p:cNvSpPr/>
           <p:nvPr/>
@@ -8270,7 +10453,7 @@
 </p:sld>
 </file>
 
-<file path=ppt/slides/slide14.xml><?xml version="1.0" encoding="utf-8"?>
+<file path=ppt/slides/slide18.xml><?xml version="1.0" encoding="utf-8"?>
 <p:sld xmlns:a="http://schemas.openxmlformats.org/drawingml/2006/main" xmlns:r="http://schemas.openxmlformats.org/officeDocument/2006/relationships" xmlns:p="http://schemas.openxmlformats.org/presentationml/2006/main">
   <p:cSld>
     <p:spTree>
@@ -10393,7 +12576,7 @@
         <p:spPr>
           <a:xfrm>
             <a:off x="2195830" y="5300980"/>
-            <a:ext cx="3048000" cy="368300"/>
+            <a:ext cx="3048000" cy="645160"/>
           </a:xfrm>
           <a:prstGeom prst="rect">
             <a:avLst/>
@@ -10404,6 +12587,21 @@
           <a:bodyPr wrap="square" rtlCol="0">
             <a:spAutoFit/>
           </a:bodyPr>
+          <a:p>
+            <a:r>
+              <a:rPr lang="zh-CN" altLang="en-US"/>
+              <a:t>为什么</a:t>
+            </a:r>
+            <a:r>
+              <a:rPr lang="en-US" altLang="zh-CN"/>
+              <a:t>Docker</a:t>
+            </a:r>
+            <a:r>
+              <a:rPr lang="zh-CN" altLang="en-US"/>
+              <a:t>开源</a:t>
+            </a:r>
+            <a:endParaRPr lang="zh-CN" altLang="en-US"/>
+          </a:p>
           <a:p>
             <a:r>
               <a:rPr lang="zh-CN" altLang="en-US"/>
@@ -10571,7 +12769,7 @@
         </p:nvSpPr>
         <p:spPr>
           <a:xfrm>
-            <a:off x="755650" y="1196975"/>
+            <a:off x="323850" y="836930"/>
             <a:ext cx="5807075" cy="398780"/>
           </a:xfrm>
           <a:prstGeom prst="rect">
@@ -10600,7 +12798,7 @@
                 <a:ea typeface="微软雅黑" charset="-108"/>
                 <a:sym typeface="微软雅黑" charset="-108"/>
               </a:rPr>
-              <a:t> 隔离资源</a:t>
+              <a:t> 镜像</a:t>
             </a:r>
             <a:r>
               <a:rPr lang="en-US" altLang="zh-CN" sz="2000" dirty="0">
@@ -10622,18 +12820,7 @@
                 <a:ea typeface="微软雅黑" charset="-108"/>
                 <a:sym typeface="微软雅黑" charset="-108"/>
               </a:rPr>
-              <a:t>限制</a:t>
-            </a:r>
-            <a:r>
-              <a:rPr lang="zh-CN" altLang="en-US" sz="2000" dirty="0">
-                <a:solidFill>
-                  <a:srgbClr val="184199"/>
-                </a:solidFill>
-                <a:latin typeface="微软雅黑" charset="-108"/>
-                <a:ea typeface="微软雅黑" charset="-108"/>
-                <a:sym typeface="微软雅黑" charset="-108"/>
-              </a:rPr>
-              <a:t>资源</a:t>
+              <a:t>容器</a:t>
             </a:r>
             <a:endParaRPr lang="zh-CN" altLang="en-US" sz="2000" dirty="0">
               <a:solidFill>
@@ -10646,11 +12833,487 @@
           </a:p>
         </p:txBody>
       </p:sp>
+      <p:sp>
+        <p:nvSpPr>
+          <p:cNvPr id="2" name="文本框 1"/>
+          <p:cNvSpPr txBox="1"/>
+          <p:nvPr/>
+        </p:nvSpPr>
+        <p:spPr>
+          <a:xfrm>
+            <a:off x="1115695" y="1196975"/>
+            <a:ext cx="6339205" cy="2861310"/>
+          </a:xfrm>
+          <a:prstGeom prst="rect">
+            <a:avLst/>
+          </a:prstGeom>
+          <a:noFill/>
+        </p:spPr>
+        <p:txBody>
+          <a:bodyPr wrap="square" rtlCol="0">
+            <a:spAutoFit/>
+          </a:bodyPr>
+          <a:p>
+            <a:r>
+              <a:rPr lang="zh-CN" altLang="en-US"/>
+              <a:t>镜像</a:t>
+            </a:r>
+            <a:r>
+              <a:rPr lang="en-US" altLang="zh-CN"/>
+              <a:t> (Image)</a:t>
+            </a:r>
+            <a:endParaRPr lang="en-US" altLang="zh-CN"/>
+          </a:p>
+          <a:p>
+            <a:pPr marL="285750" indent="-285750">
+              <a:buFont typeface="Arial" panose="020B0704020202020204" pitchFamily="34" charset="0"/>
+              <a:buChar char="•"/>
+            </a:pPr>
+            <a:r>
+              <a:rPr lang="zh-CN" altLang="en-US"/>
+              <a:t>镜像是一个静态的、只读的模板，包含了运行容器所需的所有文件、依赖和配置。</a:t>
+            </a:r>
+            <a:endParaRPr lang="zh-CN" altLang="en-US"/>
+          </a:p>
+          <a:p>
+            <a:pPr marL="285750" indent="-285750">
+              <a:buFont typeface="Arial" panose="020B0704020202020204" pitchFamily="34" charset="0"/>
+              <a:buChar char="•"/>
+            </a:pPr>
+            <a:r>
+              <a:rPr lang="zh-CN" altLang="en-US"/>
+              <a:t>类似于一个</a:t>
+            </a:r>
+            <a:r>
+              <a:rPr lang="en-US" altLang="zh-CN"/>
+              <a:t>“</a:t>
+            </a:r>
+            <a:r>
+              <a:rPr lang="zh-CN" altLang="en-US"/>
+              <a:t>快照</a:t>
+            </a:r>
+            <a:r>
+              <a:rPr lang="en-US" altLang="zh-CN"/>
+              <a:t>”</a:t>
+            </a:r>
+            <a:r>
+              <a:rPr lang="zh-CN" altLang="en-US"/>
+              <a:t>或</a:t>
+            </a:r>
+            <a:r>
+              <a:rPr lang="en-US" altLang="zh-CN"/>
+              <a:t>“</a:t>
+            </a:r>
+            <a:r>
+              <a:rPr lang="zh-CN" altLang="en-US"/>
+              <a:t>程序安装包</a:t>
+            </a:r>
+            <a:r>
+              <a:rPr lang="en-US" altLang="zh-CN"/>
+              <a:t>”</a:t>
+            </a:r>
+            <a:r>
+              <a:rPr lang="zh-CN" altLang="en-US"/>
+              <a:t>。</a:t>
+            </a:r>
+            <a:endParaRPr lang="zh-CN" altLang="en-US"/>
+          </a:p>
+          <a:p>
+            <a:pPr marL="285750" indent="-285750">
+              <a:buFont typeface="Arial" panose="020B0704020202020204" pitchFamily="34" charset="0"/>
+              <a:buChar char="•"/>
+            </a:pPr>
+            <a:r>
+              <a:rPr lang="zh-CN" altLang="en-US"/>
+              <a:t>镜像不能直接运行，但可以用来启动容器。</a:t>
+            </a:r>
+            <a:endParaRPr lang="zh-CN" altLang="en-US"/>
+          </a:p>
+          <a:p>
+            <a:pPr>
+              <a:buFont typeface="Arial" panose="020B0704020202020204" pitchFamily="34" charset="0"/>
+            </a:pPr>
+            <a:endParaRPr lang="zh-CN" altLang="en-US"/>
+          </a:p>
+          <a:p>
+            <a:pPr>
+              <a:buFont typeface="Arial" panose="020B0704020202020204" pitchFamily="34" charset="0"/>
+            </a:pPr>
+            <a:r>
+              <a:rPr lang="zh-CN" altLang="en-US"/>
+              <a:t>示例：一个包含了</a:t>
+            </a:r>
+            <a:r>
+              <a:rPr lang="en-US" altLang="zh-CN"/>
+              <a:t> Python </a:t>
+            </a:r>
+            <a:r>
+              <a:rPr lang="zh-CN" altLang="en-US"/>
+              <a:t>环境的镜像，可以用来运行</a:t>
+            </a:r>
+            <a:r>
+              <a:rPr lang="en-US" altLang="zh-CN"/>
+              <a:t> Python </a:t>
+            </a:r>
+            <a:r>
+              <a:rPr lang="zh-CN" altLang="en-US"/>
+              <a:t>程序。</a:t>
+            </a:r>
+            <a:endParaRPr lang="zh-CN" altLang="en-US"/>
+          </a:p>
+          <a:p>
+            <a:pPr>
+              <a:buFont typeface="Arial" panose="020B0704020202020204" pitchFamily="34" charset="0"/>
+            </a:pPr>
+            <a:r>
+              <a:rPr lang="en-US" altLang="zh-CN"/>
+              <a:t>docker build -t flask-hello-world .</a:t>
+            </a:r>
+            <a:endParaRPr lang="en-US" altLang="zh-CN"/>
+          </a:p>
+          <a:p>
+            <a:endParaRPr lang="en-US" altLang="zh-CN"/>
+          </a:p>
+        </p:txBody>
+      </p:sp>
+      <p:sp>
+        <p:nvSpPr>
+          <p:cNvPr id="4" name="文本框 3"/>
+          <p:cNvSpPr txBox="1"/>
+          <p:nvPr/>
+        </p:nvSpPr>
+        <p:spPr>
+          <a:xfrm>
+            <a:off x="1115695" y="3777615"/>
+            <a:ext cx="6216015" cy="2861310"/>
+          </a:xfrm>
+          <a:prstGeom prst="rect">
+            <a:avLst/>
+          </a:prstGeom>
+          <a:noFill/>
+        </p:spPr>
+        <p:txBody>
+          <a:bodyPr wrap="square" rtlCol="0">
+            <a:spAutoFit/>
+          </a:bodyPr>
+          <a:p>
+            <a:r>
+              <a:rPr lang="zh-CN" altLang="en-US">
+                <a:sym typeface="+mn-ea"/>
+              </a:rPr>
+              <a:t>容器</a:t>
+            </a:r>
+            <a:r>
+              <a:rPr lang="en-US" altLang="zh-CN">
+                <a:sym typeface="+mn-ea"/>
+              </a:rPr>
+              <a:t> (Container)</a:t>
+            </a:r>
+            <a:endParaRPr lang="en-US" altLang="zh-CN"/>
+          </a:p>
+          <a:p>
+            <a:pPr marL="285750" indent="-285750">
+              <a:buFont typeface="Arial" panose="020B0704020202020204" pitchFamily="34" charset="0"/>
+              <a:buChar char="•"/>
+            </a:pPr>
+            <a:r>
+              <a:rPr lang="zh-CN" altLang="en-US">
+                <a:sym typeface="+mn-ea"/>
+              </a:rPr>
+              <a:t>容器是镜像的</a:t>
+            </a:r>
+            <a:r>
+              <a:rPr lang="en-US" altLang="zh-CN">
+                <a:sym typeface="+mn-ea"/>
+              </a:rPr>
+              <a:t>“</a:t>
+            </a:r>
+            <a:r>
+              <a:rPr lang="zh-CN" altLang="en-US">
+                <a:sym typeface="+mn-ea"/>
+              </a:rPr>
+              <a:t>运行实例</a:t>
+            </a:r>
+            <a:r>
+              <a:rPr lang="en-US" altLang="zh-CN">
+                <a:sym typeface="+mn-ea"/>
+              </a:rPr>
+              <a:t>”</a:t>
+            </a:r>
+            <a:r>
+              <a:rPr lang="zh-CN" altLang="en-US">
+                <a:sym typeface="+mn-ea"/>
+              </a:rPr>
+              <a:t>。</a:t>
+            </a:r>
+            <a:endParaRPr lang="zh-CN" altLang="en-US"/>
+          </a:p>
+          <a:p>
+            <a:pPr marL="285750" indent="-285750">
+              <a:buFont typeface="Arial" panose="020B0704020202020204" pitchFamily="34" charset="0"/>
+              <a:buChar char="•"/>
+            </a:pPr>
+            <a:r>
+              <a:rPr lang="zh-CN" altLang="en-US">
+                <a:sym typeface="+mn-ea"/>
+              </a:rPr>
+              <a:t>容器是一种轻量级、独立的运行环境，它运行在宿主操作系统上，并通过镜像提供的模板来运行应用。</a:t>
+            </a:r>
+            <a:endParaRPr lang="zh-CN" altLang="en-US"/>
+          </a:p>
+          <a:p>
+            <a:pPr marL="285750" indent="-285750">
+              <a:buFont typeface="Arial" panose="020B0704020202020204" pitchFamily="34" charset="0"/>
+              <a:buChar char="•"/>
+            </a:pPr>
+            <a:r>
+              <a:rPr lang="zh-CN" altLang="en-US">
+                <a:sym typeface="+mn-ea"/>
+              </a:rPr>
+              <a:t>容器是动态的，可以运行、暂停、停止或销毁。</a:t>
+            </a:r>
+            <a:endParaRPr lang="zh-CN" altLang="en-US"/>
+          </a:p>
+          <a:p>
+            <a:pPr marL="285750" indent="-285750">
+              <a:buFont typeface="Arial" panose="020B0704020202020204" pitchFamily="34" charset="0"/>
+              <a:buChar char="•"/>
+            </a:pPr>
+            <a:endParaRPr lang="zh-CN" altLang="en-US"/>
+          </a:p>
+          <a:p>
+            <a:pPr>
+              <a:buFont typeface="Arial" panose="020B0704020202020204" pitchFamily="34" charset="0"/>
+            </a:pPr>
+            <a:r>
+              <a:rPr lang="zh-CN" altLang="en-US">
+                <a:sym typeface="+mn-ea"/>
+              </a:rPr>
+              <a:t>示例：从一个</a:t>
+            </a:r>
+            <a:r>
+              <a:rPr lang="en-US" altLang="zh-CN">
+                <a:sym typeface="+mn-ea"/>
+              </a:rPr>
+              <a:t> Python </a:t>
+            </a:r>
+            <a:r>
+              <a:rPr lang="zh-CN" altLang="en-US">
+                <a:sym typeface="+mn-ea"/>
+              </a:rPr>
+              <a:t>镜像启动的容器，正在运行某个</a:t>
+            </a:r>
+            <a:r>
+              <a:rPr lang="en-US" altLang="zh-CN">
+                <a:sym typeface="+mn-ea"/>
+              </a:rPr>
+              <a:t> Python </a:t>
+            </a:r>
+            <a:r>
+              <a:rPr lang="zh-CN" altLang="en-US">
+                <a:sym typeface="+mn-ea"/>
+              </a:rPr>
+              <a:t>应用。</a:t>
+            </a:r>
+            <a:endParaRPr lang="zh-CN" altLang="en-US"/>
+          </a:p>
+          <a:p>
+            <a:pPr>
+              <a:buFont typeface="Arial" panose="020B0704020202020204" pitchFamily="34" charset="0"/>
+            </a:pPr>
+            <a:r>
+              <a:rPr lang="en-US" altLang="zh-CN">
+                <a:sym typeface="+mn-ea"/>
+              </a:rPr>
+              <a:t>docker run -d -p 8080:8080 flask-hello-world</a:t>
+            </a:r>
+            <a:endParaRPr lang="en-US" altLang="zh-CN"/>
+          </a:p>
+          <a:p>
+            <a:endParaRPr lang="zh-CN" altLang="en-US"/>
+          </a:p>
+        </p:txBody>
+      </p:sp>
     </p:spTree>
   </p:cSld>
   <p:clrMapOvr>
     <a:masterClrMapping/>
   </p:clrMapOvr>
+  <p:timing>
+    <p:tnLst>
+      <p:par>
+        <p:cTn id="1" dur="indefinite" restart="never" nodeType="tmRoot">
+          <p:childTnLst>
+            <p:seq concurrent="1" nextAc="seek">
+              <p:cTn id="2" dur="indefinite" nodeType="mainSeq">
+                <p:childTnLst>
+                  <p:par>
+                    <p:cTn id="3" fill="hold">
+                      <p:stCondLst>
+                        <p:cond delay="indefinite"/>
+                        <p:cond evt="onBegin" delay="0">
+                          <p:tn val="2"/>
+                        </p:cond>
+                      </p:stCondLst>
+                      <p:childTnLst>
+                        <p:par>
+                          <p:cTn id="4" fill="hold">
+                            <p:stCondLst>
+                              <p:cond delay="0"/>
+                            </p:stCondLst>
+                            <p:childTnLst>
+                              <p:par>
+                                <p:cTn id="5" presetID="1" presetClass="entr" presetSubtype="0" fill="hold" grpId="0" nodeType="withEffect">
+                                  <p:stCondLst>
+                                    <p:cond delay="0"/>
+                                  </p:stCondLst>
+                                  <p:childTnLst>
+                                    <p:set>
+                                      <p:cBhvr>
+                                        <p:cTn id="6" dur="1" fill="hold">
+                                          <p:stCondLst>
+                                            <p:cond delay="0"/>
+                                          </p:stCondLst>
+                                        </p:cTn>
+                                        <p:tgtEl>
+                                          <p:spTgt spid="35841"/>
+                                        </p:tgtEl>
+                                        <p:attrNameLst>
+                                          <p:attrName>style.visibility</p:attrName>
+                                        </p:attrNameLst>
+                                      </p:cBhvr>
+                                      <p:to>
+                                        <p:strVal val="visible"/>
+                                      </p:to>
+                                    </p:set>
+                                  </p:childTnLst>
+                                </p:cTn>
+                              </p:par>
+                            </p:childTnLst>
+                          </p:cTn>
+                        </p:par>
+                      </p:childTnLst>
+                    </p:cTn>
+                  </p:par>
+                  <p:par>
+                    <p:cTn id="7" fill="hold">
+                      <p:stCondLst>
+                        <p:cond delay="indefinite"/>
+                      </p:stCondLst>
+                      <p:childTnLst>
+                        <p:par>
+                          <p:cTn id="8" fill="hold">
+                            <p:stCondLst>
+                              <p:cond delay="0"/>
+                            </p:stCondLst>
+                            <p:childTnLst>
+                              <p:par>
+                                <p:cTn id="9" presetID="1" presetClass="entr" presetSubtype="0" fill="hold" grpId="0" nodeType="clickEffect">
+                                  <p:stCondLst>
+                                    <p:cond delay="0"/>
+                                  </p:stCondLst>
+                                  <p:childTnLst>
+                                    <p:set>
+                                      <p:cBhvr>
+                                        <p:cTn id="10" dur="1" fill="hold">
+                                          <p:stCondLst>
+                                            <p:cond delay="0"/>
+                                          </p:stCondLst>
+                                        </p:cTn>
+                                        <p:tgtEl>
+                                          <p:spTgt spid="2"/>
+                                        </p:tgtEl>
+                                        <p:attrNameLst>
+                                          <p:attrName>style.visibility</p:attrName>
+                                        </p:attrNameLst>
+                                      </p:cBhvr>
+                                      <p:to>
+                                        <p:strVal val="visible"/>
+                                      </p:to>
+                                    </p:set>
+                                  </p:childTnLst>
+                                </p:cTn>
+                              </p:par>
+                            </p:childTnLst>
+                          </p:cTn>
+                        </p:par>
+                      </p:childTnLst>
+                    </p:cTn>
+                  </p:par>
+                  <p:par>
+                    <p:cTn id="11" fill="hold">
+                      <p:stCondLst>
+                        <p:cond delay="indefinite"/>
+                      </p:stCondLst>
+                      <p:childTnLst>
+                        <p:par>
+                          <p:cTn id="12" fill="hold">
+                            <p:stCondLst>
+                              <p:cond delay="0"/>
+                            </p:stCondLst>
+                            <p:childTnLst>
+                              <p:par>
+                                <p:cTn id="13" presetID="1" presetClass="entr" presetSubtype="0" fill="hold" grpId="0" nodeType="clickEffect">
+                                  <p:stCondLst>
+                                    <p:cond delay="0"/>
+                                  </p:stCondLst>
+                                  <p:childTnLst>
+                                    <p:set>
+                                      <p:cBhvr>
+                                        <p:cTn id="14" dur="1" fill="hold">
+                                          <p:stCondLst>
+                                            <p:cond delay="0"/>
+                                          </p:stCondLst>
+                                        </p:cTn>
+                                        <p:tgtEl>
+                                          <p:spTgt spid="4"/>
+                                        </p:tgtEl>
+                                        <p:attrNameLst>
+                                          <p:attrName>style.visibility</p:attrName>
+                                        </p:attrNameLst>
+                                      </p:cBhvr>
+                                      <p:to>
+                                        <p:strVal val="visible"/>
+                                      </p:to>
+                                    </p:set>
+                                  </p:childTnLst>
+                                </p:cTn>
+                              </p:par>
+                            </p:childTnLst>
+                          </p:cTn>
+                        </p:par>
+                      </p:childTnLst>
+                    </p:cTn>
+                  </p:par>
+                </p:childTnLst>
+              </p:cTn>
+              <p:prevCondLst>
+                <p:cond evt="onPrev" delay="0">
+                  <p:tgtEl>
+                    <p:sldTgt/>
+                  </p:tgtEl>
+                </p:cond>
+              </p:prevCondLst>
+              <p:nextCondLst>
+                <p:cond evt="onNext" delay="0">
+                  <p:tgtEl>
+                    <p:sldTgt/>
+                  </p:tgtEl>
+                </p:cond>
+              </p:nextCondLst>
+            </p:seq>
+          </p:childTnLst>
+        </p:cTn>
+      </p:par>
+    </p:tnLst>
+    <p:bldLst>
+      <p:bldP spid="35841" grpId="0"/>
+      <p:bldP spid="2" grpId="0"/>
+      <p:bldP spid="35841" grpId="1"/>
+      <p:bldP spid="2" grpId="1"/>
+      <p:bldP spid="4" grpId="0"/>
+    </p:bldLst>
+  </p:timing>
 </p:sld>
 </file>
 
@@ -10792,8 +13455,8 @@
         </p:nvSpPr>
         <p:spPr>
           <a:xfrm>
-            <a:off x="1501775" y="1484630"/>
-            <a:ext cx="5807075" cy="3446145"/>
+            <a:off x="323850" y="836930"/>
+            <a:ext cx="5807075" cy="398780"/>
           </a:xfrm>
           <a:prstGeom prst="rect">
             <a:avLst/>
@@ -10821,7 +13484,7 @@
                 <a:ea typeface="微软雅黑" charset="-108"/>
                 <a:sym typeface="微软雅黑" charset="-108"/>
               </a:rPr>
-              <a:t> 隔离</a:t>
+              <a:t> 隔离资源</a:t>
             </a:r>
             <a:r>
               <a:rPr lang="en-US" altLang="zh-CN" sz="2000" dirty="0">
@@ -10832,7 +13495,7 @@
                 <a:ea typeface="微软雅黑" charset="-108"/>
                 <a:sym typeface="微软雅黑" charset="-108"/>
               </a:rPr>
-              <a:t> &amp;&amp; </a:t>
+              <a:t>  &amp;&amp;  </a:t>
             </a:r>
             <a:r>
               <a:rPr lang="zh-CN" altLang="en-US" sz="2000" dirty="0">
@@ -10845,6 +13508,17 @@
               </a:rPr>
               <a:t>限制</a:t>
             </a:r>
+            <a:r>
+              <a:rPr lang="zh-CN" altLang="en-US" sz="2000" dirty="0">
+                <a:solidFill>
+                  <a:srgbClr val="184199"/>
+                </a:solidFill>
+                <a:latin typeface="微软雅黑" charset="-108"/>
+                <a:ea typeface="微软雅黑" charset="-108"/>
+                <a:sym typeface="微软雅黑" charset="-108"/>
+              </a:rPr>
+              <a:t>资源</a:t>
+            </a:r>
             <a:endParaRPr lang="zh-CN" altLang="en-US" sz="2000" dirty="0">
               <a:solidFill>
                 <a:srgbClr val="184199"/>
@@ -10854,298 +13528,228 @@
               <a:sym typeface="微软雅黑" charset="-108"/>
             </a:endParaRPr>
           </a:p>
-          <a:p>
-            <a:pPr eaLnBrk="0" hangingPunct="0">
-              <a:buFont typeface="Wingdings" panose="05000000000000000000" pitchFamily="2" charset="2"/>
-            </a:pPr>
-            <a:endParaRPr lang="zh-CN" altLang="en-US" sz="2000" dirty="0">
-              <a:solidFill>
-                <a:srgbClr val="184199"/>
-              </a:solidFill>
-              <a:latin typeface="微软雅黑" charset="-108"/>
-              <a:ea typeface="微软雅黑" charset="-108"/>
-              <a:sym typeface="微软雅黑" charset="-108"/>
-            </a:endParaRPr>
-          </a:p>
-          <a:p>
-            <a:pPr eaLnBrk="0" hangingPunct="0">
-              <a:buFont typeface="Wingdings" panose="05000000000000000000" pitchFamily="2" charset="2"/>
-            </a:pPr>
-            <a:endParaRPr lang="zh-CN" altLang="en-US" sz="2000" dirty="0">
-              <a:solidFill>
-                <a:srgbClr val="184199"/>
-              </a:solidFill>
-              <a:latin typeface="微软雅黑" charset="-108"/>
-              <a:ea typeface="微软雅黑" charset="-108"/>
-              <a:sym typeface="微软雅黑" charset="-108"/>
-            </a:endParaRPr>
-          </a:p>
-          <a:p>
-            <a:pPr eaLnBrk="0" hangingPunct="0">
-              <a:buFont typeface="Wingdings" panose="05000000000000000000" pitchFamily="2" charset="2"/>
-              <a:buChar char="Ø"/>
-            </a:pPr>
-            <a:r>
-              <a:rPr lang="zh-CN" altLang="en-US" sz="2000" dirty="0">
-                <a:solidFill>
-                  <a:srgbClr val="184199"/>
-                </a:solidFill>
-                <a:latin typeface="微软雅黑" charset="-108"/>
-                <a:ea typeface="微软雅黑" charset="-108"/>
-                <a:sym typeface="微软雅黑" charset="-108"/>
-              </a:rPr>
-              <a:t> </a:t>
-            </a:r>
-            <a:r>
-              <a:rPr lang="en-US" altLang="zh-CN" sz="2000" dirty="0">
-                <a:solidFill>
-                  <a:srgbClr val="184199"/>
-                </a:solidFill>
-                <a:latin typeface="微软雅黑" charset="-108"/>
-                <a:ea typeface="微软雅黑" charset="-108"/>
-                <a:sym typeface="微软雅黑" charset="-108"/>
-              </a:rPr>
-              <a:t>Cgroup &amp;&amp; Namespace</a:t>
-            </a:r>
-            <a:endParaRPr lang="zh-CN" altLang="en-US" sz="2000" dirty="0">
-              <a:solidFill>
-                <a:srgbClr val="184199"/>
-              </a:solidFill>
-              <a:latin typeface="微软雅黑" charset="-108"/>
-              <a:ea typeface="微软雅黑" charset="-108"/>
-              <a:sym typeface="微软雅黑" charset="-108"/>
-            </a:endParaRPr>
-          </a:p>
-          <a:p>
-            <a:pPr eaLnBrk="0" hangingPunct="0">
-              <a:buFont typeface="Wingdings" panose="05000000000000000000" pitchFamily="2" charset="2"/>
-            </a:pPr>
-            <a:endParaRPr lang="zh-CN" altLang="en-US" sz="2000" dirty="0">
-              <a:solidFill>
-                <a:srgbClr val="184199"/>
-              </a:solidFill>
-              <a:latin typeface="微软雅黑" charset="-108"/>
-              <a:ea typeface="微软雅黑" charset="-108"/>
-              <a:sym typeface="微软雅黑" charset="-108"/>
-            </a:endParaRPr>
-          </a:p>
-          <a:p>
-            <a:pPr eaLnBrk="0" hangingPunct="0">
-              <a:buFont typeface="Wingdings" panose="05000000000000000000" pitchFamily="2" charset="2"/>
-            </a:pPr>
-            <a:endParaRPr lang="zh-CN" altLang="en-US" sz="2000" dirty="0">
-              <a:solidFill>
-                <a:srgbClr val="184199"/>
-              </a:solidFill>
-              <a:latin typeface="微软雅黑" charset="-108"/>
-              <a:ea typeface="微软雅黑" charset="-108"/>
-              <a:sym typeface="微软雅黑" charset="-108"/>
-            </a:endParaRPr>
-          </a:p>
-          <a:p>
-            <a:pPr eaLnBrk="0" hangingPunct="0">
-              <a:buFont typeface="Wingdings" panose="05000000000000000000" pitchFamily="2" charset="2"/>
-              <a:buChar char="Ø"/>
-            </a:pPr>
-            <a:r>
-              <a:rPr lang="zh-CN" altLang="en-US" sz="2000" dirty="0">
-                <a:solidFill>
-                  <a:srgbClr val="184199"/>
-                </a:solidFill>
-                <a:latin typeface="微软雅黑" charset="-108"/>
-                <a:ea typeface="微软雅黑" charset="-108"/>
-                <a:sym typeface="微软雅黑" charset="-108"/>
-              </a:rPr>
-              <a:t> 日常</a:t>
-            </a:r>
-            <a:r>
-              <a:rPr lang="zh-CN" altLang="en-US" sz="2000" dirty="0">
-                <a:solidFill>
-                  <a:srgbClr val="184199"/>
-                </a:solidFill>
-                <a:latin typeface="微软雅黑" charset="-108"/>
-                <a:ea typeface="微软雅黑" charset="-108"/>
-                <a:sym typeface="微软雅黑" charset="-108"/>
-              </a:rPr>
-              <a:t>排障</a:t>
-            </a:r>
-            <a:endParaRPr lang="zh-CN" altLang="en-US" sz="2000" dirty="0">
-              <a:solidFill>
-                <a:srgbClr val="184199"/>
-              </a:solidFill>
-              <a:latin typeface="微软雅黑" charset="-108"/>
-              <a:ea typeface="微软雅黑" charset="-108"/>
-              <a:sym typeface="微软雅黑" charset="-108"/>
-            </a:endParaRPr>
-          </a:p>
-          <a:p>
-            <a:pPr lvl="1" eaLnBrk="0" hangingPunct="0">
-              <a:buFont typeface="Wingdings" panose="05000000000000000000" pitchFamily="2" charset="2"/>
-              <a:buChar char="Ø"/>
-            </a:pPr>
-            <a:r>
-              <a:rPr lang="en-US" altLang="zh-CN" sz="2000" dirty="0">
-                <a:solidFill>
-                  <a:srgbClr val="184199"/>
-                </a:solidFill>
-                <a:latin typeface="微软雅黑" charset="-108"/>
-                <a:ea typeface="微软雅黑" charset="-108"/>
-                <a:sym typeface="微软雅黑" charset="-108"/>
-              </a:rPr>
-              <a:t>  </a:t>
-            </a:r>
-            <a:r>
-              <a:rPr lang="zh-CN" altLang="en-US" sz="2000" dirty="0">
-                <a:solidFill>
-                  <a:srgbClr val="184199"/>
-                </a:solidFill>
-                <a:latin typeface="微软雅黑" charset="-108"/>
-                <a:ea typeface="微软雅黑" charset="-108"/>
-                <a:sym typeface="微软雅黑" charset="-108"/>
-              </a:rPr>
-              <a:t>容器</a:t>
-            </a:r>
-            <a:r>
-              <a:rPr lang="zh-CN" altLang="en-US" sz="2000" dirty="0">
-                <a:solidFill>
-                  <a:srgbClr val="184199"/>
-                </a:solidFill>
-                <a:latin typeface="微软雅黑" charset="-108"/>
-                <a:ea typeface="微软雅黑" charset="-108"/>
-                <a:sym typeface="微软雅黑" charset="-108"/>
-              </a:rPr>
-              <a:t>查看</a:t>
-            </a:r>
-            <a:endParaRPr lang="zh-CN" altLang="en-US" sz="2000" dirty="0">
-              <a:solidFill>
-                <a:srgbClr val="184199"/>
-              </a:solidFill>
-              <a:latin typeface="微软雅黑" charset="-108"/>
-              <a:ea typeface="微软雅黑" charset="-108"/>
-              <a:sym typeface="微软雅黑" charset="-108"/>
-            </a:endParaRPr>
-          </a:p>
-          <a:p>
-            <a:pPr lvl="1" eaLnBrk="0" hangingPunct="0">
-              <a:buFont typeface="Wingdings" panose="05000000000000000000" pitchFamily="2" charset="2"/>
-              <a:buChar char="Ø"/>
-            </a:pPr>
-            <a:r>
-              <a:rPr lang="zh-CN" altLang="en-US" sz="2000" dirty="0">
-                <a:solidFill>
-                  <a:srgbClr val="184199"/>
-                </a:solidFill>
-                <a:latin typeface="微软雅黑" charset="-108"/>
-                <a:ea typeface="微软雅黑" charset="-108"/>
-                <a:sym typeface="微软雅黑" charset="-108"/>
-              </a:rPr>
-              <a:t> </a:t>
-            </a:r>
-            <a:r>
-              <a:rPr lang="en-US" altLang="zh-CN" sz="2000" dirty="0">
-                <a:solidFill>
-                  <a:srgbClr val="184199"/>
-                </a:solidFill>
-                <a:latin typeface="微软雅黑" charset="-108"/>
-                <a:ea typeface="微软雅黑" charset="-108"/>
-                <a:sym typeface="微软雅黑" charset="-108"/>
-              </a:rPr>
-              <a:t> </a:t>
-            </a:r>
-            <a:r>
-              <a:rPr lang="zh-CN" altLang="en-US" sz="2000" dirty="0">
-                <a:solidFill>
-                  <a:srgbClr val="184199"/>
-                </a:solidFill>
-                <a:latin typeface="微软雅黑" charset="-108"/>
-                <a:ea typeface="微软雅黑" charset="-108"/>
-                <a:sym typeface="微软雅黑" charset="-108"/>
-              </a:rPr>
-              <a:t>配置</a:t>
-            </a:r>
-            <a:r>
-              <a:rPr lang="zh-CN" altLang="en-US" sz="2000" dirty="0">
-                <a:solidFill>
-                  <a:srgbClr val="184199"/>
-                </a:solidFill>
-                <a:latin typeface="微软雅黑" charset="-108"/>
-                <a:ea typeface="微软雅黑" charset="-108"/>
-                <a:sym typeface="微软雅黑" charset="-108"/>
-              </a:rPr>
-              <a:t>查看</a:t>
-            </a:r>
-            <a:endParaRPr lang="zh-CN" altLang="en-US" sz="2000" dirty="0">
-              <a:solidFill>
-                <a:srgbClr val="184199"/>
-              </a:solidFill>
-              <a:latin typeface="微软雅黑" charset="-108"/>
-              <a:ea typeface="微软雅黑" charset="-108"/>
-              <a:sym typeface="微软雅黑" charset="-108"/>
-            </a:endParaRPr>
-          </a:p>
-          <a:p>
-            <a:pPr lvl="1" eaLnBrk="0" hangingPunct="0">
-              <a:buFont typeface="Wingdings" panose="05000000000000000000" pitchFamily="2" charset="2"/>
-              <a:buChar char="Ø"/>
-            </a:pPr>
-            <a:r>
-              <a:rPr lang="en-US" altLang="zh-CN" sz="2000" dirty="0">
-                <a:solidFill>
-                  <a:srgbClr val="184199"/>
-                </a:solidFill>
-                <a:latin typeface="微软雅黑" charset="-108"/>
-                <a:ea typeface="微软雅黑" charset="-108"/>
-                <a:sym typeface="微软雅黑" charset="-108"/>
-              </a:rPr>
-              <a:t>  </a:t>
-            </a:r>
-            <a:r>
-              <a:rPr lang="zh-CN" altLang="en-US" sz="2000" dirty="0">
-                <a:solidFill>
-                  <a:srgbClr val="184199"/>
-                </a:solidFill>
-                <a:latin typeface="微软雅黑" charset="-108"/>
-                <a:ea typeface="微软雅黑" charset="-108"/>
-                <a:sym typeface="微软雅黑" charset="-108"/>
-              </a:rPr>
-              <a:t>日志</a:t>
-            </a:r>
-            <a:r>
-              <a:rPr lang="zh-CN" altLang="en-US" sz="2000" dirty="0">
-                <a:solidFill>
-                  <a:srgbClr val="184199"/>
-                </a:solidFill>
-                <a:latin typeface="微软雅黑" charset="-108"/>
-                <a:ea typeface="微软雅黑" charset="-108"/>
-                <a:sym typeface="微软雅黑" charset="-108"/>
-              </a:rPr>
-              <a:t>查看</a:t>
-            </a:r>
-            <a:endParaRPr lang="zh-CN" altLang="en-US" sz="2000" dirty="0">
-              <a:solidFill>
-                <a:srgbClr val="184199"/>
-              </a:solidFill>
-              <a:latin typeface="微软雅黑" charset="-108"/>
-              <a:ea typeface="微软雅黑" charset="-108"/>
-              <a:sym typeface="微软雅黑" charset="-108"/>
-            </a:endParaRPr>
-          </a:p>
-          <a:p>
-            <a:pPr eaLnBrk="0" hangingPunct="0">
-              <a:buFont typeface="Arial" panose="020B0704020202020204" pitchFamily="34" charset="0"/>
-            </a:pPr>
-            <a:endParaRPr lang="zh-CN" altLang="en-US" dirty="0">
-              <a:latin typeface="Arial" panose="020B0704020202020204" pitchFamily="34" charset="0"/>
-              <a:ea typeface="宋体" pitchFamily="2" charset="-122"/>
-            </a:endParaRPr>
-          </a:p>
-        </p:txBody>
-      </p:sp>
+        </p:txBody>
+      </p:sp>
+      <p:sp>
+        <p:nvSpPr>
+          <p:cNvPr id="2" name="文本框 1"/>
+          <p:cNvSpPr txBox="1"/>
+          <p:nvPr/>
+        </p:nvSpPr>
+        <p:spPr>
+          <a:xfrm>
+            <a:off x="728345" y="1557020"/>
+            <a:ext cx="6819900" cy="645160"/>
+          </a:xfrm>
+          <a:prstGeom prst="rect">
+            <a:avLst/>
+          </a:prstGeom>
+          <a:noFill/>
+        </p:spPr>
+        <p:txBody>
+          <a:bodyPr wrap="square" rtlCol="0">
+            <a:spAutoFit/>
+          </a:bodyPr>
+          <a:p>
+            <a:r>
+              <a:rPr lang="en-US" altLang="zh-CN" b="1">
+                <a:latin typeface="Arial Bold" panose="020B0704020202020204" charset="0"/>
+                <a:cs typeface="Arial Bold" panose="020B0704020202020204" charset="0"/>
+              </a:rPr>
+              <a:t>Namespace </a:t>
+            </a:r>
+            <a:r>
+              <a:rPr lang="zh-CN" altLang="en-US"/>
+              <a:t>技术实际上</a:t>
+            </a:r>
+            <a:r>
+              <a:rPr lang="zh-CN" altLang="en-US" b="1"/>
+              <a:t>修改了应用进程看待整个计算机</a:t>
+            </a:r>
+            <a:r>
+              <a:rPr lang="en-US" altLang="zh-CN" b="1"/>
+              <a:t>“</a:t>
+            </a:r>
+            <a:r>
+              <a:rPr lang="zh-CN" altLang="en-US" b="1"/>
+              <a:t>视图</a:t>
+            </a:r>
+            <a:r>
+              <a:rPr lang="en-US" altLang="zh-CN" b="1"/>
+              <a:t>”</a:t>
+            </a:r>
+            <a:r>
+              <a:rPr lang="zh-CN" altLang="en-US"/>
+              <a:t>，即它的</a:t>
+            </a:r>
+            <a:r>
+              <a:rPr lang="en-US" altLang="zh-CN"/>
+              <a:t>“</a:t>
+            </a:r>
+            <a:r>
+              <a:rPr lang="zh-CN" altLang="en-US"/>
+              <a:t>视线</a:t>
+            </a:r>
+            <a:r>
+              <a:rPr lang="en-US" altLang="zh-CN"/>
+              <a:t>”</a:t>
+            </a:r>
+            <a:r>
+              <a:rPr lang="zh-CN" altLang="en-US"/>
+              <a:t>被操作系统做了限制，只能</a:t>
+            </a:r>
+            <a:r>
+              <a:rPr lang="en-US" altLang="zh-CN"/>
+              <a:t>“</a:t>
+            </a:r>
+            <a:r>
+              <a:rPr lang="zh-CN" altLang="en-US"/>
+              <a:t>看到</a:t>
+            </a:r>
+            <a:r>
+              <a:rPr lang="en-US" altLang="zh-CN"/>
+              <a:t>”</a:t>
+            </a:r>
+            <a:r>
+              <a:rPr lang="zh-CN" altLang="en-US"/>
+              <a:t>某些指定的内容</a:t>
+            </a:r>
+            <a:endParaRPr lang="zh-CN" altLang="en-US"/>
+          </a:p>
+        </p:txBody>
+      </p:sp>
+      <p:pic>
+        <p:nvPicPr>
+          <p:cNvPr id="5" name="图片 4"/>
+          <p:cNvPicPr/>
+          <p:nvPr/>
+        </p:nvPicPr>
+        <p:blipFill>
+          <a:blip r:embed="rId2"/>
+          <a:stretch>
+            <a:fillRect/>
+          </a:stretch>
+        </p:blipFill>
+        <p:spPr>
+          <a:xfrm>
+            <a:off x="1043305" y="2493010"/>
+            <a:ext cx="6189980" cy="2962275"/>
+          </a:xfrm>
+          <a:prstGeom prst="rect">
+            <a:avLst/>
+          </a:prstGeom>
+        </p:spPr>
+      </p:pic>
     </p:spTree>
   </p:cSld>
   <p:clrMapOvr>
     <a:masterClrMapping/>
   </p:clrMapOvr>
+  <p:timing>
+    <p:tnLst>
+      <p:par>
+        <p:cTn id="1" dur="indefinite" restart="never" nodeType="tmRoot">
+          <p:childTnLst>
+            <p:seq concurrent="1" nextAc="seek">
+              <p:cTn id="2" dur="indefinite" nodeType="mainSeq">
+                <p:childTnLst>
+                  <p:par>
+                    <p:cTn id="3" fill="hold">
+                      <p:stCondLst>
+                        <p:cond delay="indefinite"/>
+                      </p:stCondLst>
+                      <p:childTnLst>
+                        <p:par>
+                          <p:cTn id="4" fill="hold">
+                            <p:stCondLst>
+                              <p:cond delay="0"/>
+                            </p:stCondLst>
+                            <p:childTnLst>
+                              <p:par>
+                                <p:cTn id="5" presetID="1" presetClass="entr" presetSubtype="0" fill="hold" grpId="0" nodeType="clickEffect">
+                                  <p:stCondLst>
+                                    <p:cond delay="0"/>
+                                  </p:stCondLst>
+                                  <p:childTnLst>
+                                    <p:set>
+                                      <p:cBhvr>
+                                        <p:cTn id="6" dur="1" fill="hold">
+                                          <p:stCondLst>
+                                            <p:cond delay="0"/>
+                                          </p:stCondLst>
+                                        </p:cTn>
+                                        <p:tgtEl>
+                                          <p:spTgt spid="2"/>
+                                        </p:tgtEl>
+                                        <p:attrNameLst>
+                                          <p:attrName>style.visibility</p:attrName>
+                                        </p:attrNameLst>
+                                      </p:cBhvr>
+                                      <p:to>
+                                        <p:strVal val="visible"/>
+                                      </p:to>
+                                    </p:set>
+                                  </p:childTnLst>
+                                </p:cTn>
+                              </p:par>
+                              <p:par>
+                                <p:cTn id="7" presetID="1" presetClass="entr" presetSubtype="0" fill="hold" nodeType="withEffect">
+                                  <p:stCondLst>
+                                    <p:cond delay="0"/>
+                                  </p:stCondLst>
+                                  <p:childTnLst>
+                                    <p:set>
+                                      <p:cBhvr>
+                                        <p:cTn id="8" dur="1" fill="hold">
+                                          <p:stCondLst>
+                                            <p:cond delay="0"/>
+                                          </p:stCondLst>
+                                        </p:cTn>
+                                        <p:tgtEl>
+                                          <p:spTgt spid="5"/>
+                                        </p:tgtEl>
+                                        <p:attrNameLst>
+                                          <p:attrName>style.visibility</p:attrName>
+                                        </p:attrNameLst>
+                                      </p:cBhvr>
+                                      <p:to>
+                                        <p:strVal val="visible"/>
+                                      </p:to>
+                                    </p:set>
+                                  </p:childTnLst>
+                                </p:cTn>
+                              </p:par>
+                            </p:childTnLst>
+                          </p:cTn>
+                        </p:par>
+                      </p:childTnLst>
+                    </p:cTn>
+                  </p:par>
+                </p:childTnLst>
+              </p:cTn>
+              <p:prevCondLst>
+                <p:cond evt="onPrev" delay="0">
+                  <p:tgtEl>
+                    <p:sldTgt/>
+                  </p:tgtEl>
+                </p:cond>
+              </p:prevCondLst>
+              <p:nextCondLst>
+                <p:cond evt="onNext" delay="0">
+                  <p:tgtEl>
+                    <p:sldTgt/>
+                  </p:tgtEl>
+                </p:cond>
+              </p:nextCondLst>
+            </p:seq>
+          </p:childTnLst>
+        </p:cTn>
+      </p:par>
+    </p:tnLst>
+    <p:bldLst>
+      <p:bldP spid="2" grpId="0"/>
+    </p:bldLst>
+  </p:timing>
 </p:sld>
 </file>
 
@@ -11161,7 +13765,7 @@
       <p:grpSpPr/>
       <p:sp>
         <p:nvSpPr>
-          <p:cNvPr id="34817" name="标题 1"/>
+          <p:cNvPr id="22529" name="标题 1"/>
           <p:cNvSpPr/>
           <p:nvPr/>
         </p:nvSpPr>
@@ -11195,14 +13799,14 @@
       </p:sp>
       <p:sp>
         <p:nvSpPr>
-          <p:cNvPr id="34818" name="文本框 6"/>
+          <p:cNvPr id="22530" name="TextBox 1"/>
           <p:cNvSpPr/>
           <p:nvPr/>
         </p:nvSpPr>
         <p:spPr>
           <a:xfrm>
-            <a:off x="7258050" y="6488113"/>
-            <a:ext cx="1825625" cy="277812"/>
+            <a:off x="247650" y="323850"/>
+            <a:ext cx="3600450" cy="460375"/>
           </a:xfrm>
           <a:prstGeom prst="rect">
             <a:avLst/>
@@ -11213,36 +13817,47 @@
           </a:ln>
         </p:spPr>
         <p:txBody>
-          <a:bodyPr wrap="none" anchor="t" anchorCtr="0">
+          <a:bodyPr wrap="square" anchor="t" anchorCtr="0">
             <a:spAutoFit/>
           </a:bodyPr>
           <a:p>
             <a:pPr eaLnBrk="0" hangingPunct="0"/>
             <a:r>
-              <a:rPr lang="zh-CN" altLang="en-US" sz="1100">
+              <a:rPr lang="zh-CN" altLang="en-US" sz="2400" b="1" dirty="0">
                 <a:solidFill>
-                  <a:srgbClr val="000000"/>
+                  <a:srgbClr val="0070C0"/>
                 </a:solidFill>
-                <a:latin typeface="微软雅黑 Light" pitchFamily="2" charset="-122"/>
-                <a:ea typeface="微软雅黑 Light" pitchFamily="2" charset="-122"/>
-                <a:sym typeface="微软雅黑 Light" pitchFamily="2" charset="-122"/>
-              </a:rPr>
-              <a:t>深信服科技培训发展中心系列课程</a:t>
-            </a:r>
-            <a:endParaRPr lang="zh-CN" altLang="en-US" sz="1100">
+                <a:latin typeface="微软雅黑" charset="-108"/>
+                <a:ea typeface="微软雅黑" charset="-108"/>
+                <a:sym typeface="微软雅黑" charset="-108"/>
+              </a:rPr>
+              <a:t>容器</a:t>
+            </a:r>
+            <a:r>
+              <a:rPr lang="en-US" altLang="zh-CN" sz="2400" b="1" dirty="0">
+                <a:solidFill>
+                  <a:srgbClr val="0070C0"/>
+                </a:solidFill>
+                <a:latin typeface="微软雅黑" charset="-108"/>
+                <a:ea typeface="微软雅黑" charset="-108"/>
+                <a:sym typeface="微软雅黑" charset="-108"/>
+              </a:rPr>
+              <a:t> </a:t>
+            </a:r>
+            <a:endParaRPr lang="en-US" altLang="zh-CN" sz="2400" b="1" dirty="0">
               <a:solidFill>
-                <a:srgbClr val="000000"/>
+                <a:srgbClr val="0070C0"/>
               </a:solidFill>
-              <a:latin typeface="微软雅黑 Light" pitchFamily="2" charset="-122"/>
-              <a:ea typeface="微软雅黑 Light" pitchFamily="2" charset="-122"/>
-              <a:sym typeface="微软雅黑 Light" pitchFamily="2" charset="-122"/>
+              <a:latin typeface="微软雅黑" charset="-108"/>
+              <a:ea typeface="微软雅黑" charset="-108"/>
+              <a:sym typeface="微软雅黑" charset="-108"/>
             </a:endParaRPr>
           </a:p>
         </p:txBody>
       </p:sp>
       <p:pic>
         <p:nvPicPr>
-          <p:cNvPr id="34819" name="图片 7"/>
+          <p:cNvPr id="22532" name="图片 22532" descr="sangfor_logo"/>
           <p:cNvPicPr>
             <a:picLocks noChangeAspect="1"/>
           </p:cNvPicPr>
@@ -11256,8 +13871,8 @@
         </p:blipFill>
         <p:spPr>
           <a:xfrm>
-            <a:off x="0" y="0"/>
-            <a:ext cx="9144000" cy="6858000"/>
+            <a:off x="7343775" y="473075"/>
+            <a:ext cx="1320800" cy="606425"/>
           </a:xfrm>
           <a:prstGeom prst="rect">
             <a:avLst/>
@@ -11270,14 +13885,14 @@
       </p:pic>
       <p:sp>
         <p:nvSpPr>
-          <p:cNvPr id="34820" name="文本框 9"/>
-          <p:cNvSpPr/>
+          <p:cNvPr id="35841" name="文本框 35841"/>
+          <p:cNvSpPr txBox="1"/>
           <p:nvPr/>
         </p:nvSpPr>
         <p:spPr>
           <a:xfrm>
-            <a:off x="6896100" y="6305550"/>
-            <a:ext cx="1506538" cy="265113"/>
+            <a:off x="323850" y="836930"/>
+            <a:ext cx="5807075" cy="398780"/>
           </a:xfrm>
           <a:prstGeom prst="rect">
             <a:avLst/>
@@ -11288,190 +13903,214 @@
           </a:ln>
         </p:spPr>
         <p:txBody>
-          <a:bodyPr wrap="none" anchor="t" anchorCtr="0">
+          <a:bodyPr wrap="square" anchor="t" anchorCtr="0">
             <a:spAutoFit/>
           </a:bodyPr>
           <a:p>
-            <a:pPr eaLnBrk="0" hangingPunct="0"/>
-            <a:r>
-              <a:rPr lang="zh-CN" altLang="en-US" sz="1000">
+            <a:pPr eaLnBrk="0" hangingPunct="0">
+              <a:buFont typeface="Wingdings" panose="05000000000000000000" pitchFamily="2" charset="2"/>
+              <a:buChar char="Ø"/>
+            </a:pPr>
+            <a:r>
+              <a:rPr lang="zh-CN" altLang="en-US" sz="2000" dirty="0">
                 <a:solidFill>
-                  <a:srgbClr val="000000"/>
+                  <a:srgbClr val="184199"/>
                 </a:solidFill>
-                <a:latin typeface="微软雅黑 Light" pitchFamily="2" charset="-122"/>
-                <a:ea typeface="微软雅黑 Light" pitchFamily="2" charset="-122"/>
-                <a:sym typeface="微软雅黑 Light" pitchFamily="2" charset="-122"/>
-              </a:rPr>
-              <a:t>信锐测试部专业能力精品课程</a:t>
-            </a:r>
-            <a:endParaRPr lang="zh-CN" altLang="en-US" sz="1000">
+                <a:latin typeface="微软雅黑" charset="-108"/>
+                <a:ea typeface="微软雅黑" charset="-108"/>
+                <a:sym typeface="微软雅黑" charset="-108"/>
+              </a:rPr>
+              <a:t> 隔离资源</a:t>
+            </a:r>
+            <a:r>
+              <a:rPr lang="en-US" altLang="zh-CN" sz="2000" dirty="0">
+                <a:solidFill>
+                  <a:srgbClr val="184199"/>
+                </a:solidFill>
+                <a:latin typeface="微软雅黑" charset="-108"/>
+                <a:ea typeface="微软雅黑" charset="-108"/>
+                <a:sym typeface="微软雅黑" charset="-108"/>
+              </a:rPr>
+              <a:t>  &amp;&amp;  </a:t>
+            </a:r>
+            <a:r>
+              <a:rPr lang="zh-CN" altLang="en-US" sz="2000" dirty="0">
+                <a:solidFill>
+                  <a:srgbClr val="184199"/>
+                </a:solidFill>
+                <a:latin typeface="微软雅黑" charset="-108"/>
+                <a:ea typeface="微软雅黑" charset="-108"/>
+                <a:sym typeface="微软雅黑" charset="-108"/>
+              </a:rPr>
+              <a:t>限制</a:t>
+            </a:r>
+            <a:r>
+              <a:rPr lang="zh-CN" altLang="en-US" sz="2000" dirty="0">
+                <a:solidFill>
+                  <a:srgbClr val="184199"/>
+                </a:solidFill>
+                <a:latin typeface="微软雅黑" charset="-108"/>
+                <a:ea typeface="微软雅黑" charset="-108"/>
+                <a:sym typeface="微软雅黑" charset="-108"/>
+              </a:rPr>
+              <a:t>资源</a:t>
+            </a:r>
+            <a:endParaRPr lang="zh-CN" altLang="en-US" sz="2000" dirty="0">
               <a:solidFill>
-                <a:srgbClr val="000000"/>
+                <a:srgbClr val="184199"/>
               </a:solidFill>
-              <a:latin typeface="微软雅黑 Light" pitchFamily="2" charset="-122"/>
-              <a:ea typeface="微软雅黑 Light" pitchFamily="2" charset="-122"/>
-              <a:sym typeface="微软雅黑 Light" pitchFamily="2" charset="-122"/>
-            </a:endParaRPr>
-          </a:p>
-        </p:txBody>
-      </p:sp>
-      <p:pic>
-        <p:nvPicPr>
-          <p:cNvPr id="34821" name="图片 1"/>
-          <p:cNvPicPr>
-            <a:picLocks noChangeAspect="1"/>
-          </p:cNvPicPr>
+              <a:latin typeface="微软雅黑" charset="-108"/>
+              <a:ea typeface="微软雅黑" charset="-108"/>
+              <a:sym typeface="微软雅黑" charset="-108"/>
+            </a:endParaRPr>
+          </a:p>
+        </p:txBody>
+      </p:sp>
+      <p:sp>
+        <p:nvSpPr>
+          <p:cNvPr id="4" name="文本框 3"/>
+          <p:cNvSpPr txBox="1"/>
           <p:nvPr/>
-        </p:nvPicPr>
-        <p:blipFill>
-          <a:blip r:embed="rId2"/>
-          <a:stretch>
-            <a:fillRect/>
-          </a:stretch>
-        </p:blipFill>
-        <p:spPr>
-          <a:xfrm>
-            <a:off x="7208838" y="495300"/>
-            <a:ext cx="1390650" cy="806450"/>
+        </p:nvSpPr>
+        <p:spPr>
+          <a:xfrm>
+            <a:off x="539750" y="1288415"/>
+            <a:ext cx="7452360" cy="5077460"/>
           </a:xfrm>
           <a:prstGeom prst="rect">
             <a:avLst/>
           </a:prstGeom>
           <a:noFill/>
-          <a:ln w="9525">
-            <a:noFill/>
-          </a:ln>
-        </p:spPr>
-      </p:pic>
-      <p:pic>
-        <p:nvPicPr>
-          <p:cNvPr id="34822" name="图片 2"/>
-          <p:cNvPicPr>
-            <a:picLocks noChangeAspect="1"/>
-          </p:cNvPicPr>
-          <p:nvPr/>
-        </p:nvPicPr>
-        <p:blipFill>
-          <a:blip r:embed="rId3"/>
-          <a:stretch>
-            <a:fillRect/>
-          </a:stretch>
-        </p:blipFill>
-        <p:spPr>
-          <a:xfrm>
-            <a:off x="0" y="0"/>
-            <a:ext cx="9144000" cy="6858000"/>
-          </a:xfrm>
-          <a:prstGeom prst="rect">
-            <a:avLst/>
-          </a:prstGeom>
-          <a:noFill/>
-          <a:ln w="9525">
-            <a:noFill/>
-          </a:ln>
-        </p:spPr>
-      </p:pic>
-      <p:sp>
-        <p:nvSpPr>
-          <p:cNvPr id="34823" name="TextBox 23"/>
-          <p:cNvSpPr/>
-          <p:nvPr/>
-        </p:nvSpPr>
-        <p:spPr>
-          <a:xfrm>
-            <a:off x="4351338" y="2778125"/>
-            <a:ext cx="3386455" cy="680085"/>
-          </a:xfrm>
-          <a:prstGeom prst="rect">
-            <a:avLst/>
-          </a:prstGeom>
-          <a:noFill/>
-          <a:ln w="9525">
-            <a:noFill/>
-          </a:ln>
-        </p:spPr>
-        <p:txBody>
-          <a:bodyPr wrap="none" lIns="64802" tIns="32401" rIns="64802" bIns="32401" anchor="t" anchorCtr="0">
+        </p:spPr>
+        <p:txBody>
+          <a:bodyPr wrap="square" rtlCol="0">
             <a:spAutoFit/>
           </a:bodyPr>
           <a:p>
             <a:r>
-              <a:rPr lang="zh-CN" altLang="en-US" sz="4000" b="1" dirty="0">
-                <a:latin typeface="微软雅黑" charset="-108"/>
-                <a:ea typeface="微软雅黑" charset="-108"/>
-                <a:sym typeface="微软雅黑" charset="-108"/>
-              </a:rPr>
-              <a:t>3</a:t>
-            </a:r>
-            <a:r>
-              <a:rPr lang="en-US" altLang="zh-CN" sz="4000" b="1" dirty="0">
-                <a:latin typeface="微软雅黑" charset="-108"/>
-                <a:ea typeface="微软雅黑" charset="-108"/>
-                <a:sym typeface="微软雅黑" charset="-108"/>
-              </a:rPr>
-              <a:t> Kubernetes</a:t>
-            </a:r>
-            <a:endParaRPr lang="en-US" altLang="zh-CN" sz="4000" b="1" dirty="0">
-              <a:latin typeface="微软雅黑" charset="-108"/>
-              <a:ea typeface="微软雅黑" charset="-108"/>
-              <a:sym typeface="微软雅黑" charset="-108"/>
-            </a:endParaRPr>
-          </a:p>
-        </p:txBody>
-      </p:sp>
-      <p:sp>
-        <p:nvSpPr>
-          <p:cNvPr id="34824" name="直线连接符 6"/>
-          <p:cNvSpPr/>
-          <p:nvPr/>
-        </p:nvSpPr>
-        <p:spPr>
-          <a:xfrm flipV="1">
-            <a:off x="4513263" y="3594100"/>
-            <a:ext cx="3876675" cy="1588"/>
-          </a:xfrm>
-          <a:prstGeom prst="line">
-            <a:avLst/>
-          </a:prstGeom>
-          <a:ln w="19050" cap="flat" cmpd="sng">
-            <a:solidFill>
-              <a:srgbClr val="7F7F7F"/>
-            </a:solidFill>
-            <a:prstDash val="solid"/>
-            <a:round/>
-            <a:headEnd type="none" w="med" len="med"/>
-            <a:tailEnd type="none" w="med" len="med"/>
-          </a:ln>
-        </p:spPr>
-      </p:sp>
-      <p:pic>
-        <p:nvPicPr>
-          <p:cNvPr id="34825" name="图片 34825" descr="sangfor_logo"/>
-          <p:cNvPicPr>
-            <a:picLocks noChangeAspect="1"/>
-          </p:cNvPicPr>
-          <p:nvPr/>
-        </p:nvPicPr>
-        <p:blipFill>
-          <a:blip r:embed="rId4"/>
-          <a:stretch>
-            <a:fillRect/>
-          </a:stretch>
-        </p:blipFill>
-        <p:spPr>
-          <a:xfrm>
-            <a:off x="7343775" y="473075"/>
-            <a:ext cx="1320800" cy="606425"/>
-          </a:xfrm>
-          <a:prstGeom prst="rect">
-            <a:avLst/>
-          </a:prstGeom>
-          <a:noFill/>
-          <a:ln w="9525">
-            <a:noFill/>
-          </a:ln>
-        </p:spPr>
-      </p:pic>
+              <a:rPr lang="en-US" altLang="zh-CN"/>
+              <a:t>PID Namespace</a:t>
+            </a:r>
+            <a:endParaRPr lang="en-US" altLang="zh-CN"/>
+          </a:p>
+          <a:p>
+            <a:r>
+              <a:rPr lang="zh-CN" altLang="en-US"/>
+              <a:t>隔离进程</a:t>
+            </a:r>
+            <a:r>
+              <a:rPr lang="en-US" altLang="zh-CN"/>
+              <a:t> ID</a:t>
+            </a:r>
+            <a:r>
+              <a:rPr lang="zh-CN" altLang="en-US"/>
+              <a:t>，使得每个容器内的进程只看到自己范围内的进程。</a:t>
+            </a:r>
+            <a:endParaRPr lang="zh-CN" altLang="en-US"/>
+          </a:p>
+          <a:p>
+            <a:endParaRPr lang="en-US" altLang="zh-CN"/>
+          </a:p>
+          <a:p>
+            <a:r>
+              <a:rPr lang="en-US" altLang="zh-CN"/>
+              <a:t>NET Namespace</a:t>
+            </a:r>
+            <a:endParaRPr lang="en-US" altLang="zh-CN"/>
+          </a:p>
+          <a:p>
+            <a:r>
+              <a:rPr lang="zh-CN" altLang="en-US"/>
+              <a:t>隔离网络资源，例如网络接口、路由表、端口等。容器可以有自己的虚拟网络设备、</a:t>
+            </a:r>
+            <a:r>
+              <a:rPr lang="en-US" altLang="zh-CN"/>
+              <a:t>IP </a:t>
+            </a:r>
+            <a:r>
+              <a:rPr lang="zh-CN" altLang="en-US"/>
+              <a:t>地址和防火墙规则。</a:t>
+            </a:r>
+            <a:endParaRPr lang="zh-CN" altLang="en-US"/>
+          </a:p>
+          <a:p>
+            <a:endParaRPr lang="en-US" altLang="zh-CN"/>
+          </a:p>
+          <a:p>
+            <a:r>
+              <a:rPr lang="en-US" altLang="zh-CN"/>
+              <a:t>IPC Namespace</a:t>
+            </a:r>
+            <a:endParaRPr lang="en-US" altLang="zh-CN"/>
+          </a:p>
+          <a:p>
+            <a:r>
+              <a:rPr lang="zh-CN" altLang="en-US"/>
+              <a:t>隔离进程间通信资源，例如信号量、消息队列和共享内存。</a:t>
+            </a:r>
+            <a:endParaRPr lang="zh-CN" altLang="en-US"/>
+          </a:p>
+          <a:p>
+            <a:endParaRPr lang="en-US" altLang="zh-CN"/>
+          </a:p>
+          <a:p>
+            <a:r>
+              <a:rPr lang="en-US" altLang="zh-CN"/>
+              <a:t>UTS Namespace</a:t>
+            </a:r>
+            <a:endParaRPr lang="en-US" altLang="zh-CN"/>
+          </a:p>
+          <a:p>
+            <a:r>
+              <a:rPr lang="zh-CN" altLang="en-US"/>
+              <a:t>隔离主机名和域名，允许容器有自己的主机名。</a:t>
+            </a:r>
+            <a:endParaRPr lang="zh-CN" altLang="en-US"/>
+          </a:p>
+          <a:p>
+            <a:endParaRPr lang="en-US" altLang="zh-CN"/>
+          </a:p>
+          <a:p>
+            <a:r>
+              <a:rPr lang="en-US" altLang="zh-CN"/>
+              <a:t>Mount Namespace</a:t>
+            </a:r>
+            <a:endParaRPr lang="en-US" altLang="zh-CN"/>
+          </a:p>
+          <a:p>
+            <a:r>
+              <a:rPr lang="zh-CN" altLang="en-US"/>
+              <a:t>隔离文件系统挂载点，使容器只能看到分配给它的文件系统。</a:t>
+            </a:r>
+            <a:endParaRPr lang="zh-CN" altLang="en-US"/>
+          </a:p>
+          <a:p>
+            <a:endParaRPr lang="en-US" altLang="zh-CN"/>
+          </a:p>
+          <a:p>
+            <a:r>
+              <a:rPr lang="en-US" altLang="zh-CN"/>
+              <a:t>User Namespace</a:t>
+            </a:r>
+            <a:endParaRPr lang="en-US" altLang="zh-CN"/>
+          </a:p>
+          <a:p>
+            <a:r>
+              <a:rPr lang="zh-CN" altLang="en-US"/>
+              <a:t>隔离用户和权限，容器内的用户</a:t>
+            </a:r>
+            <a:r>
+              <a:rPr lang="en-US" altLang="zh-CN"/>
+              <a:t> ID </a:t>
+            </a:r>
+            <a:r>
+              <a:rPr lang="zh-CN" altLang="en-US"/>
+              <a:t>映射到宿主机的非特权用户。</a:t>
+            </a:r>
+            <a:endParaRPr lang="zh-CN" altLang="en-US"/>
+          </a:p>
+        </p:txBody>
+      </p:sp>
     </p:spTree>
   </p:cSld>
   <p:clrMapOvr>

--- a/lession1/kubernetes第一课.pptx
+++ b/lession1/kubernetes第一课.pptx
@@ -8301,7 +8301,7 @@
                 <a:ea typeface="微软雅黑" charset="-108"/>
                 <a:sym typeface="微软雅黑" charset="-108"/>
               </a:rPr>
-              <a:t> 切换进程的根</a:t>
+              <a:t> 进程根</a:t>
             </a:r>
             <a:r>
               <a:rPr lang="zh-CN" altLang="en-US" sz="2000" dirty="0">
@@ -12575,8 +12575,8 @@
         </p:nvSpPr>
         <p:spPr>
           <a:xfrm>
-            <a:off x="2195830" y="5300980"/>
-            <a:ext cx="3048000" cy="645160"/>
+            <a:off x="2195830" y="5085080"/>
+            <a:ext cx="3048000" cy="922020"/>
           </a:xfrm>
           <a:prstGeom prst="rect">
             <a:avLst/>
@@ -12598,8 +12598,15 @@
             </a:r>
             <a:r>
               <a:rPr lang="zh-CN" altLang="en-US"/>
-              <a:t>开源</a:t>
-            </a:r>
+              <a:t>会火</a:t>
+            </a:r>
+            <a:r>
+              <a:rPr lang="en-US" altLang="zh-CN"/>
+              <a:t>？</a:t>
+            </a:r>
+            <a:endParaRPr lang="en-US" altLang="zh-CN"/>
+          </a:p>
+          <a:p>
             <a:endParaRPr lang="zh-CN" altLang="en-US"/>
           </a:p>
           <a:p>

--- a/lession1/kubernetes第一课.pptx
+++ b/lession1/kubernetes第一课.pptx
@@ -6,27 +6,28 @@
     <p:sldMasterId id="2147483660" r:id="rId3"/>
   </p:sldMasterIdLst>
   <p:notesMasterIdLst>
-    <p:notesMasterId r:id="rId8"/>
+    <p:notesMasterId r:id="rId9"/>
   </p:notesMasterIdLst>
   <p:sldIdLst>
     <p:sldId id="262" r:id="rId4"/>
-    <p:sldId id="257" r:id="rId5"/>
-    <p:sldId id="258" r:id="rId6"/>
-    <p:sldId id="259" r:id="rId7"/>
-    <p:sldId id="260" r:id="rId9"/>
-    <p:sldId id="312" r:id="rId10"/>
-    <p:sldId id="337" r:id="rId11"/>
-    <p:sldId id="351" r:id="rId12"/>
-    <p:sldId id="352" r:id="rId13"/>
-    <p:sldId id="353" r:id="rId14"/>
-    <p:sldId id="354" r:id="rId15"/>
-    <p:sldId id="344" r:id="rId16"/>
-    <p:sldId id="263" r:id="rId17"/>
-    <p:sldId id="339" r:id="rId18"/>
-    <p:sldId id="340" r:id="rId19"/>
-    <p:sldId id="265" r:id="rId20"/>
-    <p:sldId id="266" r:id="rId21"/>
-    <p:sldId id="267" r:id="rId22"/>
+    <p:sldId id="355" r:id="rId5"/>
+    <p:sldId id="257" r:id="rId6"/>
+    <p:sldId id="258" r:id="rId7"/>
+    <p:sldId id="259" r:id="rId8"/>
+    <p:sldId id="260" r:id="rId10"/>
+    <p:sldId id="312" r:id="rId11"/>
+    <p:sldId id="337" r:id="rId12"/>
+    <p:sldId id="351" r:id="rId13"/>
+    <p:sldId id="352" r:id="rId14"/>
+    <p:sldId id="353" r:id="rId15"/>
+    <p:sldId id="354" r:id="rId16"/>
+    <p:sldId id="344" r:id="rId17"/>
+    <p:sldId id="263" r:id="rId18"/>
+    <p:sldId id="339" r:id="rId19"/>
+    <p:sldId id="340" r:id="rId20"/>
+    <p:sldId id="265" r:id="rId21"/>
+    <p:sldId id="266" r:id="rId22"/>
+    <p:sldId id="267" r:id="rId23"/>
   </p:sldIdLst>
   <p:sldSz cx="9144000" cy="6858000"/>
   <p:notesSz cx="6858000" cy="9144000"/>
@@ -227,7 +228,7 @@
   <p:extLst>
     <p:ext uri="{EFAFB233-063F-42B5-8137-9DF3F51BA10A}">
       <p15:sldGuideLst xmlns:p15="http://schemas.microsoft.com/office/powerpoint/2012/main">
-        <p15:guide id="1" orient="horz" pos="2115" userDrawn="1">
+        <p15:guide id="1" orient="horz" pos="2128" userDrawn="1">
           <p15:clr>
             <a:srgbClr val="A4A3A4"/>
           </p15:clr>
@@ -7841,14 +7842,14 @@
       </p:sp>
       <p:sp>
         <p:nvSpPr>
-          <p:cNvPr id="2" name="文本框 1"/>
+          <p:cNvPr id="4" name="文本框 3"/>
           <p:cNvSpPr txBox="1"/>
           <p:nvPr/>
         </p:nvSpPr>
         <p:spPr>
           <a:xfrm>
-            <a:off x="971550" y="1412875"/>
-            <a:ext cx="6458585" cy="1476375"/>
+            <a:off x="539750" y="1288415"/>
+            <a:ext cx="7452360" cy="5077460"/>
           </a:xfrm>
           <a:prstGeom prst="rect">
             <a:avLst/>
@@ -7862,267 +7863,125 @@
           <a:p>
             <a:r>
               <a:rPr lang="en-US" altLang="zh-CN"/>
-              <a:t>Linux Cgroups </a:t>
-            </a:r>
+              <a:t>PID Namespace</a:t>
+            </a:r>
+            <a:endParaRPr lang="en-US" altLang="zh-CN"/>
+          </a:p>
+          <a:p>
             <a:r>
               <a:rPr lang="zh-CN" altLang="en-US"/>
-              <a:t>就是</a:t>
+              <a:t>隔离进程</a:t>
             </a:r>
             <a:r>
               <a:rPr lang="en-US" altLang="zh-CN"/>
-              <a:t> Linux </a:t>
+              <a:t> ID</a:t>
             </a:r>
             <a:r>
               <a:rPr lang="zh-CN" altLang="en-US"/>
-              <a:t>内核中</a:t>
-            </a:r>
-            <a:r>
-              <a:rPr lang="zh-CN" altLang="en-US" b="1"/>
-              <a:t>用来为进程设置资源限制</a:t>
-            </a:r>
+              <a:t>，使得每个容器内的进程只看到自己范围内的进程。</a:t>
+            </a:r>
+            <a:endParaRPr lang="zh-CN" altLang="en-US"/>
+          </a:p>
+          <a:p>
+            <a:endParaRPr lang="en-US" altLang="zh-CN"/>
+          </a:p>
+          <a:p>
+            <a:r>
+              <a:rPr lang="en-US" altLang="zh-CN"/>
+              <a:t>NET Namespace</a:t>
+            </a:r>
+            <a:endParaRPr lang="en-US" altLang="zh-CN"/>
+          </a:p>
+          <a:p>
             <a:r>
               <a:rPr lang="zh-CN" altLang="en-US"/>
-              <a:t>的一个重要功能</a:t>
+              <a:t>隔离网络资源，例如网络接口、路由表、端口等。容器可以有自己的虚拟网络设备、</a:t>
             </a:r>
             <a:r>
               <a:rPr lang="en-US" altLang="zh-CN"/>
-              <a:t>。</a:t>
-            </a:r>
+              <a:t>IP </a:t>
+            </a:r>
+            <a:r>
+              <a:rPr lang="zh-CN" altLang="en-US"/>
+              <a:t>地址和防火墙规则。</a:t>
+            </a:r>
+            <a:endParaRPr lang="zh-CN" altLang="en-US"/>
+          </a:p>
+          <a:p>
             <a:endParaRPr lang="en-US" altLang="zh-CN"/>
           </a:p>
           <a:p>
+            <a:r>
+              <a:rPr lang="en-US" altLang="zh-CN"/>
+              <a:t>IPC Namespace</a:t>
+            </a:r>
             <a:endParaRPr lang="en-US" altLang="zh-CN"/>
           </a:p>
           <a:p>
             <a:r>
+              <a:rPr lang="zh-CN" altLang="en-US"/>
+              <a:t>隔离进程间通信资源，例如信号量、消息队列和共享内存。</a:t>
+            </a:r>
+            <a:endParaRPr lang="zh-CN" altLang="en-US"/>
+          </a:p>
+          <a:p>
+            <a:endParaRPr lang="en-US" altLang="zh-CN"/>
+          </a:p>
+          <a:p>
+            <a:r>
               <a:rPr lang="en-US" altLang="zh-CN"/>
-              <a:t>Cgroups </a:t>
-            </a:r>
+              <a:t>UTS Namespace</a:t>
+            </a:r>
+            <a:endParaRPr lang="en-US" altLang="zh-CN"/>
+          </a:p>
+          <a:p>
             <a:r>
               <a:rPr lang="zh-CN" altLang="en-US"/>
-              <a:t>给用户</a:t>
-            </a:r>
-            <a:r>
-              <a:rPr lang="zh-CN" altLang="en-US" b="1"/>
-              <a:t>暴露出来的操作接口是文件系统</a:t>
-            </a:r>
+              <a:t>隔离主机名和域名，允许容器有自己的主机名。</a:t>
+            </a:r>
+            <a:endParaRPr lang="zh-CN" altLang="en-US"/>
+          </a:p>
+          <a:p>
+            <a:endParaRPr lang="en-US" altLang="zh-CN"/>
+          </a:p>
+          <a:p>
+            <a:r>
+              <a:rPr lang="en-US" altLang="zh-CN"/>
+              <a:t>Mount Namespace</a:t>
+            </a:r>
+            <a:endParaRPr lang="en-US" altLang="zh-CN"/>
+          </a:p>
+          <a:p>
             <a:r>
               <a:rPr lang="zh-CN" altLang="en-US"/>
-              <a:t>，即它以文件和目录的方式组织在操作系统的</a:t>
-            </a:r>
+              <a:t>隔离文件系统挂载点，使容器只能看到分配给它的文件系统。</a:t>
+            </a:r>
+            <a:endParaRPr lang="zh-CN" altLang="en-US"/>
+          </a:p>
+          <a:p>
+            <a:endParaRPr lang="en-US" altLang="zh-CN"/>
+          </a:p>
+          <a:p>
             <a:r>
               <a:rPr lang="en-US" altLang="zh-CN"/>
-              <a:t> /sys/fs/cgroup </a:t>
-            </a:r>
+              <a:t>User Namespace</a:t>
+            </a:r>
+            <a:endParaRPr lang="en-US" altLang="zh-CN"/>
+          </a:p>
+          <a:p>
             <a:r>
               <a:rPr lang="zh-CN" altLang="en-US"/>
-              <a:t>路径下</a:t>
+              <a:t>隔离用户和权限，容器内的用户</a:t>
+            </a:r>
+            <a:r>
+              <a:rPr lang="en-US" altLang="zh-CN"/>
+              <a:t> ID </a:t>
+            </a:r>
+            <a:r>
+              <a:rPr lang="zh-CN" altLang="en-US"/>
+              <a:t>映射到宿主机的非特权用户。</a:t>
             </a:r>
             <a:endParaRPr lang="zh-CN" altLang="en-US"/>
-          </a:p>
-        </p:txBody>
-      </p:sp>
-      <p:sp>
-        <p:nvSpPr>
-          <p:cNvPr id="3" name="文本框 2"/>
-          <p:cNvSpPr txBox="1"/>
-          <p:nvPr/>
-        </p:nvSpPr>
-        <p:spPr>
-          <a:xfrm>
-            <a:off x="1043305" y="3357245"/>
-            <a:ext cx="5303520" cy="2449195"/>
-          </a:xfrm>
-          <a:prstGeom prst="rect">
-            <a:avLst/>
-          </a:prstGeom>
-          <a:noFill/>
-        </p:spPr>
-        <p:txBody>
-          <a:bodyPr wrap="square" rtlCol="0">
-            <a:noAutofit/>
-          </a:bodyPr>
-          <a:p>
-            <a:pPr>
-              <a:buFont typeface="Arial" panose="020B0704020202020204" pitchFamily="34" charset="0"/>
-            </a:pPr>
-            <a:r>
-              <a:rPr lang="zh-CN" altLang="en-US"/>
-              <a:t>容器使用</a:t>
-            </a:r>
-            <a:r>
-              <a:rPr lang="zh-CN" altLang="en-US"/>
-              <a:t>的限制能力</a:t>
-            </a:r>
-            <a:r>
-              <a:rPr lang="en-US" altLang="zh-CN"/>
-              <a:t>：</a:t>
-            </a:r>
-            <a:endParaRPr lang="en-US" altLang="zh-CN"/>
-          </a:p>
-          <a:p>
-            <a:pPr marL="285750" indent="-285750">
-              <a:buFont typeface="Arial" panose="020B0704020202020204" pitchFamily="34" charset="0"/>
-              <a:buChar char="•"/>
-            </a:pPr>
-            <a:r>
-              <a:rPr lang="en-US" altLang="zh-CN"/>
-              <a:t>cpu: </a:t>
-            </a:r>
-            <a:r>
-              <a:rPr lang="zh-CN" altLang="en-US"/>
-              <a:t>控制</a:t>
-            </a:r>
-            <a:r>
-              <a:rPr lang="en-US" altLang="zh-CN"/>
-              <a:t>cpu</a:t>
-            </a:r>
-            <a:r>
-              <a:rPr lang="zh-CN" altLang="en-US"/>
-              <a:t>使用率</a:t>
-            </a:r>
-            <a:endParaRPr lang="zh-CN" altLang="en-US"/>
-          </a:p>
-          <a:p>
-            <a:pPr marL="285750" indent="-285750">
-              <a:buFont typeface="Arial" panose="020B0704020202020204" pitchFamily="34" charset="0"/>
-              <a:buChar char="•"/>
-            </a:pPr>
-            <a:r>
-              <a:rPr lang="en-US" altLang="zh-CN"/>
-              <a:t>cpuset:</a:t>
-            </a:r>
-            <a:r>
-              <a:rPr lang="zh-CN" altLang="en-US"/>
-              <a:t>为进程分配单独的</a:t>
-            </a:r>
-            <a:r>
-              <a:rPr lang="en-US" altLang="zh-CN"/>
-              <a:t> CPU </a:t>
-            </a:r>
-            <a:r>
-              <a:rPr lang="zh-CN" altLang="en-US"/>
-              <a:t>核和对应的内存节点</a:t>
-            </a:r>
-            <a:endParaRPr lang="zh-CN" altLang="en-US"/>
-          </a:p>
-          <a:p>
-            <a:pPr marL="285750" indent="-285750">
-              <a:buFont typeface="Arial" panose="020B0704020202020204" pitchFamily="34" charset="0"/>
-              <a:buChar char="•"/>
-            </a:pPr>
-            <a:r>
-              <a:rPr lang="en-US" altLang="zh-CN"/>
-              <a:t>memory: </a:t>
-            </a:r>
-            <a:r>
-              <a:rPr lang="zh-CN" altLang="en-US"/>
-              <a:t>为进程设定内存使用的限制</a:t>
-            </a:r>
-            <a:endParaRPr lang="zh-CN" altLang="en-US"/>
-          </a:p>
-          <a:p>
-            <a:pPr marL="285750" indent="-285750">
-              <a:buFont typeface="Arial" panose="020B0704020202020204" pitchFamily="34" charset="0"/>
-              <a:buChar char="•"/>
-            </a:pPr>
-            <a:r>
-              <a:rPr lang="en-US" altLang="zh-CN">
-                <a:sym typeface="+mn-ea"/>
-              </a:rPr>
-              <a:t>blkio:</a:t>
-            </a:r>
-            <a:r>
-              <a:rPr lang="zh-CN" altLang="en-US">
-                <a:sym typeface="+mn-ea"/>
-              </a:rPr>
-              <a:t>为</a:t>
-            </a:r>
-            <a:r>
-              <a:rPr lang="en-US" altLang="zh-CN">
-                <a:sym typeface="+mn-ea"/>
-              </a:rPr>
-              <a:t>​​​</a:t>
-            </a:r>
-            <a:r>
-              <a:rPr lang="zh-CN" altLang="en-US">
-                <a:sym typeface="+mn-ea"/>
-              </a:rPr>
-              <a:t>块</a:t>
-            </a:r>
-            <a:r>
-              <a:rPr lang="en-US" altLang="zh-CN">
-                <a:sym typeface="+mn-ea"/>
-              </a:rPr>
-              <a:t>​​​</a:t>
-            </a:r>
-            <a:r>
-              <a:rPr lang="zh-CN" altLang="en-US">
-                <a:sym typeface="+mn-ea"/>
-              </a:rPr>
-              <a:t>设</a:t>
-            </a:r>
-            <a:r>
-              <a:rPr lang="en-US" altLang="zh-CN">
-                <a:sym typeface="+mn-ea"/>
-              </a:rPr>
-              <a:t>​​​</a:t>
-            </a:r>
-            <a:r>
-              <a:rPr lang="zh-CN" altLang="en-US">
-                <a:sym typeface="+mn-ea"/>
-              </a:rPr>
-              <a:t>备</a:t>
-            </a:r>
-            <a:r>
-              <a:rPr lang="en-US" altLang="zh-CN">
-                <a:sym typeface="+mn-ea"/>
-              </a:rPr>
-              <a:t>​​​</a:t>
-            </a:r>
-            <a:r>
-              <a:rPr lang="zh-CN" altLang="en-US">
-                <a:sym typeface="+mn-ea"/>
-              </a:rPr>
-              <a:t>设</a:t>
-            </a:r>
-            <a:r>
-              <a:rPr lang="en-US" altLang="zh-CN">
-                <a:sym typeface="+mn-ea"/>
-              </a:rPr>
-              <a:t>​​​</a:t>
-            </a:r>
-            <a:r>
-              <a:rPr lang="zh-CN" altLang="en-US">
-                <a:sym typeface="+mn-ea"/>
-              </a:rPr>
-              <a:t>定</a:t>
-            </a:r>
-            <a:r>
-              <a:rPr lang="en-US" altLang="zh-CN">
-                <a:sym typeface="+mn-ea"/>
-              </a:rPr>
-              <a:t>​​​I/O </a:t>
-            </a:r>
-            <a:r>
-              <a:rPr lang="zh-CN" altLang="en-US">
-                <a:sym typeface="+mn-ea"/>
-              </a:rPr>
-              <a:t>限</a:t>
-            </a:r>
-            <a:r>
-              <a:rPr lang="en-US" altLang="zh-CN">
-                <a:sym typeface="+mn-ea"/>
-              </a:rPr>
-              <a:t>​​​</a:t>
-            </a:r>
-            <a:r>
-              <a:rPr lang="zh-CN" altLang="en-US">
-                <a:sym typeface="+mn-ea"/>
-              </a:rPr>
-              <a:t>制，一般用于磁盘等设备</a:t>
-            </a:r>
-            <a:endParaRPr lang="en-US" altLang="zh-CN"/>
           </a:p>
         </p:txBody>
       </p:sp>
@@ -8301,7 +8160,18 @@
                 <a:ea typeface="微软雅黑" charset="-108"/>
                 <a:sym typeface="微软雅黑" charset="-108"/>
               </a:rPr>
-              <a:t> 进程根</a:t>
+              <a:t> 隔离资源</a:t>
+            </a:r>
+            <a:r>
+              <a:rPr lang="en-US" altLang="zh-CN" sz="2000" dirty="0">
+                <a:solidFill>
+                  <a:srgbClr val="184199"/>
+                </a:solidFill>
+                <a:latin typeface="微软雅黑" charset="-108"/>
+                <a:ea typeface="微软雅黑" charset="-108"/>
+                <a:sym typeface="微软雅黑" charset="-108"/>
+              </a:rPr>
+              <a:t>  &amp;&amp;  </a:t>
             </a:r>
             <a:r>
               <a:rPr lang="zh-CN" altLang="en-US" sz="2000" dirty="0">
@@ -8312,7 +8182,18 @@
                 <a:ea typeface="微软雅黑" charset="-108"/>
                 <a:sym typeface="微软雅黑" charset="-108"/>
               </a:rPr>
-              <a:t>目录</a:t>
+              <a:t>限制</a:t>
+            </a:r>
+            <a:r>
+              <a:rPr lang="zh-CN" altLang="en-US" sz="2000" dirty="0">
+                <a:solidFill>
+                  <a:srgbClr val="184199"/>
+                </a:solidFill>
+                <a:latin typeface="微软雅黑" charset="-108"/>
+                <a:ea typeface="微软雅黑" charset="-108"/>
+                <a:sym typeface="微软雅黑" charset="-108"/>
+              </a:rPr>
+              <a:t>资源</a:t>
             </a:r>
             <a:endParaRPr lang="zh-CN" altLang="en-US" sz="2000" dirty="0">
               <a:solidFill>
@@ -8327,14 +8208,14 @@
       </p:sp>
       <p:sp>
         <p:nvSpPr>
-          <p:cNvPr id="4" name="文本框 3"/>
+          <p:cNvPr id="2" name="文本框 1"/>
           <p:cNvSpPr txBox="1"/>
           <p:nvPr/>
         </p:nvSpPr>
         <p:spPr>
           <a:xfrm>
-            <a:off x="755650" y="1547495"/>
-            <a:ext cx="5845175" cy="922020"/>
+            <a:off x="971550" y="1412875"/>
+            <a:ext cx="6458585" cy="1476375"/>
           </a:xfrm>
           <a:prstGeom prst="rect">
             <a:avLst/>
@@ -8347,50 +8228,77 @@
           </a:bodyPr>
           <a:p>
             <a:r>
-              <a:rPr lang="en-US" altLang="zh-CN" b="1">
-                <a:latin typeface="Arial Bold" panose="020B0704020202020204" charset="0"/>
-                <a:cs typeface="Arial Bold" panose="020B0704020202020204" charset="0"/>
-              </a:rPr>
-              <a:t>rootfs </a:t>
+              <a:rPr lang="en-US" altLang="zh-CN"/>
+              <a:t>Linux Cgroups </a:t>
             </a:r>
             <a:r>
               <a:rPr lang="zh-CN" altLang="en-US"/>
-              <a:t>只是一个</a:t>
+              <a:t>就是</a:t>
+            </a:r>
+            <a:r>
+              <a:rPr lang="en-US" altLang="zh-CN"/>
+              <a:t> Linux </a:t>
+            </a:r>
+            <a:r>
+              <a:rPr lang="zh-CN" altLang="en-US"/>
+              <a:t>内核中</a:t>
             </a:r>
             <a:r>
               <a:rPr lang="zh-CN" altLang="en-US" b="1"/>
-              <a:t>操作系统所包含的文件、配置和目录，并不包括操作系统内核</a:t>
+              <a:t>用来为进程设置资源限制</a:t>
+            </a:r>
+            <a:r>
+              <a:rPr lang="zh-CN" altLang="en-US"/>
+              <a:t>的一个重要功能</a:t>
             </a:r>
             <a:r>
               <a:rPr lang="en-US" altLang="zh-CN"/>
               <a:t>。</a:t>
             </a:r>
+            <a:endParaRPr lang="en-US" altLang="zh-CN"/>
+          </a:p>
+          <a:p>
+            <a:endParaRPr lang="en-US" altLang="zh-CN"/>
+          </a:p>
+          <a:p>
+            <a:r>
+              <a:rPr lang="en-US" altLang="zh-CN"/>
+              <a:t>Cgroups </a:t>
+            </a:r>
             <a:r>
               <a:rPr lang="zh-CN" altLang="en-US"/>
-              <a:t>而操作系统内核为容器</a:t>
+              <a:t>给用户</a:t>
+            </a:r>
+            <a:r>
+              <a:rPr lang="zh-CN" altLang="en-US" b="1"/>
+              <a:t>暴露出来的操作接口是文件系统</a:t>
             </a:r>
             <a:r>
               <a:rPr lang="zh-CN" altLang="en-US"/>
-              <a:t>的“全局变量“</a:t>
+              <a:t>，即它以文件和目录的方式组织在操作系统的</a:t>
             </a:r>
             <a:r>
               <a:rPr lang="en-US" altLang="zh-CN"/>
-              <a:t>。</a:t>
-            </a:r>
-            <a:endParaRPr lang="en-US" altLang="zh-CN"/>
-          </a:p>
-        </p:txBody>
-      </p:sp>
-      <p:sp>
-        <p:nvSpPr>
-          <p:cNvPr id="5" name="文本框 4"/>
+              <a:t> /sys/fs/cgroup </a:t>
+            </a:r>
+            <a:r>
+              <a:rPr lang="zh-CN" altLang="en-US"/>
+              <a:t>路径下</a:t>
+            </a:r>
+            <a:endParaRPr lang="zh-CN" altLang="en-US"/>
+          </a:p>
+        </p:txBody>
+      </p:sp>
+      <p:sp>
+        <p:nvSpPr>
+          <p:cNvPr id="3" name="文本框 2"/>
           <p:cNvSpPr txBox="1"/>
           <p:nvPr/>
         </p:nvSpPr>
         <p:spPr>
           <a:xfrm>
-            <a:off x="793750" y="2708910"/>
-            <a:ext cx="5807075" cy="922020"/>
+            <a:off x="1043305" y="3357245"/>
+            <a:ext cx="5303520" cy="2449195"/>
           </a:xfrm>
           <a:prstGeom prst="rect">
             <a:avLst/>
@@ -8399,64 +8307,192 @@
         </p:spPr>
         <p:txBody>
           <a:bodyPr wrap="square" rtlCol="0">
-            <a:spAutoFit/>
+            <a:noAutofit/>
           </a:bodyPr>
           <a:p>
-            <a:r>
-              <a:rPr lang="en-US" altLang="zh-CN" b="1">
-                <a:latin typeface="Arial Bold" panose="020B0704020202020204" charset="0"/>
-                <a:cs typeface="Arial Bold" panose="020B0704020202020204" charset="0"/>
-              </a:rPr>
-              <a:t>rootfs </a:t>
-            </a:r>
+            <a:pPr>
+              <a:buFont typeface="Arial" panose="020B0704020202020204" pitchFamily="34" charset="0"/>
+            </a:pPr>
             <a:r>
               <a:rPr lang="zh-CN" altLang="en-US"/>
-              <a:t>里</a:t>
-            </a:r>
-            <a:r>
-              <a:rPr lang="zh-CN" altLang="en-US" b="1"/>
-              <a:t>打包的不只是应用，而是整个操作系统的文件和目录</a:t>
+              <a:t>容器使用</a:t>
+            </a:r>
+            <a:r>
+              <a:rPr lang="zh-CN" altLang="en-US"/>
+              <a:t>的限制能力</a:t>
             </a:r>
             <a:r>
               <a:rPr lang="en-US" altLang="zh-CN"/>
-              <a:t>（</a:t>
-            </a:r>
+              <a:t>：</a:t>
+            </a:r>
+            <a:endParaRPr lang="en-US" altLang="zh-CN"/>
+          </a:p>
+          <a:p>
+            <a:pPr marL="285750" indent="-285750">
+              <a:buFont typeface="Arial" panose="020B0704020202020204" pitchFamily="34" charset="0"/>
+              <a:buChar char="•"/>
+            </a:pPr>
             <a:r>
               <a:rPr lang="en-US" altLang="zh-CN"/>
-              <a:t>ISO）</a:t>
+              <a:t>cpu: </a:t>
             </a:r>
             <a:r>
               <a:rPr lang="zh-CN" altLang="en-US"/>
-              <a:t>，也就意味着，应用以及它运行所需要的所有依赖，都被封装在了一起。</a:t>
+              <a:t>控制</a:t>
+            </a:r>
+            <a:r>
+              <a:rPr lang="en-US" altLang="zh-CN"/>
+              <a:t>cpu</a:t>
+            </a:r>
+            <a:r>
+              <a:rPr lang="zh-CN" altLang="en-US"/>
+              <a:t>使用率</a:t>
             </a:r>
             <a:endParaRPr lang="zh-CN" altLang="en-US"/>
           </a:p>
-        </p:txBody>
-      </p:sp>
-      <p:pic>
-        <p:nvPicPr>
-          <p:cNvPr id="7" name="图片 6"/>
-          <p:cNvPicPr>
-            <a:picLocks noChangeAspect="1"/>
-          </p:cNvPicPr>
-          <p:nvPr/>
-        </p:nvPicPr>
-        <p:blipFill>
-          <a:blip r:embed="rId2"/>
-          <a:stretch>
-            <a:fillRect/>
-          </a:stretch>
-        </p:blipFill>
-        <p:spPr>
-          <a:xfrm>
-            <a:off x="1907540" y="3789045"/>
-            <a:ext cx="4614545" cy="2762885"/>
-          </a:xfrm>
-          <a:prstGeom prst="rect">
-            <a:avLst/>
-          </a:prstGeom>
-        </p:spPr>
-      </p:pic>
+          <a:p>
+            <a:pPr marL="285750" indent="-285750">
+              <a:buFont typeface="Arial" panose="020B0704020202020204" pitchFamily="34" charset="0"/>
+              <a:buChar char="•"/>
+            </a:pPr>
+            <a:r>
+              <a:rPr lang="en-US" altLang="zh-CN"/>
+              <a:t>cpuset:</a:t>
+            </a:r>
+            <a:r>
+              <a:rPr lang="zh-CN" altLang="en-US"/>
+              <a:t>为进程分配单独的</a:t>
+            </a:r>
+            <a:r>
+              <a:rPr lang="en-US" altLang="zh-CN"/>
+              <a:t> CPU </a:t>
+            </a:r>
+            <a:r>
+              <a:rPr lang="zh-CN" altLang="en-US"/>
+              <a:t>核和对应的内存节点</a:t>
+            </a:r>
+            <a:endParaRPr lang="zh-CN" altLang="en-US"/>
+          </a:p>
+          <a:p>
+            <a:pPr marL="285750" indent="-285750">
+              <a:buFont typeface="Arial" panose="020B0704020202020204" pitchFamily="34" charset="0"/>
+              <a:buChar char="•"/>
+            </a:pPr>
+            <a:r>
+              <a:rPr lang="en-US" altLang="zh-CN"/>
+              <a:t>memory: </a:t>
+            </a:r>
+            <a:r>
+              <a:rPr lang="zh-CN" altLang="en-US"/>
+              <a:t>为进程设定内存使用的限制</a:t>
+            </a:r>
+            <a:endParaRPr lang="zh-CN" altLang="en-US"/>
+          </a:p>
+          <a:p>
+            <a:pPr marL="285750" indent="-285750">
+              <a:buFont typeface="Arial" panose="020B0704020202020204" pitchFamily="34" charset="0"/>
+              <a:buChar char="•"/>
+            </a:pPr>
+            <a:r>
+              <a:rPr lang="en-US" altLang="zh-CN">
+                <a:sym typeface="+mn-ea"/>
+              </a:rPr>
+              <a:t>blkio:</a:t>
+            </a:r>
+            <a:r>
+              <a:rPr lang="zh-CN" altLang="en-US">
+                <a:sym typeface="+mn-ea"/>
+              </a:rPr>
+              <a:t>为</a:t>
+            </a:r>
+            <a:r>
+              <a:rPr lang="en-US" altLang="zh-CN">
+                <a:sym typeface="+mn-ea"/>
+              </a:rPr>
+              <a:t>​​​</a:t>
+            </a:r>
+            <a:r>
+              <a:rPr lang="zh-CN" altLang="en-US">
+                <a:sym typeface="+mn-ea"/>
+              </a:rPr>
+              <a:t>块</a:t>
+            </a:r>
+            <a:r>
+              <a:rPr lang="en-US" altLang="zh-CN">
+                <a:sym typeface="+mn-ea"/>
+              </a:rPr>
+              <a:t>​​​</a:t>
+            </a:r>
+            <a:r>
+              <a:rPr lang="zh-CN" altLang="en-US">
+                <a:sym typeface="+mn-ea"/>
+              </a:rPr>
+              <a:t>设</a:t>
+            </a:r>
+            <a:r>
+              <a:rPr lang="en-US" altLang="zh-CN">
+                <a:sym typeface="+mn-ea"/>
+              </a:rPr>
+              <a:t>​​​</a:t>
+            </a:r>
+            <a:r>
+              <a:rPr lang="zh-CN" altLang="en-US">
+                <a:sym typeface="+mn-ea"/>
+              </a:rPr>
+              <a:t>备</a:t>
+            </a:r>
+            <a:r>
+              <a:rPr lang="en-US" altLang="zh-CN">
+                <a:sym typeface="+mn-ea"/>
+              </a:rPr>
+              <a:t>​​​</a:t>
+            </a:r>
+            <a:r>
+              <a:rPr lang="zh-CN" altLang="en-US">
+                <a:sym typeface="+mn-ea"/>
+              </a:rPr>
+              <a:t>设</a:t>
+            </a:r>
+            <a:r>
+              <a:rPr lang="en-US" altLang="zh-CN">
+                <a:sym typeface="+mn-ea"/>
+              </a:rPr>
+              <a:t>​​​</a:t>
+            </a:r>
+            <a:r>
+              <a:rPr lang="zh-CN" altLang="en-US">
+                <a:sym typeface="+mn-ea"/>
+              </a:rPr>
+              <a:t>定</a:t>
+            </a:r>
+            <a:r>
+              <a:rPr lang="en-US" altLang="zh-CN">
+                <a:sym typeface="+mn-ea"/>
+              </a:rPr>
+              <a:t>​​​I/O </a:t>
+            </a:r>
+            <a:r>
+              <a:rPr lang="zh-CN" altLang="en-US">
+                <a:sym typeface="+mn-ea"/>
+              </a:rPr>
+              <a:t>限</a:t>
+            </a:r>
+            <a:r>
+              <a:rPr lang="en-US" altLang="zh-CN">
+                <a:sym typeface="+mn-ea"/>
+              </a:rPr>
+              <a:t>​​​</a:t>
+            </a:r>
+            <a:r>
+              <a:rPr lang="zh-CN" altLang="en-US">
+                <a:sym typeface="+mn-ea"/>
+              </a:rPr>
+              <a:t>制，一般用于磁盘等设备</a:t>
+            </a:r>
+            <a:endParaRPr lang="en-US" altLang="zh-CN"/>
+          </a:p>
+        </p:txBody>
+      </p:sp>
     </p:spTree>
   </p:cSld>
   <p:clrMapOvr>
@@ -8603,8 +8639,8 @@
         </p:nvSpPr>
         <p:spPr>
           <a:xfrm>
-            <a:off x="323850" y="995680"/>
-            <a:ext cx="1715135" cy="554355"/>
+            <a:off x="323850" y="836930"/>
+            <a:ext cx="5807075" cy="398780"/>
           </a:xfrm>
           <a:prstGeom prst="rect">
             <a:avLst/>
@@ -8616,7 +8652,7 @@
         </p:spPr>
         <p:txBody>
           <a:bodyPr wrap="square" anchor="t" anchorCtr="0">
-            <a:noAutofit/>
+            <a:spAutoFit/>
           </a:bodyPr>
           <a:p>
             <a:pPr eaLnBrk="0" hangingPunct="0">
@@ -8632,7 +8668,7 @@
                 <a:ea typeface="微软雅黑" charset="-108"/>
                 <a:sym typeface="微软雅黑" charset="-108"/>
               </a:rPr>
-              <a:t> 日常</a:t>
+              <a:t> 进程根</a:t>
             </a:r>
             <a:r>
               <a:rPr lang="zh-CN" altLang="en-US" sz="2000" dirty="0">
@@ -8643,7 +8679,7 @@
                 <a:ea typeface="微软雅黑" charset="-108"/>
                 <a:sym typeface="微软雅黑" charset="-108"/>
               </a:rPr>
-              <a:t>排障</a:t>
+              <a:t>目录</a:t>
             </a:r>
             <a:endParaRPr lang="zh-CN" altLang="en-US" sz="2000" dirty="0">
               <a:solidFill>
@@ -8654,40 +8690,119 @@
               <a:sym typeface="微软雅黑" charset="-108"/>
             </a:endParaRPr>
           </a:p>
-          <a:p>
-            <a:pPr eaLnBrk="0" hangingPunct="0">
-              <a:buFont typeface="Wingdings" panose="05000000000000000000" pitchFamily="2" charset="2"/>
-              <a:buChar char="Ø"/>
-            </a:pPr>
-            <a:endParaRPr lang="zh-CN" altLang="en-US" dirty="0">
-              <a:latin typeface="Arial" panose="020B0704020202020204" pitchFamily="34" charset="0"/>
-              <a:ea typeface="宋体" pitchFamily="2" charset="-122"/>
-            </a:endParaRPr>
-          </a:p>
-          <a:p>
-            <a:pPr eaLnBrk="0" hangingPunct="0">
-              <a:buFont typeface="Wingdings" panose="05000000000000000000" pitchFamily="2" charset="2"/>
-              <a:buChar char="Ø"/>
-            </a:pPr>
-            <a:endParaRPr lang="zh-CN" altLang="en-US" dirty="0">
-              <a:latin typeface="Arial" panose="020B0704020202020204" pitchFamily="34" charset="0"/>
-              <a:ea typeface="宋体" pitchFamily="2" charset="-122"/>
-            </a:endParaRPr>
-          </a:p>
-          <a:p>
-            <a:pPr eaLnBrk="0" hangingPunct="0">
-              <a:buFont typeface="Wingdings" panose="05000000000000000000" pitchFamily="2" charset="2"/>
-            </a:pPr>
-            <a:endParaRPr lang="zh-CN" altLang="en-US" dirty="0">
-              <a:latin typeface="Arial" panose="020B0704020202020204" pitchFamily="34" charset="0"/>
-              <a:ea typeface="宋体" pitchFamily="2" charset="-122"/>
-            </a:endParaRPr>
+        </p:txBody>
+      </p:sp>
+      <p:sp>
+        <p:nvSpPr>
+          <p:cNvPr id="4" name="文本框 3"/>
+          <p:cNvSpPr txBox="1"/>
+          <p:nvPr/>
+        </p:nvSpPr>
+        <p:spPr>
+          <a:xfrm>
+            <a:off x="755650" y="1547495"/>
+            <a:ext cx="5845175" cy="922020"/>
+          </a:xfrm>
+          <a:prstGeom prst="rect">
+            <a:avLst/>
+          </a:prstGeom>
+          <a:noFill/>
+        </p:spPr>
+        <p:txBody>
+          <a:bodyPr wrap="square" rtlCol="0">
+            <a:spAutoFit/>
+          </a:bodyPr>
+          <a:p>
+            <a:r>
+              <a:rPr lang="en-US" altLang="zh-CN" b="1">
+                <a:latin typeface="Arial Bold" panose="020B0704020202020204" charset="0"/>
+                <a:cs typeface="Arial Bold" panose="020B0704020202020204" charset="0"/>
+              </a:rPr>
+              <a:t>rootfs </a:t>
+            </a:r>
+            <a:r>
+              <a:rPr lang="zh-CN" altLang="en-US"/>
+              <a:t>只是一个</a:t>
+            </a:r>
+            <a:r>
+              <a:rPr lang="zh-CN" altLang="en-US" b="1"/>
+              <a:t>操作系统所包含的文件、配置和目录，并不包括操作系统内核</a:t>
+            </a:r>
+            <a:r>
+              <a:rPr lang="en-US" altLang="zh-CN"/>
+              <a:t>。</a:t>
+            </a:r>
+            <a:r>
+              <a:rPr lang="zh-CN" altLang="en-US"/>
+              <a:t>而操作系统内核为容器</a:t>
+            </a:r>
+            <a:r>
+              <a:rPr lang="zh-CN" altLang="en-US"/>
+              <a:t>的“全局变量“</a:t>
+            </a:r>
+            <a:r>
+              <a:rPr lang="en-US" altLang="zh-CN"/>
+              <a:t>。</a:t>
+            </a:r>
+            <a:endParaRPr lang="en-US" altLang="zh-CN"/>
+          </a:p>
+        </p:txBody>
+      </p:sp>
+      <p:sp>
+        <p:nvSpPr>
+          <p:cNvPr id="5" name="文本框 4"/>
+          <p:cNvSpPr txBox="1"/>
+          <p:nvPr/>
+        </p:nvSpPr>
+        <p:spPr>
+          <a:xfrm>
+            <a:off x="793750" y="2708910"/>
+            <a:ext cx="5807075" cy="922020"/>
+          </a:xfrm>
+          <a:prstGeom prst="rect">
+            <a:avLst/>
+          </a:prstGeom>
+          <a:noFill/>
+        </p:spPr>
+        <p:txBody>
+          <a:bodyPr wrap="square" rtlCol="0">
+            <a:spAutoFit/>
+          </a:bodyPr>
+          <a:p>
+            <a:r>
+              <a:rPr lang="en-US" altLang="zh-CN" b="1">
+                <a:latin typeface="Arial Bold" panose="020B0704020202020204" charset="0"/>
+                <a:cs typeface="Arial Bold" panose="020B0704020202020204" charset="0"/>
+              </a:rPr>
+              <a:t>rootfs </a:t>
+            </a:r>
+            <a:r>
+              <a:rPr lang="zh-CN" altLang="en-US"/>
+              <a:t>里</a:t>
+            </a:r>
+            <a:r>
+              <a:rPr lang="zh-CN" altLang="en-US" b="1"/>
+              <a:t>打包的不只是应用，而是整个操作系统的文件和目录</a:t>
+            </a:r>
+            <a:r>
+              <a:rPr lang="en-US" altLang="zh-CN"/>
+              <a:t>（</a:t>
+            </a:r>
+            <a:r>
+              <a:rPr lang="en-US" altLang="zh-CN"/>
+              <a:t>ISO）</a:t>
+            </a:r>
+            <a:r>
+              <a:rPr lang="zh-CN" altLang="en-US"/>
+              <a:t>，也就意味着，应用以及它运行所需要的所有依赖，都被封装在了一起。</a:t>
+            </a:r>
+            <a:endParaRPr lang="zh-CN" altLang="en-US"/>
           </a:p>
         </p:txBody>
       </p:sp>
       <p:pic>
         <p:nvPicPr>
-          <p:cNvPr id="2" name="图片 1"/>
+          <p:cNvPr id="7" name="图片 6"/>
           <p:cNvPicPr>
             <a:picLocks noChangeAspect="1"/>
           </p:cNvPicPr>
@@ -8701,8 +8816,8 @@
         </p:blipFill>
         <p:spPr>
           <a:xfrm>
-            <a:off x="539750" y="1557020"/>
-            <a:ext cx="7653655" cy="4143375"/>
+            <a:off x="1907540" y="3789045"/>
+            <a:ext cx="4614545" cy="2762885"/>
           </a:xfrm>
           <a:prstGeom prst="rect">
             <a:avLst/>
@@ -8729,6 +8844,258 @@
       <p:grpSpPr/>
       <p:sp>
         <p:nvSpPr>
+          <p:cNvPr id="22529" name="标题 1"/>
+          <p:cNvSpPr/>
+          <p:nvPr/>
+        </p:nvSpPr>
+        <p:spPr>
+          <a:xfrm>
+            <a:off x="7308850" y="6337300"/>
+            <a:ext cx="1552575" cy="301625"/>
+          </a:xfrm>
+          <a:prstGeom prst="rect">
+            <a:avLst/>
+          </a:prstGeom>
+          <a:noFill/>
+          <a:ln w="9525">
+            <a:noFill/>
+          </a:ln>
+        </p:spPr>
+        <p:txBody>
+          <a:bodyPr anchor="ctr" anchorCtr="0"/>
+          <a:p>
+            <a:pPr eaLnBrk="0" hangingPunct="0"/>
+            <a:endParaRPr lang="zh-CN" sz="1100" i="1">
+              <a:solidFill>
+                <a:srgbClr val="7F7F7F"/>
+              </a:solidFill>
+              <a:latin typeface="微软雅黑" charset="-108"/>
+              <a:ea typeface="微软雅黑" charset="-108"/>
+              <a:sym typeface="宋体" pitchFamily="2" charset="-122"/>
+            </a:endParaRPr>
+          </a:p>
+        </p:txBody>
+      </p:sp>
+      <p:sp>
+        <p:nvSpPr>
+          <p:cNvPr id="22530" name="TextBox 1"/>
+          <p:cNvSpPr/>
+          <p:nvPr/>
+        </p:nvSpPr>
+        <p:spPr>
+          <a:xfrm>
+            <a:off x="247650" y="323850"/>
+            <a:ext cx="3600450" cy="460375"/>
+          </a:xfrm>
+          <a:prstGeom prst="rect">
+            <a:avLst/>
+          </a:prstGeom>
+          <a:noFill/>
+          <a:ln w="9525">
+            <a:noFill/>
+          </a:ln>
+        </p:spPr>
+        <p:txBody>
+          <a:bodyPr wrap="square" anchor="t" anchorCtr="0">
+            <a:spAutoFit/>
+          </a:bodyPr>
+          <a:p>
+            <a:pPr eaLnBrk="0" hangingPunct="0"/>
+            <a:r>
+              <a:rPr lang="zh-CN" altLang="en-US" sz="2400" b="1" dirty="0">
+                <a:solidFill>
+                  <a:srgbClr val="0070C0"/>
+                </a:solidFill>
+                <a:latin typeface="微软雅黑" charset="-108"/>
+                <a:ea typeface="微软雅黑" charset="-108"/>
+                <a:sym typeface="微软雅黑" charset="-108"/>
+              </a:rPr>
+              <a:t>容器</a:t>
+            </a:r>
+            <a:r>
+              <a:rPr lang="en-US" altLang="zh-CN" sz="2400" b="1" dirty="0">
+                <a:solidFill>
+                  <a:srgbClr val="0070C0"/>
+                </a:solidFill>
+                <a:latin typeface="微软雅黑" charset="-108"/>
+                <a:ea typeface="微软雅黑" charset="-108"/>
+                <a:sym typeface="微软雅黑" charset="-108"/>
+              </a:rPr>
+              <a:t> </a:t>
+            </a:r>
+            <a:endParaRPr lang="en-US" altLang="zh-CN" sz="2400" b="1" dirty="0">
+              <a:solidFill>
+                <a:srgbClr val="0070C0"/>
+              </a:solidFill>
+              <a:latin typeface="微软雅黑" charset="-108"/>
+              <a:ea typeface="微软雅黑" charset="-108"/>
+              <a:sym typeface="微软雅黑" charset="-108"/>
+            </a:endParaRPr>
+          </a:p>
+        </p:txBody>
+      </p:sp>
+      <p:pic>
+        <p:nvPicPr>
+          <p:cNvPr id="22532" name="图片 22532" descr="sangfor_logo"/>
+          <p:cNvPicPr>
+            <a:picLocks noChangeAspect="1"/>
+          </p:cNvPicPr>
+          <p:nvPr/>
+        </p:nvPicPr>
+        <p:blipFill>
+          <a:blip r:embed="rId1"/>
+          <a:stretch>
+            <a:fillRect/>
+          </a:stretch>
+        </p:blipFill>
+        <p:spPr>
+          <a:xfrm>
+            <a:off x="7343775" y="473075"/>
+            <a:ext cx="1320800" cy="606425"/>
+          </a:xfrm>
+          <a:prstGeom prst="rect">
+            <a:avLst/>
+          </a:prstGeom>
+          <a:noFill/>
+          <a:ln w="9525">
+            <a:noFill/>
+          </a:ln>
+        </p:spPr>
+      </p:pic>
+      <p:sp>
+        <p:nvSpPr>
+          <p:cNvPr id="35841" name="文本框 35841"/>
+          <p:cNvSpPr txBox="1"/>
+          <p:nvPr/>
+        </p:nvSpPr>
+        <p:spPr>
+          <a:xfrm>
+            <a:off x="323850" y="995680"/>
+            <a:ext cx="1715135" cy="554355"/>
+          </a:xfrm>
+          <a:prstGeom prst="rect">
+            <a:avLst/>
+          </a:prstGeom>
+          <a:noFill/>
+          <a:ln w="9525">
+            <a:noFill/>
+          </a:ln>
+        </p:spPr>
+        <p:txBody>
+          <a:bodyPr wrap="square" anchor="t" anchorCtr="0">
+            <a:noAutofit/>
+          </a:bodyPr>
+          <a:p>
+            <a:pPr eaLnBrk="0" hangingPunct="0">
+              <a:buFont typeface="Wingdings" panose="05000000000000000000" pitchFamily="2" charset="2"/>
+              <a:buChar char="Ø"/>
+            </a:pPr>
+            <a:r>
+              <a:rPr lang="zh-CN" altLang="en-US" sz="2000" dirty="0">
+                <a:solidFill>
+                  <a:srgbClr val="184199"/>
+                </a:solidFill>
+                <a:latin typeface="微软雅黑" charset="-108"/>
+                <a:ea typeface="微软雅黑" charset="-108"/>
+                <a:sym typeface="微软雅黑" charset="-108"/>
+              </a:rPr>
+              <a:t> 日常</a:t>
+            </a:r>
+            <a:r>
+              <a:rPr lang="zh-CN" altLang="en-US" sz="2000" dirty="0">
+                <a:solidFill>
+                  <a:srgbClr val="184199"/>
+                </a:solidFill>
+                <a:latin typeface="微软雅黑" charset="-108"/>
+                <a:ea typeface="微软雅黑" charset="-108"/>
+                <a:sym typeface="微软雅黑" charset="-108"/>
+              </a:rPr>
+              <a:t>排障</a:t>
+            </a:r>
+            <a:endParaRPr lang="zh-CN" altLang="en-US" sz="2000" dirty="0">
+              <a:solidFill>
+                <a:srgbClr val="184199"/>
+              </a:solidFill>
+              <a:latin typeface="微软雅黑" charset="-108"/>
+              <a:ea typeface="微软雅黑" charset="-108"/>
+              <a:sym typeface="微软雅黑" charset="-108"/>
+            </a:endParaRPr>
+          </a:p>
+          <a:p>
+            <a:pPr eaLnBrk="0" hangingPunct="0">
+              <a:buFont typeface="Wingdings" panose="05000000000000000000" pitchFamily="2" charset="2"/>
+              <a:buChar char="Ø"/>
+            </a:pPr>
+            <a:endParaRPr lang="zh-CN" altLang="en-US" dirty="0">
+              <a:latin typeface="Arial" panose="020B0704020202020204" pitchFamily="34" charset="0"/>
+              <a:ea typeface="宋体" pitchFamily="2" charset="-122"/>
+            </a:endParaRPr>
+          </a:p>
+          <a:p>
+            <a:pPr eaLnBrk="0" hangingPunct="0">
+              <a:buFont typeface="Wingdings" panose="05000000000000000000" pitchFamily="2" charset="2"/>
+              <a:buChar char="Ø"/>
+            </a:pPr>
+            <a:endParaRPr lang="zh-CN" altLang="en-US" dirty="0">
+              <a:latin typeface="Arial" panose="020B0704020202020204" pitchFamily="34" charset="0"/>
+              <a:ea typeface="宋体" pitchFamily="2" charset="-122"/>
+            </a:endParaRPr>
+          </a:p>
+          <a:p>
+            <a:pPr eaLnBrk="0" hangingPunct="0">
+              <a:buFont typeface="Wingdings" panose="05000000000000000000" pitchFamily="2" charset="2"/>
+            </a:pPr>
+            <a:endParaRPr lang="zh-CN" altLang="en-US" dirty="0">
+              <a:latin typeface="Arial" panose="020B0704020202020204" pitchFamily="34" charset="0"/>
+              <a:ea typeface="宋体" pitchFamily="2" charset="-122"/>
+            </a:endParaRPr>
+          </a:p>
+        </p:txBody>
+      </p:sp>
+      <p:pic>
+        <p:nvPicPr>
+          <p:cNvPr id="2" name="图片 1"/>
+          <p:cNvPicPr>
+            <a:picLocks noChangeAspect="1"/>
+          </p:cNvPicPr>
+          <p:nvPr/>
+        </p:nvPicPr>
+        <p:blipFill>
+          <a:blip r:embed="rId2"/>
+          <a:stretch>
+            <a:fillRect/>
+          </a:stretch>
+        </p:blipFill>
+        <p:spPr>
+          <a:xfrm>
+            <a:off x="539750" y="1557020"/>
+            <a:ext cx="7653655" cy="4143375"/>
+          </a:xfrm>
+          <a:prstGeom prst="rect">
+            <a:avLst/>
+          </a:prstGeom>
+        </p:spPr>
+      </p:pic>
+    </p:spTree>
+  </p:cSld>
+  <p:clrMapOvr>
+    <a:masterClrMapping/>
+  </p:clrMapOvr>
+</p:sld>
+</file>
+
+<file path=ppt/slides/slide14.xml><?xml version="1.0" encoding="utf-8"?>
+<p:sld xmlns:a="http://schemas.openxmlformats.org/drawingml/2006/main" xmlns:r="http://schemas.openxmlformats.org/officeDocument/2006/relationships" xmlns:p="http://schemas.openxmlformats.org/presentationml/2006/main">
+  <p:cSld>
+    <p:spTree>
+      <p:nvGrpSpPr>
+        <p:cNvPr id="1" name=""/>
+        <p:cNvGrpSpPr/>
+        <p:nvPr/>
+      </p:nvGrpSpPr>
+      <p:grpSpPr/>
+      <p:sp>
+        <p:nvSpPr>
           <p:cNvPr id="34817" name="标题 1"/>
           <p:cNvSpPr/>
           <p:nvPr/>
@@ -9048,7 +9415,7 @@
 </p:sld>
 </file>
 
-<file path=ppt/slides/slide14.xml><?xml version="1.0" encoding="utf-8"?>
+<file path=ppt/slides/slide15.xml><?xml version="1.0" encoding="utf-8"?>
 <p:sld xmlns:a="http://schemas.openxmlformats.org/drawingml/2006/main" xmlns:r="http://schemas.openxmlformats.org/officeDocument/2006/relationships" xmlns:p="http://schemas.openxmlformats.org/presentationml/2006/main">
   <p:cSld>
     <p:spTree>
@@ -9526,7 +9893,7 @@
 </p:sld>
 </file>
 
-<file path=ppt/slides/slide15.xml><?xml version="1.0" encoding="utf-8"?>
+<file path=ppt/slides/slide16.xml><?xml version="1.0" encoding="utf-8"?>
 <p:sld xmlns:a="http://schemas.openxmlformats.org/drawingml/2006/main" xmlns:r="http://schemas.openxmlformats.org/officeDocument/2006/relationships" xmlns:p="http://schemas.openxmlformats.org/presentationml/2006/main">
   <p:cSld>
     <p:spTree>
@@ -9842,345 +10209,6 @@
           </a:p>
         </p:txBody>
       </p:sp>
-    </p:spTree>
-  </p:cSld>
-  <p:clrMapOvr>
-    <a:masterClrMapping/>
-  </p:clrMapOvr>
-</p:sld>
-</file>
-
-<file path=ppt/slides/slide16.xml><?xml version="1.0" encoding="utf-8"?>
-<p:sld xmlns:a="http://schemas.openxmlformats.org/drawingml/2006/main" xmlns:r="http://schemas.openxmlformats.org/officeDocument/2006/relationships" xmlns:p="http://schemas.openxmlformats.org/presentationml/2006/main">
-  <p:cSld>
-    <p:spTree>
-      <p:nvGrpSpPr>
-        <p:cNvPr id="1" name=""/>
-        <p:cNvGrpSpPr/>
-        <p:nvPr/>
-      </p:nvGrpSpPr>
-      <p:grpSpPr/>
-      <p:sp>
-        <p:nvSpPr>
-          <p:cNvPr id="36865" name="标题 1"/>
-          <p:cNvSpPr/>
-          <p:nvPr/>
-        </p:nvSpPr>
-        <p:spPr>
-          <a:xfrm>
-            <a:off x="7308850" y="6337300"/>
-            <a:ext cx="1552575" cy="301625"/>
-          </a:xfrm>
-          <a:prstGeom prst="rect">
-            <a:avLst/>
-          </a:prstGeom>
-          <a:noFill/>
-          <a:ln w="9525">
-            <a:noFill/>
-          </a:ln>
-        </p:spPr>
-        <p:txBody>
-          <a:bodyPr anchor="ctr" anchorCtr="0"/>
-          <a:p>
-            <a:pPr eaLnBrk="0" hangingPunct="0"/>
-            <a:endParaRPr lang="zh-CN" sz="1100" i="1">
-              <a:solidFill>
-                <a:srgbClr val="7F7F7F"/>
-              </a:solidFill>
-              <a:latin typeface="微软雅黑" charset="-108"/>
-              <a:ea typeface="微软雅黑" charset="-108"/>
-              <a:sym typeface="宋体" pitchFamily="2" charset="-122"/>
-            </a:endParaRPr>
-          </a:p>
-        </p:txBody>
-      </p:sp>
-      <p:sp>
-        <p:nvSpPr>
-          <p:cNvPr id="36866" name="文本框 6"/>
-          <p:cNvSpPr/>
-          <p:nvPr/>
-        </p:nvSpPr>
-        <p:spPr>
-          <a:xfrm>
-            <a:off x="7258050" y="6488113"/>
-            <a:ext cx="1825625" cy="277812"/>
-          </a:xfrm>
-          <a:prstGeom prst="rect">
-            <a:avLst/>
-          </a:prstGeom>
-          <a:noFill/>
-          <a:ln w="9525">
-            <a:noFill/>
-          </a:ln>
-        </p:spPr>
-        <p:txBody>
-          <a:bodyPr wrap="none" anchor="t" anchorCtr="0">
-            <a:spAutoFit/>
-          </a:bodyPr>
-          <a:p>
-            <a:pPr eaLnBrk="0" hangingPunct="0"/>
-            <a:r>
-              <a:rPr lang="zh-CN" altLang="en-US" sz="1100">
-                <a:solidFill>
-                  <a:srgbClr val="000000"/>
-                </a:solidFill>
-                <a:latin typeface="微软雅黑 Light" pitchFamily="2" charset="-122"/>
-                <a:ea typeface="微软雅黑 Light" pitchFamily="2" charset="-122"/>
-                <a:sym typeface="微软雅黑 Light" pitchFamily="2" charset="-122"/>
-              </a:rPr>
-              <a:t>深信服科技培训发展中心系列课程</a:t>
-            </a:r>
-            <a:endParaRPr lang="zh-CN" altLang="en-US" sz="1100">
-              <a:solidFill>
-                <a:srgbClr val="000000"/>
-              </a:solidFill>
-              <a:latin typeface="微软雅黑 Light" pitchFamily="2" charset="-122"/>
-              <a:ea typeface="微软雅黑 Light" pitchFamily="2" charset="-122"/>
-              <a:sym typeface="微软雅黑 Light" pitchFamily="2" charset="-122"/>
-            </a:endParaRPr>
-          </a:p>
-        </p:txBody>
-      </p:sp>
-      <p:pic>
-        <p:nvPicPr>
-          <p:cNvPr id="36867" name="图片 7"/>
-          <p:cNvPicPr>
-            <a:picLocks noChangeAspect="1"/>
-          </p:cNvPicPr>
-          <p:nvPr/>
-        </p:nvPicPr>
-        <p:blipFill>
-          <a:blip r:embed="rId1"/>
-          <a:stretch>
-            <a:fillRect/>
-          </a:stretch>
-        </p:blipFill>
-        <p:spPr>
-          <a:xfrm>
-            <a:off x="0" y="0"/>
-            <a:ext cx="9144000" cy="6858000"/>
-          </a:xfrm>
-          <a:prstGeom prst="rect">
-            <a:avLst/>
-          </a:prstGeom>
-          <a:noFill/>
-          <a:ln w="9525">
-            <a:noFill/>
-          </a:ln>
-        </p:spPr>
-      </p:pic>
-      <p:sp>
-        <p:nvSpPr>
-          <p:cNvPr id="36868" name="文本框 9"/>
-          <p:cNvSpPr/>
-          <p:nvPr/>
-        </p:nvSpPr>
-        <p:spPr>
-          <a:xfrm>
-            <a:off x="6896100" y="6305550"/>
-            <a:ext cx="1506538" cy="265113"/>
-          </a:xfrm>
-          <a:prstGeom prst="rect">
-            <a:avLst/>
-          </a:prstGeom>
-          <a:noFill/>
-          <a:ln w="9525">
-            <a:noFill/>
-          </a:ln>
-        </p:spPr>
-        <p:txBody>
-          <a:bodyPr wrap="none" anchor="t" anchorCtr="0">
-            <a:spAutoFit/>
-          </a:bodyPr>
-          <a:p>
-            <a:pPr eaLnBrk="0" hangingPunct="0"/>
-            <a:r>
-              <a:rPr lang="zh-CN" altLang="en-US" sz="1000">
-                <a:solidFill>
-                  <a:srgbClr val="000000"/>
-                </a:solidFill>
-                <a:latin typeface="微软雅黑 Light" pitchFamily="2" charset="-122"/>
-                <a:ea typeface="微软雅黑 Light" pitchFamily="2" charset="-122"/>
-                <a:sym typeface="微软雅黑 Light" pitchFamily="2" charset="-122"/>
-              </a:rPr>
-              <a:t>信锐测试部专业能力精品课程</a:t>
-            </a:r>
-            <a:endParaRPr lang="zh-CN" altLang="en-US" sz="1000">
-              <a:solidFill>
-                <a:srgbClr val="000000"/>
-              </a:solidFill>
-              <a:latin typeface="微软雅黑 Light" pitchFamily="2" charset="-122"/>
-              <a:ea typeface="微软雅黑 Light" pitchFamily="2" charset="-122"/>
-              <a:sym typeface="微软雅黑 Light" pitchFamily="2" charset="-122"/>
-            </a:endParaRPr>
-          </a:p>
-        </p:txBody>
-      </p:sp>
-      <p:pic>
-        <p:nvPicPr>
-          <p:cNvPr id="36869" name="图片 1"/>
-          <p:cNvPicPr>
-            <a:picLocks noChangeAspect="1"/>
-          </p:cNvPicPr>
-          <p:nvPr/>
-        </p:nvPicPr>
-        <p:blipFill>
-          <a:blip r:embed="rId2"/>
-          <a:stretch>
-            <a:fillRect/>
-          </a:stretch>
-        </p:blipFill>
-        <p:spPr>
-          <a:xfrm>
-            <a:off x="7208838" y="495300"/>
-            <a:ext cx="1390650" cy="806450"/>
-          </a:xfrm>
-          <a:prstGeom prst="rect">
-            <a:avLst/>
-          </a:prstGeom>
-          <a:noFill/>
-          <a:ln w="9525">
-            <a:noFill/>
-          </a:ln>
-        </p:spPr>
-      </p:pic>
-      <p:pic>
-        <p:nvPicPr>
-          <p:cNvPr id="36870" name="图片 2"/>
-          <p:cNvPicPr>
-            <a:picLocks noChangeAspect="1"/>
-          </p:cNvPicPr>
-          <p:nvPr/>
-        </p:nvPicPr>
-        <p:blipFill>
-          <a:blip r:embed="rId3"/>
-          <a:stretch>
-            <a:fillRect/>
-          </a:stretch>
-        </p:blipFill>
-        <p:spPr>
-          <a:xfrm>
-            <a:off x="0" y="0"/>
-            <a:ext cx="9144000" cy="6858000"/>
-          </a:xfrm>
-          <a:prstGeom prst="rect">
-            <a:avLst/>
-          </a:prstGeom>
-          <a:noFill/>
-          <a:ln w="9525">
-            <a:noFill/>
-          </a:ln>
-        </p:spPr>
-      </p:pic>
-      <p:sp>
-        <p:nvSpPr>
-          <p:cNvPr id="36871" name="TextBox 23"/>
-          <p:cNvSpPr/>
-          <p:nvPr/>
-        </p:nvSpPr>
-        <p:spPr>
-          <a:xfrm>
-            <a:off x="4351338" y="2778125"/>
-            <a:ext cx="2628900" cy="680085"/>
-          </a:xfrm>
-          <a:prstGeom prst="rect">
-            <a:avLst/>
-          </a:prstGeom>
-          <a:noFill/>
-          <a:ln w="9525">
-            <a:noFill/>
-          </a:ln>
-        </p:spPr>
-        <p:txBody>
-          <a:bodyPr wrap="none" lIns="64802" tIns="32401" rIns="64802" bIns="32401" anchor="t" anchorCtr="0">
-            <a:spAutoFit/>
-          </a:bodyPr>
-          <a:p>
-            <a:r>
-              <a:rPr lang="zh-CN" altLang="en-US" sz="4000" b="1" dirty="0">
-                <a:latin typeface="微软雅黑" charset="-108"/>
-                <a:ea typeface="微软雅黑" charset="-108"/>
-                <a:sym typeface="微软雅黑" charset="-108"/>
-              </a:rPr>
-              <a:t>4</a:t>
-            </a:r>
-            <a:r>
-              <a:rPr lang="en-US" altLang="zh-CN" sz="4000" b="1" dirty="0">
-                <a:latin typeface="微软雅黑" charset="-108"/>
-                <a:ea typeface="微软雅黑" charset="-108"/>
-                <a:sym typeface="微软雅黑" charset="-108"/>
-              </a:rPr>
-              <a:t> K8S</a:t>
-            </a:r>
-            <a:r>
-              <a:rPr lang="zh-CN" altLang="en-US" sz="4000" b="1" dirty="0">
-                <a:latin typeface="微软雅黑" charset="-108"/>
-                <a:ea typeface="微软雅黑" charset="-108"/>
-                <a:sym typeface="微软雅黑" charset="-108"/>
-              </a:rPr>
-              <a:t>安装</a:t>
-            </a:r>
-            <a:endParaRPr lang="zh-CN" altLang="en-US" sz="4000" b="1" dirty="0">
-              <a:latin typeface="微软雅黑" charset="-108"/>
-              <a:ea typeface="微软雅黑" charset="-108"/>
-              <a:sym typeface="微软雅黑" charset="-108"/>
-            </a:endParaRPr>
-          </a:p>
-        </p:txBody>
-      </p:sp>
-      <p:sp>
-        <p:nvSpPr>
-          <p:cNvPr id="36872" name="直线连接符 6"/>
-          <p:cNvSpPr/>
-          <p:nvPr/>
-        </p:nvSpPr>
-        <p:spPr>
-          <a:xfrm flipV="1">
-            <a:off x="4513263" y="3594100"/>
-            <a:ext cx="3876675" cy="1588"/>
-          </a:xfrm>
-          <a:prstGeom prst="line">
-            <a:avLst/>
-          </a:prstGeom>
-          <a:ln w="19050" cap="flat" cmpd="sng">
-            <a:solidFill>
-              <a:srgbClr val="7F7F7F"/>
-            </a:solidFill>
-            <a:prstDash val="solid"/>
-            <a:round/>
-            <a:headEnd type="none" w="med" len="med"/>
-            <a:tailEnd type="none" w="med" len="med"/>
-          </a:ln>
-        </p:spPr>
-      </p:sp>
-      <p:pic>
-        <p:nvPicPr>
-          <p:cNvPr id="36873" name="图片 36873" descr="sangfor_logo"/>
-          <p:cNvPicPr>
-            <a:picLocks noChangeAspect="1"/>
-          </p:cNvPicPr>
-          <p:nvPr/>
-        </p:nvPicPr>
-        <p:blipFill>
-          <a:blip r:embed="rId4"/>
-          <a:stretch>
-            <a:fillRect/>
-          </a:stretch>
-        </p:blipFill>
-        <p:spPr>
-          <a:xfrm>
-            <a:off x="7343775" y="473075"/>
-            <a:ext cx="1320800" cy="606425"/>
-          </a:xfrm>
-          <a:prstGeom prst="rect">
-            <a:avLst/>
-          </a:prstGeom>
-          <a:noFill/>
-          <a:ln w="9525">
-            <a:noFill/>
-          </a:ln>
-        </p:spPr>
-      </p:pic>
     </p:spTree>
   </p:cSld>
   <p:clrMapOvr>
@@ -10201,14 +10229,14 @@
       <p:grpSpPr/>
       <p:sp>
         <p:nvSpPr>
-          <p:cNvPr id="37889" name="TextBox 1"/>
+          <p:cNvPr id="36865" name="标题 1"/>
           <p:cNvSpPr/>
           <p:nvPr/>
         </p:nvSpPr>
         <p:spPr>
           <a:xfrm>
-            <a:off x="358775" y="546100"/>
-            <a:ext cx="3600450" cy="460375"/>
+            <a:off x="7308850" y="6337300"/>
+            <a:ext cx="1552575" cy="301625"/>
           </a:xfrm>
           <a:prstGeom prst="rect">
             <a:avLst/>
@@ -10219,112 +10247,70 @@
           </a:ln>
         </p:spPr>
         <p:txBody>
-          <a:bodyPr wrap="square" anchor="t" anchorCtr="0">
-            <a:spAutoFit/>
-          </a:bodyPr>
+          <a:bodyPr anchor="ctr" anchorCtr="0"/>
           <a:p>
             <a:pPr eaLnBrk="0" hangingPunct="0"/>
-            <a:r>
-              <a:rPr lang="en-US" altLang="zh-CN" sz="2400" b="1" dirty="0">
-                <a:solidFill>
-                  <a:srgbClr val="0070C0"/>
-                </a:solidFill>
-                <a:latin typeface="微软雅黑" charset="-108"/>
-                <a:ea typeface="微软雅黑" charset="-108"/>
-                <a:sym typeface="微软雅黑" charset="-108"/>
-              </a:rPr>
-              <a:t>K8S</a:t>
-            </a:r>
-            <a:r>
-              <a:rPr lang="zh-CN" altLang="en-US" sz="2400" b="1" dirty="0">
-                <a:solidFill>
-                  <a:srgbClr val="0070C0"/>
-                </a:solidFill>
-                <a:latin typeface="微软雅黑" charset="-108"/>
-                <a:ea typeface="微软雅黑" charset="-108"/>
-                <a:sym typeface="微软雅黑" charset="-108"/>
-              </a:rPr>
-              <a:t>安装</a:t>
-            </a:r>
-            <a:r>
-              <a:rPr lang="en-US" altLang="zh-CN" sz="2400" b="1" dirty="0">
-                <a:solidFill>
-                  <a:srgbClr val="0070C0"/>
-                </a:solidFill>
-                <a:latin typeface="微软雅黑" charset="-108"/>
-                <a:ea typeface="微软雅黑" charset="-108"/>
-                <a:sym typeface="微软雅黑" charset="-108"/>
-              </a:rPr>
-              <a:t> - </a:t>
-            </a:r>
-            <a:r>
-              <a:rPr lang="en-US" altLang="zh-CN" sz="2400" b="1" dirty="0">
-                <a:solidFill>
-                  <a:srgbClr val="0070C0"/>
-                </a:solidFill>
-                <a:latin typeface="微软雅黑" charset="-108"/>
-                <a:ea typeface="微软雅黑" charset="-108"/>
-                <a:sym typeface="微软雅黑" charset="-108"/>
-              </a:rPr>
-              <a:t>POP</a:t>
-            </a:r>
-            <a:endParaRPr lang="en-US" altLang="zh-CN" sz="2400" b="1" dirty="0">
+            <a:endParaRPr lang="zh-CN" sz="1100" i="1">
               <a:solidFill>
-                <a:srgbClr val="0070C0"/>
+                <a:srgbClr val="7F7F7F"/>
               </a:solidFill>
               <a:latin typeface="微软雅黑" charset="-108"/>
               <a:ea typeface="微软雅黑" charset="-108"/>
-              <a:sym typeface="微软雅黑" charset="-108"/>
-            </a:endParaRPr>
-          </a:p>
-        </p:txBody>
-      </p:sp>
-      <p:sp>
-        <p:nvSpPr>
-          <p:cNvPr id="6" name="文本框 5"/>
-          <p:cNvSpPr txBox="1"/>
+              <a:sym typeface="宋体" pitchFamily="2" charset="-122"/>
+            </a:endParaRPr>
+          </a:p>
+        </p:txBody>
+      </p:sp>
+      <p:sp>
+        <p:nvSpPr>
+          <p:cNvPr id="36866" name="文本框 6"/>
+          <p:cNvSpPr/>
           <p:nvPr/>
         </p:nvSpPr>
         <p:spPr>
           <a:xfrm>
-            <a:off x="827405" y="5236845"/>
-            <a:ext cx="2747645" cy="922020"/>
+            <a:off x="7258050" y="6488113"/>
+            <a:ext cx="1825625" cy="277812"/>
           </a:xfrm>
           <a:prstGeom prst="rect">
             <a:avLst/>
           </a:prstGeom>
           <a:noFill/>
-        </p:spPr>
-        <p:txBody>
-          <a:bodyPr wrap="square" rtlCol="0">
+          <a:ln w="9525">
+            <a:noFill/>
+          </a:ln>
+        </p:spPr>
+        <p:txBody>
+          <a:bodyPr wrap="none" anchor="t" anchorCtr="0">
             <a:spAutoFit/>
           </a:bodyPr>
           <a:p>
-            <a:r>
-              <a:rPr lang="en-US" altLang="zh-CN"/>
-              <a:t>poc：</a:t>
-            </a:r>
-            <a:endParaRPr lang="en-US" altLang="zh-CN"/>
-          </a:p>
-          <a:p>
-            <a:r>
-              <a:rPr lang="en-US" altLang="zh-CN"/>
-              <a:t>XAAS OS </a:t>
-            </a:r>
-            <a:r>
-              <a:rPr lang="en-US" altLang="zh-CN"/>
-              <a:t>master1</a:t>
-            </a:r>
-            <a:endParaRPr lang="en-US" altLang="zh-CN"/>
-          </a:p>
-          <a:p>
-            <a:endParaRPr lang="en-US" altLang="zh-CN"/>
+            <a:pPr eaLnBrk="0" hangingPunct="0"/>
+            <a:r>
+              <a:rPr lang="zh-CN" altLang="en-US" sz="1100">
+                <a:solidFill>
+                  <a:srgbClr val="000000"/>
+                </a:solidFill>
+                <a:latin typeface="微软雅黑 Light" pitchFamily="2" charset="-122"/>
+                <a:ea typeface="微软雅黑 Light" pitchFamily="2" charset="-122"/>
+                <a:sym typeface="微软雅黑 Light" pitchFamily="2" charset="-122"/>
+              </a:rPr>
+              <a:t>深信服科技培训发展中心系列课程</a:t>
+            </a:r>
+            <a:endParaRPr lang="zh-CN" altLang="en-US" sz="1100">
+              <a:solidFill>
+                <a:srgbClr val="000000"/>
+              </a:solidFill>
+              <a:latin typeface="微软雅黑 Light" pitchFamily="2" charset="-122"/>
+              <a:ea typeface="微软雅黑 Light" pitchFamily="2" charset="-122"/>
+              <a:sym typeface="微软雅黑 Light" pitchFamily="2" charset="-122"/>
+            </a:endParaRPr>
           </a:p>
         </p:txBody>
       </p:sp>
       <p:pic>
         <p:nvPicPr>
-          <p:cNvPr id="7" name="图片 6"/>
+          <p:cNvPr id="36867" name="图片 7"/>
           <p:cNvPicPr>
             <a:picLocks noChangeAspect="1"/>
           </p:cNvPicPr>
@@ -10338,113 +10324,230 @@
         </p:blipFill>
         <p:spPr>
           <a:xfrm>
-            <a:off x="453390" y="1283335"/>
-            <a:ext cx="8561070" cy="3676650"/>
-          </a:xfrm>
-          <a:prstGeom prst="rect">
-            <a:avLst/>
-          </a:prstGeom>
-        </p:spPr>
-      </p:pic>
-      <p:sp>
-        <p:nvSpPr>
-          <p:cNvPr id="8" name="文本框 7"/>
-          <p:cNvSpPr txBox="1"/>
-          <p:nvPr/>
-        </p:nvSpPr>
-        <p:spPr>
-          <a:xfrm>
-            <a:off x="5363845" y="5181600"/>
-            <a:ext cx="3048000" cy="2584450"/>
+            <a:off x="0" y="0"/>
+            <a:ext cx="9144000" cy="6858000"/>
           </a:xfrm>
           <a:prstGeom prst="rect">
             <a:avLst/>
           </a:prstGeom>
           <a:noFill/>
-        </p:spPr>
-        <p:txBody>
-          <a:bodyPr wrap="square" rtlCol="0">
+          <a:ln w="9525">
+            <a:noFill/>
+          </a:ln>
+        </p:spPr>
+      </p:pic>
+      <p:sp>
+        <p:nvSpPr>
+          <p:cNvPr id="36868" name="文本框 9"/>
+          <p:cNvSpPr/>
+          <p:nvPr/>
+        </p:nvSpPr>
+        <p:spPr>
+          <a:xfrm>
+            <a:off x="6896100" y="6305550"/>
+            <a:ext cx="1506538" cy="265113"/>
+          </a:xfrm>
+          <a:prstGeom prst="rect">
+            <a:avLst/>
+          </a:prstGeom>
+          <a:noFill/>
+          <a:ln w="9525">
+            <a:noFill/>
+          </a:ln>
+        </p:spPr>
+        <p:txBody>
+          <a:bodyPr wrap="none" anchor="t" anchorCtr="0">
             <a:spAutoFit/>
           </a:bodyPr>
           <a:p>
-            <a:r>
-              <a:rPr lang="zh-CN" altLang="en-US">
-                <a:sym typeface="+mn-ea"/>
-              </a:rPr>
-              <a:t>高可用</a:t>
-            </a:r>
-            <a:r>
-              <a:rPr lang="en-US" altLang="zh-CN">
-                <a:sym typeface="+mn-ea"/>
-              </a:rPr>
-              <a:t>：</a:t>
-            </a:r>
-            <a:endParaRPr lang="en-US" altLang="zh-CN"/>
-          </a:p>
-          <a:p>
-            <a:r>
-              <a:rPr lang="en-US" altLang="zh-CN">
-                <a:sym typeface="+mn-ea"/>
-              </a:rPr>
-              <a:t>XAAS OS master1</a:t>
-            </a:r>
-            <a:endParaRPr lang="en-US" altLang="zh-CN">
-              <a:sym typeface="+mn-ea"/>
-            </a:endParaRPr>
-          </a:p>
-          <a:p>
-            <a:r>
-              <a:rPr lang="en-US" altLang="zh-CN">
-                <a:sym typeface="+mn-ea"/>
-              </a:rPr>
-              <a:t>XAAS OS master2</a:t>
-            </a:r>
-            <a:endParaRPr lang="en-US" altLang="zh-CN">
-              <a:sym typeface="+mn-ea"/>
-            </a:endParaRPr>
-          </a:p>
-          <a:p>
-            <a:r>
-              <a:rPr lang="en-US" altLang="zh-CN">
-                <a:sym typeface="+mn-ea"/>
-              </a:rPr>
-              <a:t>XAAS OS master3</a:t>
-            </a:r>
-            <a:endParaRPr lang="en-US" altLang="zh-CN">
-              <a:sym typeface="+mn-ea"/>
-            </a:endParaRPr>
-          </a:p>
-          <a:p>
-            <a:r>
-              <a:rPr lang="en-US" altLang="zh-CN">
-                <a:sym typeface="+mn-ea"/>
-              </a:rPr>
-              <a:t>XAAS OS worker...</a:t>
-            </a:r>
-            <a:endParaRPr lang="en-US" altLang="zh-CN">
-              <a:sym typeface="+mn-ea"/>
-            </a:endParaRPr>
-          </a:p>
-          <a:p>
-            <a:endParaRPr lang="en-US" altLang="zh-CN">
-              <a:sym typeface="+mn-ea"/>
-            </a:endParaRPr>
-          </a:p>
-          <a:p>
-            <a:endParaRPr lang="en-US" altLang="zh-CN">
-              <a:sym typeface="+mn-ea"/>
-            </a:endParaRPr>
-          </a:p>
-          <a:p>
-            <a:endParaRPr lang="en-US" altLang="zh-CN">
-              <a:sym typeface="+mn-ea"/>
-            </a:endParaRPr>
-          </a:p>
-          <a:p>
-            <a:endParaRPr lang="zh-CN" altLang="en-US"/>
-          </a:p>
-        </p:txBody>
-      </p:sp>
+            <a:pPr eaLnBrk="0" hangingPunct="0"/>
+            <a:r>
+              <a:rPr lang="zh-CN" altLang="en-US" sz="1000">
+                <a:solidFill>
+                  <a:srgbClr val="000000"/>
+                </a:solidFill>
+                <a:latin typeface="微软雅黑 Light" pitchFamily="2" charset="-122"/>
+                <a:ea typeface="微软雅黑 Light" pitchFamily="2" charset="-122"/>
+                <a:sym typeface="微软雅黑 Light" pitchFamily="2" charset="-122"/>
+              </a:rPr>
+              <a:t>信锐测试部专业能力精品课程</a:t>
+            </a:r>
+            <a:endParaRPr lang="zh-CN" altLang="en-US" sz="1000">
+              <a:solidFill>
+                <a:srgbClr val="000000"/>
+              </a:solidFill>
+              <a:latin typeface="微软雅黑 Light" pitchFamily="2" charset="-122"/>
+              <a:ea typeface="微软雅黑 Light" pitchFamily="2" charset="-122"/>
+              <a:sym typeface="微软雅黑 Light" pitchFamily="2" charset="-122"/>
+            </a:endParaRPr>
+          </a:p>
+        </p:txBody>
+      </p:sp>
+      <p:pic>
+        <p:nvPicPr>
+          <p:cNvPr id="36869" name="图片 1"/>
+          <p:cNvPicPr>
+            <a:picLocks noChangeAspect="1"/>
+          </p:cNvPicPr>
+          <p:nvPr/>
+        </p:nvPicPr>
+        <p:blipFill>
+          <a:blip r:embed="rId2"/>
+          <a:stretch>
+            <a:fillRect/>
+          </a:stretch>
+        </p:blipFill>
+        <p:spPr>
+          <a:xfrm>
+            <a:off x="7208838" y="495300"/>
+            <a:ext cx="1390650" cy="806450"/>
+          </a:xfrm>
+          <a:prstGeom prst="rect">
+            <a:avLst/>
+          </a:prstGeom>
+          <a:noFill/>
+          <a:ln w="9525">
+            <a:noFill/>
+          </a:ln>
+        </p:spPr>
+      </p:pic>
+      <p:pic>
+        <p:nvPicPr>
+          <p:cNvPr id="36870" name="图片 2"/>
+          <p:cNvPicPr>
+            <a:picLocks noChangeAspect="1"/>
+          </p:cNvPicPr>
+          <p:nvPr/>
+        </p:nvPicPr>
+        <p:blipFill>
+          <a:blip r:embed="rId3"/>
+          <a:stretch>
+            <a:fillRect/>
+          </a:stretch>
+        </p:blipFill>
+        <p:spPr>
+          <a:xfrm>
+            <a:off x="0" y="0"/>
+            <a:ext cx="9144000" cy="6858000"/>
+          </a:xfrm>
+          <a:prstGeom prst="rect">
+            <a:avLst/>
+          </a:prstGeom>
+          <a:noFill/>
+          <a:ln w="9525">
+            <a:noFill/>
+          </a:ln>
+        </p:spPr>
+      </p:pic>
+      <p:sp>
+        <p:nvSpPr>
+          <p:cNvPr id="36871" name="TextBox 23"/>
+          <p:cNvSpPr/>
+          <p:nvPr/>
+        </p:nvSpPr>
+        <p:spPr>
+          <a:xfrm>
+            <a:off x="4351338" y="2778125"/>
+            <a:ext cx="2628900" cy="680085"/>
+          </a:xfrm>
+          <a:prstGeom prst="rect">
+            <a:avLst/>
+          </a:prstGeom>
+          <a:noFill/>
+          <a:ln w="9525">
+            <a:noFill/>
+          </a:ln>
+        </p:spPr>
+        <p:txBody>
+          <a:bodyPr wrap="none" lIns="64802" tIns="32401" rIns="64802" bIns="32401" anchor="t" anchorCtr="0">
+            <a:spAutoFit/>
+          </a:bodyPr>
+          <a:p>
+            <a:r>
+              <a:rPr lang="zh-CN" altLang="en-US" sz="4000" b="1" dirty="0">
+                <a:latin typeface="微软雅黑" charset="-108"/>
+                <a:ea typeface="微软雅黑" charset="-108"/>
+                <a:sym typeface="微软雅黑" charset="-108"/>
+              </a:rPr>
+              <a:t>4</a:t>
+            </a:r>
+            <a:r>
+              <a:rPr lang="en-US" altLang="zh-CN" sz="4000" b="1" dirty="0">
+                <a:latin typeface="微软雅黑" charset="-108"/>
+                <a:ea typeface="微软雅黑" charset="-108"/>
+                <a:sym typeface="微软雅黑" charset="-108"/>
+              </a:rPr>
+              <a:t> K8S</a:t>
+            </a:r>
+            <a:r>
+              <a:rPr lang="zh-CN" altLang="en-US" sz="4000" b="1" dirty="0">
+                <a:latin typeface="微软雅黑" charset="-108"/>
+                <a:ea typeface="微软雅黑" charset="-108"/>
+                <a:sym typeface="微软雅黑" charset="-108"/>
+              </a:rPr>
+              <a:t>安装</a:t>
+            </a:r>
+            <a:endParaRPr lang="zh-CN" altLang="en-US" sz="4000" b="1" dirty="0">
+              <a:latin typeface="微软雅黑" charset="-108"/>
+              <a:ea typeface="微软雅黑" charset="-108"/>
+              <a:sym typeface="微软雅黑" charset="-108"/>
+            </a:endParaRPr>
+          </a:p>
+        </p:txBody>
+      </p:sp>
+      <p:sp>
+        <p:nvSpPr>
+          <p:cNvPr id="36872" name="直线连接符 6"/>
+          <p:cNvSpPr/>
+          <p:nvPr/>
+        </p:nvSpPr>
+        <p:spPr>
+          <a:xfrm flipV="1">
+            <a:off x="4513263" y="3594100"/>
+            <a:ext cx="3876675" cy="1588"/>
+          </a:xfrm>
+          <a:prstGeom prst="line">
+            <a:avLst/>
+          </a:prstGeom>
+          <a:ln w="19050" cap="flat" cmpd="sng">
+            <a:solidFill>
+              <a:srgbClr val="7F7F7F"/>
+            </a:solidFill>
+            <a:prstDash val="solid"/>
+            <a:round/>
+            <a:headEnd type="none" w="med" len="med"/>
+            <a:tailEnd type="none" w="med" len="med"/>
+          </a:ln>
+        </p:spPr>
+      </p:sp>
+      <p:pic>
+        <p:nvPicPr>
+          <p:cNvPr id="36873" name="图片 36873" descr="sangfor_logo"/>
+          <p:cNvPicPr>
+            <a:picLocks noChangeAspect="1"/>
+          </p:cNvPicPr>
+          <p:nvPr/>
+        </p:nvPicPr>
+        <p:blipFill>
+          <a:blip r:embed="rId4"/>
+          <a:stretch>
+            <a:fillRect/>
+          </a:stretch>
+        </p:blipFill>
+        <p:spPr>
+          <a:xfrm>
+            <a:off x="7343775" y="473075"/>
+            <a:ext cx="1320800" cy="606425"/>
+          </a:xfrm>
+          <a:prstGeom prst="rect">
+            <a:avLst/>
+          </a:prstGeom>
+          <a:noFill/>
+          <a:ln w="9525">
+            <a:noFill/>
+          </a:ln>
+        </p:spPr>
+      </p:pic>
     </p:spTree>
   </p:cSld>
   <p:clrMapOvr>
@@ -10465,6 +10568,270 @@
       <p:grpSpPr/>
       <p:sp>
         <p:nvSpPr>
+          <p:cNvPr id="37889" name="TextBox 1"/>
+          <p:cNvSpPr/>
+          <p:nvPr/>
+        </p:nvSpPr>
+        <p:spPr>
+          <a:xfrm>
+            <a:off x="358775" y="546100"/>
+            <a:ext cx="3600450" cy="460375"/>
+          </a:xfrm>
+          <a:prstGeom prst="rect">
+            <a:avLst/>
+          </a:prstGeom>
+          <a:noFill/>
+          <a:ln w="9525">
+            <a:noFill/>
+          </a:ln>
+        </p:spPr>
+        <p:txBody>
+          <a:bodyPr wrap="square" anchor="t" anchorCtr="0">
+            <a:spAutoFit/>
+          </a:bodyPr>
+          <a:p>
+            <a:pPr eaLnBrk="0" hangingPunct="0"/>
+            <a:r>
+              <a:rPr lang="en-US" altLang="zh-CN" sz="2400" b="1" dirty="0">
+                <a:solidFill>
+                  <a:srgbClr val="0070C0"/>
+                </a:solidFill>
+                <a:latin typeface="微软雅黑" charset="-108"/>
+                <a:ea typeface="微软雅黑" charset="-108"/>
+                <a:sym typeface="微软雅黑" charset="-108"/>
+              </a:rPr>
+              <a:t>K8S</a:t>
+            </a:r>
+            <a:r>
+              <a:rPr lang="zh-CN" altLang="en-US" sz="2400" b="1" dirty="0">
+                <a:solidFill>
+                  <a:srgbClr val="0070C0"/>
+                </a:solidFill>
+                <a:latin typeface="微软雅黑" charset="-108"/>
+                <a:ea typeface="微软雅黑" charset="-108"/>
+                <a:sym typeface="微软雅黑" charset="-108"/>
+              </a:rPr>
+              <a:t>安装</a:t>
+            </a:r>
+            <a:r>
+              <a:rPr lang="en-US" altLang="zh-CN" sz="2400" b="1" dirty="0">
+                <a:solidFill>
+                  <a:srgbClr val="0070C0"/>
+                </a:solidFill>
+                <a:latin typeface="微软雅黑" charset="-108"/>
+                <a:ea typeface="微软雅黑" charset="-108"/>
+                <a:sym typeface="微软雅黑" charset="-108"/>
+              </a:rPr>
+              <a:t> - </a:t>
+            </a:r>
+            <a:r>
+              <a:rPr lang="en-US" altLang="zh-CN" sz="2400" b="1" dirty="0">
+                <a:solidFill>
+                  <a:srgbClr val="0070C0"/>
+                </a:solidFill>
+                <a:latin typeface="微软雅黑" charset="-108"/>
+                <a:ea typeface="微软雅黑" charset="-108"/>
+                <a:sym typeface="微软雅黑" charset="-108"/>
+              </a:rPr>
+              <a:t>POP</a:t>
+            </a:r>
+            <a:endParaRPr lang="en-US" altLang="zh-CN" sz="2400" b="1" dirty="0">
+              <a:solidFill>
+                <a:srgbClr val="0070C0"/>
+              </a:solidFill>
+              <a:latin typeface="微软雅黑" charset="-108"/>
+              <a:ea typeface="微软雅黑" charset="-108"/>
+              <a:sym typeface="微软雅黑" charset="-108"/>
+            </a:endParaRPr>
+          </a:p>
+        </p:txBody>
+      </p:sp>
+      <p:sp>
+        <p:nvSpPr>
+          <p:cNvPr id="6" name="文本框 5"/>
+          <p:cNvSpPr txBox="1"/>
+          <p:nvPr/>
+        </p:nvSpPr>
+        <p:spPr>
+          <a:xfrm>
+            <a:off x="827405" y="5236845"/>
+            <a:ext cx="2747645" cy="922020"/>
+          </a:xfrm>
+          <a:prstGeom prst="rect">
+            <a:avLst/>
+          </a:prstGeom>
+          <a:noFill/>
+        </p:spPr>
+        <p:txBody>
+          <a:bodyPr wrap="square" rtlCol="0">
+            <a:spAutoFit/>
+          </a:bodyPr>
+          <a:p>
+            <a:r>
+              <a:rPr lang="en-US" altLang="zh-CN"/>
+              <a:t>poc：</a:t>
+            </a:r>
+            <a:endParaRPr lang="en-US" altLang="zh-CN"/>
+          </a:p>
+          <a:p>
+            <a:r>
+              <a:rPr lang="en-US" altLang="zh-CN"/>
+              <a:t>XAAS OS </a:t>
+            </a:r>
+            <a:r>
+              <a:rPr lang="en-US" altLang="zh-CN"/>
+              <a:t>master1</a:t>
+            </a:r>
+            <a:endParaRPr lang="en-US" altLang="zh-CN"/>
+          </a:p>
+          <a:p>
+            <a:endParaRPr lang="en-US" altLang="zh-CN"/>
+          </a:p>
+        </p:txBody>
+      </p:sp>
+      <p:pic>
+        <p:nvPicPr>
+          <p:cNvPr id="7" name="图片 6"/>
+          <p:cNvPicPr>
+            <a:picLocks noChangeAspect="1"/>
+          </p:cNvPicPr>
+          <p:nvPr/>
+        </p:nvPicPr>
+        <p:blipFill>
+          <a:blip r:embed="rId1"/>
+          <a:stretch>
+            <a:fillRect/>
+          </a:stretch>
+        </p:blipFill>
+        <p:spPr>
+          <a:xfrm>
+            <a:off x="453390" y="1283335"/>
+            <a:ext cx="8561070" cy="3676650"/>
+          </a:xfrm>
+          <a:prstGeom prst="rect">
+            <a:avLst/>
+          </a:prstGeom>
+        </p:spPr>
+      </p:pic>
+      <p:sp>
+        <p:nvSpPr>
+          <p:cNvPr id="8" name="文本框 7"/>
+          <p:cNvSpPr txBox="1"/>
+          <p:nvPr/>
+        </p:nvSpPr>
+        <p:spPr>
+          <a:xfrm>
+            <a:off x="5363845" y="5181600"/>
+            <a:ext cx="3048000" cy="2584450"/>
+          </a:xfrm>
+          <a:prstGeom prst="rect">
+            <a:avLst/>
+          </a:prstGeom>
+          <a:noFill/>
+        </p:spPr>
+        <p:txBody>
+          <a:bodyPr wrap="square" rtlCol="0">
+            <a:spAutoFit/>
+          </a:bodyPr>
+          <a:p>
+            <a:r>
+              <a:rPr lang="zh-CN" altLang="en-US">
+                <a:sym typeface="+mn-ea"/>
+              </a:rPr>
+              <a:t>高可用</a:t>
+            </a:r>
+            <a:r>
+              <a:rPr lang="en-US" altLang="zh-CN">
+                <a:sym typeface="+mn-ea"/>
+              </a:rPr>
+              <a:t>：</a:t>
+            </a:r>
+            <a:endParaRPr lang="en-US" altLang="zh-CN"/>
+          </a:p>
+          <a:p>
+            <a:r>
+              <a:rPr lang="en-US" altLang="zh-CN">
+                <a:sym typeface="+mn-ea"/>
+              </a:rPr>
+              <a:t>XAAS OS master1</a:t>
+            </a:r>
+            <a:endParaRPr lang="en-US" altLang="zh-CN">
+              <a:sym typeface="+mn-ea"/>
+            </a:endParaRPr>
+          </a:p>
+          <a:p>
+            <a:r>
+              <a:rPr lang="en-US" altLang="zh-CN">
+                <a:sym typeface="+mn-ea"/>
+              </a:rPr>
+              <a:t>XAAS OS master2</a:t>
+            </a:r>
+            <a:endParaRPr lang="en-US" altLang="zh-CN">
+              <a:sym typeface="+mn-ea"/>
+            </a:endParaRPr>
+          </a:p>
+          <a:p>
+            <a:r>
+              <a:rPr lang="en-US" altLang="zh-CN">
+                <a:sym typeface="+mn-ea"/>
+              </a:rPr>
+              <a:t>XAAS OS master3</a:t>
+            </a:r>
+            <a:endParaRPr lang="en-US" altLang="zh-CN">
+              <a:sym typeface="+mn-ea"/>
+            </a:endParaRPr>
+          </a:p>
+          <a:p>
+            <a:r>
+              <a:rPr lang="en-US" altLang="zh-CN">
+                <a:sym typeface="+mn-ea"/>
+              </a:rPr>
+              <a:t>XAAS OS worker...</a:t>
+            </a:r>
+            <a:endParaRPr lang="en-US" altLang="zh-CN">
+              <a:sym typeface="+mn-ea"/>
+            </a:endParaRPr>
+          </a:p>
+          <a:p>
+            <a:endParaRPr lang="en-US" altLang="zh-CN">
+              <a:sym typeface="+mn-ea"/>
+            </a:endParaRPr>
+          </a:p>
+          <a:p>
+            <a:endParaRPr lang="en-US" altLang="zh-CN">
+              <a:sym typeface="+mn-ea"/>
+            </a:endParaRPr>
+          </a:p>
+          <a:p>
+            <a:endParaRPr lang="en-US" altLang="zh-CN">
+              <a:sym typeface="+mn-ea"/>
+            </a:endParaRPr>
+          </a:p>
+          <a:p>
+            <a:endParaRPr lang="zh-CN" altLang="en-US"/>
+          </a:p>
+        </p:txBody>
+      </p:sp>
+    </p:spTree>
+  </p:cSld>
+  <p:clrMapOvr>
+    <a:masterClrMapping/>
+  </p:clrMapOvr>
+</p:sld>
+</file>
+
+<file path=ppt/slides/slide19.xml><?xml version="1.0" encoding="utf-8"?>
+<p:sld xmlns:a="http://schemas.openxmlformats.org/drawingml/2006/main" xmlns:r="http://schemas.openxmlformats.org/officeDocument/2006/relationships" xmlns:p="http://schemas.openxmlformats.org/presentationml/2006/main">
+  <p:cSld>
+    <p:spTree>
+      <p:nvGrpSpPr>
+        <p:cNvPr id="1" name=""/>
+        <p:cNvGrpSpPr/>
+        <p:nvPr/>
+      </p:nvGrpSpPr>
+      <p:grpSpPr/>
+      <p:sp>
+        <p:nvSpPr>
           <p:cNvPr id="39937" name="文本框 6"/>
           <p:cNvSpPr/>
           <p:nvPr/>
@@ -10762,7 +11129,7 @@
                 <a:ea typeface="微软雅黑" charset="-108"/>
                 <a:sym typeface="微软雅黑" charset="-108"/>
               </a:rPr>
-              <a:t>可选</a:t>
+              <a:t>选修</a:t>
             </a:r>
             <a:r>
               <a:rPr lang="en-US" altLang="zh-CN" sz="1800" b="1">
@@ -11049,216 +11416,6 @@
           </a:p>
         </p:txBody>
       </p:sp>
-      <p:sp>
-        <p:nvSpPr>
-          <p:cNvPr id="6147" name="文本框 15"/>
-          <p:cNvSpPr/>
-          <p:nvPr/>
-        </p:nvSpPr>
-        <p:spPr>
-          <a:xfrm>
-            <a:off x="5471795" y="2976245"/>
-            <a:ext cx="2473325" cy="433705"/>
-          </a:xfrm>
-          <a:prstGeom prst="rect">
-            <a:avLst/>
-          </a:prstGeom>
-          <a:noFill/>
-          <a:ln w="9525">
-            <a:noFill/>
-          </a:ln>
-        </p:spPr>
-        <p:txBody>
-          <a:bodyPr wrap="square" lIns="64802" tIns="32401" rIns="64802" bIns="32401" anchor="t" anchorCtr="0">
-            <a:spAutoFit/>
-          </a:bodyPr>
-          <a:p>
-            <a:pPr eaLnBrk="0" hangingPunct="0"/>
-            <a:r>
-              <a:rPr lang="zh-CN" altLang="en-US" sz="2400" dirty="0">
-                <a:solidFill>
-                  <a:srgbClr val="184199"/>
-                </a:solidFill>
-                <a:latin typeface="微软雅黑" charset="-108"/>
-                <a:ea typeface="微软雅黑" charset="-108"/>
-                <a:sym typeface="微软雅黑" charset="-108"/>
-              </a:rPr>
-              <a:t>容器</a:t>
-            </a:r>
-            <a:endParaRPr lang="zh-CN" altLang="en-US" sz="2400" dirty="0">
-              <a:solidFill>
-                <a:srgbClr val="184199"/>
-              </a:solidFill>
-              <a:latin typeface="微软雅黑" charset="-108"/>
-              <a:ea typeface="微软雅黑" charset="-108"/>
-              <a:sym typeface="微软雅黑" charset="-108"/>
-            </a:endParaRPr>
-          </a:p>
-        </p:txBody>
-      </p:sp>
-      <p:sp>
-        <p:nvSpPr>
-          <p:cNvPr id="6148" name="矩形 17"/>
-          <p:cNvSpPr/>
-          <p:nvPr/>
-        </p:nvSpPr>
-        <p:spPr>
-          <a:xfrm>
-            <a:off x="2327275" y="3040063"/>
-            <a:ext cx="1069975" cy="836612"/>
-          </a:xfrm>
-          <a:prstGeom prst="rect">
-            <a:avLst/>
-          </a:prstGeom>
-          <a:noFill/>
-          <a:ln w="9525">
-            <a:noFill/>
-          </a:ln>
-        </p:spPr>
-        <p:txBody>
-          <a:bodyPr wrap="none" anchor="t" anchorCtr="0">
-            <a:spAutoFit/>
-          </a:bodyPr>
-          <a:p>
-            <a:pPr eaLnBrk="0" hangingPunct="0"/>
-            <a:r>
-              <a:rPr lang="zh-CN" altLang="en-US" sz="4500" b="1" dirty="0">
-                <a:solidFill>
-                  <a:srgbClr val="000000"/>
-                </a:solidFill>
-                <a:latin typeface="微软雅黑" charset="-108"/>
-                <a:ea typeface="微软雅黑" charset="-108"/>
-                <a:sym typeface="微软雅黑" charset="-108"/>
-              </a:rPr>
-              <a:t>目录</a:t>
-            </a:r>
-            <a:endParaRPr lang="zh-CN" altLang="en-US" sz="4500" b="1" dirty="0">
-              <a:solidFill>
-                <a:srgbClr val="000000"/>
-              </a:solidFill>
-              <a:latin typeface="微软雅黑" charset="-108"/>
-              <a:ea typeface="微软雅黑" charset="-108"/>
-              <a:sym typeface="微软雅黑" charset="-108"/>
-            </a:endParaRPr>
-          </a:p>
-        </p:txBody>
-      </p:sp>
-      <p:sp>
-        <p:nvSpPr>
-          <p:cNvPr id="6149" name="文本框 18"/>
-          <p:cNvSpPr/>
-          <p:nvPr/>
-        </p:nvSpPr>
-        <p:spPr>
-          <a:xfrm>
-            <a:off x="4903788" y="2339975"/>
-            <a:ext cx="296862" cy="881063"/>
-          </a:xfrm>
-          <a:prstGeom prst="rect">
-            <a:avLst/>
-          </a:prstGeom>
-          <a:noFill/>
-          <a:ln w="9525">
-            <a:noFill/>
-          </a:ln>
-        </p:spPr>
-        <p:txBody>
-          <a:bodyPr wrap="none" anchor="t" anchorCtr="0">
-            <a:spAutoFit/>
-          </a:bodyPr>
-          <a:p>
-            <a:pPr eaLnBrk="0" hangingPunct="0"/>
-            <a:r>
-              <a:rPr lang="en-US" altLang="zh-CN" sz="2400" b="1" dirty="0">
-                <a:solidFill>
-                  <a:srgbClr val="184199"/>
-                </a:solidFill>
-                <a:latin typeface="微软雅黑" charset="-108"/>
-                <a:ea typeface="微软雅黑" charset="-108"/>
-                <a:sym typeface="微软雅黑" charset="-108"/>
-              </a:rPr>
-              <a:t>1</a:t>
-            </a:r>
-            <a:endParaRPr lang="en-US" altLang="zh-CN" sz="2400" b="1" dirty="0">
-              <a:solidFill>
-                <a:srgbClr val="184199"/>
-              </a:solidFill>
-              <a:latin typeface="微软雅黑" charset="-108"/>
-              <a:ea typeface="微软雅黑" charset="-108"/>
-              <a:sym typeface="微软雅黑" charset="-108"/>
-            </a:endParaRPr>
-          </a:p>
-          <a:p>
-            <a:pPr eaLnBrk="0" hangingPunct="0"/>
-            <a:endParaRPr lang="zh-CN" altLang="en-US" sz="2400" dirty="0">
-              <a:solidFill>
-                <a:srgbClr val="366AB5"/>
-              </a:solidFill>
-              <a:latin typeface="Calibri" pitchFamily="2" charset="0"/>
-              <a:ea typeface="宋体" pitchFamily="2" charset="-122"/>
-              <a:sym typeface="宋体" pitchFamily="2" charset="-122"/>
-            </a:endParaRPr>
-          </a:p>
-        </p:txBody>
-      </p:sp>
-      <p:sp>
-        <p:nvSpPr>
-          <p:cNvPr id="6150" name="文本框 23"/>
-          <p:cNvSpPr/>
-          <p:nvPr/>
-        </p:nvSpPr>
-        <p:spPr>
-          <a:xfrm>
-            <a:off x="4903788" y="2998788"/>
-            <a:ext cx="296862" cy="879475"/>
-          </a:xfrm>
-          <a:prstGeom prst="rect">
-            <a:avLst/>
-          </a:prstGeom>
-          <a:noFill/>
-          <a:ln w="9525">
-            <a:noFill/>
-          </a:ln>
-        </p:spPr>
-        <p:txBody>
-          <a:bodyPr wrap="none" anchor="t" anchorCtr="0">
-            <a:spAutoFit/>
-          </a:bodyPr>
-          <a:p>
-            <a:pPr eaLnBrk="0" hangingPunct="0"/>
-            <a:r>
-              <a:rPr lang="en-US" altLang="zh-CN" sz="2400" b="1" dirty="0">
-                <a:solidFill>
-                  <a:srgbClr val="184199"/>
-                </a:solidFill>
-                <a:latin typeface="微软雅黑" charset="-108"/>
-                <a:ea typeface="微软雅黑" charset="-108"/>
-                <a:sym typeface="微软雅黑" charset="-108"/>
-              </a:rPr>
-              <a:t>2</a:t>
-            </a:r>
-            <a:endParaRPr lang="en-US" altLang="zh-CN" sz="2400" b="1" dirty="0">
-              <a:solidFill>
-                <a:srgbClr val="184199"/>
-              </a:solidFill>
-              <a:latin typeface="微软雅黑" charset="-108"/>
-              <a:ea typeface="微软雅黑" charset="-108"/>
-              <a:sym typeface="微软雅黑" charset="-108"/>
-            </a:endParaRPr>
-          </a:p>
-          <a:p>
-            <a:pPr eaLnBrk="0" hangingPunct="0"/>
-            <a:endParaRPr lang="zh-CN" altLang="en-US" sz="2400" dirty="0">
-              <a:solidFill>
-                <a:srgbClr val="366AB5"/>
-              </a:solidFill>
-              <a:latin typeface="Calibri" pitchFamily="2" charset="0"/>
-              <a:ea typeface="宋体" pitchFamily="2" charset="-122"/>
-              <a:sym typeface="宋体" pitchFamily="2" charset="-122"/>
-            </a:endParaRPr>
-          </a:p>
-        </p:txBody>
-      </p:sp>
       <p:pic>
         <p:nvPicPr>
           <p:cNvPr id="6151" name="图片 6151" descr="sangfor_logo"/>
@@ -11287,263 +11444,30 @@
           </a:ln>
         </p:spPr>
       </p:pic>
-      <p:sp>
-        <p:nvSpPr>
-          <p:cNvPr id="6152" name="文本框 15"/>
-          <p:cNvSpPr/>
+      <p:pic>
+        <p:nvPicPr>
+          <p:cNvPr id="2" name="图片 1"/>
+          <p:cNvPicPr>
+            <a:picLocks noChangeAspect="1"/>
+          </p:cNvPicPr>
           <p:nvPr/>
-        </p:nvSpPr>
-        <p:spPr>
-          <a:xfrm>
-            <a:off x="5471795" y="4300538"/>
-            <a:ext cx="2436813" cy="433705"/>
+        </p:nvPicPr>
+        <p:blipFill>
+          <a:blip r:embed="rId2"/>
+          <a:stretch>
+            <a:fillRect/>
+          </a:stretch>
+        </p:blipFill>
+        <p:spPr>
+          <a:xfrm>
+            <a:off x="1259840" y="1268730"/>
+            <a:ext cx="6313805" cy="4814570"/>
           </a:xfrm>
           <a:prstGeom prst="rect">
             <a:avLst/>
           </a:prstGeom>
-          <a:noFill/>
-          <a:ln w="9525">
-            <a:noFill/>
-          </a:ln>
-        </p:spPr>
-        <p:txBody>
-          <a:bodyPr wrap="square" lIns="64802" tIns="32401" rIns="64802" bIns="32401" anchor="t" anchorCtr="0">
-            <a:spAutoFit/>
-          </a:bodyPr>
-          <a:p>
-            <a:pPr eaLnBrk="0" hangingPunct="0"/>
-            <a:r>
-              <a:rPr lang="en-US" altLang="zh-CN" sz="2400" dirty="0">
-                <a:solidFill>
-                  <a:srgbClr val="184199"/>
-                </a:solidFill>
-                <a:latin typeface="微软雅黑" charset="-108"/>
-                <a:ea typeface="微软雅黑" charset="-108"/>
-                <a:sym typeface="微软雅黑" charset="-108"/>
-              </a:rPr>
-              <a:t>k8s</a:t>
-            </a:r>
-            <a:r>
-              <a:rPr lang="zh-CN" altLang="en-US" sz="2400" dirty="0">
-                <a:solidFill>
-                  <a:srgbClr val="184199"/>
-                </a:solidFill>
-                <a:latin typeface="微软雅黑" charset="-108"/>
-                <a:ea typeface="微软雅黑" charset="-108"/>
-                <a:sym typeface="微软雅黑" charset="-108"/>
-              </a:rPr>
-              <a:t>安装</a:t>
-            </a:r>
-            <a:endParaRPr lang="zh-CN" altLang="en-US" sz="2400" dirty="0">
-              <a:solidFill>
-                <a:srgbClr val="184199"/>
-              </a:solidFill>
-              <a:latin typeface="微软雅黑" charset="-108"/>
-              <a:ea typeface="微软雅黑" charset="-108"/>
-              <a:sym typeface="微软雅黑" charset="-108"/>
-            </a:endParaRPr>
-          </a:p>
-        </p:txBody>
-      </p:sp>
-      <p:sp>
-        <p:nvSpPr>
-          <p:cNvPr id="6153" name="文本框 25"/>
-          <p:cNvSpPr/>
-          <p:nvPr/>
-        </p:nvSpPr>
-        <p:spPr>
-          <a:xfrm>
-            <a:off x="4878388" y="4297363"/>
-            <a:ext cx="293687" cy="484187"/>
-          </a:xfrm>
-          <a:prstGeom prst="rect">
-            <a:avLst/>
-          </a:prstGeom>
-          <a:noFill/>
-          <a:ln w="9525">
-            <a:noFill/>
-          </a:ln>
-        </p:spPr>
-        <p:txBody>
-          <a:bodyPr wrap="none" anchor="t" anchorCtr="0">
-            <a:spAutoFit/>
-          </a:bodyPr>
-          <a:p>
-            <a:pPr eaLnBrk="0" hangingPunct="0"/>
-            <a:r>
-              <a:rPr lang="zh-CN" altLang="en-US" sz="2400" b="1" dirty="0">
-                <a:solidFill>
-                  <a:srgbClr val="184199"/>
-                </a:solidFill>
-                <a:latin typeface="微软雅黑" charset="-108"/>
-                <a:ea typeface="微软雅黑" charset="-108"/>
-                <a:sym typeface="微软雅黑" charset="-108"/>
-              </a:rPr>
-              <a:t>4</a:t>
-            </a:r>
-            <a:endParaRPr lang="zh-CN" altLang="en-US" sz="2400" dirty="0">
-              <a:solidFill>
-                <a:srgbClr val="366AB5"/>
-              </a:solidFill>
-              <a:latin typeface="Calibri" pitchFamily="2" charset="0"/>
-              <a:ea typeface="宋体" pitchFamily="2" charset="-122"/>
-              <a:sym typeface="宋体" pitchFamily="2" charset="-122"/>
-            </a:endParaRPr>
-          </a:p>
-        </p:txBody>
-      </p:sp>
-      <p:sp>
-        <p:nvSpPr>
-          <p:cNvPr id="6154" name="文本框 15"/>
-          <p:cNvSpPr/>
-          <p:nvPr/>
-        </p:nvSpPr>
-        <p:spPr>
-          <a:xfrm>
-            <a:off x="5471795" y="3638550"/>
-            <a:ext cx="2436813" cy="433705"/>
-          </a:xfrm>
-          <a:prstGeom prst="rect">
-            <a:avLst/>
-          </a:prstGeom>
-          <a:noFill/>
-          <a:ln w="9525">
-            <a:noFill/>
-          </a:ln>
-        </p:spPr>
-        <p:txBody>
-          <a:bodyPr wrap="square" lIns="64802" tIns="32401" rIns="64802" bIns="32401" anchor="t" anchorCtr="0">
-            <a:spAutoFit/>
-          </a:bodyPr>
-          <a:p>
-            <a:pPr eaLnBrk="0" hangingPunct="0"/>
-            <a:r>
-              <a:rPr lang="en-US" altLang="zh-CN" sz="2400" dirty="0">
-                <a:solidFill>
-                  <a:srgbClr val="184199"/>
-                </a:solidFill>
-                <a:latin typeface="微软雅黑" charset="-108"/>
-                <a:ea typeface="微软雅黑" charset="-108"/>
-                <a:sym typeface="微软雅黑" charset="-108"/>
-              </a:rPr>
-              <a:t>kubernetes</a:t>
-            </a:r>
-            <a:endParaRPr lang="en-US" altLang="zh-CN" sz="2400" dirty="0">
-              <a:solidFill>
-                <a:srgbClr val="184199"/>
-              </a:solidFill>
-              <a:latin typeface="微软雅黑" charset="-108"/>
-              <a:ea typeface="微软雅黑" charset="-108"/>
-              <a:sym typeface="微软雅黑" charset="-108"/>
-            </a:endParaRPr>
-          </a:p>
-        </p:txBody>
-      </p:sp>
-      <p:sp>
-        <p:nvSpPr>
-          <p:cNvPr id="6155" name="文本框 25"/>
-          <p:cNvSpPr/>
-          <p:nvPr/>
-        </p:nvSpPr>
-        <p:spPr>
-          <a:xfrm>
-            <a:off x="4878388" y="3635375"/>
-            <a:ext cx="293687" cy="482600"/>
-          </a:xfrm>
-          <a:prstGeom prst="rect">
-            <a:avLst/>
-          </a:prstGeom>
-          <a:noFill/>
-          <a:ln w="9525">
-            <a:noFill/>
-          </a:ln>
-        </p:spPr>
-        <p:txBody>
-          <a:bodyPr wrap="none" anchor="t" anchorCtr="0">
-            <a:spAutoFit/>
-          </a:bodyPr>
-          <a:p>
-            <a:pPr eaLnBrk="0" hangingPunct="0"/>
-            <a:r>
-              <a:rPr lang="zh-CN" altLang="en-US" sz="2400" b="1" dirty="0">
-                <a:solidFill>
-                  <a:srgbClr val="184199"/>
-                </a:solidFill>
-                <a:latin typeface="微软雅黑" charset="-108"/>
-                <a:ea typeface="微软雅黑" charset="-108"/>
-                <a:sym typeface="微软雅黑" charset="-108"/>
-              </a:rPr>
-              <a:t>3</a:t>
-            </a:r>
-            <a:endParaRPr lang="zh-CN" altLang="en-US" sz="2400" dirty="0">
-              <a:solidFill>
-                <a:srgbClr val="366AB5"/>
-              </a:solidFill>
-              <a:latin typeface="Calibri" pitchFamily="2" charset="0"/>
-              <a:ea typeface="宋体" pitchFamily="2" charset="-122"/>
-              <a:sym typeface="宋体" pitchFamily="2" charset="-122"/>
-            </a:endParaRPr>
-          </a:p>
-        </p:txBody>
-      </p:sp>
-      <p:sp>
-        <p:nvSpPr>
-          <p:cNvPr id="4" name="文本框 15"/>
-          <p:cNvSpPr/>
-          <p:nvPr/>
-        </p:nvSpPr>
-        <p:spPr>
-          <a:xfrm>
-            <a:off x="5436235" y="2348865"/>
-            <a:ext cx="2473325" cy="433705"/>
-          </a:xfrm>
-          <a:prstGeom prst="rect">
-            <a:avLst/>
-          </a:prstGeom>
-          <a:noFill/>
-          <a:ln w="9525">
-            <a:noFill/>
-          </a:ln>
-        </p:spPr>
-        <p:txBody>
-          <a:bodyPr wrap="square" lIns="64802" tIns="32401" rIns="64802" bIns="32401" anchor="t" anchorCtr="0">
-            <a:spAutoFit/>
-          </a:bodyPr>
-          <a:p>
-            <a:pPr eaLnBrk="0" hangingPunct="0"/>
-            <a:r>
-              <a:rPr lang="zh-CN" altLang="en-US" sz="2400" dirty="0">
-                <a:solidFill>
-                  <a:srgbClr val="184199"/>
-                </a:solidFill>
-                <a:latin typeface="微软雅黑" charset="-108"/>
-                <a:ea typeface="微软雅黑" charset="-108"/>
-                <a:sym typeface="微软雅黑" charset="-108"/>
-              </a:rPr>
-              <a:t>云计算</a:t>
-            </a:r>
-            <a:r>
-              <a:rPr lang="zh-CN" altLang="en-US" sz="2400" dirty="0">
-                <a:solidFill>
-                  <a:srgbClr val="184199"/>
-                </a:solidFill>
-                <a:latin typeface="微软雅黑" charset="-108"/>
-                <a:ea typeface="微软雅黑" charset="-108"/>
-                <a:sym typeface="微软雅黑" charset="-108"/>
-              </a:rPr>
-              <a:t>历史</a:t>
-            </a:r>
-            <a:endParaRPr lang="zh-CN" altLang="en-US" sz="2400" dirty="0">
-              <a:solidFill>
-                <a:srgbClr val="184199"/>
-              </a:solidFill>
-              <a:latin typeface="微软雅黑" charset="-108"/>
-              <a:ea typeface="微软雅黑" charset="-108"/>
-              <a:sym typeface="微软雅黑" charset="-108"/>
-            </a:endParaRPr>
-          </a:p>
-        </p:txBody>
-      </p:sp>
+        </p:spPr>
+      </p:pic>
     </p:spTree>
   </p:cSld>
   <p:clrMapOvr>
@@ -11564,13 +11488,13 @@
       <p:grpSpPr/>
       <p:sp>
         <p:nvSpPr>
-          <p:cNvPr id="7169" name="标题 1"/>
+          <p:cNvPr id="6145" name="标题 1"/>
           <p:cNvSpPr/>
           <p:nvPr/>
         </p:nvSpPr>
         <p:spPr>
           <a:xfrm>
-            <a:off x="7308850" y="6337300"/>
+            <a:off x="7278688" y="5668963"/>
             <a:ext cx="1552575" cy="301625"/>
           </a:xfrm>
           <a:prstGeom prst="rect">
@@ -11598,14 +11522,14 @@
       </p:sp>
       <p:sp>
         <p:nvSpPr>
-          <p:cNvPr id="7170" name="文本框 6"/>
+          <p:cNvPr id="6147" name="文本框 15"/>
           <p:cNvSpPr/>
           <p:nvPr/>
         </p:nvSpPr>
         <p:spPr>
           <a:xfrm>
-            <a:off x="7258050" y="6488113"/>
-            <a:ext cx="1825625" cy="277812"/>
+            <a:off x="5471795" y="2976245"/>
+            <a:ext cx="2473325" cy="433705"/>
           </a:xfrm>
           <a:prstGeom prst="rect">
             <a:avLst/>
@@ -11616,36 +11540,199 @@
           </a:ln>
         </p:spPr>
         <p:txBody>
+          <a:bodyPr wrap="square" lIns="64802" tIns="32401" rIns="64802" bIns="32401" anchor="t" anchorCtr="0">
+            <a:spAutoFit/>
+          </a:bodyPr>
+          <a:p>
+            <a:pPr eaLnBrk="0" hangingPunct="0"/>
+            <a:r>
+              <a:rPr lang="zh-CN" altLang="en-US" sz="2400" dirty="0">
+                <a:solidFill>
+                  <a:srgbClr val="184199"/>
+                </a:solidFill>
+                <a:latin typeface="微软雅黑" charset="-108"/>
+                <a:ea typeface="微软雅黑" charset="-108"/>
+                <a:sym typeface="微软雅黑" charset="-108"/>
+              </a:rPr>
+              <a:t>容器</a:t>
+            </a:r>
+            <a:endParaRPr lang="zh-CN" altLang="en-US" sz="2400" dirty="0">
+              <a:solidFill>
+                <a:srgbClr val="184199"/>
+              </a:solidFill>
+              <a:latin typeface="微软雅黑" charset="-108"/>
+              <a:ea typeface="微软雅黑" charset="-108"/>
+              <a:sym typeface="微软雅黑" charset="-108"/>
+            </a:endParaRPr>
+          </a:p>
+        </p:txBody>
+      </p:sp>
+      <p:sp>
+        <p:nvSpPr>
+          <p:cNvPr id="6148" name="矩形 17"/>
+          <p:cNvSpPr/>
+          <p:nvPr/>
+        </p:nvSpPr>
+        <p:spPr>
+          <a:xfrm>
+            <a:off x="2327275" y="3040063"/>
+            <a:ext cx="1069975" cy="836612"/>
+          </a:xfrm>
+          <a:prstGeom prst="rect">
+            <a:avLst/>
+          </a:prstGeom>
+          <a:noFill/>
+          <a:ln w="9525">
+            <a:noFill/>
+          </a:ln>
+        </p:spPr>
+        <p:txBody>
           <a:bodyPr wrap="none" anchor="t" anchorCtr="0">
             <a:spAutoFit/>
           </a:bodyPr>
           <a:p>
             <a:pPr eaLnBrk="0" hangingPunct="0"/>
             <a:r>
-              <a:rPr lang="zh-CN" altLang="en-US" sz="1100">
+              <a:rPr lang="zh-CN" altLang="en-US" sz="4500" b="1" dirty="0">
                 <a:solidFill>
                   <a:srgbClr val="000000"/>
                 </a:solidFill>
-                <a:latin typeface="微软雅黑 Light" pitchFamily="2" charset="-122"/>
-                <a:ea typeface="微软雅黑 Light" pitchFamily="2" charset="-122"/>
-                <a:sym typeface="微软雅黑 Light" pitchFamily="2" charset="-122"/>
-              </a:rPr>
-              <a:t>深信服科技培训发展中心系列课程</a:t>
-            </a:r>
-            <a:endParaRPr lang="zh-CN" altLang="en-US" sz="1100">
+                <a:latin typeface="微软雅黑" charset="-108"/>
+                <a:ea typeface="微软雅黑" charset="-108"/>
+                <a:sym typeface="微软雅黑" charset="-108"/>
+              </a:rPr>
+              <a:t>目录</a:t>
+            </a:r>
+            <a:endParaRPr lang="zh-CN" altLang="en-US" sz="4500" b="1" dirty="0">
               <a:solidFill>
                 <a:srgbClr val="000000"/>
               </a:solidFill>
-              <a:latin typeface="微软雅黑 Light" pitchFamily="2" charset="-122"/>
-              <a:ea typeface="微软雅黑 Light" pitchFamily="2" charset="-122"/>
-              <a:sym typeface="微软雅黑 Light" pitchFamily="2" charset="-122"/>
+              <a:latin typeface="微软雅黑" charset="-108"/>
+              <a:ea typeface="微软雅黑" charset="-108"/>
+              <a:sym typeface="微软雅黑" charset="-108"/>
+            </a:endParaRPr>
+          </a:p>
+        </p:txBody>
+      </p:sp>
+      <p:sp>
+        <p:nvSpPr>
+          <p:cNvPr id="6149" name="文本框 18"/>
+          <p:cNvSpPr/>
+          <p:nvPr/>
+        </p:nvSpPr>
+        <p:spPr>
+          <a:xfrm>
+            <a:off x="4903788" y="2339975"/>
+            <a:ext cx="296862" cy="881063"/>
+          </a:xfrm>
+          <a:prstGeom prst="rect">
+            <a:avLst/>
+          </a:prstGeom>
+          <a:noFill/>
+          <a:ln w="9525">
+            <a:noFill/>
+          </a:ln>
+        </p:spPr>
+        <p:txBody>
+          <a:bodyPr wrap="none" anchor="t" anchorCtr="0">
+            <a:spAutoFit/>
+          </a:bodyPr>
+          <a:p>
+            <a:pPr eaLnBrk="0" hangingPunct="0"/>
+            <a:r>
+              <a:rPr lang="en-US" altLang="zh-CN" sz="2400" b="1" dirty="0">
+                <a:solidFill>
+                  <a:srgbClr val="184199"/>
+                </a:solidFill>
+                <a:latin typeface="微软雅黑" charset="-108"/>
+                <a:ea typeface="微软雅黑" charset="-108"/>
+                <a:sym typeface="微软雅黑" charset="-108"/>
+              </a:rPr>
+              <a:t>1</a:t>
+            </a:r>
+            <a:endParaRPr lang="en-US" altLang="zh-CN" sz="2400" b="1" dirty="0">
+              <a:solidFill>
+                <a:srgbClr val="184199"/>
+              </a:solidFill>
+              <a:latin typeface="微软雅黑" charset="-108"/>
+              <a:ea typeface="微软雅黑" charset="-108"/>
+              <a:sym typeface="微软雅黑" charset="-108"/>
+            </a:endParaRPr>
+          </a:p>
+          <a:p>
+            <a:pPr eaLnBrk="0" hangingPunct="0"/>
+            <a:endParaRPr lang="zh-CN" altLang="en-US" sz="2400" dirty="0">
+              <a:solidFill>
+                <a:srgbClr val="366AB5"/>
+              </a:solidFill>
+              <a:latin typeface="Calibri" pitchFamily="2" charset="0"/>
+              <a:ea typeface="宋体" pitchFamily="2" charset="-122"/>
+              <a:sym typeface="宋体" pitchFamily="2" charset="-122"/>
+            </a:endParaRPr>
+          </a:p>
+        </p:txBody>
+      </p:sp>
+      <p:sp>
+        <p:nvSpPr>
+          <p:cNvPr id="6150" name="文本框 23"/>
+          <p:cNvSpPr/>
+          <p:nvPr/>
+        </p:nvSpPr>
+        <p:spPr>
+          <a:xfrm>
+            <a:off x="4903788" y="2998788"/>
+            <a:ext cx="296862" cy="879475"/>
+          </a:xfrm>
+          <a:prstGeom prst="rect">
+            <a:avLst/>
+          </a:prstGeom>
+          <a:noFill/>
+          <a:ln w="9525">
+            <a:noFill/>
+          </a:ln>
+        </p:spPr>
+        <p:txBody>
+          <a:bodyPr wrap="none" anchor="t" anchorCtr="0">
+            <a:spAutoFit/>
+          </a:bodyPr>
+          <a:p>
+            <a:pPr eaLnBrk="0" hangingPunct="0"/>
+            <a:r>
+              <a:rPr lang="en-US" altLang="zh-CN" sz="2400" b="1" dirty="0">
+                <a:solidFill>
+                  <a:srgbClr val="184199"/>
+                </a:solidFill>
+                <a:latin typeface="微软雅黑" charset="-108"/>
+                <a:ea typeface="微软雅黑" charset="-108"/>
+                <a:sym typeface="微软雅黑" charset="-108"/>
+              </a:rPr>
+              <a:t>2</a:t>
+            </a:r>
+            <a:endParaRPr lang="en-US" altLang="zh-CN" sz="2400" b="1" dirty="0">
+              <a:solidFill>
+                <a:srgbClr val="184199"/>
+              </a:solidFill>
+              <a:latin typeface="微软雅黑" charset="-108"/>
+              <a:ea typeface="微软雅黑" charset="-108"/>
+              <a:sym typeface="微软雅黑" charset="-108"/>
+            </a:endParaRPr>
+          </a:p>
+          <a:p>
+            <a:pPr eaLnBrk="0" hangingPunct="0"/>
+            <a:endParaRPr lang="zh-CN" altLang="en-US" sz="2400" dirty="0">
+              <a:solidFill>
+                <a:srgbClr val="366AB5"/>
+              </a:solidFill>
+              <a:latin typeface="Calibri" pitchFamily="2" charset="0"/>
+              <a:ea typeface="宋体" pitchFamily="2" charset="-122"/>
+              <a:sym typeface="宋体" pitchFamily="2" charset="-122"/>
             </a:endParaRPr>
           </a:p>
         </p:txBody>
       </p:sp>
       <p:pic>
         <p:nvPicPr>
-          <p:cNvPr id="7171" name="图片 7"/>
+          <p:cNvPr id="6151" name="图片 6151" descr="sangfor_logo"/>
           <p:cNvPicPr>
             <a:picLocks noChangeAspect="1"/>
           </p:cNvPicPr>
@@ -11659,8 +11746,8 @@
         </p:blipFill>
         <p:spPr>
           <a:xfrm>
-            <a:off x="0" y="0"/>
-            <a:ext cx="9144000" cy="6858000"/>
+            <a:off x="7343775" y="473075"/>
+            <a:ext cx="1320800" cy="606425"/>
           </a:xfrm>
           <a:prstGeom prst="rect">
             <a:avLst/>
@@ -11673,14 +11760,14 @@
       </p:pic>
       <p:sp>
         <p:nvSpPr>
-          <p:cNvPr id="7172" name="文本框 9"/>
+          <p:cNvPr id="6152" name="文本框 15"/>
           <p:cNvSpPr/>
           <p:nvPr/>
         </p:nvSpPr>
         <p:spPr>
           <a:xfrm>
-            <a:off x="6896100" y="6305550"/>
-            <a:ext cx="1506538" cy="265113"/>
+            <a:off x="5471795" y="4300538"/>
+            <a:ext cx="2436813" cy="433705"/>
           </a:xfrm>
           <a:prstGeom prst="rect">
             <a:avLst/>
@@ -11691,51 +11778,54 @@
           </a:ln>
         </p:spPr>
         <p:txBody>
-          <a:bodyPr wrap="none" anchor="t" anchorCtr="0">
+          <a:bodyPr wrap="square" lIns="64802" tIns="32401" rIns="64802" bIns="32401" anchor="t" anchorCtr="0">
             <a:spAutoFit/>
           </a:bodyPr>
           <a:p>
             <a:pPr eaLnBrk="0" hangingPunct="0"/>
             <a:r>
-              <a:rPr lang="zh-CN" altLang="en-US" sz="1000">
+              <a:rPr lang="en-US" altLang="zh-CN" sz="2400" dirty="0">
                 <a:solidFill>
-                  <a:srgbClr val="000000"/>
+                  <a:srgbClr val="184199"/>
                 </a:solidFill>
-                <a:latin typeface="微软雅黑 Light" pitchFamily="2" charset="-122"/>
-                <a:ea typeface="微软雅黑 Light" pitchFamily="2" charset="-122"/>
-                <a:sym typeface="微软雅黑 Light" pitchFamily="2" charset="-122"/>
-              </a:rPr>
-              <a:t>信锐测试部专业能力精品课程</a:t>
-            </a:r>
-            <a:endParaRPr lang="zh-CN" altLang="en-US" sz="1000">
+                <a:latin typeface="微软雅黑" charset="-108"/>
+                <a:ea typeface="微软雅黑" charset="-108"/>
+                <a:sym typeface="微软雅黑" charset="-108"/>
+              </a:rPr>
+              <a:t>k8s</a:t>
+            </a:r>
+            <a:r>
+              <a:rPr lang="zh-CN" altLang="en-US" sz="2400" dirty="0">
+                <a:solidFill>
+                  <a:srgbClr val="184199"/>
+                </a:solidFill>
+                <a:latin typeface="微软雅黑" charset="-108"/>
+                <a:ea typeface="微软雅黑" charset="-108"/>
+                <a:sym typeface="微软雅黑" charset="-108"/>
+              </a:rPr>
+              <a:t>安装</a:t>
+            </a:r>
+            <a:endParaRPr lang="zh-CN" altLang="en-US" sz="2400" dirty="0">
               <a:solidFill>
-                <a:srgbClr val="000000"/>
+                <a:srgbClr val="184199"/>
               </a:solidFill>
-              <a:latin typeface="微软雅黑 Light" pitchFamily="2" charset="-122"/>
-              <a:ea typeface="微软雅黑 Light" pitchFamily="2" charset="-122"/>
-              <a:sym typeface="微软雅黑 Light" pitchFamily="2" charset="-122"/>
-            </a:endParaRPr>
-          </a:p>
-        </p:txBody>
-      </p:sp>
-      <p:pic>
-        <p:nvPicPr>
-          <p:cNvPr id="7173" name="图片 1"/>
-          <p:cNvPicPr>
-            <a:picLocks noChangeAspect="1"/>
-          </p:cNvPicPr>
+              <a:latin typeface="微软雅黑" charset="-108"/>
+              <a:ea typeface="微软雅黑" charset="-108"/>
+              <a:sym typeface="微软雅黑" charset="-108"/>
+            </a:endParaRPr>
+          </a:p>
+        </p:txBody>
+      </p:sp>
+      <p:sp>
+        <p:nvSpPr>
+          <p:cNvPr id="6153" name="文本框 25"/>
+          <p:cNvSpPr/>
           <p:nvPr/>
-        </p:nvPicPr>
-        <p:blipFill>
-          <a:blip r:embed="rId2"/>
-          <a:stretch>
-            <a:fillRect/>
-          </a:stretch>
-        </p:blipFill>
-        <p:spPr>
-          <a:xfrm>
-            <a:off x="7208838" y="495300"/>
-            <a:ext cx="1390650" cy="806450"/>
+        </p:nvSpPr>
+        <p:spPr>
+          <a:xfrm>
+            <a:off x="4878388" y="4297363"/>
+            <a:ext cx="293687" cy="484187"/>
           </a:xfrm>
           <a:prstGeom prst="rect">
             <a:avLst/>
@@ -11745,25 +11835,44 @@
             <a:noFill/>
           </a:ln>
         </p:spPr>
-      </p:pic>
-      <p:pic>
-        <p:nvPicPr>
-          <p:cNvPr id="7174" name="图片 2"/>
-          <p:cNvPicPr>
-            <a:picLocks noChangeAspect="1"/>
-          </p:cNvPicPr>
+        <p:txBody>
+          <a:bodyPr wrap="none" anchor="t" anchorCtr="0">
+            <a:spAutoFit/>
+          </a:bodyPr>
+          <a:p>
+            <a:pPr eaLnBrk="0" hangingPunct="0"/>
+            <a:r>
+              <a:rPr lang="zh-CN" altLang="en-US" sz="2400" b="1" dirty="0">
+                <a:solidFill>
+                  <a:srgbClr val="184199"/>
+                </a:solidFill>
+                <a:latin typeface="微软雅黑" charset="-108"/>
+                <a:ea typeface="微软雅黑" charset="-108"/>
+                <a:sym typeface="微软雅黑" charset="-108"/>
+              </a:rPr>
+              <a:t>4</a:t>
+            </a:r>
+            <a:endParaRPr lang="zh-CN" altLang="en-US" sz="2400" dirty="0">
+              <a:solidFill>
+                <a:srgbClr val="366AB5"/>
+              </a:solidFill>
+              <a:latin typeface="Calibri" pitchFamily="2" charset="0"/>
+              <a:ea typeface="宋体" pitchFamily="2" charset="-122"/>
+              <a:sym typeface="宋体" pitchFamily="2" charset="-122"/>
+            </a:endParaRPr>
+          </a:p>
+        </p:txBody>
+      </p:sp>
+      <p:sp>
+        <p:nvSpPr>
+          <p:cNvPr id="6154" name="文本框 15"/>
+          <p:cNvSpPr/>
           <p:nvPr/>
-        </p:nvPicPr>
-        <p:blipFill>
-          <a:blip r:embed="rId3"/>
-          <a:stretch>
-            <a:fillRect/>
-          </a:stretch>
-        </p:blipFill>
-        <p:spPr>
-          <a:xfrm>
-            <a:off x="0" y="0"/>
-            <a:ext cx="9144000" cy="6858000"/>
+        </p:nvSpPr>
+        <p:spPr>
+          <a:xfrm>
+            <a:off x="5471795" y="3638550"/>
+            <a:ext cx="2436813" cy="433705"/>
           </a:xfrm>
           <a:prstGeom prst="rect">
             <a:avLst/>
@@ -11773,17 +11882,44 @@
             <a:noFill/>
           </a:ln>
         </p:spPr>
-      </p:pic>
-      <p:sp>
-        <p:nvSpPr>
-          <p:cNvPr id="7175" name="TextBox 23"/>
+        <p:txBody>
+          <a:bodyPr wrap="square" lIns="64802" tIns="32401" rIns="64802" bIns="32401" anchor="t" anchorCtr="0">
+            <a:spAutoFit/>
+          </a:bodyPr>
+          <a:p>
+            <a:pPr eaLnBrk="0" hangingPunct="0"/>
+            <a:r>
+              <a:rPr lang="en-US" altLang="zh-CN" sz="2400" dirty="0">
+                <a:solidFill>
+                  <a:srgbClr val="184199"/>
+                </a:solidFill>
+                <a:latin typeface="微软雅黑" charset="-108"/>
+                <a:ea typeface="微软雅黑" charset="-108"/>
+                <a:sym typeface="微软雅黑" charset="-108"/>
+              </a:rPr>
+              <a:t>kubernetes</a:t>
+            </a:r>
+            <a:endParaRPr lang="en-US" altLang="zh-CN" sz="2400" dirty="0">
+              <a:solidFill>
+                <a:srgbClr val="184199"/>
+              </a:solidFill>
+              <a:latin typeface="微软雅黑" charset="-108"/>
+              <a:ea typeface="微软雅黑" charset="-108"/>
+              <a:sym typeface="微软雅黑" charset="-108"/>
+            </a:endParaRPr>
+          </a:p>
+        </p:txBody>
+      </p:sp>
+      <p:sp>
+        <p:nvSpPr>
+          <p:cNvPr id="6155" name="文本框 25"/>
           <p:cNvSpPr/>
           <p:nvPr/>
         </p:nvSpPr>
         <p:spPr>
           <a:xfrm>
-            <a:off x="4351338" y="2778125"/>
-            <a:ext cx="3155950" cy="680085"/>
+            <a:off x="4878388" y="3635375"/>
+            <a:ext cx="293687" cy="482600"/>
           </a:xfrm>
           <a:prstGeom prst="rect">
             <a:avLst/>
@@ -11794,85 +11930,43 @@
           </a:ln>
         </p:spPr>
         <p:txBody>
-          <a:bodyPr wrap="none" lIns="64802" tIns="32401" rIns="64802" bIns="32401" anchor="t" anchorCtr="0">
+          <a:bodyPr wrap="none" anchor="t" anchorCtr="0">
             <a:spAutoFit/>
           </a:bodyPr>
           <a:p>
-            <a:r>
-              <a:rPr lang="en-US" altLang="zh-CN" sz="4000" b="1" dirty="0">
+            <a:pPr eaLnBrk="0" hangingPunct="0"/>
+            <a:r>
+              <a:rPr lang="zh-CN" altLang="en-US" sz="2400" b="1" dirty="0">
+                <a:solidFill>
+                  <a:srgbClr val="184199"/>
+                </a:solidFill>
                 <a:latin typeface="微软雅黑" charset="-108"/>
                 <a:ea typeface="微软雅黑" charset="-108"/>
                 <a:sym typeface="微软雅黑" charset="-108"/>
               </a:rPr>
-              <a:t>1 </a:t>
-            </a:r>
-            <a:r>
-              <a:rPr lang="zh-CN" altLang="en-US" sz="4000" b="1" dirty="0">
-                <a:latin typeface="微软雅黑" charset="-108"/>
-                <a:ea typeface="微软雅黑" charset="-108"/>
-                <a:sym typeface="微软雅黑" charset="-108"/>
-              </a:rPr>
-              <a:t>云计算</a:t>
-            </a:r>
-            <a:r>
-              <a:rPr lang="zh-CN" altLang="en-US" sz="4000" b="1" dirty="0">
-                <a:latin typeface="微软雅黑" charset="-108"/>
-                <a:ea typeface="微软雅黑" charset="-108"/>
-                <a:sym typeface="微软雅黑" charset="-108"/>
-              </a:rPr>
-              <a:t>历史</a:t>
-            </a:r>
-            <a:endParaRPr lang="zh-CN" altLang="en-US" sz="4000" b="1" dirty="0">
-              <a:latin typeface="微软雅黑" charset="-108"/>
-              <a:ea typeface="微软雅黑" charset="-108"/>
-              <a:sym typeface="微软雅黑" charset="-108"/>
-            </a:endParaRPr>
-          </a:p>
-        </p:txBody>
-      </p:sp>
-      <p:sp>
-        <p:nvSpPr>
-          <p:cNvPr id="7176" name="直线连接符 6"/>
+              <a:t>3</a:t>
+            </a:r>
+            <a:endParaRPr lang="zh-CN" altLang="en-US" sz="2400" dirty="0">
+              <a:solidFill>
+                <a:srgbClr val="366AB5"/>
+              </a:solidFill>
+              <a:latin typeface="Calibri" pitchFamily="2" charset="0"/>
+              <a:ea typeface="宋体" pitchFamily="2" charset="-122"/>
+              <a:sym typeface="宋体" pitchFamily="2" charset="-122"/>
+            </a:endParaRPr>
+          </a:p>
+        </p:txBody>
+      </p:sp>
+      <p:sp>
+        <p:nvSpPr>
+          <p:cNvPr id="4" name="文本框 15"/>
           <p:cNvSpPr/>
           <p:nvPr/>
         </p:nvSpPr>
         <p:spPr>
-          <a:xfrm flipV="1">
-            <a:off x="4513263" y="3594100"/>
-            <a:ext cx="3876675" cy="1588"/>
-          </a:xfrm>
-          <a:prstGeom prst="line">
-            <a:avLst/>
-          </a:prstGeom>
-          <a:ln w="19050" cap="flat" cmpd="sng">
-            <a:solidFill>
-              <a:srgbClr val="7F7F7F"/>
-            </a:solidFill>
-            <a:prstDash val="solid"/>
-            <a:round/>
-            <a:headEnd type="none" w="med" len="med"/>
-            <a:tailEnd type="none" w="med" len="med"/>
-          </a:ln>
-        </p:spPr>
-      </p:sp>
-      <p:pic>
-        <p:nvPicPr>
-          <p:cNvPr id="7177" name="图片 7177" descr="sangfor_logo"/>
-          <p:cNvPicPr>
-            <a:picLocks noChangeAspect="1"/>
-          </p:cNvPicPr>
-          <p:nvPr/>
-        </p:nvPicPr>
-        <p:blipFill>
-          <a:blip r:embed="rId4"/>
-          <a:stretch>
-            <a:fillRect/>
-          </a:stretch>
-        </p:blipFill>
-        <p:spPr>
-          <a:xfrm>
-            <a:off x="7343775" y="473075"/>
-            <a:ext cx="1320800" cy="606425"/>
+          <a:xfrm>
+            <a:off x="5436235" y="2348865"/>
+            <a:ext cx="2473325" cy="433705"/>
           </a:xfrm>
           <a:prstGeom prst="rect">
             <a:avLst/>
@@ -11882,7 +11976,45 @@
             <a:noFill/>
           </a:ln>
         </p:spPr>
-      </p:pic>
+        <p:txBody>
+          <a:bodyPr wrap="square" lIns="64802" tIns="32401" rIns="64802" bIns="32401" anchor="t" anchorCtr="0">
+            <a:spAutoFit/>
+          </a:bodyPr>
+          <a:p>
+            <a:pPr eaLnBrk="0" hangingPunct="0"/>
+            <a:r>
+              <a:rPr lang="zh-CN" altLang="en-US" sz="2400" dirty="0">
+                <a:solidFill>
+                  <a:srgbClr val="184199"/>
+                </a:solidFill>
+                <a:latin typeface="微软雅黑" charset="-108"/>
+                <a:ea typeface="微软雅黑" charset="-108"/>
+                <a:sym typeface="微软雅黑" charset="-108"/>
+              </a:rPr>
+              <a:t>云计算</a:t>
+            </a:r>
+            <a:r>
+              <a:rPr lang="zh-CN" altLang="en-US" sz="2400" dirty="0">
+                <a:solidFill>
+                  <a:srgbClr val="184199"/>
+                </a:solidFill>
+                <a:latin typeface="微软雅黑" charset="-108"/>
+                <a:ea typeface="微软雅黑" charset="-108"/>
+                <a:sym typeface="微软雅黑" charset="-108"/>
+              </a:rPr>
+              <a:t>历史</a:t>
+            </a:r>
+            <a:endParaRPr lang="zh-CN" altLang="en-US" sz="2400" dirty="0">
+              <a:solidFill>
+                <a:srgbClr val="184199"/>
+              </a:solidFill>
+              <a:latin typeface="微软雅黑" charset="-108"/>
+              <a:ea typeface="微软雅黑" charset="-108"/>
+              <a:sym typeface="微软雅黑" charset="-108"/>
+            </a:endParaRPr>
+          </a:p>
+        </p:txBody>
+      </p:sp>
     </p:spTree>
   </p:cSld>
   <p:clrMapOvr>
@@ -11903,14 +12035,14 @@
       <p:grpSpPr/>
       <p:sp>
         <p:nvSpPr>
-          <p:cNvPr id="8193" name="TextBox 1"/>
+          <p:cNvPr id="7169" name="标题 1"/>
           <p:cNvSpPr/>
           <p:nvPr/>
         </p:nvSpPr>
         <p:spPr>
           <a:xfrm>
-            <a:off x="228600" y="150813"/>
-            <a:ext cx="3600450" cy="460375"/>
+            <a:off x="7308850" y="6337300"/>
+            <a:ext cx="1552575" cy="301625"/>
           </a:xfrm>
           <a:prstGeom prst="rect">
             <a:avLst/>
@@ -11921,47 +12053,70 @@
           </a:ln>
         </p:spPr>
         <p:txBody>
-          <a:bodyPr wrap="square" anchor="t" anchorCtr="0">
-            <a:spAutoFit/>
-          </a:bodyPr>
+          <a:bodyPr anchor="ctr" anchorCtr="0"/>
           <a:p>
             <a:pPr eaLnBrk="0" hangingPunct="0"/>
-            <a:r>
-              <a:rPr lang="zh-CN" altLang="en-US" sz="2400" b="1" dirty="0">
-                <a:solidFill>
-                  <a:srgbClr val="0070C0"/>
-                </a:solidFill>
-                <a:latin typeface="微软雅黑" charset="-108"/>
-                <a:ea typeface="微软雅黑" charset="-108"/>
-                <a:sym typeface="微软雅黑" charset="-108"/>
-              </a:rPr>
-              <a:t>云计算</a:t>
-            </a:r>
-            <a:r>
-              <a:rPr lang="zh-CN" altLang="en-US" sz="2400" b="1" dirty="0">
-                <a:solidFill>
-                  <a:srgbClr val="0070C0"/>
-                </a:solidFill>
-                <a:latin typeface="微软雅黑" charset="-108"/>
-                <a:ea typeface="微软雅黑" charset="-108"/>
-                <a:sym typeface="微软雅黑" charset="-108"/>
-              </a:rPr>
-              <a:t>历史</a:t>
-            </a:r>
-            <a:endParaRPr lang="zh-CN" altLang="en-US" sz="2400" b="1" dirty="0">
+            <a:endParaRPr lang="zh-CN" sz="1100" i="1">
               <a:solidFill>
-                <a:srgbClr val="0070C0"/>
+                <a:srgbClr val="7F7F7F"/>
               </a:solidFill>
               <a:latin typeface="微软雅黑" charset="-108"/>
               <a:ea typeface="微软雅黑" charset="-108"/>
-              <a:sym typeface="微软雅黑" charset="-108"/>
+              <a:sym typeface="宋体" pitchFamily="2" charset="-122"/>
+            </a:endParaRPr>
+          </a:p>
+        </p:txBody>
+      </p:sp>
+      <p:sp>
+        <p:nvSpPr>
+          <p:cNvPr id="7170" name="文本框 6"/>
+          <p:cNvSpPr/>
+          <p:nvPr/>
+        </p:nvSpPr>
+        <p:spPr>
+          <a:xfrm>
+            <a:off x="7258050" y="6488113"/>
+            <a:ext cx="1825625" cy="277812"/>
+          </a:xfrm>
+          <a:prstGeom prst="rect">
+            <a:avLst/>
+          </a:prstGeom>
+          <a:noFill/>
+          <a:ln w="9525">
+            <a:noFill/>
+          </a:ln>
+        </p:spPr>
+        <p:txBody>
+          <a:bodyPr wrap="none" anchor="t" anchorCtr="0">
+            <a:spAutoFit/>
+          </a:bodyPr>
+          <a:p>
+            <a:pPr eaLnBrk="0" hangingPunct="0"/>
+            <a:r>
+              <a:rPr lang="zh-CN" altLang="en-US" sz="1100">
+                <a:solidFill>
+                  <a:srgbClr val="000000"/>
+                </a:solidFill>
+                <a:latin typeface="微软雅黑 Light" pitchFamily="2" charset="-122"/>
+                <a:ea typeface="微软雅黑 Light" pitchFamily="2" charset="-122"/>
+                <a:sym typeface="微软雅黑 Light" pitchFamily="2" charset="-122"/>
+              </a:rPr>
+              <a:t>深信服科技培训发展中心系列课程</a:t>
+            </a:r>
+            <a:endParaRPr lang="zh-CN" altLang="en-US" sz="1100">
+              <a:solidFill>
+                <a:srgbClr val="000000"/>
+              </a:solidFill>
+              <a:latin typeface="微软雅黑 Light" pitchFamily="2" charset="-122"/>
+              <a:ea typeface="微软雅黑 Light" pitchFamily="2" charset="-122"/>
+              <a:sym typeface="微软雅黑 Light" pitchFamily="2" charset="-122"/>
             </a:endParaRPr>
           </a:p>
         </p:txBody>
       </p:sp>
       <p:pic>
         <p:nvPicPr>
-          <p:cNvPr id="8194" name="图片 8194" descr="sangfor_logo"/>
+          <p:cNvPr id="7171" name="图片 7"/>
           <p:cNvPicPr>
             <a:picLocks noChangeAspect="1"/>
           </p:cNvPicPr>
@@ -11975,8 +12130,8 @@
         </p:blipFill>
         <p:spPr>
           <a:xfrm>
-            <a:off x="7343775" y="473075"/>
-            <a:ext cx="1320800" cy="606425"/>
+            <a:off x="0" y="0"/>
+            <a:ext cx="9144000" cy="6858000"/>
           </a:xfrm>
           <a:prstGeom prst="rect">
             <a:avLst/>
@@ -11989,73 +12144,54 @@
       </p:pic>
       <p:sp>
         <p:nvSpPr>
-          <p:cNvPr id="3" name="文本框 2"/>
-          <p:cNvSpPr txBox="1"/>
+          <p:cNvPr id="7172" name="文本框 9"/>
+          <p:cNvSpPr/>
           <p:nvPr/>
         </p:nvSpPr>
         <p:spPr>
           <a:xfrm>
-            <a:off x="828040" y="4509135"/>
-            <a:ext cx="3048000" cy="1198880"/>
+            <a:off x="6896100" y="6305550"/>
+            <a:ext cx="1506538" cy="265113"/>
           </a:xfrm>
           <a:prstGeom prst="rect">
             <a:avLst/>
           </a:prstGeom>
           <a:noFill/>
-        </p:spPr>
-        <p:txBody>
-          <a:bodyPr wrap="square" rtlCol="0">
+          <a:ln w="9525">
+            <a:noFill/>
+          </a:ln>
+        </p:spPr>
+        <p:txBody>
+          <a:bodyPr wrap="none" anchor="t" anchorCtr="0">
             <a:spAutoFit/>
           </a:bodyPr>
           <a:p>
-            <a:r>
-              <a:rPr lang="zh-CN" altLang="en-US"/>
-              <a:t>交付单位的演进变化</a:t>
-            </a:r>
-            <a:r>
-              <a:rPr lang="en-US" altLang="zh-CN"/>
-              <a:t>：</a:t>
-            </a:r>
-            <a:endParaRPr lang="zh-CN" altLang="en-US"/>
-          </a:p>
-          <a:p>
-            <a:pPr marL="285750" indent="-285750">
-              <a:buFont typeface="Arial" panose="020B0704020202020204" pitchFamily="34" charset="0"/>
-              <a:buChar char="•"/>
-            </a:pPr>
-            <a:r>
-              <a:rPr lang="zh-CN" altLang="en-US"/>
-              <a:t>物理机</a:t>
-            </a:r>
-            <a:endParaRPr lang="zh-CN" altLang="en-US"/>
-          </a:p>
-          <a:p>
-            <a:pPr marL="285750" indent="-285750">
-              <a:buFont typeface="Arial" panose="020B0704020202020204" pitchFamily="34" charset="0"/>
-              <a:buChar char="•"/>
-            </a:pPr>
-            <a:r>
-              <a:rPr lang="zh-CN" altLang="en-US"/>
-              <a:t>虚拟机</a:t>
-            </a:r>
-            <a:endParaRPr lang="zh-CN" altLang="en-US"/>
-          </a:p>
-          <a:p>
-            <a:pPr marL="285750" indent="-285750">
-              <a:buFont typeface="Arial" panose="020B0704020202020204" pitchFamily="34" charset="0"/>
-              <a:buChar char="•"/>
-            </a:pPr>
-            <a:r>
-              <a:rPr lang="zh-CN" altLang="en-US"/>
-              <a:t>容器</a:t>
-            </a:r>
-            <a:endParaRPr lang="zh-CN" altLang="en-US"/>
+            <a:pPr eaLnBrk="0" hangingPunct="0"/>
+            <a:r>
+              <a:rPr lang="zh-CN" altLang="en-US" sz="1000">
+                <a:solidFill>
+                  <a:srgbClr val="000000"/>
+                </a:solidFill>
+                <a:latin typeface="微软雅黑 Light" pitchFamily="2" charset="-122"/>
+                <a:ea typeface="微软雅黑 Light" pitchFamily="2" charset="-122"/>
+                <a:sym typeface="微软雅黑 Light" pitchFamily="2" charset="-122"/>
+              </a:rPr>
+              <a:t>信锐测试部专业能力精品课程</a:t>
+            </a:r>
+            <a:endParaRPr lang="zh-CN" altLang="en-US" sz="1000">
+              <a:solidFill>
+                <a:srgbClr val="000000"/>
+              </a:solidFill>
+              <a:latin typeface="微软雅黑 Light" pitchFamily="2" charset="-122"/>
+              <a:ea typeface="微软雅黑 Light" pitchFamily="2" charset="-122"/>
+              <a:sym typeface="微软雅黑 Light" pitchFamily="2" charset="-122"/>
+            </a:endParaRPr>
           </a:p>
         </p:txBody>
       </p:sp>
       <p:pic>
         <p:nvPicPr>
-          <p:cNvPr id="4" name="图片 3" descr="image-2"/>
+          <p:cNvPr id="7173" name="图片 1"/>
           <p:cNvPicPr>
             <a:picLocks noChangeAspect="1"/>
           </p:cNvPicPr>
@@ -12069,12 +12205,153 @@
         </p:blipFill>
         <p:spPr>
           <a:xfrm>
-            <a:off x="828040" y="1772920"/>
-            <a:ext cx="7523480" cy="2091055"/>
+            <a:off x="7208838" y="495300"/>
+            <a:ext cx="1390650" cy="806450"/>
           </a:xfrm>
           <a:prstGeom prst="rect">
             <a:avLst/>
           </a:prstGeom>
+          <a:noFill/>
+          <a:ln w="9525">
+            <a:noFill/>
+          </a:ln>
+        </p:spPr>
+      </p:pic>
+      <p:pic>
+        <p:nvPicPr>
+          <p:cNvPr id="7174" name="图片 2"/>
+          <p:cNvPicPr>
+            <a:picLocks noChangeAspect="1"/>
+          </p:cNvPicPr>
+          <p:nvPr/>
+        </p:nvPicPr>
+        <p:blipFill>
+          <a:blip r:embed="rId3"/>
+          <a:stretch>
+            <a:fillRect/>
+          </a:stretch>
+        </p:blipFill>
+        <p:spPr>
+          <a:xfrm>
+            <a:off x="0" y="0"/>
+            <a:ext cx="9144000" cy="6858000"/>
+          </a:xfrm>
+          <a:prstGeom prst="rect">
+            <a:avLst/>
+          </a:prstGeom>
+          <a:noFill/>
+          <a:ln w="9525">
+            <a:noFill/>
+          </a:ln>
+        </p:spPr>
+      </p:pic>
+      <p:sp>
+        <p:nvSpPr>
+          <p:cNvPr id="7175" name="TextBox 23"/>
+          <p:cNvSpPr/>
+          <p:nvPr/>
+        </p:nvSpPr>
+        <p:spPr>
+          <a:xfrm>
+            <a:off x="4351338" y="2778125"/>
+            <a:ext cx="3155950" cy="680085"/>
+          </a:xfrm>
+          <a:prstGeom prst="rect">
+            <a:avLst/>
+          </a:prstGeom>
+          <a:noFill/>
+          <a:ln w="9525">
+            <a:noFill/>
+          </a:ln>
+        </p:spPr>
+        <p:txBody>
+          <a:bodyPr wrap="none" lIns="64802" tIns="32401" rIns="64802" bIns="32401" anchor="t" anchorCtr="0">
+            <a:spAutoFit/>
+          </a:bodyPr>
+          <a:p>
+            <a:r>
+              <a:rPr lang="en-US" altLang="zh-CN" sz="4000" b="1" dirty="0">
+                <a:latin typeface="微软雅黑" charset="-108"/>
+                <a:ea typeface="微软雅黑" charset="-108"/>
+                <a:sym typeface="微软雅黑" charset="-108"/>
+              </a:rPr>
+              <a:t>1 </a:t>
+            </a:r>
+            <a:r>
+              <a:rPr lang="zh-CN" altLang="en-US" sz="4000" b="1" dirty="0">
+                <a:latin typeface="微软雅黑" charset="-108"/>
+                <a:ea typeface="微软雅黑" charset="-108"/>
+                <a:sym typeface="微软雅黑" charset="-108"/>
+              </a:rPr>
+              <a:t>云计算</a:t>
+            </a:r>
+            <a:r>
+              <a:rPr lang="zh-CN" altLang="en-US" sz="4000" b="1" dirty="0">
+                <a:latin typeface="微软雅黑" charset="-108"/>
+                <a:ea typeface="微软雅黑" charset="-108"/>
+                <a:sym typeface="微软雅黑" charset="-108"/>
+              </a:rPr>
+              <a:t>历史</a:t>
+            </a:r>
+            <a:endParaRPr lang="zh-CN" altLang="en-US" sz="4000" b="1" dirty="0">
+              <a:latin typeface="微软雅黑" charset="-108"/>
+              <a:ea typeface="微软雅黑" charset="-108"/>
+              <a:sym typeface="微软雅黑" charset="-108"/>
+            </a:endParaRPr>
+          </a:p>
+        </p:txBody>
+      </p:sp>
+      <p:sp>
+        <p:nvSpPr>
+          <p:cNvPr id="7176" name="直线连接符 6"/>
+          <p:cNvSpPr/>
+          <p:nvPr/>
+        </p:nvSpPr>
+        <p:spPr>
+          <a:xfrm flipV="1">
+            <a:off x="4513263" y="3594100"/>
+            <a:ext cx="3876675" cy="1588"/>
+          </a:xfrm>
+          <a:prstGeom prst="line">
+            <a:avLst/>
+          </a:prstGeom>
+          <a:ln w="19050" cap="flat" cmpd="sng">
+            <a:solidFill>
+              <a:srgbClr val="7F7F7F"/>
+            </a:solidFill>
+            <a:prstDash val="solid"/>
+            <a:round/>
+            <a:headEnd type="none" w="med" len="med"/>
+            <a:tailEnd type="none" w="med" len="med"/>
+          </a:ln>
+        </p:spPr>
+      </p:sp>
+      <p:pic>
+        <p:nvPicPr>
+          <p:cNvPr id="7177" name="图片 7177" descr="sangfor_logo"/>
+          <p:cNvPicPr>
+            <a:picLocks noChangeAspect="1"/>
+          </p:cNvPicPr>
+          <p:nvPr/>
+        </p:nvPicPr>
+        <p:blipFill>
+          <a:blip r:embed="rId4"/>
+          <a:stretch>
+            <a:fillRect/>
+          </a:stretch>
+        </p:blipFill>
+        <p:spPr>
+          <a:xfrm>
+            <a:off x="7343775" y="473075"/>
+            <a:ext cx="1320800" cy="606425"/>
+          </a:xfrm>
+          <a:prstGeom prst="rect">
+            <a:avLst/>
+          </a:prstGeom>
+          <a:noFill/>
+          <a:ln w="9525">
+            <a:noFill/>
+          </a:ln>
         </p:spPr>
       </p:pic>
     </p:spTree>
@@ -12097,14 +12374,14 @@
       <p:grpSpPr/>
       <p:sp>
         <p:nvSpPr>
-          <p:cNvPr id="10241" name="标题 1"/>
+          <p:cNvPr id="8193" name="TextBox 1"/>
           <p:cNvSpPr/>
           <p:nvPr/>
         </p:nvSpPr>
         <p:spPr>
           <a:xfrm>
-            <a:off x="7308850" y="6337300"/>
-            <a:ext cx="1552575" cy="301625"/>
+            <a:off x="228600" y="150813"/>
+            <a:ext cx="3600450" cy="460375"/>
           </a:xfrm>
           <a:prstGeom prst="rect">
             <a:avLst/>
@@ -12115,70 +12392,47 @@
           </a:ln>
         </p:spPr>
         <p:txBody>
-          <a:bodyPr anchor="ctr" anchorCtr="0"/>
+          <a:bodyPr wrap="square" anchor="t" anchorCtr="0">
+            <a:spAutoFit/>
+          </a:bodyPr>
           <a:p>
             <a:pPr eaLnBrk="0" hangingPunct="0"/>
-            <a:endParaRPr lang="zh-CN" sz="1100" i="1">
+            <a:r>
+              <a:rPr lang="zh-CN" altLang="en-US" sz="2400" b="1" dirty="0">
+                <a:solidFill>
+                  <a:srgbClr val="0070C0"/>
+                </a:solidFill>
+                <a:latin typeface="微软雅黑" charset="-108"/>
+                <a:ea typeface="微软雅黑" charset="-108"/>
+                <a:sym typeface="微软雅黑" charset="-108"/>
+              </a:rPr>
+              <a:t>云计算</a:t>
+            </a:r>
+            <a:r>
+              <a:rPr lang="zh-CN" altLang="en-US" sz="2400" b="1" dirty="0">
+                <a:solidFill>
+                  <a:srgbClr val="0070C0"/>
+                </a:solidFill>
+                <a:latin typeface="微软雅黑" charset="-108"/>
+                <a:ea typeface="微软雅黑" charset="-108"/>
+                <a:sym typeface="微软雅黑" charset="-108"/>
+              </a:rPr>
+              <a:t>历史</a:t>
+            </a:r>
+            <a:endParaRPr lang="zh-CN" altLang="en-US" sz="2400" b="1" dirty="0">
               <a:solidFill>
-                <a:srgbClr val="7F7F7F"/>
+                <a:srgbClr val="0070C0"/>
               </a:solidFill>
               <a:latin typeface="微软雅黑" charset="-108"/>
               <a:ea typeface="微软雅黑" charset="-108"/>
-              <a:sym typeface="宋体" pitchFamily="2" charset="-122"/>
-            </a:endParaRPr>
-          </a:p>
-        </p:txBody>
-      </p:sp>
-      <p:sp>
-        <p:nvSpPr>
-          <p:cNvPr id="10242" name="文本框 6"/>
-          <p:cNvSpPr/>
-          <p:nvPr/>
-        </p:nvSpPr>
-        <p:spPr>
-          <a:xfrm>
-            <a:off x="7258050" y="6488113"/>
-            <a:ext cx="1825625" cy="277812"/>
-          </a:xfrm>
-          <a:prstGeom prst="rect">
-            <a:avLst/>
-          </a:prstGeom>
-          <a:noFill/>
-          <a:ln w="9525">
-            <a:noFill/>
-          </a:ln>
-        </p:spPr>
-        <p:txBody>
-          <a:bodyPr wrap="none" anchor="t" anchorCtr="0">
-            <a:spAutoFit/>
-          </a:bodyPr>
-          <a:p>
-            <a:pPr eaLnBrk="0" hangingPunct="0"/>
-            <a:r>
-              <a:rPr lang="zh-CN" altLang="en-US" sz="1100">
-                <a:solidFill>
-                  <a:srgbClr val="000000"/>
-                </a:solidFill>
-                <a:latin typeface="微软雅黑 Light" pitchFamily="2" charset="-122"/>
-                <a:ea typeface="微软雅黑 Light" pitchFamily="2" charset="-122"/>
-                <a:sym typeface="微软雅黑 Light" pitchFamily="2" charset="-122"/>
-              </a:rPr>
-              <a:t>深信服科技培训发展中心系列课程</a:t>
-            </a:r>
-            <a:endParaRPr lang="zh-CN" altLang="en-US" sz="1100">
-              <a:solidFill>
-                <a:srgbClr val="000000"/>
-              </a:solidFill>
-              <a:latin typeface="微软雅黑 Light" pitchFamily="2" charset="-122"/>
-              <a:ea typeface="微软雅黑 Light" pitchFamily="2" charset="-122"/>
-              <a:sym typeface="微软雅黑 Light" pitchFamily="2" charset="-122"/>
+              <a:sym typeface="微软雅黑" charset="-108"/>
             </a:endParaRPr>
           </a:p>
         </p:txBody>
       </p:sp>
       <p:pic>
         <p:nvPicPr>
-          <p:cNvPr id="10243" name="图片 7"/>
+          <p:cNvPr id="8194" name="图片 8194" descr="sangfor_logo"/>
           <p:cNvPicPr>
             <a:picLocks noChangeAspect="1"/>
           </p:cNvPicPr>
@@ -12192,8 +12446,8 @@
         </p:blipFill>
         <p:spPr>
           <a:xfrm>
-            <a:off x="0" y="0"/>
-            <a:ext cx="9144000" cy="6858000"/>
+            <a:off x="7343775" y="473075"/>
+            <a:ext cx="1320800" cy="606425"/>
           </a:xfrm>
           <a:prstGeom prst="rect">
             <a:avLst/>
@@ -12206,54 +12460,73 @@
       </p:pic>
       <p:sp>
         <p:nvSpPr>
-          <p:cNvPr id="10244" name="文本框 9"/>
-          <p:cNvSpPr/>
+          <p:cNvPr id="3" name="文本框 2"/>
+          <p:cNvSpPr txBox="1"/>
           <p:nvPr/>
         </p:nvSpPr>
         <p:spPr>
           <a:xfrm>
-            <a:off x="6896100" y="6305550"/>
-            <a:ext cx="1506538" cy="265113"/>
+            <a:off x="828040" y="4509135"/>
+            <a:ext cx="3048000" cy="1198880"/>
           </a:xfrm>
           <a:prstGeom prst="rect">
             <a:avLst/>
           </a:prstGeom>
           <a:noFill/>
-          <a:ln w="9525">
-            <a:noFill/>
-          </a:ln>
-        </p:spPr>
-        <p:txBody>
-          <a:bodyPr wrap="none" anchor="t" anchorCtr="0">
+        </p:spPr>
+        <p:txBody>
+          <a:bodyPr wrap="square" rtlCol="0">
             <a:spAutoFit/>
           </a:bodyPr>
           <a:p>
-            <a:pPr eaLnBrk="0" hangingPunct="0"/>
-            <a:r>
-              <a:rPr lang="zh-CN" altLang="en-US" sz="1000">
-                <a:solidFill>
-                  <a:srgbClr val="000000"/>
-                </a:solidFill>
-                <a:latin typeface="微软雅黑 Light" pitchFamily="2" charset="-122"/>
-                <a:ea typeface="微软雅黑 Light" pitchFamily="2" charset="-122"/>
-                <a:sym typeface="微软雅黑 Light" pitchFamily="2" charset="-122"/>
-              </a:rPr>
-              <a:t>信锐测试部专业能力精品课程</a:t>
-            </a:r>
-            <a:endParaRPr lang="zh-CN" altLang="en-US" sz="1000">
-              <a:solidFill>
-                <a:srgbClr val="000000"/>
-              </a:solidFill>
-              <a:latin typeface="微软雅黑 Light" pitchFamily="2" charset="-122"/>
-              <a:ea typeface="微软雅黑 Light" pitchFamily="2" charset="-122"/>
-              <a:sym typeface="微软雅黑 Light" pitchFamily="2" charset="-122"/>
-            </a:endParaRPr>
+            <a:r>
+              <a:rPr lang="zh-CN" altLang="en-US"/>
+              <a:t>交付单位的演进变化</a:t>
+            </a:r>
+            <a:r>
+              <a:rPr lang="en-US" altLang="zh-CN"/>
+              <a:t>：</a:t>
+            </a:r>
+            <a:endParaRPr lang="zh-CN" altLang="en-US"/>
+          </a:p>
+          <a:p>
+            <a:pPr marL="285750" indent="-285750">
+              <a:buFont typeface="Arial" panose="020B0704020202020204" pitchFamily="34" charset="0"/>
+              <a:buChar char="•"/>
+            </a:pPr>
+            <a:r>
+              <a:rPr lang="zh-CN" altLang="en-US"/>
+              <a:t>物理机</a:t>
+            </a:r>
+            <a:endParaRPr lang="zh-CN" altLang="en-US"/>
+          </a:p>
+          <a:p>
+            <a:pPr marL="285750" indent="-285750">
+              <a:buFont typeface="Arial" panose="020B0704020202020204" pitchFamily="34" charset="0"/>
+              <a:buChar char="•"/>
+            </a:pPr>
+            <a:r>
+              <a:rPr lang="zh-CN" altLang="en-US"/>
+              <a:t>虚拟机</a:t>
+            </a:r>
+            <a:endParaRPr lang="zh-CN" altLang="en-US"/>
+          </a:p>
+          <a:p>
+            <a:pPr marL="285750" indent="-285750">
+              <a:buFont typeface="Arial" panose="020B0704020202020204" pitchFamily="34" charset="0"/>
+              <a:buChar char="•"/>
+            </a:pPr>
+            <a:r>
+              <a:rPr lang="zh-CN" altLang="en-US"/>
+              <a:t>容器</a:t>
+            </a:r>
+            <a:endParaRPr lang="zh-CN" altLang="en-US"/>
           </a:p>
         </p:txBody>
       </p:sp>
       <p:pic>
         <p:nvPicPr>
-          <p:cNvPr id="10245" name="图片 1"/>
+          <p:cNvPr id="4" name="图片 3" descr="image-2"/>
           <p:cNvPicPr>
             <a:picLocks noChangeAspect="1"/>
           </p:cNvPicPr>
@@ -12267,153 +12540,12 @@
         </p:blipFill>
         <p:spPr>
           <a:xfrm>
-            <a:off x="7208838" y="495300"/>
-            <a:ext cx="1390650" cy="806450"/>
+            <a:off x="828040" y="1772920"/>
+            <a:ext cx="7523480" cy="2091055"/>
           </a:xfrm>
           <a:prstGeom prst="rect">
             <a:avLst/>
           </a:prstGeom>
-          <a:noFill/>
-          <a:ln w="9525">
-            <a:noFill/>
-          </a:ln>
-        </p:spPr>
-      </p:pic>
-      <p:pic>
-        <p:nvPicPr>
-          <p:cNvPr id="10246" name="图片 2"/>
-          <p:cNvPicPr>
-            <a:picLocks noChangeAspect="1"/>
-          </p:cNvPicPr>
-          <p:nvPr/>
-        </p:nvPicPr>
-        <p:blipFill>
-          <a:blip r:embed="rId3"/>
-          <a:stretch>
-            <a:fillRect/>
-          </a:stretch>
-        </p:blipFill>
-        <p:spPr>
-          <a:xfrm>
-            <a:off x="0" y="0"/>
-            <a:ext cx="9144000" cy="6858000"/>
-          </a:xfrm>
-          <a:prstGeom prst="rect">
-            <a:avLst/>
-          </a:prstGeom>
-          <a:noFill/>
-          <a:ln w="9525">
-            <a:noFill/>
-          </a:ln>
-        </p:spPr>
-      </p:pic>
-      <p:sp>
-        <p:nvSpPr>
-          <p:cNvPr id="10247" name="TextBox 23"/>
-          <p:cNvSpPr/>
-          <p:nvPr/>
-        </p:nvSpPr>
-        <p:spPr>
-          <a:xfrm>
-            <a:off x="4351338" y="2778125"/>
-            <a:ext cx="1630045" cy="680085"/>
-          </a:xfrm>
-          <a:prstGeom prst="rect">
-            <a:avLst/>
-          </a:prstGeom>
-          <a:noFill/>
-          <a:ln w="9525">
-            <a:noFill/>
-          </a:ln>
-        </p:spPr>
-        <p:txBody>
-          <a:bodyPr wrap="none" lIns="64802" tIns="32401" rIns="64802" bIns="32401" anchor="t" anchorCtr="0">
-            <a:spAutoFit/>
-          </a:bodyPr>
-          <a:p>
-            <a:r>
-              <a:rPr lang="zh-CN" altLang="en-US" sz="4000" b="1" dirty="0">
-                <a:latin typeface="微软雅黑" charset="-108"/>
-                <a:ea typeface="微软雅黑" charset="-108"/>
-                <a:sym typeface="微软雅黑" charset="-108"/>
-              </a:rPr>
-              <a:t>2</a:t>
-            </a:r>
-            <a:r>
-              <a:rPr lang="en-US" altLang="zh-CN" sz="4000" b="1" dirty="0">
-                <a:latin typeface="微软雅黑" charset="-108"/>
-                <a:ea typeface="微软雅黑" charset="-108"/>
-                <a:sym typeface="微软雅黑" charset="-108"/>
-              </a:rPr>
-              <a:t> </a:t>
-            </a:r>
-            <a:r>
-              <a:rPr lang="zh-CN" altLang="en-US" sz="4000" b="1" dirty="0">
-                <a:latin typeface="微软雅黑" charset="-108"/>
-                <a:ea typeface="微软雅黑" charset="-108"/>
-                <a:sym typeface="微软雅黑" charset="-108"/>
-              </a:rPr>
-              <a:t>容器</a:t>
-            </a:r>
-            <a:endParaRPr lang="zh-CN" altLang="en-US" sz="4000" b="1" dirty="0">
-              <a:latin typeface="微软雅黑" charset="-108"/>
-              <a:ea typeface="微软雅黑" charset="-108"/>
-              <a:sym typeface="微软雅黑" charset="-108"/>
-            </a:endParaRPr>
-          </a:p>
-        </p:txBody>
-      </p:sp>
-      <p:sp>
-        <p:nvSpPr>
-          <p:cNvPr id="10248" name="直线连接符 6"/>
-          <p:cNvSpPr/>
-          <p:nvPr/>
-        </p:nvSpPr>
-        <p:spPr>
-          <a:xfrm flipV="1">
-            <a:off x="4513263" y="3594100"/>
-            <a:ext cx="3876675" cy="1588"/>
-          </a:xfrm>
-          <a:prstGeom prst="line">
-            <a:avLst/>
-          </a:prstGeom>
-          <a:ln w="19050" cap="flat" cmpd="sng">
-            <a:solidFill>
-              <a:srgbClr val="7F7F7F"/>
-            </a:solidFill>
-            <a:prstDash val="solid"/>
-            <a:round/>
-            <a:headEnd type="none" w="med" len="med"/>
-            <a:tailEnd type="none" w="med" len="med"/>
-          </a:ln>
-        </p:spPr>
-      </p:sp>
-      <p:pic>
-        <p:nvPicPr>
-          <p:cNvPr id="10249" name="图片 10249" descr="sangfor_logo"/>
-          <p:cNvPicPr>
-            <a:picLocks noChangeAspect="1"/>
-          </p:cNvPicPr>
-          <p:nvPr/>
-        </p:nvPicPr>
-        <p:blipFill>
-          <a:blip r:embed="rId4"/>
-          <a:stretch>
-            <a:fillRect/>
-          </a:stretch>
-        </p:blipFill>
-        <p:spPr>
-          <a:xfrm>
-            <a:off x="7343775" y="473075"/>
-            <a:ext cx="1320800" cy="606425"/>
-          </a:xfrm>
-          <a:prstGeom prst="rect">
-            <a:avLst/>
-          </a:prstGeom>
-          <a:noFill/>
-          <a:ln w="9525">
-            <a:noFill/>
-          </a:ln>
         </p:spPr>
       </p:pic>
     </p:spTree>
@@ -12436,6 +12568,345 @@
       <p:grpSpPr/>
       <p:sp>
         <p:nvSpPr>
+          <p:cNvPr id="10241" name="标题 1"/>
+          <p:cNvSpPr/>
+          <p:nvPr/>
+        </p:nvSpPr>
+        <p:spPr>
+          <a:xfrm>
+            <a:off x="7308850" y="6337300"/>
+            <a:ext cx="1552575" cy="301625"/>
+          </a:xfrm>
+          <a:prstGeom prst="rect">
+            <a:avLst/>
+          </a:prstGeom>
+          <a:noFill/>
+          <a:ln w="9525">
+            <a:noFill/>
+          </a:ln>
+        </p:spPr>
+        <p:txBody>
+          <a:bodyPr anchor="ctr" anchorCtr="0"/>
+          <a:p>
+            <a:pPr eaLnBrk="0" hangingPunct="0"/>
+            <a:endParaRPr lang="zh-CN" sz="1100" i="1">
+              <a:solidFill>
+                <a:srgbClr val="7F7F7F"/>
+              </a:solidFill>
+              <a:latin typeface="微软雅黑" charset="-108"/>
+              <a:ea typeface="微软雅黑" charset="-108"/>
+              <a:sym typeface="宋体" pitchFamily="2" charset="-122"/>
+            </a:endParaRPr>
+          </a:p>
+        </p:txBody>
+      </p:sp>
+      <p:sp>
+        <p:nvSpPr>
+          <p:cNvPr id="10242" name="文本框 6"/>
+          <p:cNvSpPr/>
+          <p:nvPr/>
+        </p:nvSpPr>
+        <p:spPr>
+          <a:xfrm>
+            <a:off x="7258050" y="6488113"/>
+            <a:ext cx="1825625" cy="277812"/>
+          </a:xfrm>
+          <a:prstGeom prst="rect">
+            <a:avLst/>
+          </a:prstGeom>
+          <a:noFill/>
+          <a:ln w="9525">
+            <a:noFill/>
+          </a:ln>
+        </p:spPr>
+        <p:txBody>
+          <a:bodyPr wrap="none" anchor="t" anchorCtr="0">
+            <a:spAutoFit/>
+          </a:bodyPr>
+          <a:p>
+            <a:pPr eaLnBrk="0" hangingPunct="0"/>
+            <a:r>
+              <a:rPr lang="zh-CN" altLang="en-US" sz="1100">
+                <a:solidFill>
+                  <a:srgbClr val="000000"/>
+                </a:solidFill>
+                <a:latin typeface="微软雅黑 Light" pitchFamily="2" charset="-122"/>
+                <a:ea typeface="微软雅黑 Light" pitchFamily="2" charset="-122"/>
+                <a:sym typeface="微软雅黑 Light" pitchFamily="2" charset="-122"/>
+              </a:rPr>
+              <a:t>深信服科技培训发展中心系列课程</a:t>
+            </a:r>
+            <a:endParaRPr lang="zh-CN" altLang="en-US" sz="1100">
+              <a:solidFill>
+                <a:srgbClr val="000000"/>
+              </a:solidFill>
+              <a:latin typeface="微软雅黑 Light" pitchFamily="2" charset="-122"/>
+              <a:ea typeface="微软雅黑 Light" pitchFamily="2" charset="-122"/>
+              <a:sym typeface="微软雅黑 Light" pitchFamily="2" charset="-122"/>
+            </a:endParaRPr>
+          </a:p>
+        </p:txBody>
+      </p:sp>
+      <p:pic>
+        <p:nvPicPr>
+          <p:cNvPr id="10243" name="图片 7"/>
+          <p:cNvPicPr>
+            <a:picLocks noChangeAspect="1"/>
+          </p:cNvPicPr>
+          <p:nvPr/>
+        </p:nvPicPr>
+        <p:blipFill>
+          <a:blip r:embed="rId1"/>
+          <a:stretch>
+            <a:fillRect/>
+          </a:stretch>
+        </p:blipFill>
+        <p:spPr>
+          <a:xfrm>
+            <a:off x="0" y="0"/>
+            <a:ext cx="9144000" cy="6858000"/>
+          </a:xfrm>
+          <a:prstGeom prst="rect">
+            <a:avLst/>
+          </a:prstGeom>
+          <a:noFill/>
+          <a:ln w="9525">
+            <a:noFill/>
+          </a:ln>
+        </p:spPr>
+      </p:pic>
+      <p:sp>
+        <p:nvSpPr>
+          <p:cNvPr id="10244" name="文本框 9"/>
+          <p:cNvSpPr/>
+          <p:nvPr/>
+        </p:nvSpPr>
+        <p:spPr>
+          <a:xfrm>
+            <a:off x="6896100" y="6305550"/>
+            <a:ext cx="1506538" cy="265113"/>
+          </a:xfrm>
+          <a:prstGeom prst="rect">
+            <a:avLst/>
+          </a:prstGeom>
+          <a:noFill/>
+          <a:ln w="9525">
+            <a:noFill/>
+          </a:ln>
+        </p:spPr>
+        <p:txBody>
+          <a:bodyPr wrap="none" anchor="t" anchorCtr="0">
+            <a:spAutoFit/>
+          </a:bodyPr>
+          <a:p>
+            <a:pPr eaLnBrk="0" hangingPunct="0"/>
+            <a:r>
+              <a:rPr lang="zh-CN" altLang="en-US" sz="1000">
+                <a:solidFill>
+                  <a:srgbClr val="000000"/>
+                </a:solidFill>
+                <a:latin typeface="微软雅黑 Light" pitchFamily="2" charset="-122"/>
+                <a:ea typeface="微软雅黑 Light" pitchFamily="2" charset="-122"/>
+                <a:sym typeface="微软雅黑 Light" pitchFamily="2" charset="-122"/>
+              </a:rPr>
+              <a:t>信锐测试部专业能力精品课程</a:t>
+            </a:r>
+            <a:endParaRPr lang="zh-CN" altLang="en-US" sz="1000">
+              <a:solidFill>
+                <a:srgbClr val="000000"/>
+              </a:solidFill>
+              <a:latin typeface="微软雅黑 Light" pitchFamily="2" charset="-122"/>
+              <a:ea typeface="微软雅黑 Light" pitchFamily="2" charset="-122"/>
+              <a:sym typeface="微软雅黑 Light" pitchFamily="2" charset="-122"/>
+            </a:endParaRPr>
+          </a:p>
+        </p:txBody>
+      </p:sp>
+      <p:pic>
+        <p:nvPicPr>
+          <p:cNvPr id="10245" name="图片 1"/>
+          <p:cNvPicPr>
+            <a:picLocks noChangeAspect="1"/>
+          </p:cNvPicPr>
+          <p:nvPr/>
+        </p:nvPicPr>
+        <p:blipFill>
+          <a:blip r:embed="rId2"/>
+          <a:stretch>
+            <a:fillRect/>
+          </a:stretch>
+        </p:blipFill>
+        <p:spPr>
+          <a:xfrm>
+            <a:off x="7208838" y="495300"/>
+            <a:ext cx="1390650" cy="806450"/>
+          </a:xfrm>
+          <a:prstGeom prst="rect">
+            <a:avLst/>
+          </a:prstGeom>
+          <a:noFill/>
+          <a:ln w="9525">
+            <a:noFill/>
+          </a:ln>
+        </p:spPr>
+      </p:pic>
+      <p:pic>
+        <p:nvPicPr>
+          <p:cNvPr id="10246" name="图片 2"/>
+          <p:cNvPicPr>
+            <a:picLocks noChangeAspect="1"/>
+          </p:cNvPicPr>
+          <p:nvPr/>
+        </p:nvPicPr>
+        <p:blipFill>
+          <a:blip r:embed="rId3"/>
+          <a:stretch>
+            <a:fillRect/>
+          </a:stretch>
+        </p:blipFill>
+        <p:spPr>
+          <a:xfrm>
+            <a:off x="0" y="0"/>
+            <a:ext cx="9144000" cy="6858000"/>
+          </a:xfrm>
+          <a:prstGeom prst="rect">
+            <a:avLst/>
+          </a:prstGeom>
+          <a:noFill/>
+          <a:ln w="9525">
+            <a:noFill/>
+          </a:ln>
+        </p:spPr>
+      </p:pic>
+      <p:sp>
+        <p:nvSpPr>
+          <p:cNvPr id="10247" name="TextBox 23"/>
+          <p:cNvSpPr/>
+          <p:nvPr/>
+        </p:nvSpPr>
+        <p:spPr>
+          <a:xfrm>
+            <a:off x="4351338" y="2778125"/>
+            <a:ext cx="1630045" cy="680085"/>
+          </a:xfrm>
+          <a:prstGeom prst="rect">
+            <a:avLst/>
+          </a:prstGeom>
+          <a:noFill/>
+          <a:ln w="9525">
+            <a:noFill/>
+          </a:ln>
+        </p:spPr>
+        <p:txBody>
+          <a:bodyPr wrap="none" lIns="64802" tIns="32401" rIns="64802" bIns="32401" anchor="t" anchorCtr="0">
+            <a:spAutoFit/>
+          </a:bodyPr>
+          <a:p>
+            <a:r>
+              <a:rPr lang="zh-CN" altLang="en-US" sz="4000" b="1" dirty="0">
+                <a:latin typeface="微软雅黑" charset="-108"/>
+                <a:ea typeface="微软雅黑" charset="-108"/>
+                <a:sym typeface="微软雅黑" charset="-108"/>
+              </a:rPr>
+              <a:t>2</a:t>
+            </a:r>
+            <a:r>
+              <a:rPr lang="en-US" altLang="zh-CN" sz="4000" b="1" dirty="0">
+                <a:latin typeface="微软雅黑" charset="-108"/>
+                <a:ea typeface="微软雅黑" charset="-108"/>
+                <a:sym typeface="微软雅黑" charset="-108"/>
+              </a:rPr>
+              <a:t> </a:t>
+            </a:r>
+            <a:r>
+              <a:rPr lang="zh-CN" altLang="en-US" sz="4000" b="1" dirty="0">
+                <a:latin typeface="微软雅黑" charset="-108"/>
+                <a:ea typeface="微软雅黑" charset="-108"/>
+                <a:sym typeface="微软雅黑" charset="-108"/>
+              </a:rPr>
+              <a:t>容器</a:t>
+            </a:r>
+            <a:endParaRPr lang="zh-CN" altLang="en-US" sz="4000" b="1" dirty="0">
+              <a:latin typeface="微软雅黑" charset="-108"/>
+              <a:ea typeface="微软雅黑" charset="-108"/>
+              <a:sym typeface="微软雅黑" charset="-108"/>
+            </a:endParaRPr>
+          </a:p>
+        </p:txBody>
+      </p:sp>
+      <p:sp>
+        <p:nvSpPr>
+          <p:cNvPr id="10248" name="直线连接符 6"/>
+          <p:cNvSpPr/>
+          <p:nvPr/>
+        </p:nvSpPr>
+        <p:spPr>
+          <a:xfrm flipV="1">
+            <a:off x="4513263" y="3594100"/>
+            <a:ext cx="3876675" cy="1588"/>
+          </a:xfrm>
+          <a:prstGeom prst="line">
+            <a:avLst/>
+          </a:prstGeom>
+          <a:ln w="19050" cap="flat" cmpd="sng">
+            <a:solidFill>
+              <a:srgbClr val="7F7F7F"/>
+            </a:solidFill>
+            <a:prstDash val="solid"/>
+            <a:round/>
+            <a:headEnd type="none" w="med" len="med"/>
+            <a:tailEnd type="none" w="med" len="med"/>
+          </a:ln>
+        </p:spPr>
+      </p:sp>
+      <p:pic>
+        <p:nvPicPr>
+          <p:cNvPr id="10249" name="图片 10249" descr="sangfor_logo"/>
+          <p:cNvPicPr>
+            <a:picLocks noChangeAspect="1"/>
+          </p:cNvPicPr>
+          <p:nvPr/>
+        </p:nvPicPr>
+        <p:blipFill>
+          <a:blip r:embed="rId4"/>
+          <a:stretch>
+            <a:fillRect/>
+          </a:stretch>
+        </p:blipFill>
+        <p:spPr>
+          <a:xfrm>
+            <a:off x="7343775" y="473075"/>
+            <a:ext cx="1320800" cy="606425"/>
+          </a:xfrm>
+          <a:prstGeom prst="rect">
+            <a:avLst/>
+          </a:prstGeom>
+          <a:noFill/>
+          <a:ln w="9525">
+            <a:noFill/>
+          </a:ln>
+        </p:spPr>
+      </p:pic>
+    </p:spTree>
+  </p:cSld>
+  <p:clrMapOvr>
+    <a:masterClrMapping/>
+  </p:clrMapOvr>
+</p:sld>
+</file>
+
+<file path=ppt/slides/slide7.xml><?xml version="1.0" encoding="utf-8"?>
+<p:sld xmlns:a="http://schemas.openxmlformats.org/drawingml/2006/main" xmlns:r="http://schemas.openxmlformats.org/officeDocument/2006/relationships" xmlns:p="http://schemas.openxmlformats.org/presentationml/2006/main">
+  <p:cSld>
+    <p:spTree>
+      <p:nvGrpSpPr>
+        <p:cNvPr id="1" name=""/>
+        <p:cNvGrpSpPr/>
+        <p:nvPr/>
+      </p:nvGrpSpPr>
+      <p:grpSpPr/>
+      <p:sp>
+        <p:nvSpPr>
           <p:cNvPr id="22529" name="标题 1"/>
           <p:cNvSpPr/>
           <p:nvPr/>
@@ -12638,7 +13109,7 @@
 </p:sld>
 </file>
 
-<file path=ppt/slides/slide7.xml><?xml version="1.0" encoding="utf-8"?>
+<file path=ppt/slides/slide8.xml><?xml version="1.0" encoding="utf-8"?>
 <p:sld xmlns:a="http://schemas.openxmlformats.org/drawingml/2006/main" xmlns:r="http://schemas.openxmlformats.org/officeDocument/2006/relationships" xmlns:p="http://schemas.openxmlformats.org/presentationml/2006/main">
   <p:cSld>
     <p:spTree>
@@ -13324,7 +13795,7 @@
 </p:sld>
 </file>
 
-<file path=ppt/slides/slide8.xml><?xml version="1.0" encoding="utf-8"?>
+<file path=ppt/slides/slide9.xml><?xml version="1.0" encoding="utf-8"?>
 <p:sld xmlns:a="http://schemas.openxmlformats.org/drawingml/2006/main" xmlns:r="http://schemas.openxmlformats.org/officeDocument/2006/relationships" xmlns:p="http://schemas.openxmlformats.org/presentationml/2006/main">
   <p:cSld>
     <p:spTree>
@@ -13757,372 +14228,6 @@
       <p:bldP spid="2" grpId="0"/>
     </p:bldLst>
   </p:timing>
-</p:sld>
-</file>
-
-<file path=ppt/slides/slide9.xml><?xml version="1.0" encoding="utf-8"?>
-<p:sld xmlns:a="http://schemas.openxmlformats.org/drawingml/2006/main" xmlns:r="http://schemas.openxmlformats.org/officeDocument/2006/relationships" xmlns:p="http://schemas.openxmlformats.org/presentationml/2006/main">
-  <p:cSld>
-    <p:spTree>
-      <p:nvGrpSpPr>
-        <p:cNvPr id="1" name=""/>
-        <p:cNvGrpSpPr/>
-        <p:nvPr/>
-      </p:nvGrpSpPr>
-      <p:grpSpPr/>
-      <p:sp>
-        <p:nvSpPr>
-          <p:cNvPr id="22529" name="标题 1"/>
-          <p:cNvSpPr/>
-          <p:nvPr/>
-        </p:nvSpPr>
-        <p:spPr>
-          <a:xfrm>
-            <a:off x="7308850" y="6337300"/>
-            <a:ext cx="1552575" cy="301625"/>
-          </a:xfrm>
-          <a:prstGeom prst="rect">
-            <a:avLst/>
-          </a:prstGeom>
-          <a:noFill/>
-          <a:ln w="9525">
-            <a:noFill/>
-          </a:ln>
-        </p:spPr>
-        <p:txBody>
-          <a:bodyPr anchor="ctr" anchorCtr="0"/>
-          <a:p>
-            <a:pPr eaLnBrk="0" hangingPunct="0"/>
-            <a:endParaRPr lang="zh-CN" sz="1100" i="1">
-              <a:solidFill>
-                <a:srgbClr val="7F7F7F"/>
-              </a:solidFill>
-              <a:latin typeface="微软雅黑" charset="-108"/>
-              <a:ea typeface="微软雅黑" charset="-108"/>
-              <a:sym typeface="宋体" pitchFamily="2" charset="-122"/>
-            </a:endParaRPr>
-          </a:p>
-        </p:txBody>
-      </p:sp>
-      <p:sp>
-        <p:nvSpPr>
-          <p:cNvPr id="22530" name="TextBox 1"/>
-          <p:cNvSpPr/>
-          <p:nvPr/>
-        </p:nvSpPr>
-        <p:spPr>
-          <a:xfrm>
-            <a:off x="247650" y="323850"/>
-            <a:ext cx="3600450" cy="460375"/>
-          </a:xfrm>
-          <a:prstGeom prst="rect">
-            <a:avLst/>
-          </a:prstGeom>
-          <a:noFill/>
-          <a:ln w="9525">
-            <a:noFill/>
-          </a:ln>
-        </p:spPr>
-        <p:txBody>
-          <a:bodyPr wrap="square" anchor="t" anchorCtr="0">
-            <a:spAutoFit/>
-          </a:bodyPr>
-          <a:p>
-            <a:pPr eaLnBrk="0" hangingPunct="0"/>
-            <a:r>
-              <a:rPr lang="zh-CN" altLang="en-US" sz="2400" b="1" dirty="0">
-                <a:solidFill>
-                  <a:srgbClr val="0070C0"/>
-                </a:solidFill>
-                <a:latin typeface="微软雅黑" charset="-108"/>
-                <a:ea typeface="微软雅黑" charset="-108"/>
-                <a:sym typeface="微软雅黑" charset="-108"/>
-              </a:rPr>
-              <a:t>容器</a:t>
-            </a:r>
-            <a:r>
-              <a:rPr lang="en-US" altLang="zh-CN" sz="2400" b="1" dirty="0">
-                <a:solidFill>
-                  <a:srgbClr val="0070C0"/>
-                </a:solidFill>
-                <a:latin typeface="微软雅黑" charset="-108"/>
-                <a:ea typeface="微软雅黑" charset="-108"/>
-                <a:sym typeface="微软雅黑" charset="-108"/>
-              </a:rPr>
-              <a:t> </a:t>
-            </a:r>
-            <a:endParaRPr lang="en-US" altLang="zh-CN" sz="2400" b="1" dirty="0">
-              <a:solidFill>
-                <a:srgbClr val="0070C0"/>
-              </a:solidFill>
-              <a:latin typeface="微软雅黑" charset="-108"/>
-              <a:ea typeface="微软雅黑" charset="-108"/>
-              <a:sym typeface="微软雅黑" charset="-108"/>
-            </a:endParaRPr>
-          </a:p>
-        </p:txBody>
-      </p:sp>
-      <p:pic>
-        <p:nvPicPr>
-          <p:cNvPr id="22532" name="图片 22532" descr="sangfor_logo"/>
-          <p:cNvPicPr>
-            <a:picLocks noChangeAspect="1"/>
-          </p:cNvPicPr>
-          <p:nvPr/>
-        </p:nvPicPr>
-        <p:blipFill>
-          <a:blip r:embed="rId1"/>
-          <a:stretch>
-            <a:fillRect/>
-          </a:stretch>
-        </p:blipFill>
-        <p:spPr>
-          <a:xfrm>
-            <a:off x="7343775" y="473075"/>
-            <a:ext cx="1320800" cy="606425"/>
-          </a:xfrm>
-          <a:prstGeom prst="rect">
-            <a:avLst/>
-          </a:prstGeom>
-          <a:noFill/>
-          <a:ln w="9525">
-            <a:noFill/>
-          </a:ln>
-        </p:spPr>
-      </p:pic>
-      <p:sp>
-        <p:nvSpPr>
-          <p:cNvPr id="35841" name="文本框 35841"/>
-          <p:cNvSpPr txBox="1"/>
-          <p:nvPr/>
-        </p:nvSpPr>
-        <p:spPr>
-          <a:xfrm>
-            <a:off x="323850" y="836930"/>
-            <a:ext cx="5807075" cy="398780"/>
-          </a:xfrm>
-          <a:prstGeom prst="rect">
-            <a:avLst/>
-          </a:prstGeom>
-          <a:noFill/>
-          <a:ln w="9525">
-            <a:noFill/>
-          </a:ln>
-        </p:spPr>
-        <p:txBody>
-          <a:bodyPr wrap="square" anchor="t" anchorCtr="0">
-            <a:spAutoFit/>
-          </a:bodyPr>
-          <a:p>
-            <a:pPr eaLnBrk="0" hangingPunct="0">
-              <a:buFont typeface="Wingdings" panose="05000000000000000000" pitchFamily="2" charset="2"/>
-              <a:buChar char="Ø"/>
-            </a:pPr>
-            <a:r>
-              <a:rPr lang="zh-CN" altLang="en-US" sz="2000" dirty="0">
-                <a:solidFill>
-                  <a:srgbClr val="184199"/>
-                </a:solidFill>
-                <a:latin typeface="微软雅黑" charset="-108"/>
-                <a:ea typeface="微软雅黑" charset="-108"/>
-                <a:sym typeface="微软雅黑" charset="-108"/>
-              </a:rPr>
-              <a:t> 隔离资源</a:t>
-            </a:r>
-            <a:r>
-              <a:rPr lang="en-US" altLang="zh-CN" sz="2000" dirty="0">
-                <a:solidFill>
-                  <a:srgbClr val="184199"/>
-                </a:solidFill>
-                <a:latin typeface="微软雅黑" charset="-108"/>
-                <a:ea typeface="微软雅黑" charset="-108"/>
-                <a:sym typeface="微软雅黑" charset="-108"/>
-              </a:rPr>
-              <a:t>  &amp;&amp;  </a:t>
-            </a:r>
-            <a:r>
-              <a:rPr lang="zh-CN" altLang="en-US" sz="2000" dirty="0">
-                <a:solidFill>
-                  <a:srgbClr val="184199"/>
-                </a:solidFill>
-                <a:latin typeface="微软雅黑" charset="-108"/>
-                <a:ea typeface="微软雅黑" charset="-108"/>
-                <a:sym typeface="微软雅黑" charset="-108"/>
-              </a:rPr>
-              <a:t>限制</a:t>
-            </a:r>
-            <a:r>
-              <a:rPr lang="zh-CN" altLang="en-US" sz="2000" dirty="0">
-                <a:solidFill>
-                  <a:srgbClr val="184199"/>
-                </a:solidFill>
-                <a:latin typeface="微软雅黑" charset="-108"/>
-                <a:ea typeface="微软雅黑" charset="-108"/>
-                <a:sym typeface="微软雅黑" charset="-108"/>
-              </a:rPr>
-              <a:t>资源</a:t>
-            </a:r>
-            <a:endParaRPr lang="zh-CN" altLang="en-US" sz="2000" dirty="0">
-              <a:solidFill>
-                <a:srgbClr val="184199"/>
-              </a:solidFill>
-              <a:latin typeface="微软雅黑" charset="-108"/>
-              <a:ea typeface="微软雅黑" charset="-108"/>
-              <a:sym typeface="微软雅黑" charset="-108"/>
-            </a:endParaRPr>
-          </a:p>
-        </p:txBody>
-      </p:sp>
-      <p:sp>
-        <p:nvSpPr>
-          <p:cNvPr id="4" name="文本框 3"/>
-          <p:cNvSpPr txBox="1"/>
-          <p:nvPr/>
-        </p:nvSpPr>
-        <p:spPr>
-          <a:xfrm>
-            <a:off x="539750" y="1288415"/>
-            <a:ext cx="7452360" cy="5077460"/>
-          </a:xfrm>
-          <a:prstGeom prst="rect">
-            <a:avLst/>
-          </a:prstGeom>
-          <a:noFill/>
-        </p:spPr>
-        <p:txBody>
-          <a:bodyPr wrap="square" rtlCol="0">
-            <a:spAutoFit/>
-          </a:bodyPr>
-          <a:p>
-            <a:r>
-              <a:rPr lang="en-US" altLang="zh-CN"/>
-              <a:t>PID Namespace</a:t>
-            </a:r>
-            <a:endParaRPr lang="en-US" altLang="zh-CN"/>
-          </a:p>
-          <a:p>
-            <a:r>
-              <a:rPr lang="zh-CN" altLang="en-US"/>
-              <a:t>隔离进程</a:t>
-            </a:r>
-            <a:r>
-              <a:rPr lang="en-US" altLang="zh-CN"/>
-              <a:t> ID</a:t>
-            </a:r>
-            <a:r>
-              <a:rPr lang="zh-CN" altLang="en-US"/>
-              <a:t>，使得每个容器内的进程只看到自己范围内的进程。</a:t>
-            </a:r>
-            <a:endParaRPr lang="zh-CN" altLang="en-US"/>
-          </a:p>
-          <a:p>
-            <a:endParaRPr lang="en-US" altLang="zh-CN"/>
-          </a:p>
-          <a:p>
-            <a:r>
-              <a:rPr lang="en-US" altLang="zh-CN"/>
-              <a:t>NET Namespace</a:t>
-            </a:r>
-            <a:endParaRPr lang="en-US" altLang="zh-CN"/>
-          </a:p>
-          <a:p>
-            <a:r>
-              <a:rPr lang="zh-CN" altLang="en-US"/>
-              <a:t>隔离网络资源，例如网络接口、路由表、端口等。容器可以有自己的虚拟网络设备、</a:t>
-            </a:r>
-            <a:r>
-              <a:rPr lang="en-US" altLang="zh-CN"/>
-              <a:t>IP </a:t>
-            </a:r>
-            <a:r>
-              <a:rPr lang="zh-CN" altLang="en-US"/>
-              <a:t>地址和防火墙规则。</a:t>
-            </a:r>
-            <a:endParaRPr lang="zh-CN" altLang="en-US"/>
-          </a:p>
-          <a:p>
-            <a:endParaRPr lang="en-US" altLang="zh-CN"/>
-          </a:p>
-          <a:p>
-            <a:r>
-              <a:rPr lang="en-US" altLang="zh-CN"/>
-              <a:t>IPC Namespace</a:t>
-            </a:r>
-            <a:endParaRPr lang="en-US" altLang="zh-CN"/>
-          </a:p>
-          <a:p>
-            <a:r>
-              <a:rPr lang="zh-CN" altLang="en-US"/>
-              <a:t>隔离进程间通信资源，例如信号量、消息队列和共享内存。</a:t>
-            </a:r>
-            <a:endParaRPr lang="zh-CN" altLang="en-US"/>
-          </a:p>
-          <a:p>
-            <a:endParaRPr lang="en-US" altLang="zh-CN"/>
-          </a:p>
-          <a:p>
-            <a:r>
-              <a:rPr lang="en-US" altLang="zh-CN"/>
-              <a:t>UTS Namespace</a:t>
-            </a:r>
-            <a:endParaRPr lang="en-US" altLang="zh-CN"/>
-          </a:p>
-          <a:p>
-            <a:r>
-              <a:rPr lang="zh-CN" altLang="en-US"/>
-              <a:t>隔离主机名和域名，允许容器有自己的主机名。</a:t>
-            </a:r>
-            <a:endParaRPr lang="zh-CN" altLang="en-US"/>
-          </a:p>
-          <a:p>
-            <a:endParaRPr lang="en-US" altLang="zh-CN"/>
-          </a:p>
-          <a:p>
-            <a:r>
-              <a:rPr lang="en-US" altLang="zh-CN"/>
-              <a:t>Mount Namespace</a:t>
-            </a:r>
-            <a:endParaRPr lang="en-US" altLang="zh-CN"/>
-          </a:p>
-          <a:p>
-            <a:r>
-              <a:rPr lang="zh-CN" altLang="en-US"/>
-              <a:t>隔离文件系统挂载点，使容器只能看到分配给它的文件系统。</a:t>
-            </a:r>
-            <a:endParaRPr lang="zh-CN" altLang="en-US"/>
-          </a:p>
-          <a:p>
-            <a:endParaRPr lang="en-US" altLang="zh-CN"/>
-          </a:p>
-          <a:p>
-            <a:r>
-              <a:rPr lang="en-US" altLang="zh-CN"/>
-              <a:t>User Namespace</a:t>
-            </a:r>
-            <a:endParaRPr lang="en-US" altLang="zh-CN"/>
-          </a:p>
-          <a:p>
-            <a:r>
-              <a:rPr lang="zh-CN" altLang="en-US"/>
-              <a:t>隔离用户和权限，容器内的用户</a:t>
-            </a:r>
-            <a:r>
-              <a:rPr lang="en-US" altLang="zh-CN"/>
-              <a:t> ID </a:t>
-            </a:r>
-            <a:r>
-              <a:rPr lang="zh-CN" altLang="en-US"/>
-              <a:t>映射到宿主机的非特权用户。</a:t>
-            </a:r>
-            <a:endParaRPr lang="zh-CN" altLang="en-US"/>
-          </a:p>
-        </p:txBody>
-      </p:sp>
-    </p:spTree>
-  </p:cSld>
-  <p:clrMapOvr>
-    <a:masterClrMapping/>
-  </p:clrMapOvr>
 </p:sld>
 </file>
 
